--- a/_book/plot/unnamed-chunk-43-1.pptx
+++ b/_book/plot/unnamed-chunk-43-1.pptx
@@ -3192,8 +3192,8 @@
           </p:nvSpPr>
           <p:spPr>
             <a:xfrm>
-              <a:off x="2023549" y="1590617"/>
-              <a:ext cx="6913543" cy="4048310"/>
+              <a:off x="2179881" y="1809173"/>
+              <a:ext cx="1295770" cy="3464924"/>
             </a:xfrm>
             <a:prstGeom prst="rect">
               <a:avLst/>
@@ -3218,28 +3218,28 @@
           </p:nvSpPr>
           <p:spPr>
             <a:xfrm>
-              <a:off x="2805143" y="1590617"/>
-              <a:ext cx="0" cy="4048310"/>
-            </a:xfrm>
-            <a:custGeom>
-              <a:avLst/>
-              <a:pathLst>
-                <a:path w="0" h="4048310">
-                  <a:moveTo>
-                    <a:pt x="0" y="4048310"/>
-                  </a:moveTo>
-                  <a:lnTo>
-                    <a:pt x="0" y="0"/>
-                  </a:lnTo>
-                  <a:lnTo>
-                    <a:pt x="0" y="0"/>
-                  </a:lnTo>
-                </a:path>
-              </a:pathLst>
-            </a:custGeom>
-            <a:ln w="3387" cap="flat">
-              <a:solidFill>
-                <a:srgbClr val="DEDEDE">
+              <a:off x="2179881" y="4796485"/>
+              <a:ext cx="1295770" cy="0"/>
+            </a:xfrm>
+            <a:custGeom>
+              <a:avLst/>
+              <a:pathLst>
+                <a:path w="1295770" h="0">
+                  <a:moveTo>
+                    <a:pt x="0" y="0"/>
+                  </a:moveTo>
+                  <a:lnTo>
+                    <a:pt x="1295770" y="0"/>
+                  </a:lnTo>
+                  <a:lnTo>
+                    <a:pt x="1295770" y="0"/>
+                  </a:lnTo>
+                </a:path>
+              </a:pathLst>
+            </a:custGeom>
+            <a:ln w="6775" cap="flat">
+              <a:solidFill>
+                <a:srgbClr val="EBEBEB">
                   <a:alpha val="100000"/>
                 </a:srgbClr>
               </a:solidFill>
@@ -3261,28 +3261,28 @@
           </p:nvSpPr>
           <p:spPr>
             <a:xfrm>
-              <a:off x="4368331" y="1590617"/>
-              <a:ext cx="0" cy="4048310"/>
-            </a:xfrm>
-            <a:custGeom>
-              <a:avLst/>
-              <a:pathLst>
-                <a:path w="0" h="4048310">
-                  <a:moveTo>
-                    <a:pt x="0" y="4048310"/>
-                  </a:moveTo>
-                  <a:lnTo>
-                    <a:pt x="0" y="0"/>
-                  </a:lnTo>
-                  <a:lnTo>
-                    <a:pt x="0" y="0"/>
-                  </a:lnTo>
-                </a:path>
-              </a:pathLst>
-            </a:custGeom>
-            <a:ln w="3387" cap="flat">
-              <a:solidFill>
-                <a:srgbClr val="DEDEDE">
+              <a:off x="2179881" y="4156256"/>
+              <a:ext cx="1295770" cy="0"/>
+            </a:xfrm>
+            <a:custGeom>
+              <a:avLst/>
+              <a:pathLst>
+                <a:path w="1295770" h="0">
+                  <a:moveTo>
+                    <a:pt x="0" y="0"/>
+                  </a:moveTo>
+                  <a:lnTo>
+                    <a:pt x="1295770" y="0"/>
+                  </a:lnTo>
+                  <a:lnTo>
+                    <a:pt x="1295770" y="0"/>
+                  </a:lnTo>
+                </a:path>
+              </a:pathLst>
+            </a:custGeom>
+            <a:ln w="6775" cap="flat">
+              <a:solidFill>
+                <a:srgbClr val="EBEBEB">
                   <a:alpha val="100000"/>
                 </a:srgbClr>
               </a:solidFill>
@@ -3304,28 +3304,28 @@
           </p:nvSpPr>
           <p:spPr>
             <a:xfrm>
-              <a:off x="5931519" y="1590617"/>
-              <a:ext cx="0" cy="4048310"/>
-            </a:xfrm>
-            <a:custGeom>
-              <a:avLst/>
-              <a:pathLst>
-                <a:path w="0" h="4048310">
-                  <a:moveTo>
-                    <a:pt x="0" y="4048310"/>
-                  </a:moveTo>
-                  <a:lnTo>
-                    <a:pt x="0" y="0"/>
-                  </a:lnTo>
-                  <a:lnTo>
-                    <a:pt x="0" y="0"/>
-                  </a:lnTo>
-                </a:path>
-              </a:pathLst>
-            </a:custGeom>
-            <a:ln w="3387" cap="flat">
-              <a:solidFill>
-                <a:srgbClr val="DEDEDE">
+              <a:off x="2179881" y="3516026"/>
+              <a:ext cx="1295770" cy="0"/>
+            </a:xfrm>
+            <a:custGeom>
+              <a:avLst/>
+              <a:pathLst>
+                <a:path w="1295770" h="0">
+                  <a:moveTo>
+                    <a:pt x="0" y="0"/>
+                  </a:moveTo>
+                  <a:lnTo>
+                    <a:pt x="1295770" y="0"/>
+                  </a:lnTo>
+                  <a:lnTo>
+                    <a:pt x="1295770" y="0"/>
+                  </a:lnTo>
+                </a:path>
+              </a:pathLst>
+            </a:custGeom>
+            <a:ln w="6775" cap="flat">
+              <a:solidFill>
+                <a:srgbClr val="EBEBEB">
                   <a:alpha val="100000"/>
                 </a:srgbClr>
               </a:solidFill>
@@ -3347,28 +3347,28 @@
           </p:nvSpPr>
           <p:spPr>
             <a:xfrm>
-              <a:off x="7494707" y="1590617"/>
-              <a:ext cx="0" cy="4048310"/>
-            </a:xfrm>
-            <a:custGeom>
-              <a:avLst/>
-              <a:pathLst>
-                <a:path w="0" h="4048310">
-                  <a:moveTo>
-                    <a:pt x="0" y="4048310"/>
-                  </a:moveTo>
-                  <a:lnTo>
-                    <a:pt x="0" y="0"/>
-                  </a:lnTo>
-                  <a:lnTo>
-                    <a:pt x="0" y="0"/>
-                  </a:lnTo>
-                </a:path>
-              </a:pathLst>
-            </a:custGeom>
-            <a:ln w="3387" cap="flat">
-              <a:solidFill>
-                <a:srgbClr val="DEDEDE">
+              <a:off x="2179881" y="2875796"/>
+              <a:ext cx="1295770" cy="0"/>
+            </a:xfrm>
+            <a:custGeom>
+              <a:avLst/>
+              <a:pathLst>
+                <a:path w="1295770" h="0">
+                  <a:moveTo>
+                    <a:pt x="0" y="0"/>
+                  </a:moveTo>
+                  <a:lnTo>
+                    <a:pt x="1295770" y="0"/>
+                  </a:lnTo>
+                  <a:lnTo>
+                    <a:pt x="1295770" y="0"/>
+                  </a:lnTo>
+                </a:path>
+              </a:pathLst>
+            </a:custGeom>
+            <a:ln w="6775" cap="flat">
+              <a:solidFill>
+                <a:srgbClr val="EBEBEB">
                   <a:alpha val="100000"/>
                 </a:srgbClr>
               </a:solidFill>
@@ -3390,28 +3390,28 @@
           </p:nvSpPr>
           <p:spPr>
             <a:xfrm>
-              <a:off x="2023549" y="5060597"/>
-              <a:ext cx="6913543" cy="0"/>
-            </a:xfrm>
-            <a:custGeom>
-              <a:avLst/>
-              <a:pathLst>
-                <a:path w="6913543" h="0">
-                  <a:moveTo>
-                    <a:pt x="0" y="0"/>
-                  </a:moveTo>
-                  <a:lnTo>
-                    <a:pt x="6913543" y="0"/>
-                  </a:lnTo>
-                  <a:lnTo>
-                    <a:pt x="6913543" y="0"/>
+              <a:off x="2179881" y="2235566"/>
+              <a:ext cx="1295770" cy="0"/>
+            </a:xfrm>
+            <a:custGeom>
+              <a:avLst/>
+              <a:pathLst>
+                <a:path w="1295770" h="0">
+                  <a:moveTo>
+                    <a:pt x="0" y="0"/>
+                  </a:moveTo>
+                  <a:lnTo>
+                    <a:pt x="1295770" y="0"/>
+                  </a:lnTo>
+                  <a:lnTo>
+                    <a:pt x="1295770" y="0"/>
                   </a:lnTo>
                 </a:path>
               </a:pathLst>
             </a:custGeom>
             <a:ln w="6775" cap="flat">
               <a:solidFill>
-                <a:srgbClr val="DEDEDE">
+                <a:srgbClr val="EBEBEB">
                   <a:alpha val="100000"/>
                 </a:srgbClr>
               </a:solidFill>
@@ -3433,28 +3433,28 @@
           </p:nvSpPr>
           <p:spPr>
             <a:xfrm>
-              <a:off x="2023549" y="4096714"/>
-              <a:ext cx="6913543" cy="0"/>
-            </a:xfrm>
-            <a:custGeom>
-              <a:avLst/>
-              <a:pathLst>
-                <a:path w="6913543" h="0">
-                  <a:moveTo>
-                    <a:pt x="0" y="0"/>
-                  </a:moveTo>
-                  <a:lnTo>
-                    <a:pt x="6913543" y="0"/>
-                  </a:lnTo>
-                  <a:lnTo>
-                    <a:pt x="6913543" y="0"/>
-                  </a:lnTo>
-                </a:path>
-              </a:pathLst>
-            </a:custGeom>
-            <a:ln w="6775" cap="flat">
-              <a:solidFill>
-                <a:srgbClr val="DEDEDE">
+              <a:off x="2179881" y="5116600"/>
+              <a:ext cx="1295770" cy="0"/>
+            </a:xfrm>
+            <a:custGeom>
+              <a:avLst/>
+              <a:pathLst>
+                <a:path w="1295770" h="0">
+                  <a:moveTo>
+                    <a:pt x="0" y="0"/>
+                  </a:moveTo>
+                  <a:lnTo>
+                    <a:pt x="1295770" y="0"/>
+                  </a:lnTo>
+                  <a:lnTo>
+                    <a:pt x="1295770" y="0"/>
+                  </a:lnTo>
+                </a:path>
+              </a:pathLst>
+            </a:custGeom>
+            <a:ln w="13550" cap="flat">
+              <a:solidFill>
+                <a:srgbClr val="EBEBEB">
                   <a:alpha val="100000"/>
                 </a:srgbClr>
               </a:solidFill>
@@ -3476,28 +3476,28 @@
           </p:nvSpPr>
           <p:spPr>
             <a:xfrm>
-              <a:off x="2023549" y="3132830"/>
-              <a:ext cx="6913543" cy="0"/>
-            </a:xfrm>
-            <a:custGeom>
-              <a:avLst/>
-              <a:pathLst>
-                <a:path w="6913543" h="0">
-                  <a:moveTo>
-                    <a:pt x="0" y="0"/>
-                  </a:moveTo>
-                  <a:lnTo>
-                    <a:pt x="6913543" y="0"/>
-                  </a:lnTo>
-                  <a:lnTo>
-                    <a:pt x="6913543" y="0"/>
-                  </a:lnTo>
-                </a:path>
-              </a:pathLst>
-            </a:custGeom>
-            <a:ln w="6775" cap="flat">
-              <a:solidFill>
-                <a:srgbClr val="DEDEDE">
+              <a:off x="2179881" y="4476370"/>
+              <a:ext cx="1295770" cy="0"/>
+            </a:xfrm>
+            <a:custGeom>
+              <a:avLst/>
+              <a:pathLst>
+                <a:path w="1295770" h="0">
+                  <a:moveTo>
+                    <a:pt x="0" y="0"/>
+                  </a:moveTo>
+                  <a:lnTo>
+                    <a:pt x="1295770" y="0"/>
+                  </a:lnTo>
+                  <a:lnTo>
+                    <a:pt x="1295770" y="0"/>
+                  </a:lnTo>
+                </a:path>
+              </a:pathLst>
+            </a:custGeom>
+            <a:ln w="13550" cap="flat">
+              <a:solidFill>
+                <a:srgbClr val="EBEBEB">
                   <a:alpha val="100000"/>
                 </a:srgbClr>
               </a:solidFill>
@@ -3519,28 +3519,28 @@
           </p:nvSpPr>
           <p:spPr>
             <a:xfrm>
-              <a:off x="2023549" y="2168947"/>
-              <a:ext cx="6913543" cy="0"/>
-            </a:xfrm>
-            <a:custGeom>
-              <a:avLst/>
-              <a:pathLst>
-                <a:path w="6913543" h="0">
-                  <a:moveTo>
-                    <a:pt x="0" y="0"/>
-                  </a:moveTo>
-                  <a:lnTo>
-                    <a:pt x="6913543" y="0"/>
-                  </a:lnTo>
-                  <a:lnTo>
-                    <a:pt x="6913543" y="0"/>
-                  </a:lnTo>
-                </a:path>
-              </a:pathLst>
-            </a:custGeom>
-            <a:ln w="6775" cap="flat">
-              <a:solidFill>
-                <a:srgbClr val="DEDEDE">
+              <a:off x="2179881" y="3836141"/>
+              <a:ext cx="1295770" cy="0"/>
+            </a:xfrm>
+            <a:custGeom>
+              <a:avLst/>
+              <a:pathLst>
+                <a:path w="1295770" h="0">
+                  <a:moveTo>
+                    <a:pt x="0" y="0"/>
+                  </a:moveTo>
+                  <a:lnTo>
+                    <a:pt x="1295770" y="0"/>
+                  </a:lnTo>
+                  <a:lnTo>
+                    <a:pt x="1295770" y="0"/>
+                  </a:lnTo>
+                </a:path>
+              </a:pathLst>
+            </a:custGeom>
+            <a:ln w="13550" cap="flat">
+              <a:solidFill>
+                <a:srgbClr val="EBEBEB">
                   <a:alpha val="100000"/>
                 </a:srgbClr>
               </a:solidFill>
@@ -3562,28 +3562,28 @@
           </p:nvSpPr>
           <p:spPr>
             <a:xfrm>
-              <a:off x="2023549" y="1590617"/>
-              <a:ext cx="0" cy="4048310"/>
-            </a:xfrm>
-            <a:custGeom>
-              <a:avLst/>
-              <a:pathLst>
-                <a:path w="0" h="4048310">
-                  <a:moveTo>
-                    <a:pt x="0" y="4048310"/>
-                  </a:moveTo>
-                  <a:lnTo>
-                    <a:pt x="0" y="0"/>
-                  </a:lnTo>
-                  <a:lnTo>
-                    <a:pt x="0" y="0"/>
-                  </a:lnTo>
-                </a:path>
-              </a:pathLst>
-            </a:custGeom>
-            <a:ln w="6775" cap="flat">
-              <a:solidFill>
-                <a:srgbClr val="DEDEDE">
+              <a:off x="2179881" y="3195911"/>
+              <a:ext cx="1295770" cy="0"/>
+            </a:xfrm>
+            <a:custGeom>
+              <a:avLst/>
+              <a:pathLst>
+                <a:path w="1295770" h="0">
+                  <a:moveTo>
+                    <a:pt x="0" y="0"/>
+                  </a:moveTo>
+                  <a:lnTo>
+                    <a:pt x="1295770" y="0"/>
+                  </a:lnTo>
+                  <a:lnTo>
+                    <a:pt x="1295770" y="0"/>
+                  </a:lnTo>
+                </a:path>
+              </a:pathLst>
+            </a:custGeom>
+            <a:ln w="13550" cap="flat">
+              <a:solidFill>
+                <a:srgbClr val="EBEBEB">
                   <a:alpha val="100000"/>
                 </a:srgbClr>
               </a:solidFill>
@@ -3605,28 +3605,28 @@
           </p:nvSpPr>
           <p:spPr>
             <a:xfrm>
-              <a:off x="3586737" y="1590617"/>
-              <a:ext cx="0" cy="4048310"/>
-            </a:xfrm>
-            <a:custGeom>
-              <a:avLst/>
-              <a:pathLst>
-                <a:path w="0" h="4048310">
-                  <a:moveTo>
-                    <a:pt x="0" y="4048310"/>
-                  </a:moveTo>
-                  <a:lnTo>
-                    <a:pt x="0" y="0"/>
-                  </a:lnTo>
-                  <a:lnTo>
-                    <a:pt x="0" y="0"/>
-                  </a:lnTo>
-                </a:path>
-              </a:pathLst>
-            </a:custGeom>
-            <a:ln w="6775" cap="flat">
-              <a:solidFill>
-                <a:srgbClr val="DEDEDE">
+              <a:off x="2179881" y="2555681"/>
+              <a:ext cx="1295770" cy="0"/>
+            </a:xfrm>
+            <a:custGeom>
+              <a:avLst/>
+              <a:pathLst>
+                <a:path w="1295770" h="0">
+                  <a:moveTo>
+                    <a:pt x="0" y="0"/>
+                  </a:moveTo>
+                  <a:lnTo>
+                    <a:pt x="1295770" y="0"/>
+                  </a:lnTo>
+                  <a:lnTo>
+                    <a:pt x="1295770" y="0"/>
+                  </a:lnTo>
+                </a:path>
+              </a:pathLst>
+            </a:custGeom>
+            <a:ln w="13550" cap="flat">
+              <a:solidFill>
+                <a:srgbClr val="EBEBEB">
                   <a:alpha val="100000"/>
                 </a:srgbClr>
               </a:solidFill>
@@ -3648,28 +3648,28 @@
           </p:nvSpPr>
           <p:spPr>
             <a:xfrm>
-              <a:off x="5149925" y="1590617"/>
-              <a:ext cx="0" cy="4048310"/>
-            </a:xfrm>
-            <a:custGeom>
-              <a:avLst/>
-              <a:pathLst>
-                <a:path w="0" h="4048310">
-                  <a:moveTo>
-                    <a:pt x="0" y="4048310"/>
-                  </a:moveTo>
-                  <a:lnTo>
-                    <a:pt x="0" y="0"/>
-                  </a:lnTo>
-                  <a:lnTo>
-                    <a:pt x="0" y="0"/>
-                  </a:lnTo>
-                </a:path>
-              </a:pathLst>
-            </a:custGeom>
-            <a:ln w="6775" cap="flat">
-              <a:solidFill>
-                <a:srgbClr val="DEDEDE">
+              <a:off x="2179881" y="1915451"/>
+              <a:ext cx="1295770" cy="0"/>
+            </a:xfrm>
+            <a:custGeom>
+              <a:avLst/>
+              <a:pathLst>
+                <a:path w="1295770" h="0">
+                  <a:moveTo>
+                    <a:pt x="0" y="0"/>
+                  </a:moveTo>
+                  <a:lnTo>
+                    <a:pt x="1295770" y="0"/>
+                  </a:lnTo>
+                  <a:lnTo>
+                    <a:pt x="1295770" y="0"/>
+                  </a:lnTo>
+                </a:path>
+              </a:pathLst>
+            </a:custGeom>
+            <a:ln w="13550" cap="flat">
+              <a:solidFill>
+                <a:srgbClr val="EBEBEB">
                   <a:alpha val="100000"/>
                 </a:srgbClr>
               </a:solidFill>
@@ -3691,28 +3691,28 @@
           </p:nvSpPr>
           <p:spPr>
             <a:xfrm>
-              <a:off x="6713113" y="1590617"/>
-              <a:ext cx="0" cy="4048310"/>
-            </a:xfrm>
-            <a:custGeom>
-              <a:avLst/>
-              <a:pathLst>
-                <a:path w="0" h="4048310">
-                  <a:moveTo>
-                    <a:pt x="0" y="4048310"/>
-                  </a:moveTo>
-                  <a:lnTo>
-                    <a:pt x="0" y="0"/>
-                  </a:lnTo>
-                  <a:lnTo>
-                    <a:pt x="0" y="0"/>
-                  </a:lnTo>
-                </a:path>
-              </a:pathLst>
-            </a:custGeom>
-            <a:ln w="6775" cap="flat">
-              <a:solidFill>
-                <a:srgbClr val="DEDEDE">
+              <a:off x="2364991" y="1809173"/>
+              <a:ext cx="0" cy="3464924"/>
+            </a:xfrm>
+            <a:custGeom>
+              <a:avLst/>
+              <a:pathLst>
+                <a:path w="0" h="3464924">
+                  <a:moveTo>
+                    <a:pt x="0" y="3464924"/>
+                  </a:moveTo>
+                  <a:lnTo>
+                    <a:pt x="0" y="0"/>
+                  </a:lnTo>
+                  <a:lnTo>
+                    <a:pt x="0" y="0"/>
+                  </a:lnTo>
+                </a:path>
+              </a:pathLst>
+            </a:custGeom>
+            <a:ln w="13550" cap="flat">
+              <a:solidFill>
+                <a:srgbClr val="EBEBEB">
                   <a:alpha val="100000"/>
                 </a:srgbClr>
               </a:solidFill>
@@ -3734,57 +3734,143 @@
           </p:nvSpPr>
           <p:spPr>
             <a:xfrm>
-              <a:off x="8276301" y="1590617"/>
-              <a:ext cx="0" cy="4048310"/>
-            </a:xfrm>
-            <a:custGeom>
-              <a:avLst/>
-              <a:pathLst>
-                <a:path w="0" h="4048310">
-                  <a:moveTo>
-                    <a:pt x="0" y="4048310"/>
-                  </a:moveTo>
-                  <a:lnTo>
-                    <a:pt x="0" y="0"/>
-                  </a:lnTo>
-                  <a:lnTo>
-                    <a:pt x="0" y="0"/>
-                  </a:lnTo>
-                </a:path>
-              </a:pathLst>
-            </a:custGeom>
-            <a:ln w="6775" cap="flat">
-              <a:solidFill>
-                <a:srgbClr val="DEDEDE">
-                  <a:alpha val="100000"/>
-                </a:srgbClr>
-              </a:solidFill>
-              <a:prstDash val="solid"/>
-              <a:round/>
-            </a:ln>
-          </p:spPr>
-          <p:txBody>
-            <a:bodyPr/>
-            <a:lstStyle/>
-            <a:p/>
-          </p:txBody>
-        </p:sp>
-        <p:sp>
-          <p:nvSpPr>
-            <p:cNvPr id="19" name="rc19"/>
-            <p:cNvSpPr/>
-            <p:nvPr/>
-          </p:nvSpPr>
-          <p:spPr>
-            <a:xfrm>
-              <a:off x="2023549" y="1735199"/>
-              <a:ext cx="6777983" cy="867495"/>
+              <a:off x="2673508" y="1809173"/>
+              <a:ext cx="0" cy="3464924"/>
+            </a:xfrm>
+            <a:custGeom>
+              <a:avLst/>
+              <a:pathLst>
+                <a:path w="0" h="3464924">
+                  <a:moveTo>
+                    <a:pt x="0" y="3464924"/>
+                  </a:moveTo>
+                  <a:lnTo>
+                    <a:pt x="0" y="0"/>
+                  </a:lnTo>
+                  <a:lnTo>
+                    <a:pt x="0" y="0"/>
+                  </a:lnTo>
+                </a:path>
+              </a:pathLst>
+            </a:custGeom>
+            <a:ln w="13550" cap="flat">
+              <a:solidFill>
+                <a:srgbClr val="EBEBEB">
+                  <a:alpha val="100000"/>
+                </a:srgbClr>
+              </a:solidFill>
+              <a:prstDash val="solid"/>
+              <a:round/>
+            </a:ln>
+          </p:spPr>
+          <p:txBody>
+            <a:bodyPr/>
+            <a:lstStyle/>
+            <a:p/>
+          </p:txBody>
+        </p:sp>
+        <p:sp>
+          <p:nvSpPr>
+            <p:cNvPr id="19" name="pl19"/>
+            <p:cNvSpPr/>
+            <p:nvPr/>
+          </p:nvSpPr>
+          <p:spPr>
+            <a:xfrm>
+              <a:off x="2982025" y="1809173"/>
+              <a:ext cx="0" cy="3464924"/>
+            </a:xfrm>
+            <a:custGeom>
+              <a:avLst/>
+              <a:pathLst>
+                <a:path w="0" h="3464924">
+                  <a:moveTo>
+                    <a:pt x="0" y="3464924"/>
+                  </a:moveTo>
+                  <a:lnTo>
+                    <a:pt x="0" y="0"/>
+                  </a:lnTo>
+                  <a:lnTo>
+                    <a:pt x="0" y="0"/>
+                  </a:lnTo>
+                </a:path>
+              </a:pathLst>
+            </a:custGeom>
+            <a:ln w="13550" cap="flat">
+              <a:solidFill>
+                <a:srgbClr val="EBEBEB">
+                  <a:alpha val="100000"/>
+                </a:srgbClr>
+              </a:solidFill>
+              <a:prstDash val="solid"/>
+              <a:round/>
+            </a:ln>
+          </p:spPr>
+          <p:txBody>
+            <a:bodyPr/>
+            <a:lstStyle/>
+            <a:p/>
+          </p:txBody>
+        </p:sp>
+        <p:sp>
+          <p:nvSpPr>
+            <p:cNvPr id="20" name="pl20"/>
+            <p:cNvSpPr/>
+            <p:nvPr/>
+          </p:nvSpPr>
+          <p:spPr>
+            <a:xfrm>
+              <a:off x="3290542" y="1809173"/>
+              <a:ext cx="0" cy="3464924"/>
+            </a:xfrm>
+            <a:custGeom>
+              <a:avLst/>
+              <a:pathLst>
+                <a:path w="0" h="3464924">
+                  <a:moveTo>
+                    <a:pt x="0" y="3464924"/>
+                  </a:moveTo>
+                  <a:lnTo>
+                    <a:pt x="0" y="0"/>
+                  </a:lnTo>
+                  <a:lnTo>
+                    <a:pt x="0" y="0"/>
+                  </a:lnTo>
+                </a:path>
+              </a:pathLst>
+            </a:custGeom>
+            <a:ln w="13550" cap="flat">
+              <a:solidFill>
+                <a:srgbClr val="EBEBEB">
+                  <a:alpha val="100000"/>
+                </a:srgbClr>
+              </a:solidFill>
+              <a:prstDash val="solid"/>
+              <a:round/>
+            </a:ln>
+          </p:spPr>
+          <p:txBody>
+            <a:bodyPr/>
+            <a:lstStyle/>
+            <a:p/>
+          </p:txBody>
+        </p:sp>
+        <p:sp>
+          <p:nvSpPr>
+            <p:cNvPr id="21" name="rc21"/>
+            <p:cNvSpPr/>
+            <p:nvPr/>
+          </p:nvSpPr>
+          <p:spPr>
+            <a:xfrm>
+              <a:off x="2226159" y="4604416"/>
+              <a:ext cx="277665" cy="512183"/>
             </a:xfrm>
             <a:prstGeom prst="rect">
               <a:avLst/>
             </a:prstGeom>
             <a:solidFill>
-              <a:srgbClr val="595959">
+              <a:srgbClr val="FEE5D9">
                 <a:alpha val="100000"/>
               </a:srgbClr>
             </a:solidFill>
@@ -3797,20 +3883,20 @@
         </p:sp>
         <p:sp>
           <p:nvSpPr>
-            <p:cNvPr id="20" name="rc20"/>
-            <p:cNvSpPr/>
-            <p:nvPr/>
-          </p:nvSpPr>
-          <p:spPr>
-            <a:xfrm>
-              <a:off x="2023549" y="2699083"/>
-              <a:ext cx="2640224" cy="867495"/>
+            <p:cNvPr id="22" name="rc22"/>
+            <p:cNvSpPr/>
+            <p:nvPr/>
+          </p:nvSpPr>
+          <p:spPr>
+            <a:xfrm>
+              <a:off x="2534676" y="1966669"/>
+              <a:ext cx="277665" cy="3149931"/>
             </a:xfrm>
             <a:prstGeom prst="rect">
               <a:avLst/>
             </a:prstGeom>
             <a:solidFill>
-              <a:srgbClr val="595959">
+              <a:srgbClr val="FCAE91">
                 <a:alpha val="100000"/>
               </a:srgbClr>
             </a:solidFill>
@@ -3823,20 +3909,20 @@
         </p:sp>
         <p:sp>
           <p:nvSpPr>
-            <p:cNvPr id="21" name="rc21"/>
-            <p:cNvSpPr/>
-            <p:nvPr/>
-          </p:nvSpPr>
-          <p:spPr>
-            <a:xfrm>
-              <a:off x="2023549" y="3662966"/>
-              <a:ext cx="1599141" cy="867495"/>
+            <p:cNvPr id="23" name="rc23"/>
+            <p:cNvSpPr/>
+            <p:nvPr/>
+          </p:nvSpPr>
+          <p:spPr>
+            <a:xfrm>
+              <a:off x="2843193" y="4309911"/>
+              <a:ext cx="277665" cy="806689"/>
             </a:xfrm>
             <a:prstGeom prst="rect">
               <a:avLst/>
             </a:prstGeom>
             <a:solidFill>
-              <a:srgbClr val="595959">
+              <a:srgbClr val="FB6A4A">
                 <a:alpha val="100000"/>
               </a:srgbClr>
             </a:solidFill>
@@ -3849,20 +3935,20 @@
         </p:sp>
         <p:sp>
           <p:nvSpPr>
-            <p:cNvPr id="22" name="rc22"/>
-            <p:cNvSpPr/>
-            <p:nvPr/>
-          </p:nvSpPr>
-          <p:spPr>
-            <a:xfrm>
-              <a:off x="2023549" y="4626850"/>
-              <a:ext cx="1492844" cy="867495"/>
+            <p:cNvPr id="24" name="rc24"/>
+            <p:cNvSpPr/>
+            <p:nvPr/>
+          </p:nvSpPr>
+          <p:spPr>
+            <a:xfrm>
+              <a:off x="3151709" y="3951382"/>
+              <a:ext cx="277665" cy="1165218"/>
             </a:xfrm>
             <a:prstGeom prst="rect">
               <a:avLst/>
             </a:prstGeom>
             <a:solidFill>
-              <a:srgbClr val="595959">
+              <a:srgbClr val="CB181D">
                 <a:alpha val="100000"/>
               </a:srgbClr>
             </a:solidFill>
@@ -3875,228 +3961,3299 @@
         </p:sp>
         <p:sp>
           <p:nvSpPr>
-            <p:cNvPr id="23" name="tx23"/>
-            <p:cNvSpPr/>
-            <p:nvPr/>
-          </p:nvSpPr>
-          <p:spPr>
-            <a:xfrm>
-              <a:off x="8181581" y="2124473"/>
-              <a:ext cx="487822" cy="67753"/>
-            </a:xfrm>
-            <a:prstGeom prst="rect">
-              <a:avLst/>
-            </a:prstGeom>
-            <a:noFill/>
-          </p:spPr>
-          <p:txBody>
-            <a:bodyPr lIns="0" rIns="0" tIns="0" bIns="0" anchorCtr="1" anchor="ctr" wrap="none"/>
-            <a:lstStyle/>
-            <a:p>
-              <a:pPr algn="l" marL="0" marR="0" indent="0">
-                <a:lnSpc>
-                  <a:spcPts val="853"/>
-                </a:lnSpc>
-                <a:spcBef>
-                  <a:spcPts val="0"/>
-                </a:spcBef>
-                <a:spcAft>
-                  <a:spcPts val="0"/>
-                </a:spcAft>
-              </a:pPr>
-              <a:r>
-                <a:rPr sz="853" b="1">
-                  <a:solidFill>
-                    <a:srgbClr val="FFFFFF">
-                      <a:alpha val="100000"/>
-                    </a:srgbClr>
-                  </a:solidFill>
-                  <a:latin typeface="Arial"/>
-                  <a:cs typeface="Arial"/>
-                </a:rPr>
-                <a:t>国产知名品牌</a:t>
-              </a:r>
-            </a:p>
-          </p:txBody>
-        </p:sp>
-        <p:sp>
-          <p:nvSpPr>
-            <p:cNvPr id="24" name="tx24"/>
-            <p:cNvSpPr/>
-            <p:nvPr/>
-          </p:nvSpPr>
-          <p:spPr>
-            <a:xfrm>
-              <a:off x="4795902" y="3103876"/>
-              <a:ext cx="731733" cy="67753"/>
-            </a:xfrm>
-            <a:prstGeom prst="rect">
-              <a:avLst/>
-            </a:prstGeom>
-            <a:noFill/>
-          </p:spPr>
-          <p:txBody>
-            <a:bodyPr lIns="0" rIns="0" tIns="0" bIns="0" anchorCtr="1" anchor="ctr" wrap="none"/>
-            <a:lstStyle/>
-            <a:p>
-              <a:pPr algn="l" marL="0" marR="0" indent="0">
-                <a:lnSpc>
-                  <a:spcPts val="853"/>
-                </a:lnSpc>
-                <a:spcBef>
-                  <a:spcPts val="0"/>
-                </a:spcBef>
-                <a:spcAft>
-                  <a:spcPts val="0"/>
-                </a:spcAft>
-              </a:pPr>
-              <a:r>
-                <a:rPr sz="853">
-                  <a:solidFill>
-                    <a:srgbClr val="000000">
-                      <a:alpha val="100000"/>
-                    </a:srgbClr>
-                  </a:solidFill>
-                  <a:latin typeface="Arial"/>
-                  <a:cs typeface="Arial"/>
-                </a:rPr>
-                <a:t>海淘进口的其他品牌</a:t>
-              </a:r>
-            </a:p>
-          </p:txBody>
-        </p:sp>
-        <p:sp>
-          <p:nvSpPr>
-            <p:cNvPr id="25" name="tx25"/>
-            <p:cNvSpPr/>
-            <p:nvPr/>
-          </p:nvSpPr>
-          <p:spPr>
-            <a:xfrm>
-              <a:off x="3754819" y="4067760"/>
-              <a:ext cx="487822" cy="67753"/>
-            </a:xfrm>
-            <a:prstGeom prst="rect">
-              <a:avLst/>
-            </a:prstGeom>
-            <a:noFill/>
-          </p:spPr>
-          <p:txBody>
-            <a:bodyPr lIns="0" rIns="0" tIns="0" bIns="0" anchorCtr="1" anchor="ctr" wrap="none"/>
-            <a:lstStyle/>
-            <a:p>
-              <a:pPr algn="l" marL="0" marR="0" indent="0">
-                <a:lnSpc>
-                  <a:spcPts val="853"/>
-                </a:lnSpc>
-                <a:spcBef>
-                  <a:spcPts val="0"/>
-                </a:spcBef>
-                <a:spcAft>
-                  <a:spcPts val="0"/>
-                </a:spcAft>
-              </a:pPr>
-              <a:r>
-                <a:rPr sz="853">
-                  <a:solidFill>
-                    <a:srgbClr val="000000">
-                      <a:alpha val="100000"/>
-                    </a:srgbClr>
-                  </a:solidFill>
-                  <a:latin typeface="Arial"/>
-                  <a:cs typeface="Arial"/>
-                </a:rPr>
-                <a:t>国产新兴品牌</a:t>
-              </a:r>
-            </a:p>
-          </p:txBody>
-        </p:sp>
-        <p:sp>
-          <p:nvSpPr>
-            <p:cNvPr id="26" name="tx26"/>
-            <p:cNvSpPr/>
-            <p:nvPr/>
-          </p:nvSpPr>
-          <p:spPr>
-            <a:xfrm>
-              <a:off x="3648522" y="5031643"/>
-              <a:ext cx="731733" cy="67753"/>
-            </a:xfrm>
-            <a:prstGeom prst="rect">
-              <a:avLst/>
-            </a:prstGeom>
-            <a:noFill/>
-          </p:spPr>
-          <p:txBody>
-            <a:bodyPr lIns="0" rIns="0" tIns="0" bIns="0" anchorCtr="1" anchor="ctr" wrap="none"/>
-            <a:lstStyle/>
-            <a:p>
-              <a:pPr algn="l" marL="0" marR="0" indent="0">
-                <a:lnSpc>
-                  <a:spcPts val="853"/>
-                </a:lnSpc>
-                <a:spcBef>
-                  <a:spcPts val="0"/>
-                </a:spcBef>
-                <a:spcAft>
-                  <a:spcPts val="0"/>
-                </a:spcAft>
-              </a:pPr>
-              <a:r>
-                <a:rPr sz="853">
-                  <a:solidFill>
-                    <a:srgbClr val="000000">
-                      <a:alpha val="100000"/>
-                    </a:srgbClr>
-                  </a:solidFill>
-                  <a:latin typeface="Arial"/>
-                  <a:cs typeface="Arial"/>
-                </a:rPr>
-                <a:t>海淘进口的知名品牌</a:t>
-              </a:r>
-            </a:p>
-          </p:txBody>
-        </p:sp>
-        <p:sp>
-          <p:nvSpPr>
-            <p:cNvPr id="27" name="rc27"/>
-            <p:cNvSpPr/>
-            <p:nvPr/>
-          </p:nvSpPr>
-          <p:spPr>
-            <a:xfrm>
-              <a:off x="2023549" y="1590617"/>
-              <a:ext cx="6913543" cy="4048310"/>
+            <p:cNvPr id="25" name="rc25"/>
+            <p:cNvSpPr/>
+            <p:nvPr/>
+          </p:nvSpPr>
+          <p:spPr>
+            <a:xfrm>
+              <a:off x="2179881" y="1809173"/>
+              <a:ext cx="1295770" cy="3464924"/>
             </a:xfrm>
             <a:prstGeom prst="rect">
               <a:avLst/>
             </a:prstGeom>
             <a:ln w="13550" cap="rnd">
               <a:solidFill>
-                <a:srgbClr val="B3B3B3">
-                  <a:alpha val="100000"/>
-                </a:srgbClr>
-              </a:solidFill>
-              <a:prstDash val="solid"/>
-              <a:round/>
-            </a:ln>
-          </p:spPr>
-          <p:txBody>
-            <a:bodyPr/>
-            <a:lstStyle/>
-            <a:p/>
-          </p:txBody>
-        </p:sp>
-        <p:sp>
-          <p:nvSpPr>
-            <p:cNvPr id="28" name="tx28"/>
-            <p:cNvSpPr/>
-            <p:nvPr/>
-          </p:nvSpPr>
-          <p:spPr>
-            <a:xfrm>
-              <a:off x="1926599" y="5020270"/>
-              <a:ext cx="62155" cy="80327"/>
+                <a:srgbClr val="333333">
+                  <a:alpha val="100000"/>
+                </a:srgbClr>
+              </a:solidFill>
+              <a:prstDash val="solid"/>
+              <a:round/>
+            </a:ln>
+          </p:spPr>
+          <p:txBody>
+            <a:bodyPr/>
+            <a:lstStyle/>
+            <a:p/>
+          </p:txBody>
+        </p:sp>
+        <p:sp>
+          <p:nvSpPr>
+            <p:cNvPr id="26" name="rc26"/>
+            <p:cNvSpPr/>
+            <p:nvPr/>
+          </p:nvSpPr>
+          <p:spPr>
+            <a:xfrm>
+              <a:off x="3545241" y="1809173"/>
+              <a:ext cx="1295770" cy="3464924"/>
+            </a:xfrm>
+            <a:prstGeom prst="rect">
+              <a:avLst/>
+            </a:prstGeom>
+            <a:solidFill>
+              <a:srgbClr val="FFFFFF">
+                <a:alpha val="100000"/>
+              </a:srgbClr>
+            </a:solidFill>
+          </p:spPr>
+          <p:txBody>
+            <a:bodyPr/>
+            <a:lstStyle/>
+            <a:p/>
+          </p:txBody>
+        </p:sp>
+        <p:sp>
+          <p:nvSpPr>
+            <p:cNvPr id="27" name="pl27"/>
+            <p:cNvSpPr/>
+            <p:nvPr/>
+          </p:nvSpPr>
+          <p:spPr>
+            <a:xfrm>
+              <a:off x="3545241" y="4796485"/>
+              <a:ext cx="1295770" cy="0"/>
+            </a:xfrm>
+            <a:custGeom>
+              <a:avLst/>
+              <a:pathLst>
+                <a:path w="1295770" h="0">
+                  <a:moveTo>
+                    <a:pt x="0" y="0"/>
+                  </a:moveTo>
+                  <a:lnTo>
+                    <a:pt x="1295770" y="0"/>
+                  </a:lnTo>
+                  <a:lnTo>
+                    <a:pt x="1295770" y="0"/>
+                  </a:lnTo>
+                </a:path>
+              </a:pathLst>
+            </a:custGeom>
+            <a:ln w="6775" cap="flat">
+              <a:solidFill>
+                <a:srgbClr val="EBEBEB">
+                  <a:alpha val="100000"/>
+                </a:srgbClr>
+              </a:solidFill>
+              <a:prstDash val="solid"/>
+              <a:round/>
+            </a:ln>
+          </p:spPr>
+          <p:txBody>
+            <a:bodyPr/>
+            <a:lstStyle/>
+            <a:p/>
+          </p:txBody>
+        </p:sp>
+        <p:sp>
+          <p:nvSpPr>
+            <p:cNvPr id="28" name="pl28"/>
+            <p:cNvSpPr/>
+            <p:nvPr/>
+          </p:nvSpPr>
+          <p:spPr>
+            <a:xfrm>
+              <a:off x="3545241" y="4156256"/>
+              <a:ext cx="1295770" cy="0"/>
+            </a:xfrm>
+            <a:custGeom>
+              <a:avLst/>
+              <a:pathLst>
+                <a:path w="1295770" h="0">
+                  <a:moveTo>
+                    <a:pt x="0" y="0"/>
+                  </a:moveTo>
+                  <a:lnTo>
+                    <a:pt x="1295770" y="0"/>
+                  </a:lnTo>
+                  <a:lnTo>
+                    <a:pt x="1295770" y="0"/>
+                  </a:lnTo>
+                </a:path>
+              </a:pathLst>
+            </a:custGeom>
+            <a:ln w="6775" cap="flat">
+              <a:solidFill>
+                <a:srgbClr val="EBEBEB">
+                  <a:alpha val="100000"/>
+                </a:srgbClr>
+              </a:solidFill>
+              <a:prstDash val="solid"/>
+              <a:round/>
+            </a:ln>
+          </p:spPr>
+          <p:txBody>
+            <a:bodyPr/>
+            <a:lstStyle/>
+            <a:p/>
+          </p:txBody>
+        </p:sp>
+        <p:sp>
+          <p:nvSpPr>
+            <p:cNvPr id="29" name="pl29"/>
+            <p:cNvSpPr/>
+            <p:nvPr/>
+          </p:nvSpPr>
+          <p:spPr>
+            <a:xfrm>
+              <a:off x="3545241" y="3516026"/>
+              <a:ext cx="1295770" cy="0"/>
+            </a:xfrm>
+            <a:custGeom>
+              <a:avLst/>
+              <a:pathLst>
+                <a:path w="1295770" h="0">
+                  <a:moveTo>
+                    <a:pt x="0" y="0"/>
+                  </a:moveTo>
+                  <a:lnTo>
+                    <a:pt x="1295770" y="0"/>
+                  </a:lnTo>
+                  <a:lnTo>
+                    <a:pt x="1295770" y="0"/>
+                  </a:lnTo>
+                </a:path>
+              </a:pathLst>
+            </a:custGeom>
+            <a:ln w="6775" cap="flat">
+              <a:solidFill>
+                <a:srgbClr val="EBEBEB">
+                  <a:alpha val="100000"/>
+                </a:srgbClr>
+              </a:solidFill>
+              <a:prstDash val="solid"/>
+              <a:round/>
+            </a:ln>
+          </p:spPr>
+          <p:txBody>
+            <a:bodyPr/>
+            <a:lstStyle/>
+            <a:p/>
+          </p:txBody>
+        </p:sp>
+        <p:sp>
+          <p:nvSpPr>
+            <p:cNvPr id="30" name="pl30"/>
+            <p:cNvSpPr/>
+            <p:nvPr/>
+          </p:nvSpPr>
+          <p:spPr>
+            <a:xfrm>
+              <a:off x="3545241" y="2875796"/>
+              <a:ext cx="1295770" cy="0"/>
+            </a:xfrm>
+            <a:custGeom>
+              <a:avLst/>
+              <a:pathLst>
+                <a:path w="1295770" h="0">
+                  <a:moveTo>
+                    <a:pt x="0" y="0"/>
+                  </a:moveTo>
+                  <a:lnTo>
+                    <a:pt x="1295770" y="0"/>
+                  </a:lnTo>
+                  <a:lnTo>
+                    <a:pt x="1295770" y="0"/>
+                  </a:lnTo>
+                </a:path>
+              </a:pathLst>
+            </a:custGeom>
+            <a:ln w="6775" cap="flat">
+              <a:solidFill>
+                <a:srgbClr val="EBEBEB">
+                  <a:alpha val="100000"/>
+                </a:srgbClr>
+              </a:solidFill>
+              <a:prstDash val="solid"/>
+              <a:round/>
+            </a:ln>
+          </p:spPr>
+          <p:txBody>
+            <a:bodyPr/>
+            <a:lstStyle/>
+            <a:p/>
+          </p:txBody>
+        </p:sp>
+        <p:sp>
+          <p:nvSpPr>
+            <p:cNvPr id="31" name="pl31"/>
+            <p:cNvSpPr/>
+            <p:nvPr/>
+          </p:nvSpPr>
+          <p:spPr>
+            <a:xfrm>
+              <a:off x="3545241" y="2235566"/>
+              <a:ext cx="1295770" cy="0"/>
+            </a:xfrm>
+            <a:custGeom>
+              <a:avLst/>
+              <a:pathLst>
+                <a:path w="1295770" h="0">
+                  <a:moveTo>
+                    <a:pt x="0" y="0"/>
+                  </a:moveTo>
+                  <a:lnTo>
+                    <a:pt x="1295770" y="0"/>
+                  </a:lnTo>
+                  <a:lnTo>
+                    <a:pt x="1295770" y="0"/>
+                  </a:lnTo>
+                </a:path>
+              </a:pathLst>
+            </a:custGeom>
+            <a:ln w="6775" cap="flat">
+              <a:solidFill>
+                <a:srgbClr val="EBEBEB">
+                  <a:alpha val="100000"/>
+                </a:srgbClr>
+              </a:solidFill>
+              <a:prstDash val="solid"/>
+              <a:round/>
+            </a:ln>
+          </p:spPr>
+          <p:txBody>
+            <a:bodyPr/>
+            <a:lstStyle/>
+            <a:p/>
+          </p:txBody>
+        </p:sp>
+        <p:sp>
+          <p:nvSpPr>
+            <p:cNvPr id="32" name="pl32"/>
+            <p:cNvSpPr/>
+            <p:nvPr/>
+          </p:nvSpPr>
+          <p:spPr>
+            <a:xfrm>
+              <a:off x="3545241" y="5116600"/>
+              <a:ext cx="1295770" cy="0"/>
+            </a:xfrm>
+            <a:custGeom>
+              <a:avLst/>
+              <a:pathLst>
+                <a:path w="1295770" h="0">
+                  <a:moveTo>
+                    <a:pt x="0" y="0"/>
+                  </a:moveTo>
+                  <a:lnTo>
+                    <a:pt x="1295770" y="0"/>
+                  </a:lnTo>
+                  <a:lnTo>
+                    <a:pt x="1295770" y="0"/>
+                  </a:lnTo>
+                </a:path>
+              </a:pathLst>
+            </a:custGeom>
+            <a:ln w="13550" cap="flat">
+              <a:solidFill>
+                <a:srgbClr val="EBEBEB">
+                  <a:alpha val="100000"/>
+                </a:srgbClr>
+              </a:solidFill>
+              <a:prstDash val="solid"/>
+              <a:round/>
+            </a:ln>
+          </p:spPr>
+          <p:txBody>
+            <a:bodyPr/>
+            <a:lstStyle/>
+            <a:p/>
+          </p:txBody>
+        </p:sp>
+        <p:sp>
+          <p:nvSpPr>
+            <p:cNvPr id="33" name="pl33"/>
+            <p:cNvSpPr/>
+            <p:nvPr/>
+          </p:nvSpPr>
+          <p:spPr>
+            <a:xfrm>
+              <a:off x="3545241" y="4476370"/>
+              <a:ext cx="1295770" cy="0"/>
+            </a:xfrm>
+            <a:custGeom>
+              <a:avLst/>
+              <a:pathLst>
+                <a:path w="1295770" h="0">
+                  <a:moveTo>
+                    <a:pt x="0" y="0"/>
+                  </a:moveTo>
+                  <a:lnTo>
+                    <a:pt x="1295770" y="0"/>
+                  </a:lnTo>
+                  <a:lnTo>
+                    <a:pt x="1295770" y="0"/>
+                  </a:lnTo>
+                </a:path>
+              </a:pathLst>
+            </a:custGeom>
+            <a:ln w="13550" cap="flat">
+              <a:solidFill>
+                <a:srgbClr val="EBEBEB">
+                  <a:alpha val="100000"/>
+                </a:srgbClr>
+              </a:solidFill>
+              <a:prstDash val="solid"/>
+              <a:round/>
+            </a:ln>
+          </p:spPr>
+          <p:txBody>
+            <a:bodyPr/>
+            <a:lstStyle/>
+            <a:p/>
+          </p:txBody>
+        </p:sp>
+        <p:sp>
+          <p:nvSpPr>
+            <p:cNvPr id="34" name="pl34"/>
+            <p:cNvSpPr/>
+            <p:nvPr/>
+          </p:nvSpPr>
+          <p:spPr>
+            <a:xfrm>
+              <a:off x="3545241" y="3836141"/>
+              <a:ext cx="1295770" cy="0"/>
+            </a:xfrm>
+            <a:custGeom>
+              <a:avLst/>
+              <a:pathLst>
+                <a:path w="1295770" h="0">
+                  <a:moveTo>
+                    <a:pt x="0" y="0"/>
+                  </a:moveTo>
+                  <a:lnTo>
+                    <a:pt x="1295770" y="0"/>
+                  </a:lnTo>
+                  <a:lnTo>
+                    <a:pt x="1295770" y="0"/>
+                  </a:lnTo>
+                </a:path>
+              </a:pathLst>
+            </a:custGeom>
+            <a:ln w="13550" cap="flat">
+              <a:solidFill>
+                <a:srgbClr val="EBEBEB">
+                  <a:alpha val="100000"/>
+                </a:srgbClr>
+              </a:solidFill>
+              <a:prstDash val="solid"/>
+              <a:round/>
+            </a:ln>
+          </p:spPr>
+          <p:txBody>
+            <a:bodyPr/>
+            <a:lstStyle/>
+            <a:p/>
+          </p:txBody>
+        </p:sp>
+        <p:sp>
+          <p:nvSpPr>
+            <p:cNvPr id="35" name="pl35"/>
+            <p:cNvSpPr/>
+            <p:nvPr/>
+          </p:nvSpPr>
+          <p:spPr>
+            <a:xfrm>
+              <a:off x="3545241" y="3195911"/>
+              <a:ext cx="1295770" cy="0"/>
+            </a:xfrm>
+            <a:custGeom>
+              <a:avLst/>
+              <a:pathLst>
+                <a:path w="1295770" h="0">
+                  <a:moveTo>
+                    <a:pt x="0" y="0"/>
+                  </a:moveTo>
+                  <a:lnTo>
+                    <a:pt x="1295770" y="0"/>
+                  </a:lnTo>
+                  <a:lnTo>
+                    <a:pt x="1295770" y="0"/>
+                  </a:lnTo>
+                </a:path>
+              </a:pathLst>
+            </a:custGeom>
+            <a:ln w="13550" cap="flat">
+              <a:solidFill>
+                <a:srgbClr val="EBEBEB">
+                  <a:alpha val="100000"/>
+                </a:srgbClr>
+              </a:solidFill>
+              <a:prstDash val="solid"/>
+              <a:round/>
+            </a:ln>
+          </p:spPr>
+          <p:txBody>
+            <a:bodyPr/>
+            <a:lstStyle/>
+            <a:p/>
+          </p:txBody>
+        </p:sp>
+        <p:sp>
+          <p:nvSpPr>
+            <p:cNvPr id="36" name="pl36"/>
+            <p:cNvSpPr/>
+            <p:nvPr/>
+          </p:nvSpPr>
+          <p:spPr>
+            <a:xfrm>
+              <a:off x="3545241" y="2555681"/>
+              <a:ext cx="1295770" cy="0"/>
+            </a:xfrm>
+            <a:custGeom>
+              <a:avLst/>
+              <a:pathLst>
+                <a:path w="1295770" h="0">
+                  <a:moveTo>
+                    <a:pt x="0" y="0"/>
+                  </a:moveTo>
+                  <a:lnTo>
+                    <a:pt x="1295770" y="0"/>
+                  </a:lnTo>
+                  <a:lnTo>
+                    <a:pt x="1295770" y="0"/>
+                  </a:lnTo>
+                </a:path>
+              </a:pathLst>
+            </a:custGeom>
+            <a:ln w="13550" cap="flat">
+              <a:solidFill>
+                <a:srgbClr val="EBEBEB">
+                  <a:alpha val="100000"/>
+                </a:srgbClr>
+              </a:solidFill>
+              <a:prstDash val="solid"/>
+              <a:round/>
+            </a:ln>
+          </p:spPr>
+          <p:txBody>
+            <a:bodyPr/>
+            <a:lstStyle/>
+            <a:p/>
+          </p:txBody>
+        </p:sp>
+        <p:sp>
+          <p:nvSpPr>
+            <p:cNvPr id="37" name="pl37"/>
+            <p:cNvSpPr/>
+            <p:nvPr/>
+          </p:nvSpPr>
+          <p:spPr>
+            <a:xfrm>
+              <a:off x="3545241" y="1915451"/>
+              <a:ext cx="1295770" cy="0"/>
+            </a:xfrm>
+            <a:custGeom>
+              <a:avLst/>
+              <a:pathLst>
+                <a:path w="1295770" h="0">
+                  <a:moveTo>
+                    <a:pt x="0" y="0"/>
+                  </a:moveTo>
+                  <a:lnTo>
+                    <a:pt x="1295770" y="0"/>
+                  </a:lnTo>
+                  <a:lnTo>
+                    <a:pt x="1295770" y="0"/>
+                  </a:lnTo>
+                </a:path>
+              </a:pathLst>
+            </a:custGeom>
+            <a:ln w="13550" cap="flat">
+              <a:solidFill>
+                <a:srgbClr val="EBEBEB">
+                  <a:alpha val="100000"/>
+                </a:srgbClr>
+              </a:solidFill>
+              <a:prstDash val="solid"/>
+              <a:round/>
+            </a:ln>
+          </p:spPr>
+          <p:txBody>
+            <a:bodyPr/>
+            <a:lstStyle/>
+            <a:p/>
+          </p:txBody>
+        </p:sp>
+        <p:sp>
+          <p:nvSpPr>
+            <p:cNvPr id="38" name="pl38"/>
+            <p:cNvSpPr/>
+            <p:nvPr/>
+          </p:nvSpPr>
+          <p:spPr>
+            <a:xfrm>
+              <a:off x="3730351" y="1809173"/>
+              <a:ext cx="0" cy="3464924"/>
+            </a:xfrm>
+            <a:custGeom>
+              <a:avLst/>
+              <a:pathLst>
+                <a:path w="0" h="3464924">
+                  <a:moveTo>
+                    <a:pt x="0" y="3464924"/>
+                  </a:moveTo>
+                  <a:lnTo>
+                    <a:pt x="0" y="0"/>
+                  </a:lnTo>
+                  <a:lnTo>
+                    <a:pt x="0" y="0"/>
+                  </a:lnTo>
+                </a:path>
+              </a:pathLst>
+            </a:custGeom>
+            <a:ln w="13550" cap="flat">
+              <a:solidFill>
+                <a:srgbClr val="EBEBEB">
+                  <a:alpha val="100000"/>
+                </a:srgbClr>
+              </a:solidFill>
+              <a:prstDash val="solid"/>
+              <a:round/>
+            </a:ln>
+          </p:spPr>
+          <p:txBody>
+            <a:bodyPr/>
+            <a:lstStyle/>
+            <a:p/>
+          </p:txBody>
+        </p:sp>
+        <p:sp>
+          <p:nvSpPr>
+            <p:cNvPr id="39" name="pl39"/>
+            <p:cNvSpPr/>
+            <p:nvPr/>
+          </p:nvSpPr>
+          <p:spPr>
+            <a:xfrm>
+              <a:off x="4038868" y="1809173"/>
+              <a:ext cx="0" cy="3464924"/>
+            </a:xfrm>
+            <a:custGeom>
+              <a:avLst/>
+              <a:pathLst>
+                <a:path w="0" h="3464924">
+                  <a:moveTo>
+                    <a:pt x="0" y="3464924"/>
+                  </a:moveTo>
+                  <a:lnTo>
+                    <a:pt x="0" y="0"/>
+                  </a:lnTo>
+                  <a:lnTo>
+                    <a:pt x="0" y="0"/>
+                  </a:lnTo>
+                </a:path>
+              </a:pathLst>
+            </a:custGeom>
+            <a:ln w="13550" cap="flat">
+              <a:solidFill>
+                <a:srgbClr val="EBEBEB">
+                  <a:alpha val="100000"/>
+                </a:srgbClr>
+              </a:solidFill>
+              <a:prstDash val="solid"/>
+              <a:round/>
+            </a:ln>
+          </p:spPr>
+          <p:txBody>
+            <a:bodyPr/>
+            <a:lstStyle/>
+            <a:p/>
+          </p:txBody>
+        </p:sp>
+        <p:sp>
+          <p:nvSpPr>
+            <p:cNvPr id="40" name="pl40"/>
+            <p:cNvSpPr/>
+            <p:nvPr/>
+          </p:nvSpPr>
+          <p:spPr>
+            <a:xfrm>
+              <a:off x="4347385" y="1809173"/>
+              <a:ext cx="0" cy="3464924"/>
+            </a:xfrm>
+            <a:custGeom>
+              <a:avLst/>
+              <a:pathLst>
+                <a:path w="0" h="3464924">
+                  <a:moveTo>
+                    <a:pt x="0" y="3464924"/>
+                  </a:moveTo>
+                  <a:lnTo>
+                    <a:pt x="0" y="0"/>
+                  </a:lnTo>
+                  <a:lnTo>
+                    <a:pt x="0" y="0"/>
+                  </a:lnTo>
+                </a:path>
+              </a:pathLst>
+            </a:custGeom>
+            <a:ln w="13550" cap="flat">
+              <a:solidFill>
+                <a:srgbClr val="EBEBEB">
+                  <a:alpha val="100000"/>
+                </a:srgbClr>
+              </a:solidFill>
+              <a:prstDash val="solid"/>
+              <a:round/>
+            </a:ln>
+          </p:spPr>
+          <p:txBody>
+            <a:bodyPr/>
+            <a:lstStyle/>
+            <a:p/>
+          </p:txBody>
+        </p:sp>
+        <p:sp>
+          <p:nvSpPr>
+            <p:cNvPr id="41" name="pl41"/>
+            <p:cNvSpPr/>
+            <p:nvPr/>
+          </p:nvSpPr>
+          <p:spPr>
+            <a:xfrm>
+              <a:off x="4655902" y="1809173"/>
+              <a:ext cx="0" cy="3464924"/>
+            </a:xfrm>
+            <a:custGeom>
+              <a:avLst/>
+              <a:pathLst>
+                <a:path w="0" h="3464924">
+                  <a:moveTo>
+                    <a:pt x="0" y="3464924"/>
+                  </a:moveTo>
+                  <a:lnTo>
+                    <a:pt x="0" y="0"/>
+                  </a:lnTo>
+                  <a:lnTo>
+                    <a:pt x="0" y="0"/>
+                  </a:lnTo>
+                </a:path>
+              </a:pathLst>
+            </a:custGeom>
+            <a:ln w="13550" cap="flat">
+              <a:solidFill>
+                <a:srgbClr val="EBEBEB">
+                  <a:alpha val="100000"/>
+                </a:srgbClr>
+              </a:solidFill>
+              <a:prstDash val="solid"/>
+              <a:round/>
+            </a:ln>
+          </p:spPr>
+          <p:txBody>
+            <a:bodyPr/>
+            <a:lstStyle/>
+            <a:p/>
+          </p:txBody>
+        </p:sp>
+        <p:sp>
+          <p:nvSpPr>
+            <p:cNvPr id="42" name="rc42"/>
+            <p:cNvSpPr/>
+            <p:nvPr/>
+          </p:nvSpPr>
+          <p:spPr>
+            <a:xfrm>
+              <a:off x="3591519" y="4860508"/>
+              <a:ext cx="277665" cy="256091"/>
+            </a:xfrm>
+            <a:prstGeom prst="rect">
+              <a:avLst/>
+            </a:prstGeom>
+            <a:solidFill>
+              <a:srgbClr val="FEE5D9">
+                <a:alpha val="100000"/>
+              </a:srgbClr>
+            </a:solidFill>
+          </p:spPr>
+          <p:txBody>
+            <a:bodyPr/>
+            <a:lstStyle/>
+            <a:p/>
+          </p:txBody>
+        </p:sp>
+        <p:sp>
+          <p:nvSpPr>
+            <p:cNvPr id="43" name="rc43"/>
+            <p:cNvSpPr/>
+            <p:nvPr/>
+          </p:nvSpPr>
+          <p:spPr>
+            <a:xfrm>
+              <a:off x="3900036" y="3464807"/>
+              <a:ext cx="277665" cy="1651793"/>
+            </a:xfrm>
+            <a:prstGeom prst="rect">
+              <a:avLst/>
+            </a:prstGeom>
+            <a:solidFill>
+              <a:srgbClr val="FCAE91">
+                <a:alpha val="100000"/>
+              </a:srgbClr>
+            </a:solidFill>
+          </p:spPr>
+          <p:txBody>
+            <a:bodyPr/>
+            <a:lstStyle/>
+            <a:p/>
+          </p:txBody>
+        </p:sp>
+        <p:sp>
+          <p:nvSpPr>
+            <p:cNvPr id="44" name="rc44"/>
+            <p:cNvSpPr/>
+            <p:nvPr/>
+          </p:nvSpPr>
+          <p:spPr>
+            <a:xfrm>
+              <a:off x="4208552" y="4450761"/>
+              <a:ext cx="277665" cy="665839"/>
+            </a:xfrm>
+            <a:prstGeom prst="rect">
+              <a:avLst/>
+            </a:prstGeom>
+            <a:solidFill>
+              <a:srgbClr val="FB6A4A">
+                <a:alpha val="100000"/>
+              </a:srgbClr>
+            </a:solidFill>
+          </p:spPr>
+          <p:txBody>
+            <a:bodyPr/>
+            <a:lstStyle/>
+            <a:p/>
+          </p:txBody>
+        </p:sp>
+        <p:sp>
+          <p:nvSpPr>
+            <p:cNvPr id="45" name="rc45"/>
+            <p:cNvSpPr/>
+            <p:nvPr/>
+          </p:nvSpPr>
+          <p:spPr>
+            <a:xfrm>
+              <a:off x="4517069" y="4373934"/>
+              <a:ext cx="277665" cy="742666"/>
+            </a:xfrm>
+            <a:prstGeom prst="rect">
+              <a:avLst/>
+            </a:prstGeom>
+            <a:solidFill>
+              <a:srgbClr val="CB181D">
+                <a:alpha val="100000"/>
+              </a:srgbClr>
+            </a:solidFill>
+          </p:spPr>
+          <p:txBody>
+            <a:bodyPr/>
+            <a:lstStyle/>
+            <a:p/>
+          </p:txBody>
+        </p:sp>
+        <p:sp>
+          <p:nvSpPr>
+            <p:cNvPr id="46" name="rc46"/>
+            <p:cNvSpPr/>
+            <p:nvPr/>
+          </p:nvSpPr>
+          <p:spPr>
+            <a:xfrm>
+              <a:off x="3545241" y="1809173"/>
+              <a:ext cx="1295770" cy="3464924"/>
+            </a:xfrm>
+            <a:prstGeom prst="rect">
+              <a:avLst/>
+            </a:prstGeom>
+            <a:ln w="13550" cap="rnd">
+              <a:solidFill>
+                <a:srgbClr val="333333">
+                  <a:alpha val="100000"/>
+                </a:srgbClr>
+              </a:solidFill>
+              <a:prstDash val="solid"/>
+              <a:round/>
+            </a:ln>
+          </p:spPr>
+          <p:txBody>
+            <a:bodyPr/>
+            <a:lstStyle/>
+            <a:p/>
+          </p:txBody>
+        </p:sp>
+        <p:sp>
+          <p:nvSpPr>
+            <p:cNvPr id="47" name="rc47"/>
+            <p:cNvSpPr/>
+            <p:nvPr/>
+          </p:nvSpPr>
+          <p:spPr>
+            <a:xfrm>
+              <a:off x="4910601" y="1809173"/>
+              <a:ext cx="1295770" cy="3464924"/>
+            </a:xfrm>
+            <a:prstGeom prst="rect">
+              <a:avLst/>
+            </a:prstGeom>
+            <a:solidFill>
+              <a:srgbClr val="FFFFFF">
+                <a:alpha val="100000"/>
+              </a:srgbClr>
+            </a:solidFill>
+          </p:spPr>
+          <p:txBody>
+            <a:bodyPr/>
+            <a:lstStyle/>
+            <a:p/>
+          </p:txBody>
+        </p:sp>
+        <p:sp>
+          <p:nvSpPr>
+            <p:cNvPr id="48" name="pl48"/>
+            <p:cNvSpPr/>
+            <p:nvPr/>
+          </p:nvSpPr>
+          <p:spPr>
+            <a:xfrm>
+              <a:off x="4910601" y="4796485"/>
+              <a:ext cx="1295770" cy="0"/>
+            </a:xfrm>
+            <a:custGeom>
+              <a:avLst/>
+              <a:pathLst>
+                <a:path w="1295770" h="0">
+                  <a:moveTo>
+                    <a:pt x="0" y="0"/>
+                  </a:moveTo>
+                  <a:lnTo>
+                    <a:pt x="1295770" y="0"/>
+                  </a:lnTo>
+                  <a:lnTo>
+                    <a:pt x="1295770" y="0"/>
+                  </a:lnTo>
+                </a:path>
+              </a:pathLst>
+            </a:custGeom>
+            <a:ln w="6775" cap="flat">
+              <a:solidFill>
+                <a:srgbClr val="EBEBEB">
+                  <a:alpha val="100000"/>
+                </a:srgbClr>
+              </a:solidFill>
+              <a:prstDash val="solid"/>
+              <a:round/>
+            </a:ln>
+          </p:spPr>
+          <p:txBody>
+            <a:bodyPr/>
+            <a:lstStyle/>
+            <a:p/>
+          </p:txBody>
+        </p:sp>
+        <p:sp>
+          <p:nvSpPr>
+            <p:cNvPr id="49" name="pl49"/>
+            <p:cNvSpPr/>
+            <p:nvPr/>
+          </p:nvSpPr>
+          <p:spPr>
+            <a:xfrm>
+              <a:off x="4910601" y="4156256"/>
+              <a:ext cx="1295770" cy="0"/>
+            </a:xfrm>
+            <a:custGeom>
+              <a:avLst/>
+              <a:pathLst>
+                <a:path w="1295770" h="0">
+                  <a:moveTo>
+                    <a:pt x="0" y="0"/>
+                  </a:moveTo>
+                  <a:lnTo>
+                    <a:pt x="1295770" y="0"/>
+                  </a:lnTo>
+                  <a:lnTo>
+                    <a:pt x="1295770" y="0"/>
+                  </a:lnTo>
+                </a:path>
+              </a:pathLst>
+            </a:custGeom>
+            <a:ln w="6775" cap="flat">
+              <a:solidFill>
+                <a:srgbClr val="EBEBEB">
+                  <a:alpha val="100000"/>
+                </a:srgbClr>
+              </a:solidFill>
+              <a:prstDash val="solid"/>
+              <a:round/>
+            </a:ln>
+          </p:spPr>
+          <p:txBody>
+            <a:bodyPr/>
+            <a:lstStyle/>
+            <a:p/>
+          </p:txBody>
+        </p:sp>
+        <p:sp>
+          <p:nvSpPr>
+            <p:cNvPr id="50" name="pl50"/>
+            <p:cNvSpPr/>
+            <p:nvPr/>
+          </p:nvSpPr>
+          <p:spPr>
+            <a:xfrm>
+              <a:off x="4910601" y="3516026"/>
+              <a:ext cx="1295770" cy="0"/>
+            </a:xfrm>
+            <a:custGeom>
+              <a:avLst/>
+              <a:pathLst>
+                <a:path w="1295770" h="0">
+                  <a:moveTo>
+                    <a:pt x="0" y="0"/>
+                  </a:moveTo>
+                  <a:lnTo>
+                    <a:pt x="1295770" y="0"/>
+                  </a:lnTo>
+                  <a:lnTo>
+                    <a:pt x="1295770" y="0"/>
+                  </a:lnTo>
+                </a:path>
+              </a:pathLst>
+            </a:custGeom>
+            <a:ln w="6775" cap="flat">
+              <a:solidFill>
+                <a:srgbClr val="EBEBEB">
+                  <a:alpha val="100000"/>
+                </a:srgbClr>
+              </a:solidFill>
+              <a:prstDash val="solid"/>
+              <a:round/>
+            </a:ln>
+          </p:spPr>
+          <p:txBody>
+            <a:bodyPr/>
+            <a:lstStyle/>
+            <a:p/>
+          </p:txBody>
+        </p:sp>
+        <p:sp>
+          <p:nvSpPr>
+            <p:cNvPr id="51" name="pl51"/>
+            <p:cNvSpPr/>
+            <p:nvPr/>
+          </p:nvSpPr>
+          <p:spPr>
+            <a:xfrm>
+              <a:off x="4910601" y="2875796"/>
+              <a:ext cx="1295770" cy="0"/>
+            </a:xfrm>
+            <a:custGeom>
+              <a:avLst/>
+              <a:pathLst>
+                <a:path w="1295770" h="0">
+                  <a:moveTo>
+                    <a:pt x="0" y="0"/>
+                  </a:moveTo>
+                  <a:lnTo>
+                    <a:pt x="1295770" y="0"/>
+                  </a:lnTo>
+                  <a:lnTo>
+                    <a:pt x="1295770" y="0"/>
+                  </a:lnTo>
+                </a:path>
+              </a:pathLst>
+            </a:custGeom>
+            <a:ln w="6775" cap="flat">
+              <a:solidFill>
+                <a:srgbClr val="EBEBEB">
+                  <a:alpha val="100000"/>
+                </a:srgbClr>
+              </a:solidFill>
+              <a:prstDash val="solid"/>
+              <a:round/>
+            </a:ln>
+          </p:spPr>
+          <p:txBody>
+            <a:bodyPr/>
+            <a:lstStyle/>
+            <a:p/>
+          </p:txBody>
+        </p:sp>
+        <p:sp>
+          <p:nvSpPr>
+            <p:cNvPr id="52" name="pl52"/>
+            <p:cNvSpPr/>
+            <p:nvPr/>
+          </p:nvSpPr>
+          <p:spPr>
+            <a:xfrm>
+              <a:off x="4910601" y="2235566"/>
+              <a:ext cx="1295770" cy="0"/>
+            </a:xfrm>
+            <a:custGeom>
+              <a:avLst/>
+              <a:pathLst>
+                <a:path w="1295770" h="0">
+                  <a:moveTo>
+                    <a:pt x="0" y="0"/>
+                  </a:moveTo>
+                  <a:lnTo>
+                    <a:pt x="1295770" y="0"/>
+                  </a:lnTo>
+                  <a:lnTo>
+                    <a:pt x="1295770" y="0"/>
+                  </a:lnTo>
+                </a:path>
+              </a:pathLst>
+            </a:custGeom>
+            <a:ln w="6775" cap="flat">
+              <a:solidFill>
+                <a:srgbClr val="EBEBEB">
+                  <a:alpha val="100000"/>
+                </a:srgbClr>
+              </a:solidFill>
+              <a:prstDash val="solid"/>
+              <a:round/>
+            </a:ln>
+          </p:spPr>
+          <p:txBody>
+            <a:bodyPr/>
+            <a:lstStyle/>
+            <a:p/>
+          </p:txBody>
+        </p:sp>
+        <p:sp>
+          <p:nvSpPr>
+            <p:cNvPr id="53" name="pl53"/>
+            <p:cNvSpPr/>
+            <p:nvPr/>
+          </p:nvSpPr>
+          <p:spPr>
+            <a:xfrm>
+              <a:off x="4910601" y="5116600"/>
+              <a:ext cx="1295770" cy="0"/>
+            </a:xfrm>
+            <a:custGeom>
+              <a:avLst/>
+              <a:pathLst>
+                <a:path w="1295770" h="0">
+                  <a:moveTo>
+                    <a:pt x="0" y="0"/>
+                  </a:moveTo>
+                  <a:lnTo>
+                    <a:pt x="1295770" y="0"/>
+                  </a:lnTo>
+                  <a:lnTo>
+                    <a:pt x="1295770" y="0"/>
+                  </a:lnTo>
+                </a:path>
+              </a:pathLst>
+            </a:custGeom>
+            <a:ln w="13550" cap="flat">
+              <a:solidFill>
+                <a:srgbClr val="EBEBEB">
+                  <a:alpha val="100000"/>
+                </a:srgbClr>
+              </a:solidFill>
+              <a:prstDash val="solid"/>
+              <a:round/>
+            </a:ln>
+          </p:spPr>
+          <p:txBody>
+            <a:bodyPr/>
+            <a:lstStyle/>
+            <a:p/>
+          </p:txBody>
+        </p:sp>
+        <p:sp>
+          <p:nvSpPr>
+            <p:cNvPr id="54" name="pl54"/>
+            <p:cNvSpPr/>
+            <p:nvPr/>
+          </p:nvSpPr>
+          <p:spPr>
+            <a:xfrm>
+              <a:off x="4910601" y="4476370"/>
+              <a:ext cx="1295770" cy="0"/>
+            </a:xfrm>
+            <a:custGeom>
+              <a:avLst/>
+              <a:pathLst>
+                <a:path w="1295770" h="0">
+                  <a:moveTo>
+                    <a:pt x="0" y="0"/>
+                  </a:moveTo>
+                  <a:lnTo>
+                    <a:pt x="1295770" y="0"/>
+                  </a:lnTo>
+                  <a:lnTo>
+                    <a:pt x="1295770" y="0"/>
+                  </a:lnTo>
+                </a:path>
+              </a:pathLst>
+            </a:custGeom>
+            <a:ln w="13550" cap="flat">
+              <a:solidFill>
+                <a:srgbClr val="EBEBEB">
+                  <a:alpha val="100000"/>
+                </a:srgbClr>
+              </a:solidFill>
+              <a:prstDash val="solid"/>
+              <a:round/>
+            </a:ln>
+          </p:spPr>
+          <p:txBody>
+            <a:bodyPr/>
+            <a:lstStyle/>
+            <a:p/>
+          </p:txBody>
+        </p:sp>
+        <p:sp>
+          <p:nvSpPr>
+            <p:cNvPr id="55" name="pl55"/>
+            <p:cNvSpPr/>
+            <p:nvPr/>
+          </p:nvSpPr>
+          <p:spPr>
+            <a:xfrm>
+              <a:off x="4910601" y="3836141"/>
+              <a:ext cx="1295770" cy="0"/>
+            </a:xfrm>
+            <a:custGeom>
+              <a:avLst/>
+              <a:pathLst>
+                <a:path w="1295770" h="0">
+                  <a:moveTo>
+                    <a:pt x="0" y="0"/>
+                  </a:moveTo>
+                  <a:lnTo>
+                    <a:pt x="1295770" y="0"/>
+                  </a:lnTo>
+                  <a:lnTo>
+                    <a:pt x="1295770" y="0"/>
+                  </a:lnTo>
+                </a:path>
+              </a:pathLst>
+            </a:custGeom>
+            <a:ln w="13550" cap="flat">
+              <a:solidFill>
+                <a:srgbClr val="EBEBEB">
+                  <a:alpha val="100000"/>
+                </a:srgbClr>
+              </a:solidFill>
+              <a:prstDash val="solid"/>
+              <a:round/>
+            </a:ln>
+          </p:spPr>
+          <p:txBody>
+            <a:bodyPr/>
+            <a:lstStyle/>
+            <a:p/>
+          </p:txBody>
+        </p:sp>
+        <p:sp>
+          <p:nvSpPr>
+            <p:cNvPr id="56" name="pl56"/>
+            <p:cNvSpPr/>
+            <p:nvPr/>
+          </p:nvSpPr>
+          <p:spPr>
+            <a:xfrm>
+              <a:off x="4910601" y="3195911"/>
+              <a:ext cx="1295770" cy="0"/>
+            </a:xfrm>
+            <a:custGeom>
+              <a:avLst/>
+              <a:pathLst>
+                <a:path w="1295770" h="0">
+                  <a:moveTo>
+                    <a:pt x="0" y="0"/>
+                  </a:moveTo>
+                  <a:lnTo>
+                    <a:pt x="1295770" y="0"/>
+                  </a:lnTo>
+                  <a:lnTo>
+                    <a:pt x="1295770" y="0"/>
+                  </a:lnTo>
+                </a:path>
+              </a:pathLst>
+            </a:custGeom>
+            <a:ln w="13550" cap="flat">
+              <a:solidFill>
+                <a:srgbClr val="EBEBEB">
+                  <a:alpha val="100000"/>
+                </a:srgbClr>
+              </a:solidFill>
+              <a:prstDash val="solid"/>
+              <a:round/>
+            </a:ln>
+          </p:spPr>
+          <p:txBody>
+            <a:bodyPr/>
+            <a:lstStyle/>
+            <a:p/>
+          </p:txBody>
+        </p:sp>
+        <p:sp>
+          <p:nvSpPr>
+            <p:cNvPr id="57" name="pl57"/>
+            <p:cNvSpPr/>
+            <p:nvPr/>
+          </p:nvSpPr>
+          <p:spPr>
+            <a:xfrm>
+              <a:off x="4910601" y="2555681"/>
+              <a:ext cx="1295770" cy="0"/>
+            </a:xfrm>
+            <a:custGeom>
+              <a:avLst/>
+              <a:pathLst>
+                <a:path w="1295770" h="0">
+                  <a:moveTo>
+                    <a:pt x="0" y="0"/>
+                  </a:moveTo>
+                  <a:lnTo>
+                    <a:pt x="1295770" y="0"/>
+                  </a:lnTo>
+                  <a:lnTo>
+                    <a:pt x="1295770" y="0"/>
+                  </a:lnTo>
+                </a:path>
+              </a:pathLst>
+            </a:custGeom>
+            <a:ln w="13550" cap="flat">
+              <a:solidFill>
+                <a:srgbClr val="EBEBEB">
+                  <a:alpha val="100000"/>
+                </a:srgbClr>
+              </a:solidFill>
+              <a:prstDash val="solid"/>
+              <a:round/>
+            </a:ln>
+          </p:spPr>
+          <p:txBody>
+            <a:bodyPr/>
+            <a:lstStyle/>
+            <a:p/>
+          </p:txBody>
+        </p:sp>
+        <p:sp>
+          <p:nvSpPr>
+            <p:cNvPr id="58" name="pl58"/>
+            <p:cNvSpPr/>
+            <p:nvPr/>
+          </p:nvSpPr>
+          <p:spPr>
+            <a:xfrm>
+              <a:off x="4910601" y="1915451"/>
+              <a:ext cx="1295770" cy="0"/>
+            </a:xfrm>
+            <a:custGeom>
+              <a:avLst/>
+              <a:pathLst>
+                <a:path w="1295770" h="0">
+                  <a:moveTo>
+                    <a:pt x="0" y="0"/>
+                  </a:moveTo>
+                  <a:lnTo>
+                    <a:pt x="1295770" y="0"/>
+                  </a:lnTo>
+                  <a:lnTo>
+                    <a:pt x="1295770" y="0"/>
+                  </a:lnTo>
+                </a:path>
+              </a:pathLst>
+            </a:custGeom>
+            <a:ln w="13550" cap="flat">
+              <a:solidFill>
+                <a:srgbClr val="EBEBEB">
+                  <a:alpha val="100000"/>
+                </a:srgbClr>
+              </a:solidFill>
+              <a:prstDash val="solid"/>
+              <a:round/>
+            </a:ln>
+          </p:spPr>
+          <p:txBody>
+            <a:bodyPr/>
+            <a:lstStyle/>
+            <a:p/>
+          </p:txBody>
+        </p:sp>
+        <p:sp>
+          <p:nvSpPr>
+            <p:cNvPr id="59" name="pl59"/>
+            <p:cNvSpPr/>
+            <p:nvPr/>
+          </p:nvSpPr>
+          <p:spPr>
+            <a:xfrm>
+              <a:off x="5095711" y="1809173"/>
+              <a:ext cx="0" cy="3464924"/>
+            </a:xfrm>
+            <a:custGeom>
+              <a:avLst/>
+              <a:pathLst>
+                <a:path w="0" h="3464924">
+                  <a:moveTo>
+                    <a:pt x="0" y="3464924"/>
+                  </a:moveTo>
+                  <a:lnTo>
+                    <a:pt x="0" y="0"/>
+                  </a:lnTo>
+                  <a:lnTo>
+                    <a:pt x="0" y="0"/>
+                  </a:lnTo>
+                </a:path>
+              </a:pathLst>
+            </a:custGeom>
+            <a:ln w="13550" cap="flat">
+              <a:solidFill>
+                <a:srgbClr val="EBEBEB">
+                  <a:alpha val="100000"/>
+                </a:srgbClr>
+              </a:solidFill>
+              <a:prstDash val="solid"/>
+              <a:round/>
+            </a:ln>
+          </p:spPr>
+          <p:txBody>
+            <a:bodyPr/>
+            <a:lstStyle/>
+            <a:p/>
+          </p:txBody>
+        </p:sp>
+        <p:sp>
+          <p:nvSpPr>
+            <p:cNvPr id="60" name="pl60"/>
+            <p:cNvSpPr/>
+            <p:nvPr/>
+          </p:nvSpPr>
+          <p:spPr>
+            <a:xfrm>
+              <a:off x="5404228" y="1809173"/>
+              <a:ext cx="0" cy="3464924"/>
+            </a:xfrm>
+            <a:custGeom>
+              <a:avLst/>
+              <a:pathLst>
+                <a:path w="0" h="3464924">
+                  <a:moveTo>
+                    <a:pt x="0" y="3464924"/>
+                  </a:moveTo>
+                  <a:lnTo>
+                    <a:pt x="0" y="0"/>
+                  </a:lnTo>
+                  <a:lnTo>
+                    <a:pt x="0" y="0"/>
+                  </a:lnTo>
+                </a:path>
+              </a:pathLst>
+            </a:custGeom>
+            <a:ln w="13550" cap="flat">
+              <a:solidFill>
+                <a:srgbClr val="EBEBEB">
+                  <a:alpha val="100000"/>
+                </a:srgbClr>
+              </a:solidFill>
+              <a:prstDash val="solid"/>
+              <a:round/>
+            </a:ln>
+          </p:spPr>
+          <p:txBody>
+            <a:bodyPr/>
+            <a:lstStyle/>
+            <a:p/>
+          </p:txBody>
+        </p:sp>
+        <p:sp>
+          <p:nvSpPr>
+            <p:cNvPr id="61" name="pl61"/>
+            <p:cNvSpPr/>
+            <p:nvPr/>
+          </p:nvSpPr>
+          <p:spPr>
+            <a:xfrm>
+              <a:off x="5712745" y="1809173"/>
+              <a:ext cx="0" cy="3464924"/>
+            </a:xfrm>
+            <a:custGeom>
+              <a:avLst/>
+              <a:pathLst>
+                <a:path w="0" h="3464924">
+                  <a:moveTo>
+                    <a:pt x="0" y="3464924"/>
+                  </a:moveTo>
+                  <a:lnTo>
+                    <a:pt x="0" y="0"/>
+                  </a:lnTo>
+                  <a:lnTo>
+                    <a:pt x="0" y="0"/>
+                  </a:lnTo>
+                </a:path>
+              </a:pathLst>
+            </a:custGeom>
+            <a:ln w="13550" cap="flat">
+              <a:solidFill>
+                <a:srgbClr val="EBEBEB">
+                  <a:alpha val="100000"/>
+                </a:srgbClr>
+              </a:solidFill>
+              <a:prstDash val="solid"/>
+              <a:round/>
+            </a:ln>
+          </p:spPr>
+          <p:txBody>
+            <a:bodyPr/>
+            <a:lstStyle/>
+            <a:p/>
+          </p:txBody>
+        </p:sp>
+        <p:sp>
+          <p:nvSpPr>
+            <p:cNvPr id="62" name="pl62"/>
+            <p:cNvSpPr/>
+            <p:nvPr/>
+          </p:nvSpPr>
+          <p:spPr>
+            <a:xfrm>
+              <a:off x="6021262" y="1809173"/>
+              <a:ext cx="0" cy="3464924"/>
+            </a:xfrm>
+            <a:custGeom>
+              <a:avLst/>
+              <a:pathLst>
+                <a:path w="0" h="3464924">
+                  <a:moveTo>
+                    <a:pt x="0" y="3464924"/>
+                  </a:moveTo>
+                  <a:lnTo>
+                    <a:pt x="0" y="0"/>
+                  </a:lnTo>
+                  <a:lnTo>
+                    <a:pt x="0" y="0"/>
+                  </a:lnTo>
+                </a:path>
+              </a:pathLst>
+            </a:custGeom>
+            <a:ln w="13550" cap="flat">
+              <a:solidFill>
+                <a:srgbClr val="EBEBEB">
+                  <a:alpha val="100000"/>
+                </a:srgbClr>
+              </a:solidFill>
+              <a:prstDash val="solid"/>
+              <a:round/>
+            </a:ln>
+          </p:spPr>
+          <p:txBody>
+            <a:bodyPr/>
+            <a:lstStyle/>
+            <a:p/>
+          </p:txBody>
+        </p:sp>
+        <p:sp>
+          <p:nvSpPr>
+            <p:cNvPr id="63" name="rc63"/>
+            <p:cNvSpPr/>
+            <p:nvPr/>
+          </p:nvSpPr>
+          <p:spPr>
+            <a:xfrm>
+              <a:off x="4956879" y="5014164"/>
+              <a:ext cx="277665" cy="102436"/>
+            </a:xfrm>
+            <a:prstGeom prst="rect">
+              <a:avLst/>
+            </a:prstGeom>
+            <a:solidFill>
+              <a:srgbClr val="FEE5D9">
+                <a:alpha val="100000"/>
+              </a:srgbClr>
+            </a:solidFill>
+          </p:spPr>
+          <p:txBody>
+            <a:bodyPr/>
+            <a:lstStyle/>
+            <a:p/>
+          </p:txBody>
+        </p:sp>
+        <p:sp>
+          <p:nvSpPr>
+            <p:cNvPr id="64" name="rc64"/>
+            <p:cNvSpPr/>
+            <p:nvPr/>
+          </p:nvSpPr>
+          <p:spPr>
+            <a:xfrm>
+              <a:off x="5265396" y="4617221"/>
+              <a:ext cx="277665" cy="499379"/>
+            </a:xfrm>
+            <a:prstGeom prst="rect">
+              <a:avLst/>
+            </a:prstGeom>
+            <a:solidFill>
+              <a:srgbClr val="FCAE91">
+                <a:alpha val="100000"/>
+              </a:srgbClr>
+            </a:solidFill>
+          </p:spPr>
+          <p:txBody>
+            <a:bodyPr/>
+            <a:lstStyle/>
+            <a:p/>
+          </p:txBody>
+        </p:sp>
+        <p:sp>
+          <p:nvSpPr>
+            <p:cNvPr id="65" name="rc65"/>
+            <p:cNvSpPr/>
+            <p:nvPr/>
+          </p:nvSpPr>
+          <p:spPr>
+            <a:xfrm>
+              <a:off x="5573912" y="4898922"/>
+              <a:ext cx="277665" cy="217678"/>
+            </a:xfrm>
+            <a:prstGeom prst="rect">
+              <a:avLst/>
+            </a:prstGeom>
+            <a:solidFill>
+              <a:srgbClr val="FB6A4A">
+                <a:alpha val="100000"/>
+              </a:srgbClr>
+            </a:solidFill>
+          </p:spPr>
+          <p:txBody>
+            <a:bodyPr/>
+            <a:lstStyle/>
+            <a:p/>
+          </p:txBody>
+        </p:sp>
+        <p:sp>
+          <p:nvSpPr>
+            <p:cNvPr id="66" name="rc66"/>
+            <p:cNvSpPr/>
+            <p:nvPr/>
+          </p:nvSpPr>
+          <p:spPr>
+            <a:xfrm>
+              <a:off x="5882429" y="4834899"/>
+              <a:ext cx="277665" cy="281701"/>
+            </a:xfrm>
+            <a:prstGeom prst="rect">
+              <a:avLst/>
+            </a:prstGeom>
+            <a:solidFill>
+              <a:srgbClr val="CB181D">
+                <a:alpha val="100000"/>
+              </a:srgbClr>
+            </a:solidFill>
+          </p:spPr>
+          <p:txBody>
+            <a:bodyPr/>
+            <a:lstStyle/>
+            <a:p/>
+          </p:txBody>
+        </p:sp>
+        <p:sp>
+          <p:nvSpPr>
+            <p:cNvPr id="67" name="rc67"/>
+            <p:cNvSpPr/>
+            <p:nvPr/>
+          </p:nvSpPr>
+          <p:spPr>
+            <a:xfrm>
+              <a:off x="4910601" y="1809173"/>
+              <a:ext cx="1295770" cy="3464924"/>
+            </a:xfrm>
+            <a:prstGeom prst="rect">
+              <a:avLst/>
+            </a:prstGeom>
+            <a:ln w="13550" cap="rnd">
+              <a:solidFill>
+                <a:srgbClr val="333333">
+                  <a:alpha val="100000"/>
+                </a:srgbClr>
+              </a:solidFill>
+              <a:prstDash val="solid"/>
+              <a:round/>
+            </a:ln>
+          </p:spPr>
+          <p:txBody>
+            <a:bodyPr/>
+            <a:lstStyle/>
+            <a:p/>
+          </p:txBody>
+        </p:sp>
+        <p:sp>
+          <p:nvSpPr>
+            <p:cNvPr id="68" name="rc68"/>
+            <p:cNvSpPr/>
+            <p:nvPr/>
+          </p:nvSpPr>
+          <p:spPr>
+            <a:xfrm>
+              <a:off x="6275961" y="1809173"/>
+              <a:ext cx="1295770" cy="3464924"/>
+            </a:xfrm>
+            <a:prstGeom prst="rect">
+              <a:avLst/>
+            </a:prstGeom>
+            <a:solidFill>
+              <a:srgbClr val="FFFFFF">
+                <a:alpha val="100000"/>
+              </a:srgbClr>
+            </a:solidFill>
+          </p:spPr>
+          <p:txBody>
+            <a:bodyPr/>
+            <a:lstStyle/>
+            <a:p/>
+          </p:txBody>
+        </p:sp>
+        <p:sp>
+          <p:nvSpPr>
+            <p:cNvPr id="69" name="pl69"/>
+            <p:cNvSpPr/>
+            <p:nvPr/>
+          </p:nvSpPr>
+          <p:spPr>
+            <a:xfrm>
+              <a:off x="6275961" y="4796485"/>
+              <a:ext cx="1295770" cy="0"/>
+            </a:xfrm>
+            <a:custGeom>
+              <a:avLst/>
+              <a:pathLst>
+                <a:path w="1295770" h="0">
+                  <a:moveTo>
+                    <a:pt x="0" y="0"/>
+                  </a:moveTo>
+                  <a:lnTo>
+                    <a:pt x="1295770" y="0"/>
+                  </a:lnTo>
+                  <a:lnTo>
+                    <a:pt x="1295770" y="0"/>
+                  </a:lnTo>
+                </a:path>
+              </a:pathLst>
+            </a:custGeom>
+            <a:ln w="6775" cap="flat">
+              <a:solidFill>
+                <a:srgbClr val="EBEBEB">
+                  <a:alpha val="100000"/>
+                </a:srgbClr>
+              </a:solidFill>
+              <a:prstDash val="solid"/>
+              <a:round/>
+            </a:ln>
+          </p:spPr>
+          <p:txBody>
+            <a:bodyPr/>
+            <a:lstStyle/>
+            <a:p/>
+          </p:txBody>
+        </p:sp>
+        <p:sp>
+          <p:nvSpPr>
+            <p:cNvPr id="70" name="pl70"/>
+            <p:cNvSpPr/>
+            <p:nvPr/>
+          </p:nvSpPr>
+          <p:spPr>
+            <a:xfrm>
+              <a:off x="6275961" y="4156256"/>
+              <a:ext cx="1295770" cy="0"/>
+            </a:xfrm>
+            <a:custGeom>
+              <a:avLst/>
+              <a:pathLst>
+                <a:path w="1295770" h="0">
+                  <a:moveTo>
+                    <a:pt x="0" y="0"/>
+                  </a:moveTo>
+                  <a:lnTo>
+                    <a:pt x="1295770" y="0"/>
+                  </a:lnTo>
+                  <a:lnTo>
+                    <a:pt x="1295770" y="0"/>
+                  </a:lnTo>
+                </a:path>
+              </a:pathLst>
+            </a:custGeom>
+            <a:ln w="6775" cap="flat">
+              <a:solidFill>
+                <a:srgbClr val="EBEBEB">
+                  <a:alpha val="100000"/>
+                </a:srgbClr>
+              </a:solidFill>
+              <a:prstDash val="solid"/>
+              <a:round/>
+            </a:ln>
+          </p:spPr>
+          <p:txBody>
+            <a:bodyPr/>
+            <a:lstStyle/>
+            <a:p/>
+          </p:txBody>
+        </p:sp>
+        <p:sp>
+          <p:nvSpPr>
+            <p:cNvPr id="71" name="pl71"/>
+            <p:cNvSpPr/>
+            <p:nvPr/>
+          </p:nvSpPr>
+          <p:spPr>
+            <a:xfrm>
+              <a:off x="6275961" y="3516026"/>
+              <a:ext cx="1295770" cy="0"/>
+            </a:xfrm>
+            <a:custGeom>
+              <a:avLst/>
+              <a:pathLst>
+                <a:path w="1295770" h="0">
+                  <a:moveTo>
+                    <a:pt x="0" y="0"/>
+                  </a:moveTo>
+                  <a:lnTo>
+                    <a:pt x="1295770" y="0"/>
+                  </a:lnTo>
+                  <a:lnTo>
+                    <a:pt x="1295770" y="0"/>
+                  </a:lnTo>
+                </a:path>
+              </a:pathLst>
+            </a:custGeom>
+            <a:ln w="6775" cap="flat">
+              <a:solidFill>
+                <a:srgbClr val="EBEBEB">
+                  <a:alpha val="100000"/>
+                </a:srgbClr>
+              </a:solidFill>
+              <a:prstDash val="solid"/>
+              <a:round/>
+            </a:ln>
+          </p:spPr>
+          <p:txBody>
+            <a:bodyPr/>
+            <a:lstStyle/>
+            <a:p/>
+          </p:txBody>
+        </p:sp>
+        <p:sp>
+          <p:nvSpPr>
+            <p:cNvPr id="72" name="pl72"/>
+            <p:cNvSpPr/>
+            <p:nvPr/>
+          </p:nvSpPr>
+          <p:spPr>
+            <a:xfrm>
+              <a:off x="6275961" y="2875796"/>
+              <a:ext cx="1295770" cy="0"/>
+            </a:xfrm>
+            <a:custGeom>
+              <a:avLst/>
+              <a:pathLst>
+                <a:path w="1295770" h="0">
+                  <a:moveTo>
+                    <a:pt x="0" y="0"/>
+                  </a:moveTo>
+                  <a:lnTo>
+                    <a:pt x="1295770" y="0"/>
+                  </a:lnTo>
+                  <a:lnTo>
+                    <a:pt x="1295770" y="0"/>
+                  </a:lnTo>
+                </a:path>
+              </a:pathLst>
+            </a:custGeom>
+            <a:ln w="6775" cap="flat">
+              <a:solidFill>
+                <a:srgbClr val="EBEBEB">
+                  <a:alpha val="100000"/>
+                </a:srgbClr>
+              </a:solidFill>
+              <a:prstDash val="solid"/>
+              <a:round/>
+            </a:ln>
+          </p:spPr>
+          <p:txBody>
+            <a:bodyPr/>
+            <a:lstStyle/>
+            <a:p/>
+          </p:txBody>
+        </p:sp>
+        <p:sp>
+          <p:nvSpPr>
+            <p:cNvPr id="73" name="pl73"/>
+            <p:cNvSpPr/>
+            <p:nvPr/>
+          </p:nvSpPr>
+          <p:spPr>
+            <a:xfrm>
+              <a:off x="6275961" y="2235566"/>
+              <a:ext cx="1295770" cy="0"/>
+            </a:xfrm>
+            <a:custGeom>
+              <a:avLst/>
+              <a:pathLst>
+                <a:path w="1295770" h="0">
+                  <a:moveTo>
+                    <a:pt x="0" y="0"/>
+                  </a:moveTo>
+                  <a:lnTo>
+                    <a:pt x="1295770" y="0"/>
+                  </a:lnTo>
+                  <a:lnTo>
+                    <a:pt x="1295770" y="0"/>
+                  </a:lnTo>
+                </a:path>
+              </a:pathLst>
+            </a:custGeom>
+            <a:ln w="6775" cap="flat">
+              <a:solidFill>
+                <a:srgbClr val="EBEBEB">
+                  <a:alpha val="100000"/>
+                </a:srgbClr>
+              </a:solidFill>
+              <a:prstDash val="solid"/>
+              <a:round/>
+            </a:ln>
+          </p:spPr>
+          <p:txBody>
+            <a:bodyPr/>
+            <a:lstStyle/>
+            <a:p/>
+          </p:txBody>
+        </p:sp>
+        <p:sp>
+          <p:nvSpPr>
+            <p:cNvPr id="74" name="pl74"/>
+            <p:cNvSpPr/>
+            <p:nvPr/>
+          </p:nvSpPr>
+          <p:spPr>
+            <a:xfrm>
+              <a:off x="6275961" y="5116600"/>
+              <a:ext cx="1295770" cy="0"/>
+            </a:xfrm>
+            <a:custGeom>
+              <a:avLst/>
+              <a:pathLst>
+                <a:path w="1295770" h="0">
+                  <a:moveTo>
+                    <a:pt x="0" y="0"/>
+                  </a:moveTo>
+                  <a:lnTo>
+                    <a:pt x="1295770" y="0"/>
+                  </a:lnTo>
+                  <a:lnTo>
+                    <a:pt x="1295770" y="0"/>
+                  </a:lnTo>
+                </a:path>
+              </a:pathLst>
+            </a:custGeom>
+            <a:ln w="13550" cap="flat">
+              <a:solidFill>
+                <a:srgbClr val="EBEBEB">
+                  <a:alpha val="100000"/>
+                </a:srgbClr>
+              </a:solidFill>
+              <a:prstDash val="solid"/>
+              <a:round/>
+            </a:ln>
+          </p:spPr>
+          <p:txBody>
+            <a:bodyPr/>
+            <a:lstStyle/>
+            <a:p/>
+          </p:txBody>
+        </p:sp>
+        <p:sp>
+          <p:nvSpPr>
+            <p:cNvPr id="75" name="pl75"/>
+            <p:cNvSpPr/>
+            <p:nvPr/>
+          </p:nvSpPr>
+          <p:spPr>
+            <a:xfrm>
+              <a:off x="6275961" y="4476370"/>
+              <a:ext cx="1295770" cy="0"/>
+            </a:xfrm>
+            <a:custGeom>
+              <a:avLst/>
+              <a:pathLst>
+                <a:path w="1295770" h="0">
+                  <a:moveTo>
+                    <a:pt x="0" y="0"/>
+                  </a:moveTo>
+                  <a:lnTo>
+                    <a:pt x="1295770" y="0"/>
+                  </a:lnTo>
+                  <a:lnTo>
+                    <a:pt x="1295770" y="0"/>
+                  </a:lnTo>
+                </a:path>
+              </a:pathLst>
+            </a:custGeom>
+            <a:ln w="13550" cap="flat">
+              <a:solidFill>
+                <a:srgbClr val="EBEBEB">
+                  <a:alpha val="100000"/>
+                </a:srgbClr>
+              </a:solidFill>
+              <a:prstDash val="solid"/>
+              <a:round/>
+            </a:ln>
+          </p:spPr>
+          <p:txBody>
+            <a:bodyPr/>
+            <a:lstStyle/>
+            <a:p/>
+          </p:txBody>
+        </p:sp>
+        <p:sp>
+          <p:nvSpPr>
+            <p:cNvPr id="76" name="pl76"/>
+            <p:cNvSpPr/>
+            <p:nvPr/>
+          </p:nvSpPr>
+          <p:spPr>
+            <a:xfrm>
+              <a:off x="6275961" y="3836141"/>
+              <a:ext cx="1295770" cy="0"/>
+            </a:xfrm>
+            <a:custGeom>
+              <a:avLst/>
+              <a:pathLst>
+                <a:path w="1295770" h="0">
+                  <a:moveTo>
+                    <a:pt x="0" y="0"/>
+                  </a:moveTo>
+                  <a:lnTo>
+                    <a:pt x="1295770" y="0"/>
+                  </a:lnTo>
+                  <a:lnTo>
+                    <a:pt x="1295770" y="0"/>
+                  </a:lnTo>
+                </a:path>
+              </a:pathLst>
+            </a:custGeom>
+            <a:ln w="13550" cap="flat">
+              <a:solidFill>
+                <a:srgbClr val="EBEBEB">
+                  <a:alpha val="100000"/>
+                </a:srgbClr>
+              </a:solidFill>
+              <a:prstDash val="solid"/>
+              <a:round/>
+            </a:ln>
+          </p:spPr>
+          <p:txBody>
+            <a:bodyPr/>
+            <a:lstStyle/>
+            <a:p/>
+          </p:txBody>
+        </p:sp>
+        <p:sp>
+          <p:nvSpPr>
+            <p:cNvPr id="77" name="pl77"/>
+            <p:cNvSpPr/>
+            <p:nvPr/>
+          </p:nvSpPr>
+          <p:spPr>
+            <a:xfrm>
+              <a:off x="6275961" y="3195911"/>
+              <a:ext cx="1295770" cy="0"/>
+            </a:xfrm>
+            <a:custGeom>
+              <a:avLst/>
+              <a:pathLst>
+                <a:path w="1295770" h="0">
+                  <a:moveTo>
+                    <a:pt x="0" y="0"/>
+                  </a:moveTo>
+                  <a:lnTo>
+                    <a:pt x="1295770" y="0"/>
+                  </a:lnTo>
+                  <a:lnTo>
+                    <a:pt x="1295770" y="0"/>
+                  </a:lnTo>
+                </a:path>
+              </a:pathLst>
+            </a:custGeom>
+            <a:ln w="13550" cap="flat">
+              <a:solidFill>
+                <a:srgbClr val="EBEBEB">
+                  <a:alpha val="100000"/>
+                </a:srgbClr>
+              </a:solidFill>
+              <a:prstDash val="solid"/>
+              <a:round/>
+            </a:ln>
+          </p:spPr>
+          <p:txBody>
+            <a:bodyPr/>
+            <a:lstStyle/>
+            <a:p/>
+          </p:txBody>
+        </p:sp>
+        <p:sp>
+          <p:nvSpPr>
+            <p:cNvPr id="78" name="pl78"/>
+            <p:cNvSpPr/>
+            <p:nvPr/>
+          </p:nvSpPr>
+          <p:spPr>
+            <a:xfrm>
+              <a:off x="6275961" y="2555681"/>
+              <a:ext cx="1295770" cy="0"/>
+            </a:xfrm>
+            <a:custGeom>
+              <a:avLst/>
+              <a:pathLst>
+                <a:path w="1295770" h="0">
+                  <a:moveTo>
+                    <a:pt x="0" y="0"/>
+                  </a:moveTo>
+                  <a:lnTo>
+                    <a:pt x="1295770" y="0"/>
+                  </a:lnTo>
+                  <a:lnTo>
+                    <a:pt x="1295770" y="0"/>
+                  </a:lnTo>
+                </a:path>
+              </a:pathLst>
+            </a:custGeom>
+            <a:ln w="13550" cap="flat">
+              <a:solidFill>
+                <a:srgbClr val="EBEBEB">
+                  <a:alpha val="100000"/>
+                </a:srgbClr>
+              </a:solidFill>
+              <a:prstDash val="solid"/>
+              <a:round/>
+            </a:ln>
+          </p:spPr>
+          <p:txBody>
+            <a:bodyPr/>
+            <a:lstStyle/>
+            <a:p/>
+          </p:txBody>
+        </p:sp>
+        <p:sp>
+          <p:nvSpPr>
+            <p:cNvPr id="79" name="pl79"/>
+            <p:cNvSpPr/>
+            <p:nvPr/>
+          </p:nvSpPr>
+          <p:spPr>
+            <a:xfrm>
+              <a:off x="6275961" y="1915451"/>
+              <a:ext cx="1295770" cy="0"/>
+            </a:xfrm>
+            <a:custGeom>
+              <a:avLst/>
+              <a:pathLst>
+                <a:path w="1295770" h="0">
+                  <a:moveTo>
+                    <a:pt x="0" y="0"/>
+                  </a:moveTo>
+                  <a:lnTo>
+                    <a:pt x="1295770" y="0"/>
+                  </a:lnTo>
+                  <a:lnTo>
+                    <a:pt x="1295770" y="0"/>
+                  </a:lnTo>
+                </a:path>
+              </a:pathLst>
+            </a:custGeom>
+            <a:ln w="13550" cap="flat">
+              <a:solidFill>
+                <a:srgbClr val="EBEBEB">
+                  <a:alpha val="100000"/>
+                </a:srgbClr>
+              </a:solidFill>
+              <a:prstDash val="solid"/>
+              <a:round/>
+            </a:ln>
+          </p:spPr>
+          <p:txBody>
+            <a:bodyPr/>
+            <a:lstStyle/>
+            <a:p/>
+          </p:txBody>
+        </p:sp>
+        <p:sp>
+          <p:nvSpPr>
+            <p:cNvPr id="80" name="pl80"/>
+            <p:cNvSpPr/>
+            <p:nvPr/>
+          </p:nvSpPr>
+          <p:spPr>
+            <a:xfrm>
+              <a:off x="6461071" y="1809173"/>
+              <a:ext cx="0" cy="3464924"/>
+            </a:xfrm>
+            <a:custGeom>
+              <a:avLst/>
+              <a:pathLst>
+                <a:path w="0" h="3464924">
+                  <a:moveTo>
+                    <a:pt x="0" y="3464924"/>
+                  </a:moveTo>
+                  <a:lnTo>
+                    <a:pt x="0" y="0"/>
+                  </a:lnTo>
+                  <a:lnTo>
+                    <a:pt x="0" y="0"/>
+                  </a:lnTo>
+                </a:path>
+              </a:pathLst>
+            </a:custGeom>
+            <a:ln w="13550" cap="flat">
+              <a:solidFill>
+                <a:srgbClr val="EBEBEB">
+                  <a:alpha val="100000"/>
+                </a:srgbClr>
+              </a:solidFill>
+              <a:prstDash val="solid"/>
+              <a:round/>
+            </a:ln>
+          </p:spPr>
+          <p:txBody>
+            <a:bodyPr/>
+            <a:lstStyle/>
+            <a:p/>
+          </p:txBody>
+        </p:sp>
+        <p:sp>
+          <p:nvSpPr>
+            <p:cNvPr id="81" name="pl81"/>
+            <p:cNvSpPr/>
+            <p:nvPr/>
+          </p:nvSpPr>
+          <p:spPr>
+            <a:xfrm>
+              <a:off x="6769588" y="1809173"/>
+              <a:ext cx="0" cy="3464924"/>
+            </a:xfrm>
+            <a:custGeom>
+              <a:avLst/>
+              <a:pathLst>
+                <a:path w="0" h="3464924">
+                  <a:moveTo>
+                    <a:pt x="0" y="3464924"/>
+                  </a:moveTo>
+                  <a:lnTo>
+                    <a:pt x="0" y="0"/>
+                  </a:lnTo>
+                  <a:lnTo>
+                    <a:pt x="0" y="0"/>
+                  </a:lnTo>
+                </a:path>
+              </a:pathLst>
+            </a:custGeom>
+            <a:ln w="13550" cap="flat">
+              <a:solidFill>
+                <a:srgbClr val="EBEBEB">
+                  <a:alpha val="100000"/>
+                </a:srgbClr>
+              </a:solidFill>
+              <a:prstDash val="solid"/>
+              <a:round/>
+            </a:ln>
+          </p:spPr>
+          <p:txBody>
+            <a:bodyPr/>
+            <a:lstStyle/>
+            <a:p/>
+          </p:txBody>
+        </p:sp>
+        <p:sp>
+          <p:nvSpPr>
+            <p:cNvPr id="82" name="pl82"/>
+            <p:cNvSpPr/>
+            <p:nvPr/>
+          </p:nvSpPr>
+          <p:spPr>
+            <a:xfrm>
+              <a:off x="7078105" y="1809173"/>
+              <a:ext cx="0" cy="3464924"/>
+            </a:xfrm>
+            <a:custGeom>
+              <a:avLst/>
+              <a:pathLst>
+                <a:path w="0" h="3464924">
+                  <a:moveTo>
+                    <a:pt x="0" y="3464924"/>
+                  </a:moveTo>
+                  <a:lnTo>
+                    <a:pt x="0" y="0"/>
+                  </a:lnTo>
+                  <a:lnTo>
+                    <a:pt x="0" y="0"/>
+                  </a:lnTo>
+                </a:path>
+              </a:pathLst>
+            </a:custGeom>
+            <a:ln w="13550" cap="flat">
+              <a:solidFill>
+                <a:srgbClr val="EBEBEB">
+                  <a:alpha val="100000"/>
+                </a:srgbClr>
+              </a:solidFill>
+              <a:prstDash val="solid"/>
+              <a:round/>
+            </a:ln>
+          </p:spPr>
+          <p:txBody>
+            <a:bodyPr/>
+            <a:lstStyle/>
+            <a:p/>
+          </p:txBody>
+        </p:sp>
+        <p:sp>
+          <p:nvSpPr>
+            <p:cNvPr id="83" name="pl83"/>
+            <p:cNvSpPr/>
+            <p:nvPr/>
+          </p:nvSpPr>
+          <p:spPr>
+            <a:xfrm>
+              <a:off x="7386622" y="1809173"/>
+              <a:ext cx="0" cy="3464924"/>
+            </a:xfrm>
+            <a:custGeom>
+              <a:avLst/>
+              <a:pathLst>
+                <a:path w="0" h="3464924">
+                  <a:moveTo>
+                    <a:pt x="0" y="3464924"/>
+                  </a:moveTo>
+                  <a:lnTo>
+                    <a:pt x="0" y="0"/>
+                  </a:lnTo>
+                  <a:lnTo>
+                    <a:pt x="0" y="0"/>
+                  </a:lnTo>
+                </a:path>
+              </a:pathLst>
+            </a:custGeom>
+            <a:ln w="13550" cap="flat">
+              <a:solidFill>
+                <a:srgbClr val="EBEBEB">
+                  <a:alpha val="100000"/>
+                </a:srgbClr>
+              </a:solidFill>
+              <a:prstDash val="solid"/>
+              <a:round/>
+            </a:ln>
+          </p:spPr>
+          <p:txBody>
+            <a:bodyPr/>
+            <a:lstStyle/>
+            <a:p/>
+          </p:txBody>
+        </p:sp>
+        <p:sp>
+          <p:nvSpPr>
+            <p:cNvPr id="84" name="rc84"/>
+            <p:cNvSpPr/>
+            <p:nvPr/>
+          </p:nvSpPr>
+          <p:spPr>
+            <a:xfrm>
+              <a:off x="6322239" y="5001359"/>
+              <a:ext cx="277665" cy="115241"/>
+            </a:xfrm>
+            <a:prstGeom prst="rect">
+              <a:avLst/>
+            </a:prstGeom>
+            <a:solidFill>
+              <a:srgbClr val="FEE5D9">
+                <a:alpha val="100000"/>
+              </a:srgbClr>
+            </a:solidFill>
+          </p:spPr>
+          <p:txBody>
+            <a:bodyPr/>
+            <a:lstStyle/>
+            <a:p/>
+          </p:txBody>
+        </p:sp>
+        <p:sp>
+          <p:nvSpPr>
+            <p:cNvPr id="85" name="rc85"/>
+            <p:cNvSpPr/>
+            <p:nvPr/>
+          </p:nvSpPr>
+          <p:spPr>
+            <a:xfrm>
+              <a:off x="6630755" y="4578807"/>
+              <a:ext cx="277665" cy="537793"/>
+            </a:xfrm>
+            <a:prstGeom prst="rect">
+              <a:avLst/>
+            </a:prstGeom>
+            <a:solidFill>
+              <a:srgbClr val="FCAE91">
+                <a:alpha val="100000"/>
+              </a:srgbClr>
+            </a:solidFill>
+          </p:spPr>
+          <p:txBody>
+            <a:bodyPr/>
+            <a:lstStyle/>
+            <a:p/>
+          </p:txBody>
+        </p:sp>
+        <p:sp>
+          <p:nvSpPr>
+            <p:cNvPr id="86" name="rc86"/>
+            <p:cNvSpPr/>
+            <p:nvPr/>
+          </p:nvSpPr>
+          <p:spPr>
+            <a:xfrm>
+              <a:off x="6939272" y="4988554"/>
+              <a:ext cx="277665" cy="128045"/>
+            </a:xfrm>
+            <a:prstGeom prst="rect">
+              <a:avLst/>
+            </a:prstGeom>
+            <a:solidFill>
+              <a:srgbClr val="FB6A4A">
+                <a:alpha val="100000"/>
+              </a:srgbClr>
+            </a:solidFill>
+          </p:spPr>
+          <p:txBody>
+            <a:bodyPr/>
+            <a:lstStyle/>
+            <a:p/>
+          </p:txBody>
+        </p:sp>
+        <p:sp>
+          <p:nvSpPr>
+            <p:cNvPr id="87" name="rc87"/>
+            <p:cNvSpPr/>
+            <p:nvPr/>
+          </p:nvSpPr>
+          <p:spPr>
+            <a:xfrm>
+              <a:off x="7247789" y="5001359"/>
+              <a:ext cx="277665" cy="115241"/>
+            </a:xfrm>
+            <a:prstGeom prst="rect">
+              <a:avLst/>
+            </a:prstGeom>
+            <a:solidFill>
+              <a:srgbClr val="CB181D">
+                <a:alpha val="100000"/>
+              </a:srgbClr>
+            </a:solidFill>
+          </p:spPr>
+          <p:txBody>
+            <a:bodyPr/>
+            <a:lstStyle/>
+            <a:p/>
+          </p:txBody>
+        </p:sp>
+        <p:sp>
+          <p:nvSpPr>
+            <p:cNvPr id="88" name="rc88"/>
+            <p:cNvSpPr/>
+            <p:nvPr/>
+          </p:nvSpPr>
+          <p:spPr>
+            <a:xfrm>
+              <a:off x="6275961" y="1809173"/>
+              <a:ext cx="1295770" cy="3464924"/>
+            </a:xfrm>
+            <a:prstGeom prst="rect">
+              <a:avLst/>
+            </a:prstGeom>
+            <a:ln w="13550" cap="rnd">
+              <a:solidFill>
+                <a:srgbClr val="333333">
+                  <a:alpha val="100000"/>
+                </a:srgbClr>
+              </a:solidFill>
+              <a:prstDash val="solid"/>
+              <a:round/>
+            </a:ln>
+          </p:spPr>
+          <p:txBody>
+            <a:bodyPr/>
+            <a:lstStyle/>
+            <a:p/>
+          </p:txBody>
+        </p:sp>
+        <p:sp>
+          <p:nvSpPr>
+            <p:cNvPr id="89" name="rc89"/>
+            <p:cNvSpPr/>
+            <p:nvPr/>
+          </p:nvSpPr>
+          <p:spPr>
+            <a:xfrm>
+              <a:off x="7641321" y="1809173"/>
+              <a:ext cx="1295770" cy="3464924"/>
+            </a:xfrm>
+            <a:prstGeom prst="rect">
+              <a:avLst/>
+            </a:prstGeom>
+            <a:solidFill>
+              <a:srgbClr val="FFFFFF">
+                <a:alpha val="100000"/>
+              </a:srgbClr>
+            </a:solidFill>
+          </p:spPr>
+          <p:txBody>
+            <a:bodyPr/>
+            <a:lstStyle/>
+            <a:p/>
+          </p:txBody>
+        </p:sp>
+        <p:sp>
+          <p:nvSpPr>
+            <p:cNvPr id="90" name="pl90"/>
+            <p:cNvSpPr/>
+            <p:nvPr/>
+          </p:nvSpPr>
+          <p:spPr>
+            <a:xfrm>
+              <a:off x="7641321" y="4796485"/>
+              <a:ext cx="1295770" cy="0"/>
+            </a:xfrm>
+            <a:custGeom>
+              <a:avLst/>
+              <a:pathLst>
+                <a:path w="1295770" h="0">
+                  <a:moveTo>
+                    <a:pt x="0" y="0"/>
+                  </a:moveTo>
+                  <a:lnTo>
+                    <a:pt x="1295770" y="0"/>
+                  </a:lnTo>
+                  <a:lnTo>
+                    <a:pt x="1295770" y="0"/>
+                  </a:lnTo>
+                </a:path>
+              </a:pathLst>
+            </a:custGeom>
+            <a:ln w="6775" cap="flat">
+              <a:solidFill>
+                <a:srgbClr val="EBEBEB">
+                  <a:alpha val="100000"/>
+                </a:srgbClr>
+              </a:solidFill>
+              <a:prstDash val="solid"/>
+              <a:round/>
+            </a:ln>
+          </p:spPr>
+          <p:txBody>
+            <a:bodyPr/>
+            <a:lstStyle/>
+            <a:p/>
+          </p:txBody>
+        </p:sp>
+        <p:sp>
+          <p:nvSpPr>
+            <p:cNvPr id="91" name="pl91"/>
+            <p:cNvSpPr/>
+            <p:nvPr/>
+          </p:nvSpPr>
+          <p:spPr>
+            <a:xfrm>
+              <a:off x="7641321" y="4156256"/>
+              <a:ext cx="1295770" cy="0"/>
+            </a:xfrm>
+            <a:custGeom>
+              <a:avLst/>
+              <a:pathLst>
+                <a:path w="1295770" h="0">
+                  <a:moveTo>
+                    <a:pt x="0" y="0"/>
+                  </a:moveTo>
+                  <a:lnTo>
+                    <a:pt x="1295770" y="0"/>
+                  </a:lnTo>
+                  <a:lnTo>
+                    <a:pt x="1295770" y="0"/>
+                  </a:lnTo>
+                </a:path>
+              </a:pathLst>
+            </a:custGeom>
+            <a:ln w="6775" cap="flat">
+              <a:solidFill>
+                <a:srgbClr val="EBEBEB">
+                  <a:alpha val="100000"/>
+                </a:srgbClr>
+              </a:solidFill>
+              <a:prstDash val="solid"/>
+              <a:round/>
+            </a:ln>
+          </p:spPr>
+          <p:txBody>
+            <a:bodyPr/>
+            <a:lstStyle/>
+            <a:p/>
+          </p:txBody>
+        </p:sp>
+        <p:sp>
+          <p:nvSpPr>
+            <p:cNvPr id="92" name="pl92"/>
+            <p:cNvSpPr/>
+            <p:nvPr/>
+          </p:nvSpPr>
+          <p:spPr>
+            <a:xfrm>
+              <a:off x="7641321" y="3516026"/>
+              <a:ext cx="1295770" cy="0"/>
+            </a:xfrm>
+            <a:custGeom>
+              <a:avLst/>
+              <a:pathLst>
+                <a:path w="1295770" h="0">
+                  <a:moveTo>
+                    <a:pt x="0" y="0"/>
+                  </a:moveTo>
+                  <a:lnTo>
+                    <a:pt x="1295770" y="0"/>
+                  </a:lnTo>
+                  <a:lnTo>
+                    <a:pt x="1295770" y="0"/>
+                  </a:lnTo>
+                </a:path>
+              </a:pathLst>
+            </a:custGeom>
+            <a:ln w="6775" cap="flat">
+              <a:solidFill>
+                <a:srgbClr val="EBEBEB">
+                  <a:alpha val="100000"/>
+                </a:srgbClr>
+              </a:solidFill>
+              <a:prstDash val="solid"/>
+              <a:round/>
+            </a:ln>
+          </p:spPr>
+          <p:txBody>
+            <a:bodyPr/>
+            <a:lstStyle/>
+            <a:p/>
+          </p:txBody>
+        </p:sp>
+        <p:sp>
+          <p:nvSpPr>
+            <p:cNvPr id="93" name="pl93"/>
+            <p:cNvSpPr/>
+            <p:nvPr/>
+          </p:nvSpPr>
+          <p:spPr>
+            <a:xfrm>
+              <a:off x="7641321" y="2875796"/>
+              <a:ext cx="1295770" cy="0"/>
+            </a:xfrm>
+            <a:custGeom>
+              <a:avLst/>
+              <a:pathLst>
+                <a:path w="1295770" h="0">
+                  <a:moveTo>
+                    <a:pt x="0" y="0"/>
+                  </a:moveTo>
+                  <a:lnTo>
+                    <a:pt x="1295770" y="0"/>
+                  </a:lnTo>
+                  <a:lnTo>
+                    <a:pt x="1295770" y="0"/>
+                  </a:lnTo>
+                </a:path>
+              </a:pathLst>
+            </a:custGeom>
+            <a:ln w="6775" cap="flat">
+              <a:solidFill>
+                <a:srgbClr val="EBEBEB">
+                  <a:alpha val="100000"/>
+                </a:srgbClr>
+              </a:solidFill>
+              <a:prstDash val="solid"/>
+              <a:round/>
+            </a:ln>
+          </p:spPr>
+          <p:txBody>
+            <a:bodyPr/>
+            <a:lstStyle/>
+            <a:p/>
+          </p:txBody>
+        </p:sp>
+        <p:sp>
+          <p:nvSpPr>
+            <p:cNvPr id="94" name="pl94"/>
+            <p:cNvSpPr/>
+            <p:nvPr/>
+          </p:nvSpPr>
+          <p:spPr>
+            <a:xfrm>
+              <a:off x="7641321" y="2235566"/>
+              <a:ext cx="1295770" cy="0"/>
+            </a:xfrm>
+            <a:custGeom>
+              <a:avLst/>
+              <a:pathLst>
+                <a:path w="1295770" h="0">
+                  <a:moveTo>
+                    <a:pt x="0" y="0"/>
+                  </a:moveTo>
+                  <a:lnTo>
+                    <a:pt x="1295770" y="0"/>
+                  </a:lnTo>
+                  <a:lnTo>
+                    <a:pt x="1295770" y="0"/>
+                  </a:lnTo>
+                </a:path>
+              </a:pathLst>
+            </a:custGeom>
+            <a:ln w="6775" cap="flat">
+              <a:solidFill>
+                <a:srgbClr val="EBEBEB">
+                  <a:alpha val="100000"/>
+                </a:srgbClr>
+              </a:solidFill>
+              <a:prstDash val="solid"/>
+              <a:round/>
+            </a:ln>
+          </p:spPr>
+          <p:txBody>
+            <a:bodyPr/>
+            <a:lstStyle/>
+            <a:p/>
+          </p:txBody>
+        </p:sp>
+        <p:sp>
+          <p:nvSpPr>
+            <p:cNvPr id="95" name="pl95"/>
+            <p:cNvSpPr/>
+            <p:nvPr/>
+          </p:nvSpPr>
+          <p:spPr>
+            <a:xfrm>
+              <a:off x="7641321" y="5116600"/>
+              <a:ext cx="1295770" cy="0"/>
+            </a:xfrm>
+            <a:custGeom>
+              <a:avLst/>
+              <a:pathLst>
+                <a:path w="1295770" h="0">
+                  <a:moveTo>
+                    <a:pt x="0" y="0"/>
+                  </a:moveTo>
+                  <a:lnTo>
+                    <a:pt x="1295770" y="0"/>
+                  </a:lnTo>
+                  <a:lnTo>
+                    <a:pt x="1295770" y="0"/>
+                  </a:lnTo>
+                </a:path>
+              </a:pathLst>
+            </a:custGeom>
+            <a:ln w="13550" cap="flat">
+              <a:solidFill>
+                <a:srgbClr val="EBEBEB">
+                  <a:alpha val="100000"/>
+                </a:srgbClr>
+              </a:solidFill>
+              <a:prstDash val="solid"/>
+              <a:round/>
+            </a:ln>
+          </p:spPr>
+          <p:txBody>
+            <a:bodyPr/>
+            <a:lstStyle/>
+            <a:p/>
+          </p:txBody>
+        </p:sp>
+        <p:sp>
+          <p:nvSpPr>
+            <p:cNvPr id="96" name="pl96"/>
+            <p:cNvSpPr/>
+            <p:nvPr/>
+          </p:nvSpPr>
+          <p:spPr>
+            <a:xfrm>
+              <a:off x="7641321" y="4476370"/>
+              <a:ext cx="1295770" cy="0"/>
+            </a:xfrm>
+            <a:custGeom>
+              <a:avLst/>
+              <a:pathLst>
+                <a:path w="1295770" h="0">
+                  <a:moveTo>
+                    <a:pt x="0" y="0"/>
+                  </a:moveTo>
+                  <a:lnTo>
+                    <a:pt x="1295770" y="0"/>
+                  </a:lnTo>
+                  <a:lnTo>
+                    <a:pt x="1295770" y="0"/>
+                  </a:lnTo>
+                </a:path>
+              </a:pathLst>
+            </a:custGeom>
+            <a:ln w="13550" cap="flat">
+              <a:solidFill>
+                <a:srgbClr val="EBEBEB">
+                  <a:alpha val="100000"/>
+                </a:srgbClr>
+              </a:solidFill>
+              <a:prstDash val="solid"/>
+              <a:round/>
+            </a:ln>
+          </p:spPr>
+          <p:txBody>
+            <a:bodyPr/>
+            <a:lstStyle/>
+            <a:p/>
+          </p:txBody>
+        </p:sp>
+        <p:sp>
+          <p:nvSpPr>
+            <p:cNvPr id="97" name="pl97"/>
+            <p:cNvSpPr/>
+            <p:nvPr/>
+          </p:nvSpPr>
+          <p:spPr>
+            <a:xfrm>
+              <a:off x="7641321" y="3836141"/>
+              <a:ext cx="1295770" cy="0"/>
+            </a:xfrm>
+            <a:custGeom>
+              <a:avLst/>
+              <a:pathLst>
+                <a:path w="1295770" h="0">
+                  <a:moveTo>
+                    <a:pt x="0" y="0"/>
+                  </a:moveTo>
+                  <a:lnTo>
+                    <a:pt x="1295770" y="0"/>
+                  </a:lnTo>
+                  <a:lnTo>
+                    <a:pt x="1295770" y="0"/>
+                  </a:lnTo>
+                </a:path>
+              </a:pathLst>
+            </a:custGeom>
+            <a:ln w="13550" cap="flat">
+              <a:solidFill>
+                <a:srgbClr val="EBEBEB">
+                  <a:alpha val="100000"/>
+                </a:srgbClr>
+              </a:solidFill>
+              <a:prstDash val="solid"/>
+              <a:round/>
+            </a:ln>
+          </p:spPr>
+          <p:txBody>
+            <a:bodyPr/>
+            <a:lstStyle/>
+            <a:p/>
+          </p:txBody>
+        </p:sp>
+        <p:sp>
+          <p:nvSpPr>
+            <p:cNvPr id="98" name="pl98"/>
+            <p:cNvSpPr/>
+            <p:nvPr/>
+          </p:nvSpPr>
+          <p:spPr>
+            <a:xfrm>
+              <a:off x="7641321" y="3195911"/>
+              <a:ext cx="1295770" cy="0"/>
+            </a:xfrm>
+            <a:custGeom>
+              <a:avLst/>
+              <a:pathLst>
+                <a:path w="1295770" h="0">
+                  <a:moveTo>
+                    <a:pt x="0" y="0"/>
+                  </a:moveTo>
+                  <a:lnTo>
+                    <a:pt x="1295770" y="0"/>
+                  </a:lnTo>
+                  <a:lnTo>
+                    <a:pt x="1295770" y="0"/>
+                  </a:lnTo>
+                </a:path>
+              </a:pathLst>
+            </a:custGeom>
+            <a:ln w="13550" cap="flat">
+              <a:solidFill>
+                <a:srgbClr val="EBEBEB">
+                  <a:alpha val="100000"/>
+                </a:srgbClr>
+              </a:solidFill>
+              <a:prstDash val="solid"/>
+              <a:round/>
+            </a:ln>
+          </p:spPr>
+          <p:txBody>
+            <a:bodyPr/>
+            <a:lstStyle/>
+            <a:p/>
+          </p:txBody>
+        </p:sp>
+        <p:sp>
+          <p:nvSpPr>
+            <p:cNvPr id="99" name="pl99"/>
+            <p:cNvSpPr/>
+            <p:nvPr/>
+          </p:nvSpPr>
+          <p:spPr>
+            <a:xfrm>
+              <a:off x="7641321" y="2555681"/>
+              <a:ext cx="1295770" cy="0"/>
+            </a:xfrm>
+            <a:custGeom>
+              <a:avLst/>
+              <a:pathLst>
+                <a:path w="1295770" h="0">
+                  <a:moveTo>
+                    <a:pt x="0" y="0"/>
+                  </a:moveTo>
+                  <a:lnTo>
+                    <a:pt x="1295770" y="0"/>
+                  </a:lnTo>
+                  <a:lnTo>
+                    <a:pt x="1295770" y="0"/>
+                  </a:lnTo>
+                </a:path>
+              </a:pathLst>
+            </a:custGeom>
+            <a:ln w="13550" cap="flat">
+              <a:solidFill>
+                <a:srgbClr val="EBEBEB">
+                  <a:alpha val="100000"/>
+                </a:srgbClr>
+              </a:solidFill>
+              <a:prstDash val="solid"/>
+              <a:round/>
+            </a:ln>
+          </p:spPr>
+          <p:txBody>
+            <a:bodyPr/>
+            <a:lstStyle/>
+            <a:p/>
+          </p:txBody>
+        </p:sp>
+        <p:sp>
+          <p:nvSpPr>
+            <p:cNvPr id="100" name="pl100"/>
+            <p:cNvSpPr/>
+            <p:nvPr/>
+          </p:nvSpPr>
+          <p:spPr>
+            <a:xfrm>
+              <a:off x="7641321" y="1915451"/>
+              <a:ext cx="1295770" cy="0"/>
+            </a:xfrm>
+            <a:custGeom>
+              <a:avLst/>
+              <a:pathLst>
+                <a:path w="1295770" h="0">
+                  <a:moveTo>
+                    <a:pt x="0" y="0"/>
+                  </a:moveTo>
+                  <a:lnTo>
+                    <a:pt x="1295770" y="0"/>
+                  </a:lnTo>
+                  <a:lnTo>
+                    <a:pt x="1295770" y="0"/>
+                  </a:lnTo>
+                </a:path>
+              </a:pathLst>
+            </a:custGeom>
+            <a:ln w="13550" cap="flat">
+              <a:solidFill>
+                <a:srgbClr val="EBEBEB">
+                  <a:alpha val="100000"/>
+                </a:srgbClr>
+              </a:solidFill>
+              <a:prstDash val="solid"/>
+              <a:round/>
+            </a:ln>
+          </p:spPr>
+          <p:txBody>
+            <a:bodyPr/>
+            <a:lstStyle/>
+            <a:p/>
+          </p:txBody>
+        </p:sp>
+        <p:sp>
+          <p:nvSpPr>
+            <p:cNvPr id="101" name="pl101"/>
+            <p:cNvSpPr/>
+            <p:nvPr/>
+          </p:nvSpPr>
+          <p:spPr>
+            <a:xfrm>
+              <a:off x="7826431" y="1809173"/>
+              <a:ext cx="0" cy="3464924"/>
+            </a:xfrm>
+            <a:custGeom>
+              <a:avLst/>
+              <a:pathLst>
+                <a:path w="0" h="3464924">
+                  <a:moveTo>
+                    <a:pt x="0" y="3464924"/>
+                  </a:moveTo>
+                  <a:lnTo>
+                    <a:pt x="0" y="0"/>
+                  </a:lnTo>
+                  <a:lnTo>
+                    <a:pt x="0" y="0"/>
+                  </a:lnTo>
+                </a:path>
+              </a:pathLst>
+            </a:custGeom>
+            <a:ln w="13550" cap="flat">
+              <a:solidFill>
+                <a:srgbClr val="EBEBEB">
+                  <a:alpha val="100000"/>
+                </a:srgbClr>
+              </a:solidFill>
+              <a:prstDash val="solid"/>
+              <a:round/>
+            </a:ln>
+          </p:spPr>
+          <p:txBody>
+            <a:bodyPr/>
+            <a:lstStyle/>
+            <a:p/>
+          </p:txBody>
+        </p:sp>
+        <p:sp>
+          <p:nvSpPr>
+            <p:cNvPr id="102" name="pl102"/>
+            <p:cNvSpPr/>
+            <p:nvPr/>
+          </p:nvSpPr>
+          <p:spPr>
+            <a:xfrm>
+              <a:off x="8134948" y="1809173"/>
+              <a:ext cx="0" cy="3464924"/>
+            </a:xfrm>
+            <a:custGeom>
+              <a:avLst/>
+              <a:pathLst>
+                <a:path w="0" h="3464924">
+                  <a:moveTo>
+                    <a:pt x="0" y="3464924"/>
+                  </a:moveTo>
+                  <a:lnTo>
+                    <a:pt x="0" y="0"/>
+                  </a:lnTo>
+                  <a:lnTo>
+                    <a:pt x="0" y="0"/>
+                  </a:lnTo>
+                </a:path>
+              </a:pathLst>
+            </a:custGeom>
+            <a:ln w="13550" cap="flat">
+              <a:solidFill>
+                <a:srgbClr val="EBEBEB">
+                  <a:alpha val="100000"/>
+                </a:srgbClr>
+              </a:solidFill>
+              <a:prstDash val="solid"/>
+              <a:round/>
+            </a:ln>
+          </p:spPr>
+          <p:txBody>
+            <a:bodyPr/>
+            <a:lstStyle/>
+            <a:p/>
+          </p:txBody>
+        </p:sp>
+        <p:sp>
+          <p:nvSpPr>
+            <p:cNvPr id="103" name="pl103"/>
+            <p:cNvSpPr/>
+            <p:nvPr/>
+          </p:nvSpPr>
+          <p:spPr>
+            <a:xfrm>
+              <a:off x="8443465" y="1809173"/>
+              <a:ext cx="0" cy="3464924"/>
+            </a:xfrm>
+            <a:custGeom>
+              <a:avLst/>
+              <a:pathLst>
+                <a:path w="0" h="3464924">
+                  <a:moveTo>
+                    <a:pt x="0" y="3464924"/>
+                  </a:moveTo>
+                  <a:lnTo>
+                    <a:pt x="0" y="0"/>
+                  </a:lnTo>
+                  <a:lnTo>
+                    <a:pt x="0" y="0"/>
+                  </a:lnTo>
+                </a:path>
+              </a:pathLst>
+            </a:custGeom>
+            <a:ln w="13550" cap="flat">
+              <a:solidFill>
+                <a:srgbClr val="EBEBEB">
+                  <a:alpha val="100000"/>
+                </a:srgbClr>
+              </a:solidFill>
+              <a:prstDash val="solid"/>
+              <a:round/>
+            </a:ln>
+          </p:spPr>
+          <p:txBody>
+            <a:bodyPr/>
+            <a:lstStyle/>
+            <a:p/>
+          </p:txBody>
+        </p:sp>
+        <p:sp>
+          <p:nvSpPr>
+            <p:cNvPr id="104" name="pl104"/>
+            <p:cNvSpPr/>
+            <p:nvPr/>
+          </p:nvSpPr>
+          <p:spPr>
+            <a:xfrm>
+              <a:off x="8751982" y="1809173"/>
+              <a:ext cx="0" cy="3464924"/>
+            </a:xfrm>
+            <a:custGeom>
+              <a:avLst/>
+              <a:pathLst>
+                <a:path w="0" h="3464924">
+                  <a:moveTo>
+                    <a:pt x="0" y="3464924"/>
+                  </a:moveTo>
+                  <a:lnTo>
+                    <a:pt x="0" y="0"/>
+                  </a:lnTo>
+                  <a:lnTo>
+                    <a:pt x="0" y="0"/>
+                  </a:lnTo>
+                </a:path>
+              </a:pathLst>
+            </a:custGeom>
+            <a:ln w="13550" cap="flat">
+              <a:solidFill>
+                <a:srgbClr val="EBEBEB">
+                  <a:alpha val="100000"/>
+                </a:srgbClr>
+              </a:solidFill>
+              <a:prstDash val="solid"/>
+              <a:round/>
+            </a:ln>
+          </p:spPr>
+          <p:txBody>
+            <a:bodyPr/>
+            <a:lstStyle/>
+            <a:p/>
+          </p:txBody>
+        </p:sp>
+        <p:sp>
+          <p:nvSpPr>
+            <p:cNvPr id="105" name="rc105"/>
+            <p:cNvSpPr/>
+            <p:nvPr/>
+          </p:nvSpPr>
+          <p:spPr>
+            <a:xfrm>
+              <a:off x="7687599" y="5039773"/>
+              <a:ext cx="277665" cy="76827"/>
+            </a:xfrm>
+            <a:prstGeom prst="rect">
+              <a:avLst/>
+            </a:prstGeom>
+            <a:solidFill>
+              <a:srgbClr val="FEE5D9">
+                <a:alpha val="100000"/>
+              </a:srgbClr>
+            </a:solidFill>
+          </p:spPr>
+          <p:txBody>
+            <a:bodyPr/>
+            <a:lstStyle/>
+            <a:p/>
+          </p:txBody>
+        </p:sp>
+        <p:sp>
+          <p:nvSpPr>
+            <p:cNvPr id="106" name="rc106"/>
+            <p:cNvSpPr/>
+            <p:nvPr/>
+          </p:nvSpPr>
+          <p:spPr>
+            <a:xfrm>
+              <a:off x="7996115" y="4489175"/>
+              <a:ext cx="277665" cy="627425"/>
+            </a:xfrm>
+            <a:prstGeom prst="rect">
+              <a:avLst/>
+            </a:prstGeom>
+            <a:solidFill>
+              <a:srgbClr val="FCAE91">
+                <a:alpha val="100000"/>
+              </a:srgbClr>
+            </a:solidFill>
+          </p:spPr>
+          <p:txBody>
+            <a:bodyPr/>
+            <a:lstStyle/>
+            <a:p/>
+          </p:txBody>
+        </p:sp>
+        <p:sp>
+          <p:nvSpPr>
+            <p:cNvPr id="107" name="rc107"/>
+            <p:cNvSpPr/>
+            <p:nvPr/>
+          </p:nvSpPr>
+          <p:spPr>
+            <a:xfrm>
+              <a:off x="8304632" y="4860508"/>
+              <a:ext cx="277665" cy="256091"/>
+            </a:xfrm>
+            <a:prstGeom prst="rect">
+              <a:avLst/>
+            </a:prstGeom>
+            <a:solidFill>
+              <a:srgbClr val="FB6A4A">
+                <a:alpha val="100000"/>
+              </a:srgbClr>
+            </a:solidFill>
+          </p:spPr>
+          <p:txBody>
+            <a:bodyPr/>
+            <a:lstStyle/>
+            <a:p/>
+          </p:txBody>
+        </p:sp>
+        <p:sp>
+          <p:nvSpPr>
+            <p:cNvPr id="108" name="rc108"/>
+            <p:cNvSpPr/>
+            <p:nvPr/>
+          </p:nvSpPr>
+          <p:spPr>
+            <a:xfrm>
+              <a:off x="8613149" y="4822095"/>
+              <a:ext cx="277665" cy="294505"/>
+            </a:xfrm>
+            <a:prstGeom prst="rect">
+              <a:avLst/>
+            </a:prstGeom>
+            <a:solidFill>
+              <a:srgbClr val="CB181D">
+                <a:alpha val="100000"/>
+              </a:srgbClr>
+            </a:solidFill>
+          </p:spPr>
+          <p:txBody>
+            <a:bodyPr/>
+            <a:lstStyle/>
+            <a:p/>
+          </p:txBody>
+        </p:sp>
+        <p:sp>
+          <p:nvSpPr>
+            <p:cNvPr id="109" name="rc109"/>
+            <p:cNvSpPr/>
+            <p:nvPr/>
+          </p:nvSpPr>
+          <p:spPr>
+            <a:xfrm>
+              <a:off x="7641321" y="1809173"/>
+              <a:ext cx="1295770" cy="3464924"/>
+            </a:xfrm>
+            <a:prstGeom prst="rect">
+              <a:avLst/>
+            </a:prstGeom>
+            <a:ln w="13550" cap="rnd">
+              <a:solidFill>
+                <a:srgbClr val="333333">
+                  <a:alpha val="100000"/>
+                </a:srgbClr>
+              </a:solidFill>
+              <a:prstDash val="solid"/>
+              <a:round/>
+            </a:ln>
+          </p:spPr>
+          <p:txBody>
+            <a:bodyPr/>
+            <a:lstStyle/>
+            <a:p/>
+          </p:txBody>
+        </p:sp>
+        <p:sp>
+          <p:nvSpPr>
+            <p:cNvPr id="110" name="rc110"/>
+            <p:cNvSpPr/>
+            <p:nvPr/>
+          </p:nvSpPr>
+          <p:spPr>
+            <a:xfrm>
+              <a:off x="2179881" y="1590617"/>
+              <a:ext cx="1295770" cy="218555"/>
+            </a:xfrm>
+            <a:prstGeom prst="rect">
+              <a:avLst/>
+            </a:prstGeom>
+            <a:solidFill>
+              <a:srgbClr val="D9D9D9">
+                <a:alpha val="100000"/>
+              </a:srgbClr>
+            </a:solidFill>
+            <a:ln w="13550" cap="rnd">
+              <a:solidFill>
+                <a:srgbClr val="333333">
+                  <a:alpha val="100000"/>
+                </a:srgbClr>
+              </a:solidFill>
+              <a:prstDash val="solid"/>
+              <a:round/>
+            </a:ln>
+          </p:spPr>
+          <p:txBody>
+            <a:bodyPr/>
+            <a:lstStyle/>
+            <a:p/>
+          </p:txBody>
+        </p:sp>
+        <p:sp>
+          <p:nvSpPr>
+            <p:cNvPr id="111" name="tx111"/>
+            <p:cNvSpPr/>
+            <p:nvPr/>
+          </p:nvSpPr>
+          <p:spPr>
+            <a:xfrm>
+              <a:off x="2618217" y="1670045"/>
+              <a:ext cx="419100" cy="69850"/>
             </a:xfrm>
             <a:prstGeom prst="rect">
               <a:avLst/>
@@ -4119,30 +7276,65 @@
                 </a:spcAft>
               </a:pPr>
               <a:r>
-                <a:rPr sz="880" b="1">
+                <a:rPr sz="880">
                   <a:solidFill>
-                    <a:srgbClr val="4D4D4D">
+                    <a:srgbClr val="1A1A1A">
                       <a:alpha val="100000"/>
                     </a:srgbClr>
                   </a:solidFill>
                   <a:latin typeface="Arial"/>
                   <a:cs typeface="Arial"/>
                 </a:rPr>
-                <a:t>4</a:t>
+                <a:t>基础研究者</a:t>
               </a:r>
             </a:p>
           </p:txBody>
         </p:sp>
         <p:sp>
           <p:nvSpPr>
-            <p:cNvPr id="29" name="tx29"/>
-            <p:cNvSpPr/>
-            <p:nvPr/>
-          </p:nvSpPr>
-          <p:spPr>
-            <a:xfrm>
-              <a:off x="1926599" y="4055022"/>
-              <a:ext cx="62155" cy="81691"/>
+            <p:cNvPr id="112" name="rc112"/>
+            <p:cNvSpPr/>
+            <p:nvPr/>
+          </p:nvSpPr>
+          <p:spPr>
+            <a:xfrm>
+              <a:off x="3545241" y="1590617"/>
+              <a:ext cx="1295770" cy="218555"/>
+            </a:xfrm>
+            <a:prstGeom prst="rect">
+              <a:avLst/>
+            </a:prstGeom>
+            <a:solidFill>
+              <a:srgbClr val="D9D9D9">
+                <a:alpha val="100000"/>
+              </a:srgbClr>
+            </a:solidFill>
+            <a:ln w="13550" cap="rnd">
+              <a:solidFill>
+                <a:srgbClr val="333333">
+                  <a:alpha val="100000"/>
+                </a:srgbClr>
+              </a:solidFill>
+              <a:prstDash val="solid"/>
+              <a:round/>
+            </a:ln>
+          </p:spPr>
+          <p:txBody>
+            <a:bodyPr/>
+            <a:lstStyle/>
+            <a:p/>
+          </p:txBody>
+        </p:sp>
+        <p:sp>
+          <p:nvSpPr>
+            <p:cNvPr id="113" name="tx113"/>
+            <p:cNvSpPr/>
+            <p:nvPr/>
+          </p:nvSpPr>
+          <p:spPr>
+            <a:xfrm>
+              <a:off x="4025487" y="1670045"/>
+              <a:ext cx="335280" cy="69850"/>
             </a:xfrm>
             <a:prstGeom prst="rect">
               <a:avLst/>
@@ -4165,30 +7357,65 @@
                 </a:spcAft>
               </a:pPr>
               <a:r>
-                <a:rPr sz="880" b="1">
+                <a:rPr sz="880">
                   <a:solidFill>
-                    <a:srgbClr val="4D4D4D">
+                    <a:srgbClr val="1A1A1A">
                       <a:alpha val="100000"/>
                     </a:srgbClr>
                   </a:solidFill>
                   <a:latin typeface="Arial"/>
                   <a:cs typeface="Arial"/>
                 </a:rPr>
-                <a:t>3</a:t>
+                <a:t>临床医生</a:t>
               </a:r>
             </a:p>
           </p:txBody>
         </p:sp>
         <p:sp>
           <p:nvSpPr>
-            <p:cNvPr id="30" name="tx30"/>
-            <p:cNvSpPr/>
-            <p:nvPr/>
-          </p:nvSpPr>
-          <p:spPr>
-            <a:xfrm>
-              <a:off x="1926599" y="3092503"/>
-              <a:ext cx="62155" cy="80327"/>
+            <p:cNvPr id="114" name="rc114"/>
+            <p:cNvSpPr/>
+            <p:nvPr/>
+          </p:nvSpPr>
+          <p:spPr>
+            <a:xfrm>
+              <a:off x="4910601" y="1590617"/>
+              <a:ext cx="1295770" cy="218555"/>
+            </a:xfrm>
+            <a:prstGeom prst="rect">
+              <a:avLst/>
+            </a:prstGeom>
+            <a:solidFill>
+              <a:srgbClr val="D9D9D9">
+                <a:alpha val="100000"/>
+              </a:srgbClr>
+            </a:solidFill>
+            <a:ln w="13550" cap="rnd">
+              <a:solidFill>
+                <a:srgbClr val="333333">
+                  <a:alpha val="100000"/>
+                </a:srgbClr>
+              </a:solidFill>
+              <a:prstDash val="solid"/>
+              <a:round/>
+            </a:ln>
+          </p:spPr>
+          <p:txBody>
+            <a:bodyPr/>
+            <a:lstStyle/>
+            <a:p/>
+          </p:txBody>
+        </p:sp>
+        <p:sp>
+          <p:nvSpPr>
+            <p:cNvPr id="115" name="tx115"/>
+            <p:cNvSpPr/>
+            <p:nvPr/>
+          </p:nvSpPr>
+          <p:spPr>
+            <a:xfrm>
+              <a:off x="5348937" y="1670045"/>
+              <a:ext cx="419100" cy="69850"/>
             </a:xfrm>
             <a:prstGeom prst="rect">
               <a:avLst/>
@@ -4211,30 +7438,65 @@
                 </a:spcAft>
               </a:pPr>
               <a:r>
-                <a:rPr sz="880" b="1">
+                <a:rPr sz="880">
                   <a:solidFill>
-                    <a:srgbClr val="4D4D4D">
+                    <a:srgbClr val="1A1A1A">
                       <a:alpha val="100000"/>
                     </a:srgbClr>
                   </a:solidFill>
                   <a:latin typeface="Arial"/>
                   <a:cs typeface="Arial"/>
                 </a:rPr>
-                <a:t>2</a:t>
+                <a:t>企业管理者</a:t>
               </a:r>
             </a:p>
           </p:txBody>
         </p:sp>
         <p:sp>
           <p:nvSpPr>
-            <p:cNvPr id="31" name="tx31"/>
-            <p:cNvSpPr/>
-            <p:nvPr/>
-          </p:nvSpPr>
-          <p:spPr>
-            <a:xfrm>
-              <a:off x="1926599" y="2128619"/>
-              <a:ext cx="62155" cy="80327"/>
+            <p:cNvPr id="116" name="rc116"/>
+            <p:cNvSpPr/>
+            <p:nvPr/>
+          </p:nvSpPr>
+          <p:spPr>
+            <a:xfrm>
+              <a:off x="6275961" y="1590617"/>
+              <a:ext cx="1295770" cy="218555"/>
+            </a:xfrm>
+            <a:prstGeom prst="rect">
+              <a:avLst/>
+            </a:prstGeom>
+            <a:solidFill>
+              <a:srgbClr val="D9D9D9">
+                <a:alpha val="100000"/>
+              </a:srgbClr>
+            </a:solidFill>
+            <a:ln w="13550" cap="rnd">
+              <a:solidFill>
+                <a:srgbClr val="333333">
+                  <a:alpha val="100000"/>
+                </a:srgbClr>
+              </a:solidFill>
+              <a:prstDash val="solid"/>
+              <a:round/>
+            </a:ln>
+          </p:spPr>
+          <p:txBody>
+            <a:bodyPr/>
+            <a:lstStyle/>
+            <a:p/>
+          </p:txBody>
+        </p:sp>
+        <p:sp>
+          <p:nvSpPr>
+            <p:cNvPr id="117" name="tx117"/>
+            <p:cNvSpPr/>
+            <p:nvPr/>
+          </p:nvSpPr>
+          <p:spPr>
+            <a:xfrm>
+              <a:off x="6672387" y="1670045"/>
+              <a:ext cx="502920" cy="69850"/>
             </a:xfrm>
             <a:prstGeom prst="rect">
               <a:avLst/>
@@ -4257,189 +7519,110 @@
                 </a:spcAft>
               </a:pPr>
               <a:r>
-                <a:rPr sz="880" b="1">
+                <a:rPr sz="880">
                   <a:solidFill>
-                    <a:srgbClr val="4D4D4D">
+                    <a:srgbClr val="1A1A1A">
                       <a:alpha val="100000"/>
                     </a:srgbClr>
                   </a:solidFill>
                   <a:latin typeface="Arial"/>
                   <a:cs typeface="Arial"/>
                 </a:rPr>
-                <a:t>1</a:t>
+                <a:t>企业研发人员</a:t>
               </a:r>
             </a:p>
           </p:txBody>
         </p:sp>
         <p:sp>
           <p:nvSpPr>
-            <p:cNvPr id="32" name="pl32"/>
-            <p:cNvSpPr/>
-            <p:nvPr/>
-          </p:nvSpPr>
-          <p:spPr>
-            <a:xfrm>
-              <a:off x="1988754" y="5060597"/>
-              <a:ext cx="34794" cy="0"/>
-            </a:xfrm>
-            <a:custGeom>
-              <a:avLst/>
-              <a:pathLst>
-                <a:path w="34794" h="0">
-                  <a:moveTo>
-                    <a:pt x="0" y="0"/>
-                  </a:moveTo>
-                  <a:lnTo>
-                    <a:pt x="34794" y="0"/>
-                  </a:lnTo>
-                </a:path>
-              </a:pathLst>
-            </a:custGeom>
-            <a:ln w="6775" cap="flat">
-              <a:solidFill>
-                <a:srgbClr val="B3B3B3">
-                  <a:alpha val="100000"/>
-                </a:srgbClr>
-              </a:solidFill>
-              <a:prstDash val="solid"/>
-              <a:round/>
-            </a:ln>
-          </p:spPr>
-          <p:txBody>
-            <a:bodyPr/>
-            <a:lstStyle/>
-            <a:p/>
-          </p:txBody>
-        </p:sp>
-        <p:sp>
-          <p:nvSpPr>
-            <p:cNvPr id="33" name="pl33"/>
-            <p:cNvSpPr/>
-            <p:nvPr/>
-          </p:nvSpPr>
-          <p:spPr>
-            <a:xfrm>
-              <a:off x="1988754" y="4096714"/>
-              <a:ext cx="34794" cy="0"/>
-            </a:xfrm>
-            <a:custGeom>
-              <a:avLst/>
-              <a:pathLst>
-                <a:path w="34794" h="0">
-                  <a:moveTo>
-                    <a:pt x="0" y="0"/>
-                  </a:moveTo>
-                  <a:lnTo>
-                    <a:pt x="34794" y="0"/>
-                  </a:lnTo>
-                </a:path>
-              </a:pathLst>
-            </a:custGeom>
-            <a:ln w="6775" cap="flat">
-              <a:solidFill>
-                <a:srgbClr val="B3B3B3">
-                  <a:alpha val="100000"/>
-                </a:srgbClr>
-              </a:solidFill>
-              <a:prstDash val="solid"/>
-              <a:round/>
-            </a:ln>
-          </p:spPr>
-          <p:txBody>
-            <a:bodyPr/>
-            <a:lstStyle/>
-            <a:p/>
-          </p:txBody>
-        </p:sp>
-        <p:sp>
-          <p:nvSpPr>
-            <p:cNvPr id="34" name="pl34"/>
-            <p:cNvSpPr/>
-            <p:nvPr/>
-          </p:nvSpPr>
-          <p:spPr>
-            <a:xfrm>
-              <a:off x="1988754" y="3132830"/>
-              <a:ext cx="34794" cy="0"/>
-            </a:xfrm>
-            <a:custGeom>
-              <a:avLst/>
-              <a:pathLst>
-                <a:path w="34794" h="0">
-                  <a:moveTo>
-                    <a:pt x="0" y="0"/>
-                  </a:moveTo>
-                  <a:lnTo>
-                    <a:pt x="34794" y="0"/>
-                  </a:lnTo>
-                </a:path>
-              </a:pathLst>
-            </a:custGeom>
-            <a:ln w="6775" cap="flat">
-              <a:solidFill>
-                <a:srgbClr val="B3B3B3">
-                  <a:alpha val="100000"/>
-                </a:srgbClr>
-              </a:solidFill>
-              <a:prstDash val="solid"/>
-              <a:round/>
-            </a:ln>
-          </p:spPr>
-          <p:txBody>
-            <a:bodyPr/>
-            <a:lstStyle/>
-            <a:p/>
-          </p:txBody>
-        </p:sp>
-        <p:sp>
-          <p:nvSpPr>
-            <p:cNvPr id="35" name="pl35"/>
-            <p:cNvSpPr/>
-            <p:nvPr/>
-          </p:nvSpPr>
-          <p:spPr>
-            <a:xfrm>
-              <a:off x="1988754" y="2168947"/>
-              <a:ext cx="34794" cy="0"/>
-            </a:xfrm>
-            <a:custGeom>
-              <a:avLst/>
-              <a:pathLst>
-                <a:path w="34794" h="0">
-                  <a:moveTo>
-                    <a:pt x="0" y="0"/>
-                  </a:moveTo>
-                  <a:lnTo>
-                    <a:pt x="34794" y="0"/>
-                  </a:lnTo>
-                </a:path>
-              </a:pathLst>
-            </a:custGeom>
-            <a:ln w="6775" cap="flat">
-              <a:solidFill>
-                <a:srgbClr val="B3B3B3">
-                  <a:alpha val="100000"/>
-                </a:srgbClr>
-              </a:solidFill>
-              <a:prstDash val="solid"/>
-              <a:round/>
-            </a:ln>
-          </p:spPr>
-          <p:txBody>
-            <a:bodyPr/>
-            <a:lstStyle/>
-            <a:p/>
-          </p:txBody>
-        </p:sp>
-        <p:sp>
-          <p:nvSpPr>
-            <p:cNvPr id="36" name="pl36"/>
-            <p:cNvSpPr/>
-            <p:nvPr/>
-          </p:nvSpPr>
-          <p:spPr>
-            <a:xfrm>
-              <a:off x="2023549" y="5638927"/>
+            <p:cNvPr id="118" name="rc118"/>
+            <p:cNvSpPr/>
+            <p:nvPr/>
+          </p:nvSpPr>
+          <p:spPr>
+            <a:xfrm>
+              <a:off x="7641321" y="1590617"/>
+              <a:ext cx="1295770" cy="218555"/>
+            </a:xfrm>
+            <a:prstGeom prst="rect">
+              <a:avLst/>
+            </a:prstGeom>
+            <a:solidFill>
+              <a:srgbClr val="D9D9D9">
+                <a:alpha val="100000"/>
+              </a:srgbClr>
+            </a:solidFill>
+            <a:ln w="13550" cap="rnd">
+              <a:solidFill>
+                <a:srgbClr val="333333">
+                  <a:alpha val="100000"/>
+                </a:srgbClr>
+              </a:solidFill>
+              <a:prstDash val="solid"/>
+              <a:round/>
+            </a:ln>
+          </p:spPr>
+          <p:txBody>
+            <a:bodyPr/>
+            <a:lstStyle/>
+            <a:p/>
+          </p:txBody>
+        </p:sp>
+        <p:sp>
+          <p:nvSpPr>
+            <p:cNvPr id="119" name="tx119"/>
+            <p:cNvSpPr/>
+            <p:nvPr/>
+          </p:nvSpPr>
+          <p:spPr>
+            <a:xfrm>
+              <a:off x="8205386" y="1670045"/>
+              <a:ext cx="167640" cy="69850"/>
+            </a:xfrm>
+            <a:prstGeom prst="rect">
+              <a:avLst/>
+            </a:prstGeom>
+            <a:noFill/>
+          </p:spPr>
+          <p:txBody>
+            <a:bodyPr lIns="0" rIns="0" tIns="0" bIns="0" anchorCtr="1" anchor="ctr" wrap="none"/>
+            <a:lstStyle/>
+            <a:p>
+              <a:pPr algn="l" marL="0" marR="0" indent="0">
+                <a:lnSpc>
+                  <a:spcPts val="880"/>
+                </a:lnSpc>
+                <a:spcBef>
+                  <a:spcPts val="0"/>
+                </a:spcBef>
+                <a:spcAft>
+                  <a:spcPts val="0"/>
+                </a:spcAft>
+              </a:pPr>
+              <a:r>
+                <a:rPr sz="880">
+                  <a:solidFill>
+                    <a:srgbClr val="1A1A1A">
+                      <a:alpha val="100000"/>
+                    </a:srgbClr>
+                  </a:solidFill>
+                  <a:latin typeface="Arial"/>
+                  <a:cs typeface="Arial"/>
+                </a:rPr>
+                <a:t>其他</a:t>
+              </a:r>
+            </a:p>
+          </p:txBody>
+        </p:sp>
+        <p:sp>
+          <p:nvSpPr>
+            <p:cNvPr id="120" name="pl120"/>
+            <p:cNvSpPr/>
+            <p:nvPr/>
+          </p:nvSpPr>
+          <p:spPr>
+            <a:xfrm>
+              <a:off x="2364991" y="5274097"/>
               <a:ext cx="0" cy="34794"/>
             </a:xfrm>
             <a:custGeom>
@@ -4455,31 +7638,31 @@
                 </a:path>
               </a:pathLst>
             </a:custGeom>
-            <a:ln w="6775" cap="flat">
-              <a:solidFill>
-                <a:srgbClr val="B3B3B3">
-                  <a:alpha val="100000"/>
-                </a:srgbClr>
-              </a:solidFill>
-              <a:prstDash val="solid"/>
-              <a:round/>
-            </a:ln>
-          </p:spPr>
-          <p:txBody>
-            <a:bodyPr/>
-            <a:lstStyle/>
-            <a:p/>
-          </p:txBody>
-        </p:sp>
-        <p:sp>
-          <p:nvSpPr>
-            <p:cNvPr id="37" name="pl37"/>
-            <p:cNvSpPr/>
-            <p:nvPr/>
-          </p:nvSpPr>
-          <p:spPr>
-            <a:xfrm>
-              <a:off x="3586737" y="5638927"/>
+            <a:ln w="13550" cap="flat">
+              <a:solidFill>
+                <a:srgbClr val="333333">
+                  <a:alpha val="100000"/>
+                </a:srgbClr>
+              </a:solidFill>
+              <a:prstDash val="solid"/>
+              <a:round/>
+            </a:ln>
+          </p:spPr>
+          <p:txBody>
+            <a:bodyPr/>
+            <a:lstStyle/>
+            <a:p/>
+          </p:txBody>
+        </p:sp>
+        <p:sp>
+          <p:nvSpPr>
+            <p:cNvPr id="121" name="pl121"/>
+            <p:cNvSpPr/>
+            <p:nvPr/>
+          </p:nvSpPr>
+          <p:spPr>
+            <a:xfrm>
+              <a:off x="2673508" y="5274097"/>
               <a:ext cx="0" cy="34794"/>
             </a:xfrm>
             <a:custGeom>
@@ -4495,31 +7678,31 @@
                 </a:path>
               </a:pathLst>
             </a:custGeom>
-            <a:ln w="6775" cap="flat">
-              <a:solidFill>
-                <a:srgbClr val="B3B3B3">
-                  <a:alpha val="100000"/>
-                </a:srgbClr>
-              </a:solidFill>
-              <a:prstDash val="solid"/>
-              <a:round/>
-            </a:ln>
-          </p:spPr>
-          <p:txBody>
-            <a:bodyPr/>
-            <a:lstStyle/>
-            <a:p/>
-          </p:txBody>
-        </p:sp>
-        <p:sp>
-          <p:nvSpPr>
-            <p:cNvPr id="38" name="pl38"/>
-            <p:cNvSpPr/>
-            <p:nvPr/>
-          </p:nvSpPr>
-          <p:spPr>
-            <a:xfrm>
-              <a:off x="5149925" y="5638927"/>
+            <a:ln w="13550" cap="flat">
+              <a:solidFill>
+                <a:srgbClr val="333333">
+                  <a:alpha val="100000"/>
+                </a:srgbClr>
+              </a:solidFill>
+              <a:prstDash val="solid"/>
+              <a:round/>
+            </a:ln>
+          </p:spPr>
+          <p:txBody>
+            <a:bodyPr/>
+            <a:lstStyle/>
+            <a:p/>
+          </p:txBody>
+        </p:sp>
+        <p:sp>
+          <p:nvSpPr>
+            <p:cNvPr id="122" name="pl122"/>
+            <p:cNvSpPr/>
+            <p:nvPr/>
+          </p:nvSpPr>
+          <p:spPr>
+            <a:xfrm>
+              <a:off x="2982025" y="5274097"/>
               <a:ext cx="0" cy="34794"/>
             </a:xfrm>
             <a:custGeom>
@@ -4535,31 +7718,31 @@
                 </a:path>
               </a:pathLst>
             </a:custGeom>
-            <a:ln w="6775" cap="flat">
-              <a:solidFill>
-                <a:srgbClr val="B3B3B3">
-                  <a:alpha val="100000"/>
-                </a:srgbClr>
-              </a:solidFill>
-              <a:prstDash val="solid"/>
-              <a:round/>
-            </a:ln>
-          </p:spPr>
-          <p:txBody>
-            <a:bodyPr/>
-            <a:lstStyle/>
-            <a:p/>
-          </p:txBody>
-        </p:sp>
-        <p:sp>
-          <p:nvSpPr>
-            <p:cNvPr id="39" name="pl39"/>
-            <p:cNvSpPr/>
-            <p:nvPr/>
-          </p:nvSpPr>
-          <p:spPr>
-            <a:xfrm>
-              <a:off x="6713113" y="5638927"/>
+            <a:ln w="13550" cap="flat">
+              <a:solidFill>
+                <a:srgbClr val="333333">
+                  <a:alpha val="100000"/>
+                </a:srgbClr>
+              </a:solidFill>
+              <a:prstDash val="solid"/>
+              <a:round/>
+            </a:ln>
+          </p:spPr>
+          <p:txBody>
+            <a:bodyPr/>
+            <a:lstStyle/>
+            <a:p/>
+          </p:txBody>
+        </p:sp>
+        <p:sp>
+          <p:nvSpPr>
+            <p:cNvPr id="123" name="pl123"/>
+            <p:cNvSpPr/>
+            <p:nvPr/>
+          </p:nvSpPr>
+          <p:spPr>
+            <a:xfrm>
+              <a:off x="3290542" y="5274097"/>
               <a:ext cx="0" cy="34794"/>
             </a:xfrm>
             <a:custGeom>
@@ -4575,31 +7758,31 @@
                 </a:path>
               </a:pathLst>
             </a:custGeom>
-            <a:ln w="6775" cap="flat">
-              <a:solidFill>
-                <a:srgbClr val="B3B3B3">
-                  <a:alpha val="100000"/>
-                </a:srgbClr>
-              </a:solidFill>
-              <a:prstDash val="solid"/>
-              <a:round/>
-            </a:ln>
-          </p:spPr>
-          <p:txBody>
-            <a:bodyPr/>
-            <a:lstStyle/>
-            <a:p/>
-          </p:txBody>
-        </p:sp>
-        <p:sp>
-          <p:nvSpPr>
-            <p:cNvPr id="40" name="pl40"/>
-            <p:cNvSpPr/>
-            <p:nvPr/>
-          </p:nvSpPr>
-          <p:spPr>
-            <a:xfrm>
-              <a:off x="8276301" y="5638927"/>
+            <a:ln w="13550" cap="flat">
+              <a:solidFill>
+                <a:srgbClr val="333333">
+                  <a:alpha val="100000"/>
+                </a:srgbClr>
+              </a:solidFill>
+              <a:prstDash val="solid"/>
+              <a:round/>
+            </a:ln>
+          </p:spPr>
+          <p:txBody>
+            <a:bodyPr/>
+            <a:lstStyle/>
+            <a:p/>
+          </p:txBody>
+        </p:sp>
+        <p:sp>
+          <p:nvSpPr>
+            <p:cNvPr id="124" name="pl124"/>
+            <p:cNvSpPr/>
+            <p:nvPr/>
+          </p:nvSpPr>
+          <p:spPr>
+            <a:xfrm>
+              <a:off x="3730351" y="5274097"/>
               <a:ext cx="0" cy="34794"/>
             </a:xfrm>
             <a:custGeom>
@@ -4615,31 +7798,631 @@
                 </a:path>
               </a:pathLst>
             </a:custGeom>
-            <a:ln w="6775" cap="flat">
-              <a:solidFill>
-                <a:srgbClr val="B3B3B3">
-                  <a:alpha val="100000"/>
-                </a:srgbClr>
-              </a:solidFill>
-              <a:prstDash val="solid"/>
-              <a:round/>
-            </a:ln>
-          </p:spPr>
-          <p:txBody>
-            <a:bodyPr/>
-            <a:lstStyle/>
-            <a:p/>
-          </p:txBody>
-        </p:sp>
-        <p:sp>
-          <p:nvSpPr>
-            <p:cNvPr id="41" name="tx41"/>
-            <p:cNvSpPr/>
-            <p:nvPr/>
-          </p:nvSpPr>
-          <p:spPr>
-            <a:xfrm>
-              <a:off x="1992471" y="5699866"/>
+            <a:ln w="13550" cap="flat">
+              <a:solidFill>
+                <a:srgbClr val="333333">
+                  <a:alpha val="100000"/>
+                </a:srgbClr>
+              </a:solidFill>
+              <a:prstDash val="solid"/>
+              <a:round/>
+            </a:ln>
+          </p:spPr>
+          <p:txBody>
+            <a:bodyPr/>
+            <a:lstStyle/>
+            <a:p/>
+          </p:txBody>
+        </p:sp>
+        <p:sp>
+          <p:nvSpPr>
+            <p:cNvPr id="125" name="pl125"/>
+            <p:cNvSpPr/>
+            <p:nvPr/>
+          </p:nvSpPr>
+          <p:spPr>
+            <a:xfrm>
+              <a:off x="4038868" y="5274097"/>
+              <a:ext cx="0" cy="34794"/>
+            </a:xfrm>
+            <a:custGeom>
+              <a:avLst/>
+              <a:pathLst>
+                <a:path w="0" h="34794">
+                  <a:moveTo>
+                    <a:pt x="0" y="34794"/>
+                  </a:moveTo>
+                  <a:lnTo>
+                    <a:pt x="0" y="0"/>
+                  </a:lnTo>
+                </a:path>
+              </a:pathLst>
+            </a:custGeom>
+            <a:ln w="13550" cap="flat">
+              <a:solidFill>
+                <a:srgbClr val="333333">
+                  <a:alpha val="100000"/>
+                </a:srgbClr>
+              </a:solidFill>
+              <a:prstDash val="solid"/>
+              <a:round/>
+            </a:ln>
+          </p:spPr>
+          <p:txBody>
+            <a:bodyPr/>
+            <a:lstStyle/>
+            <a:p/>
+          </p:txBody>
+        </p:sp>
+        <p:sp>
+          <p:nvSpPr>
+            <p:cNvPr id="126" name="pl126"/>
+            <p:cNvSpPr/>
+            <p:nvPr/>
+          </p:nvSpPr>
+          <p:spPr>
+            <a:xfrm>
+              <a:off x="4347385" y="5274097"/>
+              <a:ext cx="0" cy="34794"/>
+            </a:xfrm>
+            <a:custGeom>
+              <a:avLst/>
+              <a:pathLst>
+                <a:path w="0" h="34794">
+                  <a:moveTo>
+                    <a:pt x="0" y="34794"/>
+                  </a:moveTo>
+                  <a:lnTo>
+                    <a:pt x="0" y="0"/>
+                  </a:lnTo>
+                </a:path>
+              </a:pathLst>
+            </a:custGeom>
+            <a:ln w="13550" cap="flat">
+              <a:solidFill>
+                <a:srgbClr val="333333">
+                  <a:alpha val="100000"/>
+                </a:srgbClr>
+              </a:solidFill>
+              <a:prstDash val="solid"/>
+              <a:round/>
+            </a:ln>
+          </p:spPr>
+          <p:txBody>
+            <a:bodyPr/>
+            <a:lstStyle/>
+            <a:p/>
+          </p:txBody>
+        </p:sp>
+        <p:sp>
+          <p:nvSpPr>
+            <p:cNvPr id="127" name="pl127"/>
+            <p:cNvSpPr/>
+            <p:nvPr/>
+          </p:nvSpPr>
+          <p:spPr>
+            <a:xfrm>
+              <a:off x="4655902" y="5274097"/>
+              <a:ext cx="0" cy="34794"/>
+            </a:xfrm>
+            <a:custGeom>
+              <a:avLst/>
+              <a:pathLst>
+                <a:path w="0" h="34794">
+                  <a:moveTo>
+                    <a:pt x="0" y="34794"/>
+                  </a:moveTo>
+                  <a:lnTo>
+                    <a:pt x="0" y="0"/>
+                  </a:lnTo>
+                </a:path>
+              </a:pathLst>
+            </a:custGeom>
+            <a:ln w="13550" cap="flat">
+              <a:solidFill>
+                <a:srgbClr val="333333">
+                  <a:alpha val="100000"/>
+                </a:srgbClr>
+              </a:solidFill>
+              <a:prstDash val="solid"/>
+              <a:round/>
+            </a:ln>
+          </p:spPr>
+          <p:txBody>
+            <a:bodyPr/>
+            <a:lstStyle/>
+            <a:p/>
+          </p:txBody>
+        </p:sp>
+        <p:sp>
+          <p:nvSpPr>
+            <p:cNvPr id="128" name="pl128"/>
+            <p:cNvSpPr/>
+            <p:nvPr/>
+          </p:nvSpPr>
+          <p:spPr>
+            <a:xfrm>
+              <a:off x="5095711" y="5274097"/>
+              <a:ext cx="0" cy="34794"/>
+            </a:xfrm>
+            <a:custGeom>
+              <a:avLst/>
+              <a:pathLst>
+                <a:path w="0" h="34794">
+                  <a:moveTo>
+                    <a:pt x="0" y="34794"/>
+                  </a:moveTo>
+                  <a:lnTo>
+                    <a:pt x="0" y="0"/>
+                  </a:lnTo>
+                </a:path>
+              </a:pathLst>
+            </a:custGeom>
+            <a:ln w="13550" cap="flat">
+              <a:solidFill>
+                <a:srgbClr val="333333">
+                  <a:alpha val="100000"/>
+                </a:srgbClr>
+              </a:solidFill>
+              <a:prstDash val="solid"/>
+              <a:round/>
+            </a:ln>
+          </p:spPr>
+          <p:txBody>
+            <a:bodyPr/>
+            <a:lstStyle/>
+            <a:p/>
+          </p:txBody>
+        </p:sp>
+        <p:sp>
+          <p:nvSpPr>
+            <p:cNvPr id="129" name="pl129"/>
+            <p:cNvSpPr/>
+            <p:nvPr/>
+          </p:nvSpPr>
+          <p:spPr>
+            <a:xfrm>
+              <a:off x="5404228" y="5274097"/>
+              <a:ext cx="0" cy="34794"/>
+            </a:xfrm>
+            <a:custGeom>
+              <a:avLst/>
+              <a:pathLst>
+                <a:path w="0" h="34794">
+                  <a:moveTo>
+                    <a:pt x="0" y="34794"/>
+                  </a:moveTo>
+                  <a:lnTo>
+                    <a:pt x="0" y="0"/>
+                  </a:lnTo>
+                </a:path>
+              </a:pathLst>
+            </a:custGeom>
+            <a:ln w="13550" cap="flat">
+              <a:solidFill>
+                <a:srgbClr val="333333">
+                  <a:alpha val="100000"/>
+                </a:srgbClr>
+              </a:solidFill>
+              <a:prstDash val="solid"/>
+              <a:round/>
+            </a:ln>
+          </p:spPr>
+          <p:txBody>
+            <a:bodyPr/>
+            <a:lstStyle/>
+            <a:p/>
+          </p:txBody>
+        </p:sp>
+        <p:sp>
+          <p:nvSpPr>
+            <p:cNvPr id="130" name="pl130"/>
+            <p:cNvSpPr/>
+            <p:nvPr/>
+          </p:nvSpPr>
+          <p:spPr>
+            <a:xfrm>
+              <a:off x="5712745" y="5274097"/>
+              <a:ext cx="0" cy="34794"/>
+            </a:xfrm>
+            <a:custGeom>
+              <a:avLst/>
+              <a:pathLst>
+                <a:path w="0" h="34794">
+                  <a:moveTo>
+                    <a:pt x="0" y="34794"/>
+                  </a:moveTo>
+                  <a:lnTo>
+                    <a:pt x="0" y="0"/>
+                  </a:lnTo>
+                </a:path>
+              </a:pathLst>
+            </a:custGeom>
+            <a:ln w="13550" cap="flat">
+              <a:solidFill>
+                <a:srgbClr val="333333">
+                  <a:alpha val="100000"/>
+                </a:srgbClr>
+              </a:solidFill>
+              <a:prstDash val="solid"/>
+              <a:round/>
+            </a:ln>
+          </p:spPr>
+          <p:txBody>
+            <a:bodyPr/>
+            <a:lstStyle/>
+            <a:p/>
+          </p:txBody>
+        </p:sp>
+        <p:sp>
+          <p:nvSpPr>
+            <p:cNvPr id="131" name="pl131"/>
+            <p:cNvSpPr/>
+            <p:nvPr/>
+          </p:nvSpPr>
+          <p:spPr>
+            <a:xfrm>
+              <a:off x="6021262" y="5274097"/>
+              <a:ext cx="0" cy="34794"/>
+            </a:xfrm>
+            <a:custGeom>
+              <a:avLst/>
+              <a:pathLst>
+                <a:path w="0" h="34794">
+                  <a:moveTo>
+                    <a:pt x="0" y="34794"/>
+                  </a:moveTo>
+                  <a:lnTo>
+                    <a:pt x="0" y="0"/>
+                  </a:lnTo>
+                </a:path>
+              </a:pathLst>
+            </a:custGeom>
+            <a:ln w="13550" cap="flat">
+              <a:solidFill>
+                <a:srgbClr val="333333">
+                  <a:alpha val="100000"/>
+                </a:srgbClr>
+              </a:solidFill>
+              <a:prstDash val="solid"/>
+              <a:round/>
+            </a:ln>
+          </p:spPr>
+          <p:txBody>
+            <a:bodyPr/>
+            <a:lstStyle/>
+            <a:p/>
+          </p:txBody>
+        </p:sp>
+        <p:sp>
+          <p:nvSpPr>
+            <p:cNvPr id="132" name="pl132"/>
+            <p:cNvSpPr/>
+            <p:nvPr/>
+          </p:nvSpPr>
+          <p:spPr>
+            <a:xfrm>
+              <a:off x="6461071" y="5274097"/>
+              <a:ext cx="0" cy="34794"/>
+            </a:xfrm>
+            <a:custGeom>
+              <a:avLst/>
+              <a:pathLst>
+                <a:path w="0" h="34794">
+                  <a:moveTo>
+                    <a:pt x="0" y="34794"/>
+                  </a:moveTo>
+                  <a:lnTo>
+                    <a:pt x="0" y="0"/>
+                  </a:lnTo>
+                </a:path>
+              </a:pathLst>
+            </a:custGeom>
+            <a:ln w="13550" cap="flat">
+              <a:solidFill>
+                <a:srgbClr val="333333">
+                  <a:alpha val="100000"/>
+                </a:srgbClr>
+              </a:solidFill>
+              <a:prstDash val="solid"/>
+              <a:round/>
+            </a:ln>
+          </p:spPr>
+          <p:txBody>
+            <a:bodyPr/>
+            <a:lstStyle/>
+            <a:p/>
+          </p:txBody>
+        </p:sp>
+        <p:sp>
+          <p:nvSpPr>
+            <p:cNvPr id="133" name="pl133"/>
+            <p:cNvSpPr/>
+            <p:nvPr/>
+          </p:nvSpPr>
+          <p:spPr>
+            <a:xfrm>
+              <a:off x="6769588" y="5274097"/>
+              <a:ext cx="0" cy="34794"/>
+            </a:xfrm>
+            <a:custGeom>
+              <a:avLst/>
+              <a:pathLst>
+                <a:path w="0" h="34794">
+                  <a:moveTo>
+                    <a:pt x="0" y="34794"/>
+                  </a:moveTo>
+                  <a:lnTo>
+                    <a:pt x="0" y="0"/>
+                  </a:lnTo>
+                </a:path>
+              </a:pathLst>
+            </a:custGeom>
+            <a:ln w="13550" cap="flat">
+              <a:solidFill>
+                <a:srgbClr val="333333">
+                  <a:alpha val="100000"/>
+                </a:srgbClr>
+              </a:solidFill>
+              <a:prstDash val="solid"/>
+              <a:round/>
+            </a:ln>
+          </p:spPr>
+          <p:txBody>
+            <a:bodyPr/>
+            <a:lstStyle/>
+            <a:p/>
+          </p:txBody>
+        </p:sp>
+        <p:sp>
+          <p:nvSpPr>
+            <p:cNvPr id="134" name="pl134"/>
+            <p:cNvSpPr/>
+            <p:nvPr/>
+          </p:nvSpPr>
+          <p:spPr>
+            <a:xfrm>
+              <a:off x="7078105" y="5274097"/>
+              <a:ext cx="0" cy="34794"/>
+            </a:xfrm>
+            <a:custGeom>
+              <a:avLst/>
+              <a:pathLst>
+                <a:path w="0" h="34794">
+                  <a:moveTo>
+                    <a:pt x="0" y="34794"/>
+                  </a:moveTo>
+                  <a:lnTo>
+                    <a:pt x="0" y="0"/>
+                  </a:lnTo>
+                </a:path>
+              </a:pathLst>
+            </a:custGeom>
+            <a:ln w="13550" cap="flat">
+              <a:solidFill>
+                <a:srgbClr val="333333">
+                  <a:alpha val="100000"/>
+                </a:srgbClr>
+              </a:solidFill>
+              <a:prstDash val="solid"/>
+              <a:round/>
+            </a:ln>
+          </p:spPr>
+          <p:txBody>
+            <a:bodyPr/>
+            <a:lstStyle/>
+            <a:p/>
+          </p:txBody>
+        </p:sp>
+        <p:sp>
+          <p:nvSpPr>
+            <p:cNvPr id="135" name="pl135"/>
+            <p:cNvSpPr/>
+            <p:nvPr/>
+          </p:nvSpPr>
+          <p:spPr>
+            <a:xfrm>
+              <a:off x="7386622" y="5274097"/>
+              <a:ext cx="0" cy="34794"/>
+            </a:xfrm>
+            <a:custGeom>
+              <a:avLst/>
+              <a:pathLst>
+                <a:path w="0" h="34794">
+                  <a:moveTo>
+                    <a:pt x="0" y="34794"/>
+                  </a:moveTo>
+                  <a:lnTo>
+                    <a:pt x="0" y="0"/>
+                  </a:lnTo>
+                </a:path>
+              </a:pathLst>
+            </a:custGeom>
+            <a:ln w="13550" cap="flat">
+              <a:solidFill>
+                <a:srgbClr val="333333">
+                  <a:alpha val="100000"/>
+                </a:srgbClr>
+              </a:solidFill>
+              <a:prstDash val="solid"/>
+              <a:round/>
+            </a:ln>
+          </p:spPr>
+          <p:txBody>
+            <a:bodyPr/>
+            <a:lstStyle/>
+            <a:p/>
+          </p:txBody>
+        </p:sp>
+        <p:sp>
+          <p:nvSpPr>
+            <p:cNvPr id="136" name="pl136"/>
+            <p:cNvSpPr/>
+            <p:nvPr/>
+          </p:nvSpPr>
+          <p:spPr>
+            <a:xfrm>
+              <a:off x="7826431" y="5274097"/>
+              <a:ext cx="0" cy="34794"/>
+            </a:xfrm>
+            <a:custGeom>
+              <a:avLst/>
+              <a:pathLst>
+                <a:path w="0" h="34794">
+                  <a:moveTo>
+                    <a:pt x="0" y="34794"/>
+                  </a:moveTo>
+                  <a:lnTo>
+                    <a:pt x="0" y="0"/>
+                  </a:lnTo>
+                </a:path>
+              </a:pathLst>
+            </a:custGeom>
+            <a:ln w="13550" cap="flat">
+              <a:solidFill>
+                <a:srgbClr val="333333">
+                  <a:alpha val="100000"/>
+                </a:srgbClr>
+              </a:solidFill>
+              <a:prstDash val="solid"/>
+              <a:round/>
+            </a:ln>
+          </p:spPr>
+          <p:txBody>
+            <a:bodyPr/>
+            <a:lstStyle/>
+            <a:p/>
+          </p:txBody>
+        </p:sp>
+        <p:sp>
+          <p:nvSpPr>
+            <p:cNvPr id="137" name="pl137"/>
+            <p:cNvSpPr/>
+            <p:nvPr/>
+          </p:nvSpPr>
+          <p:spPr>
+            <a:xfrm>
+              <a:off x="8134948" y="5274097"/>
+              <a:ext cx="0" cy="34794"/>
+            </a:xfrm>
+            <a:custGeom>
+              <a:avLst/>
+              <a:pathLst>
+                <a:path w="0" h="34794">
+                  <a:moveTo>
+                    <a:pt x="0" y="34794"/>
+                  </a:moveTo>
+                  <a:lnTo>
+                    <a:pt x="0" y="0"/>
+                  </a:lnTo>
+                </a:path>
+              </a:pathLst>
+            </a:custGeom>
+            <a:ln w="13550" cap="flat">
+              <a:solidFill>
+                <a:srgbClr val="333333">
+                  <a:alpha val="100000"/>
+                </a:srgbClr>
+              </a:solidFill>
+              <a:prstDash val="solid"/>
+              <a:round/>
+            </a:ln>
+          </p:spPr>
+          <p:txBody>
+            <a:bodyPr/>
+            <a:lstStyle/>
+            <a:p/>
+          </p:txBody>
+        </p:sp>
+        <p:sp>
+          <p:nvSpPr>
+            <p:cNvPr id="138" name="pl138"/>
+            <p:cNvSpPr/>
+            <p:nvPr/>
+          </p:nvSpPr>
+          <p:spPr>
+            <a:xfrm>
+              <a:off x="8443465" y="5274097"/>
+              <a:ext cx="0" cy="34794"/>
+            </a:xfrm>
+            <a:custGeom>
+              <a:avLst/>
+              <a:pathLst>
+                <a:path w="0" h="34794">
+                  <a:moveTo>
+                    <a:pt x="0" y="34794"/>
+                  </a:moveTo>
+                  <a:lnTo>
+                    <a:pt x="0" y="0"/>
+                  </a:lnTo>
+                </a:path>
+              </a:pathLst>
+            </a:custGeom>
+            <a:ln w="13550" cap="flat">
+              <a:solidFill>
+                <a:srgbClr val="333333">
+                  <a:alpha val="100000"/>
+                </a:srgbClr>
+              </a:solidFill>
+              <a:prstDash val="solid"/>
+              <a:round/>
+            </a:ln>
+          </p:spPr>
+          <p:txBody>
+            <a:bodyPr/>
+            <a:lstStyle/>
+            <a:p/>
+          </p:txBody>
+        </p:sp>
+        <p:sp>
+          <p:nvSpPr>
+            <p:cNvPr id="139" name="pl139"/>
+            <p:cNvSpPr/>
+            <p:nvPr/>
+          </p:nvSpPr>
+          <p:spPr>
+            <a:xfrm>
+              <a:off x="8751982" y="5274097"/>
+              <a:ext cx="0" cy="34794"/>
+            </a:xfrm>
+            <a:custGeom>
+              <a:avLst/>
+              <a:pathLst>
+                <a:path w="0" h="34794">
+                  <a:moveTo>
+                    <a:pt x="0" y="34794"/>
+                  </a:moveTo>
+                  <a:lnTo>
+                    <a:pt x="0" y="0"/>
+                  </a:lnTo>
+                </a:path>
+              </a:pathLst>
+            </a:custGeom>
+            <a:ln w="13550" cap="flat">
+              <a:solidFill>
+                <a:srgbClr val="333333">
+                  <a:alpha val="100000"/>
+                </a:srgbClr>
+              </a:solidFill>
+              <a:prstDash val="solid"/>
+              <a:round/>
+            </a:ln>
+          </p:spPr>
+          <p:txBody>
+            <a:bodyPr/>
+            <a:lstStyle/>
+            <a:p/>
+          </p:txBody>
+        </p:sp>
+        <p:sp>
+          <p:nvSpPr>
+            <p:cNvPr id="140" name="tx140"/>
+            <p:cNvSpPr/>
+            <p:nvPr/>
+          </p:nvSpPr>
+          <p:spPr>
+            <a:xfrm>
+              <a:off x="2055095" y="5074909"/>
               <a:ext cx="62155" cy="81691"/>
             </a:xfrm>
             <a:prstGeom prst="rect">
@@ -4679,14 +8462,14 @@
         </p:sp>
         <p:sp>
           <p:nvSpPr>
-            <p:cNvPr id="42" name="tx42"/>
-            <p:cNvSpPr/>
-            <p:nvPr/>
-          </p:nvSpPr>
-          <p:spPr>
-            <a:xfrm>
-              <a:off x="3462426" y="5699866"/>
-              <a:ext cx="248622" cy="81691"/>
+            <p:cNvPr id="141" name="tx141"/>
+            <p:cNvSpPr/>
+            <p:nvPr/>
+          </p:nvSpPr>
+          <p:spPr>
+            <a:xfrm>
+              <a:off x="1992940" y="4434679"/>
+              <a:ext cx="124311" cy="81691"/>
             </a:xfrm>
             <a:prstGeom prst="rect">
               <a:avLst/>
@@ -4718,21 +8501,21 @@
                   <a:latin typeface="Arial"/>
                   <a:cs typeface="Arial"/>
                 </a:rPr>
-                <a:t>1000</a:t>
+                <a:t>50</a:t>
               </a:r>
             </a:p>
           </p:txBody>
         </p:sp>
         <p:sp>
           <p:nvSpPr>
-            <p:cNvPr id="43" name="tx43"/>
-            <p:cNvSpPr/>
-            <p:nvPr/>
-          </p:nvSpPr>
-          <p:spPr>
-            <a:xfrm>
-              <a:off x="5025614" y="5699866"/>
-              <a:ext cx="248622" cy="81691"/>
+            <p:cNvPr id="142" name="tx142"/>
+            <p:cNvSpPr/>
+            <p:nvPr/>
+          </p:nvSpPr>
+          <p:spPr>
+            <a:xfrm>
+              <a:off x="1930784" y="3794449"/>
+              <a:ext cx="186466" cy="81691"/>
             </a:xfrm>
             <a:prstGeom prst="rect">
               <a:avLst/>
@@ -4764,21 +8547,21 @@
                   <a:latin typeface="Arial"/>
                   <a:cs typeface="Arial"/>
                 </a:rPr>
-                <a:t>2000</a:t>
+                <a:t>100</a:t>
               </a:r>
             </a:p>
           </p:txBody>
         </p:sp>
         <p:sp>
           <p:nvSpPr>
-            <p:cNvPr id="44" name="tx44"/>
-            <p:cNvSpPr/>
-            <p:nvPr/>
-          </p:nvSpPr>
-          <p:spPr>
-            <a:xfrm>
-              <a:off x="6588802" y="5699811"/>
-              <a:ext cx="248622" cy="81746"/>
+            <p:cNvPr id="143" name="tx143"/>
+            <p:cNvSpPr/>
+            <p:nvPr/>
+          </p:nvSpPr>
+          <p:spPr>
+            <a:xfrm>
+              <a:off x="1930784" y="3154219"/>
+              <a:ext cx="186466" cy="81691"/>
             </a:xfrm>
             <a:prstGeom prst="rect">
               <a:avLst/>
@@ -4810,21 +8593,21 @@
                   <a:latin typeface="Arial"/>
                   <a:cs typeface="Arial"/>
                 </a:rPr>
-                <a:t>3000</a:t>
+                <a:t>150</a:t>
               </a:r>
             </a:p>
           </p:txBody>
         </p:sp>
         <p:sp>
           <p:nvSpPr>
-            <p:cNvPr id="45" name="tx45"/>
-            <p:cNvSpPr/>
-            <p:nvPr/>
-          </p:nvSpPr>
-          <p:spPr>
-            <a:xfrm>
-              <a:off x="8151990" y="5699866"/>
-              <a:ext cx="248622" cy="81691"/>
+            <p:cNvPr id="144" name="tx144"/>
+            <p:cNvSpPr/>
+            <p:nvPr/>
+          </p:nvSpPr>
+          <p:spPr>
+            <a:xfrm>
+              <a:off x="1930784" y="2513989"/>
+              <a:ext cx="186466" cy="81691"/>
             </a:xfrm>
             <a:prstGeom prst="rect">
               <a:avLst/>
@@ -4856,7 +8639,711 @@
                   <a:latin typeface="Arial"/>
                   <a:cs typeface="Arial"/>
                 </a:rPr>
-                <a:t>4000</a:t>
+                <a:t>200</a:t>
+              </a:r>
+            </a:p>
+          </p:txBody>
+        </p:sp>
+        <p:sp>
+          <p:nvSpPr>
+            <p:cNvPr id="145" name="tx145"/>
+            <p:cNvSpPr/>
+            <p:nvPr/>
+          </p:nvSpPr>
+          <p:spPr>
+            <a:xfrm>
+              <a:off x="1930784" y="1873759"/>
+              <a:ext cx="186466" cy="81691"/>
+            </a:xfrm>
+            <a:prstGeom prst="rect">
+              <a:avLst/>
+            </a:prstGeom>
+            <a:noFill/>
+          </p:spPr>
+          <p:txBody>
+            <a:bodyPr lIns="0" rIns="0" tIns="0" bIns="0" anchorCtr="1" anchor="ctr" wrap="none"/>
+            <a:lstStyle/>
+            <a:p>
+              <a:pPr algn="l" marL="0" marR="0" indent="0">
+                <a:lnSpc>
+                  <a:spcPts val="880"/>
+                </a:lnSpc>
+                <a:spcBef>
+                  <a:spcPts val="0"/>
+                </a:spcBef>
+                <a:spcAft>
+                  <a:spcPts val="0"/>
+                </a:spcAft>
+              </a:pPr>
+              <a:r>
+                <a:rPr sz="880">
+                  <a:solidFill>
+                    <a:srgbClr val="4D4D4D">
+                      <a:alpha val="100000"/>
+                    </a:srgbClr>
+                  </a:solidFill>
+                  <a:latin typeface="Arial"/>
+                  <a:cs typeface="Arial"/>
+                </a:rPr>
+                <a:t>250</a:t>
+              </a:r>
+            </a:p>
+          </p:txBody>
+        </p:sp>
+        <p:sp>
+          <p:nvSpPr>
+            <p:cNvPr id="146" name="pl146"/>
+            <p:cNvSpPr/>
+            <p:nvPr/>
+          </p:nvSpPr>
+          <p:spPr>
+            <a:xfrm>
+              <a:off x="2145087" y="5116600"/>
+              <a:ext cx="34794" cy="0"/>
+            </a:xfrm>
+            <a:custGeom>
+              <a:avLst/>
+              <a:pathLst>
+                <a:path w="34794" h="0">
+                  <a:moveTo>
+                    <a:pt x="0" y="0"/>
+                  </a:moveTo>
+                  <a:lnTo>
+                    <a:pt x="34794" y="0"/>
+                  </a:lnTo>
+                </a:path>
+              </a:pathLst>
+            </a:custGeom>
+            <a:ln w="13550" cap="flat">
+              <a:solidFill>
+                <a:srgbClr val="333333">
+                  <a:alpha val="100000"/>
+                </a:srgbClr>
+              </a:solidFill>
+              <a:prstDash val="solid"/>
+              <a:round/>
+            </a:ln>
+          </p:spPr>
+          <p:txBody>
+            <a:bodyPr/>
+            <a:lstStyle/>
+            <a:p/>
+          </p:txBody>
+        </p:sp>
+        <p:sp>
+          <p:nvSpPr>
+            <p:cNvPr id="147" name="pl147"/>
+            <p:cNvSpPr/>
+            <p:nvPr/>
+          </p:nvSpPr>
+          <p:spPr>
+            <a:xfrm>
+              <a:off x="2145087" y="4476370"/>
+              <a:ext cx="34794" cy="0"/>
+            </a:xfrm>
+            <a:custGeom>
+              <a:avLst/>
+              <a:pathLst>
+                <a:path w="34794" h="0">
+                  <a:moveTo>
+                    <a:pt x="0" y="0"/>
+                  </a:moveTo>
+                  <a:lnTo>
+                    <a:pt x="34794" y="0"/>
+                  </a:lnTo>
+                </a:path>
+              </a:pathLst>
+            </a:custGeom>
+            <a:ln w="13550" cap="flat">
+              <a:solidFill>
+                <a:srgbClr val="333333">
+                  <a:alpha val="100000"/>
+                </a:srgbClr>
+              </a:solidFill>
+              <a:prstDash val="solid"/>
+              <a:round/>
+            </a:ln>
+          </p:spPr>
+          <p:txBody>
+            <a:bodyPr/>
+            <a:lstStyle/>
+            <a:p/>
+          </p:txBody>
+        </p:sp>
+        <p:sp>
+          <p:nvSpPr>
+            <p:cNvPr id="148" name="pl148"/>
+            <p:cNvSpPr/>
+            <p:nvPr/>
+          </p:nvSpPr>
+          <p:spPr>
+            <a:xfrm>
+              <a:off x="2145087" y="3836141"/>
+              <a:ext cx="34794" cy="0"/>
+            </a:xfrm>
+            <a:custGeom>
+              <a:avLst/>
+              <a:pathLst>
+                <a:path w="34794" h="0">
+                  <a:moveTo>
+                    <a:pt x="0" y="0"/>
+                  </a:moveTo>
+                  <a:lnTo>
+                    <a:pt x="34794" y="0"/>
+                  </a:lnTo>
+                </a:path>
+              </a:pathLst>
+            </a:custGeom>
+            <a:ln w="13550" cap="flat">
+              <a:solidFill>
+                <a:srgbClr val="333333">
+                  <a:alpha val="100000"/>
+                </a:srgbClr>
+              </a:solidFill>
+              <a:prstDash val="solid"/>
+              <a:round/>
+            </a:ln>
+          </p:spPr>
+          <p:txBody>
+            <a:bodyPr/>
+            <a:lstStyle/>
+            <a:p/>
+          </p:txBody>
+        </p:sp>
+        <p:sp>
+          <p:nvSpPr>
+            <p:cNvPr id="149" name="pl149"/>
+            <p:cNvSpPr/>
+            <p:nvPr/>
+          </p:nvSpPr>
+          <p:spPr>
+            <a:xfrm>
+              <a:off x="2145087" y="3195911"/>
+              <a:ext cx="34794" cy="0"/>
+            </a:xfrm>
+            <a:custGeom>
+              <a:avLst/>
+              <a:pathLst>
+                <a:path w="34794" h="0">
+                  <a:moveTo>
+                    <a:pt x="0" y="0"/>
+                  </a:moveTo>
+                  <a:lnTo>
+                    <a:pt x="34794" y="0"/>
+                  </a:lnTo>
+                </a:path>
+              </a:pathLst>
+            </a:custGeom>
+            <a:ln w="13550" cap="flat">
+              <a:solidFill>
+                <a:srgbClr val="333333">
+                  <a:alpha val="100000"/>
+                </a:srgbClr>
+              </a:solidFill>
+              <a:prstDash val="solid"/>
+              <a:round/>
+            </a:ln>
+          </p:spPr>
+          <p:txBody>
+            <a:bodyPr/>
+            <a:lstStyle/>
+            <a:p/>
+          </p:txBody>
+        </p:sp>
+        <p:sp>
+          <p:nvSpPr>
+            <p:cNvPr id="150" name="pl150"/>
+            <p:cNvSpPr/>
+            <p:nvPr/>
+          </p:nvSpPr>
+          <p:spPr>
+            <a:xfrm>
+              <a:off x="2145087" y="2555681"/>
+              <a:ext cx="34794" cy="0"/>
+            </a:xfrm>
+            <a:custGeom>
+              <a:avLst/>
+              <a:pathLst>
+                <a:path w="34794" h="0">
+                  <a:moveTo>
+                    <a:pt x="0" y="0"/>
+                  </a:moveTo>
+                  <a:lnTo>
+                    <a:pt x="34794" y="0"/>
+                  </a:lnTo>
+                </a:path>
+              </a:pathLst>
+            </a:custGeom>
+            <a:ln w="13550" cap="flat">
+              <a:solidFill>
+                <a:srgbClr val="333333">
+                  <a:alpha val="100000"/>
+                </a:srgbClr>
+              </a:solidFill>
+              <a:prstDash val="solid"/>
+              <a:round/>
+            </a:ln>
+          </p:spPr>
+          <p:txBody>
+            <a:bodyPr/>
+            <a:lstStyle/>
+            <a:p/>
+          </p:txBody>
+        </p:sp>
+        <p:sp>
+          <p:nvSpPr>
+            <p:cNvPr id="151" name="pl151"/>
+            <p:cNvSpPr/>
+            <p:nvPr/>
+          </p:nvSpPr>
+          <p:spPr>
+            <a:xfrm>
+              <a:off x="2145087" y="1915451"/>
+              <a:ext cx="34794" cy="0"/>
+            </a:xfrm>
+            <a:custGeom>
+              <a:avLst/>
+              <a:pathLst>
+                <a:path w="34794" h="0">
+                  <a:moveTo>
+                    <a:pt x="0" y="0"/>
+                  </a:moveTo>
+                  <a:lnTo>
+                    <a:pt x="34794" y="0"/>
+                  </a:lnTo>
+                </a:path>
+              </a:pathLst>
+            </a:custGeom>
+            <a:ln w="13550" cap="flat">
+              <a:solidFill>
+                <a:srgbClr val="333333">
+                  <a:alpha val="100000"/>
+                </a:srgbClr>
+              </a:solidFill>
+              <a:prstDash val="solid"/>
+              <a:round/>
+            </a:ln>
+          </p:spPr>
+          <p:txBody>
+            <a:bodyPr/>
+            <a:lstStyle/>
+            <a:p/>
+          </p:txBody>
+        </p:sp>
+        <p:sp>
+          <p:nvSpPr>
+            <p:cNvPr id="152" name="rc152"/>
+            <p:cNvSpPr/>
+            <p:nvPr/>
+          </p:nvSpPr>
+          <p:spPr>
+            <a:xfrm>
+              <a:off x="4115433" y="5613598"/>
+              <a:ext cx="2886107" cy="358634"/>
+            </a:xfrm>
+            <a:prstGeom prst="rect">
+              <a:avLst/>
+            </a:prstGeom>
+            <a:solidFill>
+              <a:srgbClr val="FFFFFF">
+                <a:alpha val="100000"/>
+              </a:srgbClr>
+            </a:solidFill>
+          </p:spPr>
+          <p:txBody>
+            <a:bodyPr/>
+            <a:lstStyle/>
+            <a:p/>
+          </p:txBody>
+        </p:sp>
+        <p:sp>
+          <p:nvSpPr>
+            <p:cNvPr id="153" name="rc153"/>
+            <p:cNvSpPr/>
+            <p:nvPr/>
+          </p:nvSpPr>
+          <p:spPr>
+            <a:xfrm>
+              <a:off x="4254611" y="5683187"/>
+              <a:ext cx="219456" cy="219455"/>
+            </a:xfrm>
+            <a:prstGeom prst="rect">
+              <a:avLst/>
+            </a:prstGeom>
+            <a:solidFill>
+              <a:srgbClr val="FFFFFF">
+                <a:alpha val="100000"/>
+              </a:srgbClr>
+            </a:solidFill>
+          </p:spPr>
+          <p:txBody>
+            <a:bodyPr/>
+            <a:lstStyle/>
+            <a:p/>
+          </p:txBody>
+        </p:sp>
+        <p:sp>
+          <p:nvSpPr>
+            <p:cNvPr id="154" name="rc154"/>
+            <p:cNvSpPr/>
+            <p:nvPr/>
+          </p:nvSpPr>
+          <p:spPr>
+            <a:xfrm>
+              <a:off x="4263611" y="5692187"/>
+              <a:ext cx="201455" cy="201456"/>
+            </a:xfrm>
+            <a:prstGeom prst="rect">
+              <a:avLst/>
+            </a:prstGeom>
+            <a:solidFill>
+              <a:srgbClr val="FEE5D9">
+                <a:alpha val="100000"/>
+              </a:srgbClr>
+            </a:solidFill>
+          </p:spPr>
+          <p:txBody>
+            <a:bodyPr/>
+            <a:lstStyle/>
+            <a:p/>
+          </p:txBody>
+        </p:sp>
+        <p:sp>
+          <p:nvSpPr>
+            <p:cNvPr id="155" name="rc155"/>
+            <p:cNvSpPr/>
+            <p:nvPr/>
+          </p:nvSpPr>
+          <p:spPr>
+            <a:xfrm>
+              <a:off x="4994550" y="5683187"/>
+              <a:ext cx="219455" cy="219455"/>
+            </a:xfrm>
+            <a:prstGeom prst="rect">
+              <a:avLst/>
+            </a:prstGeom>
+            <a:solidFill>
+              <a:srgbClr val="FFFFFF">
+                <a:alpha val="100000"/>
+              </a:srgbClr>
+            </a:solidFill>
+          </p:spPr>
+          <p:txBody>
+            <a:bodyPr/>
+            <a:lstStyle/>
+            <a:p/>
+          </p:txBody>
+        </p:sp>
+        <p:sp>
+          <p:nvSpPr>
+            <p:cNvPr id="156" name="rc156"/>
+            <p:cNvSpPr/>
+            <p:nvPr/>
+          </p:nvSpPr>
+          <p:spPr>
+            <a:xfrm>
+              <a:off x="5003550" y="5692187"/>
+              <a:ext cx="201456" cy="201456"/>
+            </a:xfrm>
+            <a:prstGeom prst="rect">
+              <a:avLst/>
+            </a:prstGeom>
+            <a:solidFill>
+              <a:srgbClr val="FCAE91">
+                <a:alpha val="100000"/>
+              </a:srgbClr>
+            </a:solidFill>
+          </p:spPr>
+          <p:txBody>
+            <a:bodyPr/>
+            <a:lstStyle/>
+            <a:p/>
+          </p:txBody>
+        </p:sp>
+        <p:sp>
+          <p:nvSpPr>
+            <p:cNvPr id="157" name="rc157"/>
+            <p:cNvSpPr/>
+            <p:nvPr/>
+          </p:nvSpPr>
+          <p:spPr>
+            <a:xfrm>
+              <a:off x="5642363" y="5683187"/>
+              <a:ext cx="219455" cy="219455"/>
+            </a:xfrm>
+            <a:prstGeom prst="rect">
+              <a:avLst/>
+            </a:prstGeom>
+            <a:solidFill>
+              <a:srgbClr val="FFFFFF">
+                <a:alpha val="100000"/>
+              </a:srgbClr>
+            </a:solidFill>
+          </p:spPr>
+          <p:txBody>
+            <a:bodyPr/>
+            <a:lstStyle/>
+            <a:p/>
+          </p:txBody>
+        </p:sp>
+        <p:sp>
+          <p:nvSpPr>
+            <p:cNvPr id="158" name="rc158"/>
+            <p:cNvSpPr/>
+            <p:nvPr/>
+          </p:nvSpPr>
+          <p:spPr>
+            <a:xfrm>
+              <a:off x="5651363" y="5692187"/>
+              <a:ext cx="201456" cy="201456"/>
+            </a:xfrm>
+            <a:prstGeom prst="rect">
+              <a:avLst/>
+            </a:prstGeom>
+            <a:solidFill>
+              <a:srgbClr val="FB6A4A">
+                <a:alpha val="100000"/>
+              </a:srgbClr>
+            </a:solidFill>
+          </p:spPr>
+          <p:txBody>
+            <a:bodyPr/>
+            <a:lstStyle/>
+            <a:p/>
+          </p:txBody>
+        </p:sp>
+        <p:sp>
+          <p:nvSpPr>
+            <p:cNvPr id="159" name="rc159"/>
+            <p:cNvSpPr/>
+            <p:nvPr/>
+          </p:nvSpPr>
+          <p:spPr>
+            <a:xfrm>
+              <a:off x="6353727" y="5683187"/>
+              <a:ext cx="219455" cy="219455"/>
+            </a:xfrm>
+            <a:prstGeom prst="rect">
+              <a:avLst/>
+            </a:prstGeom>
+            <a:solidFill>
+              <a:srgbClr val="FFFFFF">
+                <a:alpha val="100000"/>
+              </a:srgbClr>
+            </a:solidFill>
+          </p:spPr>
+          <p:txBody>
+            <a:bodyPr/>
+            <a:lstStyle/>
+            <a:p/>
+          </p:txBody>
+        </p:sp>
+        <p:sp>
+          <p:nvSpPr>
+            <p:cNvPr id="160" name="rc160"/>
+            <p:cNvSpPr/>
+            <p:nvPr/>
+          </p:nvSpPr>
+          <p:spPr>
+            <a:xfrm>
+              <a:off x="6362727" y="5692187"/>
+              <a:ext cx="201456" cy="201456"/>
+            </a:xfrm>
+            <a:prstGeom prst="rect">
+              <a:avLst/>
+            </a:prstGeom>
+            <a:solidFill>
+              <a:srgbClr val="CB181D">
+                <a:alpha val="100000"/>
+              </a:srgbClr>
+            </a:solidFill>
+          </p:spPr>
+          <p:txBody>
+            <a:bodyPr/>
+            <a:lstStyle/>
+            <a:p/>
+          </p:txBody>
+        </p:sp>
+        <p:sp>
+          <p:nvSpPr>
+            <p:cNvPr id="161" name="tx161"/>
+            <p:cNvSpPr/>
+            <p:nvPr/>
+          </p:nvSpPr>
+          <p:spPr>
+            <a:xfrm>
+              <a:off x="4543656" y="5763065"/>
+              <a:ext cx="335280" cy="69850"/>
+            </a:xfrm>
+            <a:prstGeom prst="rect">
+              <a:avLst/>
+            </a:prstGeom>
+            <a:noFill/>
+          </p:spPr>
+          <p:txBody>
+            <a:bodyPr lIns="0" rIns="0" tIns="0" bIns="0" anchorCtr="1" anchor="ctr" wrap="none"/>
+            <a:lstStyle/>
+            <a:p>
+              <a:pPr algn="l" marL="0" marR="0" indent="0">
+                <a:lnSpc>
+                  <a:spcPts val="880"/>
+                </a:lnSpc>
+                <a:spcBef>
+                  <a:spcPts val="0"/>
+                </a:spcBef>
+                <a:spcAft>
+                  <a:spcPts val="0"/>
+                </a:spcAft>
+              </a:pPr>
+              <a:r>
+                <a:rPr sz="880">
+                  <a:solidFill>
+                    <a:srgbClr val="000000">
+                      <a:alpha val="100000"/>
+                    </a:srgbClr>
+                  </a:solidFill>
+                  <a:latin typeface="Arial"/>
+                  <a:cs typeface="Arial"/>
+                </a:rPr>
+                <a:t>单一菌株</a:t>
+              </a:r>
+            </a:p>
+          </p:txBody>
+        </p:sp>
+        <p:sp>
+          <p:nvSpPr>
+            <p:cNvPr id="162" name="tx162"/>
+            <p:cNvSpPr/>
+            <p:nvPr/>
+          </p:nvSpPr>
+          <p:spPr>
+            <a:xfrm>
+              <a:off x="5283595" y="5751223"/>
+              <a:ext cx="245348" cy="81691"/>
+            </a:xfrm>
+            <a:prstGeom prst="rect">
+              <a:avLst/>
+            </a:prstGeom>
+            <a:noFill/>
+          </p:spPr>
+          <p:txBody>
+            <a:bodyPr lIns="0" rIns="0" tIns="0" bIns="0" anchorCtr="1" anchor="ctr" wrap="none"/>
+            <a:lstStyle/>
+            <a:p>
+              <a:pPr algn="l" marL="0" marR="0" indent="0">
+                <a:lnSpc>
+                  <a:spcPts val="880"/>
+                </a:lnSpc>
+                <a:spcBef>
+                  <a:spcPts val="0"/>
+                </a:spcBef>
+                <a:spcAft>
+                  <a:spcPts val="0"/>
+                </a:spcAft>
+              </a:pPr>
+              <a:r>
+                <a:rPr sz="880">
+                  <a:solidFill>
+                    <a:srgbClr val="000000">
+                      <a:alpha val="100000"/>
+                    </a:srgbClr>
+                  </a:solidFill>
+                  <a:latin typeface="Arial"/>
+                  <a:cs typeface="Arial"/>
+                </a:rPr>
+                <a:t>2-5个</a:t>
+              </a:r>
+            </a:p>
+          </p:txBody>
+        </p:sp>
+        <p:sp>
+          <p:nvSpPr>
+            <p:cNvPr id="163" name="tx163"/>
+            <p:cNvSpPr/>
+            <p:nvPr/>
+          </p:nvSpPr>
+          <p:spPr>
+            <a:xfrm>
+              <a:off x="5931408" y="5751223"/>
+              <a:ext cx="307503" cy="81691"/>
+            </a:xfrm>
+            <a:prstGeom prst="rect">
+              <a:avLst/>
+            </a:prstGeom>
+            <a:noFill/>
+          </p:spPr>
+          <p:txBody>
+            <a:bodyPr lIns="0" rIns="0" tIns="0" bIns="0" anchorCtr="1" anchor="ctr" wrap="none"/>
+            <a:lstStyle/>
+            <a:p>
+              <a:pPr algn="l" marL="0" marR="0" indent="0">
+                <a:lnSpc>
+                  <a:spcPts val="880"/>
+                </a:lnSpc>
+                <a:spcBef>
+                  <a:spcPts val="0"/>
+                </a:spcBef>
+                <a:spcAft>
+                  <a:spcPts val="0"/>
+                </a:spcAft>
+              </a:pPr>
+              <a:r>
+                <a:rPr sz="880">
+                  <a:solidFill>
+                    <a:srgbClr val="000000">
+                      <a:alpha val="100000"/>
+                    </a:srgbClr>
+                  </a:solidFill>
+                  <a:latin typeface="Arial"/>
+                  <a:cs typeface="Arial"/>
+                </a:rPr>
+                <a:t>6-10个</a:t>
+              </a:r>
+            </a:p>
+          </p:txBody>
+        </p:sp>
+        <p:sp>
+          <p:nvSpPr>
+            <p:cNvPr id="164" name="tx164"/>
+            <p:cNvSpPr/>
+            <p:nvPr/>
+          </p:nvSpPr>
+          <p:spPr>
+            <a:xfrm>
+              <a:off x="6642772" y="5751223"/>
+              <a:ext cx="269468" cy="81691"/>
+            </a:xfrm>
+            <a:prstGeom prst="rect">
+              <a:avLst/>
+            </a:prstGeom>
+            <a:noFill/>
+          </p:spPr>
+          <p:txBody>
+            <a:bodyPr lIns="0" rIns="0" tIns="0" bIns="0" anchorCtr="1" anchor="ctr" wrap="none"/>
+            <a:lstStyle/>
+            <a:p>
+              <a:pPr algn="l" marL="0" marR="0" indent="0">
+                <a:lnSpc>
+                  <a:spcPts val="880"/>
+                </a:lnSpc>
+                <a:spcBef>
+                  <a:spcPts val="0"/>
+                </a:spcBef>
+                <a:spcAft>
+                  <a:spcPts val="0"/>
+                </a:spcAft>
+              </a:pPr>
+              <a:r>
+                <a:rPr sz="880">
+                  <a:solidFill>
+                    <a:srgbClr val="000000">
+                      <a:alpha val="100000"/>
+                    </a:srgbClr>
+                  </a:solidFill>
+                  <a:latin typeface="Arial"/>
+                  <a:cs typeface="Arial"/>
+                </a:rPr>
+                <a:t>≥10个</a:t>
               </a:r>
             </a:p>
           </p:txBody>

--- a/_book/plot/unnamed-chunk-43-1.pptx
+++ b/_book/plot/unnamed-chunk-43-1.pptx
@@ -3193,7 +3193,7 @@
           <p:spPr>
             <a:xfrm>
               <a:off x="2179881" y="1809173"/>
-              <a:ext cx="1295770" cy="3464924"/>
+              <a:ext cx="1295770" cy="3245468"/>
             </a:xfrm>
             <a:prstGeom prst="rect">
               <a:avLst/>
@@ -3218,7 +3218,7 @@
           </p:nvSpPr>
           <p:spPr>
             <a:xfrm>
-              <a:off x="2179881" y="4796485"/>
+              <a:off x="2179881" y="4447552"/>
               <a:ext cx="1295770" cy="0"/>
             </a:xfrm>
             <a:custGeom>
@@ -3261,7 +3261,7 @@
           </p:nvSpPr>
           <p:spPr>
             <a:xfrm>
-              <a:off x="2179881" y="4156256"/>
+              <a:off x="2179881" y="3528416"/>
               <a:ext cx="1295770" cy="0"/>
             </a:xfrm>
             <a:custGeom>
@@ -3304,7 +3304,7 @@
           </p:nvSpPr>
           <p:spPr>
             <a:xfrm>
-              <a:off x="2179881" y="3516026"/>
+              <a:off x="2179881" y="2609280"/>
               <a:ext cx="1295770" cy="0"/>
             </a:xfrm>
             <a:custGeom>
@@ -3347,7 +3347,7 @@
           </p:nvSpPr>
           <p:spPr>
             <a:xfrm>
-              <a:off x="2179881" y="2875796"/>
+              <a:off x="2179881" y="4907120"/>
               <a:ext cx="1295770" cy="0"/>
             </a:xfrm>
             <a:custGeom>
@@ -3366,7 +3366,7 @@
                 </a:path>
               </a:pathLst>
             </a:custGeom>
-            <a:ln w="6775" cap="flat">
+            <a:ln w="13550" cap="flat">
               <a:solidFill>
                 <a:srgbClr val="EBEBEB">
                   <a:alpha val="100000"/>
@@ -3390,7 +3390,7 @@
           </p:nvSpPr>
           <p:spPr>
             <a:xfrm>
-              <a:off x="2179881" y="2235566"/>
+              <a:off x="2179881" y="3987984"/>
               <a:ext cx="1295770" cy="0"/>
             </a:xfrm>
             <a:custGeom>
@@ -3409,7 +3409,7 @@
                 </a:path>
               </a:pathLst>
             </a:custGeom>
-            <a:ln w="6775" cap="flat">
+            <a:ln w="13550" cap="flat">
               <a:solidFill>
                 <a:srgbClr val="EBEBEB">
                   <a:alpha val="100000"/>
@@ -3433,7 +3433,7 @@
           </p:nvSpPr>
           <p:spPr>
             <a:xfrm>
-              <a:off x="2179881" y="5116600"/>
+              <a:off x="2179881" y="3068848"/>
               <a:ext cx="1295770" cy="0"/>
             </a:xfrm>
             <a:custGeom>
@@ -3476,7 +3476,7 @@
           </p:nvSpPr>
           <p:spPr>
             <a:xfrm>
-              <a:off x="2179881" y="4476370"/>
+              <a:off x="2179881" y="2149712"/>
               <a:ext cx="1295770" cy="0"/>
             </a:xfrm>
             <a:custGeom>
@@ -3519,21 +3519,21 @@
           </p:nvSpPr>
           <p:spPr>
             <a:xfrm>
-              <a:off x="2179881" y="3836141"/>
-              <a:ext cx="1295770" cy="0"/>
-            </a:xfrm>
-            <a:custGeom>
-              <a:avLst/>
-              <a:pathLst>
-                <a:path w="1295770" h="0">
-                  <a:moveTo>
-                    <a:pt x="0" y="0"/>
-                  </a:moveTo>
-                  <a:lnTo>
-                    <a:pt x="1295770" y="0"/>
-                  </a:lnTo>
-                  <a:lnTo>
-                    <a:pt x="1295770" y="0"/>
+              <a:off x="2274694" y="1809173"/>
+              <a:ext cx="0" cy="3245468"/>
+            </a:xfrm>
+            <a:custGeom>
+              <a:avLst/>
+              <a:pathLst>
+                <a:path w="0" h="3245468">
+                  <a:moveTo>
+                    <a:pt x="0" y="3245468"/>
+                  </a:moveTo>
+                  <a:lnTo>
+                    <a:pt x="0" y="0"/>
+                  </a:lnTo>
+                  <a:lnTo>
+                    <a:pt x="0" y="0"/>
                   </a:lnTo>
                 </a:path>
               </a:pathLst>
@@ -3562,21 +3562,21 @@
           </p:nvSpPr>
           <p:spPr>
             <a:xfrm>
-              <a:off x="2179881" y="3195911"/>
-              <a:ext cx="1295770" cy="0"/>
-            </a:xfrm>
-            <a:custGeom>
-              <a:avLst/>
-              <a:pathLst>
-                <a:path w="1295770" h="0">
-                  <a:moveTo>
-                    <a:pt x="0" y="0"/>
-                  </a:moveTo>
-                  <a:lnTo>
-                    <a:pt x="1295770" y="0"/>
-                  </a:lnTo>
-                  <a:lnTo>
-                    <a:pt x="1295770" y="0"/>
+              <a:off x="2432715" y="1809173"/>
+              <a:ext cx="0" cy="3245468"/>
+            </a:xfrm>
+            <a:custGeom>
+              <a:avLst/>
+              <a:pathLst>
+                <a:path w="0" h="3245468">
+                  <a:moveTo>
+                    <a:pt x="0" y="3245468"/>
+                  </a:moveTo>
+                  <a:lnTo>
+                    <a:pt x="0" y="0"/>
+                  </a:lnTo>
+                  <a:lnTo>
+                    <a:pt x="0" y="0"/>
                   </a:lnTo>
                 </a:path>
               </a:pathLst>
@@ -3605,21 +3605,21 @@
           </p:nvSpPr>
           <p:spPr>
             <a:xfrm>
-              <a:off x="2179881" y="2555681"/>
-              <a:ext cx="1295770" cy="0"/>
-            </a:xfrm>
-            <a:custGeom>
-              <a:avLst/>
-              <a:pathLst>
-                <a:path w="1295770" h="0">
-                  <a:moveTo>
-                    <a:pt x="0" y="0"/>
-                  </a:moveTo>
-                  <a:lnTo>
-                    <a:pt x="1295770" y="0"/>
-                  </a:lnTo>
-                  <a:lnTo>
-                    <a:pt x="1295770" y="0"/>
+              <a:off x="2590735" y="1809173"/>
+              <a:ext cx="0" cy="3245468"/>
+            </a:xfrm>
+            <a:custGeom>
+              <a:avLst/>
+              <a:pathLst>
+                <a:path w="0" h="3245468">
+                  <a:moveTo>
+                    <a:pt x="0" y="3245468"/>
+                  </a:moveTo>
+                  <a:lnTo>
+                    <a:pt x="0" y="0"/>
+                  </a:lnTo>
+                  <a:lnTo>
+                    <a:pt x="0" y="0"/>
                   </a:lnTo>
                 </a:path>
               </a:pathLst>
@@ -3648,21 +3648,21 @@
           </p:nvSpPr>
           <p:spPr>
             <a:xfrm>
-              <a:off x="2179881" y="1915451"/>
-              <a:ext cx="1295770" cy="0"/>
-            </a:xfrm>
-            <a:custGeom>
-              <a:avLst/>
-              <a:pathLst>
-                <a:path w="1295770" h="0">
-                  <a:moveTo>
-                    <a:pt x="0" y="0"/>
-                  </a:moveTo>
-                  <a:lnTo>
-                    <a:pt x="1295770" y="0"/>
-                  </a:lnTo>
-                  <a:lnTo>
-                    <a:pt x="1295770" y="0"/>
+              <a:off x="2748756" y="1809173"/>
+              <a:ext cx="0" cy="3245468"/>
+            </a:xfrm>
+            <a:custGeom>
+              <a:avLst/>
+              <a:pathLst>
+                <a:path w="0" h="3245468">
+                  <a:moveTo>
+                    <a:pt x="0" y="3245468"/>
+                  </a:moveTo>
+                  <a:lnTo>
+                    <a:pt x="0" y="0"/>
+                  </a:lnTo>
+                  <a:lnTo>
+                    <a:pt x="0" y="0"/>
                   </a:lnTo>
                 </a:path>
               </a:pathLst>
@@ -3691,15 +3691,15 @@
           </p:nvSpPr>
           <p:spPr>
             <a:xfrm>
-              <a:off x="2364991" y="1809173"/>
-              <a:ext cx="0" cy="3464924"/>
-            </a:xfrm>
-            <a:custGeom>
-              <a:avLst/>
-              <a:pathLst>
-                <a:path w="0" h="3464924">
-                  <a:moveTo>
-                    <a:pt x="0" y="3464924"/>
+              <a:off x="2906777" y="1809173"/>
+              <a:ext cx="0" cy="3245468"/>
+            </a:xfrm>
+            <a:custGeom>
+              <a:avLst/>
+              <a:pathLst>
+                <a:path w="0" h="3245468">
+                  <a:moveTo>
+                    <a:pt x="0" y="3245468"/>
                   </a:moveTo>
                   <a:lnTo>
                     <a:pt x="0" y="0"/>
@@ -3734,15 +3734,15 @@
           </p:nvSpPr>
           <p:spPr>
             <a:xfrm>
-              <a:off x="2673508" y="1809173"/>
-              <a:ext cx="0" cy="3464924"/>
-            </a:xfrm>
-            <a:custGeom>
-              <a:avLst/>
-              <a:pathLst>
-                <a:path w="0" h="3464924">
-                  <a:moveTo>
-                    <a:pt x="0" y="3464924"/>
+              <a:off x="3064798" y="1809173"/>
+              <a:ext cx="0" cy="3245468"/>
+            </a:xfrm>
+            <a:custGeom>
+              <a:avLst/>
+              <a:pathLst>
+                <a:path w="0" h="3245468">
+                  <a:moveTo>
+                    <a:pt x="0" y="3245468"/>
                   </a:moveTo>
                   <a:lnTo>
                     <a:pt x="0" y="0"/>
@@ -3777,15 +3777,15 @@
           </p:nvSpPr>
           <p:spPr>
             <a:xfrm>
-              <a:off x="2982025" y="1809173"/>
-              <a:ext cx="0" cy="3464924"/>
-            </a:xfrm>
-            <a:custGeom>
-              <a:avLst/>
-              <a:pathLst>
-                <a:path w="0" h="3464924">
-                  <a:moveTo>
-                    <a:pt x="0" y="3464924"/>
+              <a:off x="3222819" y="1809173"/>
+              <a:ext cx="0" cy="3245468"/>
+            </a:xfrm>
+            <a:custGeom>
+              <a:avLst/>
+              <a:pathLst>
+                <a:path w="0" h="3245468">
+                  <a:moveTo>
+                    <a:pt x="0" y="3245468"/>
                   </a:moveTo>
                   <a:lnTo>
                     <a:pt x="0" y="0"/>
@@ -3820,15 +3820,15 @@
           </p:nvSpPr>
           <p:spPr>
             <a:xfrm>
-              <a:off x="3290542" y="1809173"/>
-              <a:ext cx="0" cy="3464924"/>
-            </a:xfrm>
-            <a:custGeom>
-              <a:avLst/>
-              <a:pathLst>
-                <a:path w="0" h="3464924">
-                  <a:moveTo>
-                    <a:pt x="0" y="3464924"/>
+              <a:off x="3380840" y="1809173"/>
+              <a:ext cx="0" cy="3245468"/>
+            </a:xfrm>
+            <a:custGeom>
+              <a:avLst/>
+              <a:pathLst>
+                <a:path w="0" h="3245468">
+                  <a:moveTo>
+                    <a:pt x="0" y="3245468"/>
                   </a:moveTo>
                   <a:lnTo>
                     <a:pt x="0" y="0"/>
@@ -3863,14 +3863,14 @@
           </p:nvSpPr>
           <p:spPr>
             <a:xfrm>
-              <a:off x="2226159" y="4604416"/>
-              <a:ext cx="277665" cy="512183"/>
+              <a:off x="2203584" y="4695718"/>
+              <a:ext cx="142218" cy="211401"/>
             </a:xfrm>
             <a:prstGeom prst="rect">
               <a:avLst/>
             </a:prstGeom>
             <a:solidFill>
-              <a:srgbClr val="FEE5D9">
+              <a:srgbClr val="FFF5F0">
                 <a:alpha val="100000"/>
               </a:srgbClr>
             </a:solidFill>
@@ -3889,14 +3889,14 @@
           </p:nvSpPr>
           <p:spPr>
             <a:xfrm>
-              <a:off x="2534676" y="1966669"/>
-              <a:ext cx="277665" cy="3149931"/>
+              <a:off x="2361605" y="4861163"/>
+              <a:ext cx="142218" cy="45956"/>
             </a:xfrm>
             <a:prstGeom prst="rect">
               <a:avLst/>
             </a:prstGeom>
             <a:solidFill>
-              <a:srgbClr val="FCAE91">
+              <a:srgbClr val="FEE0D2">
                 <a:alpha val="100000"/>
               </a:srgbClr>
             </a:solidFill>
@@ -3915,8 +3915,60 @@
           </p:nvSpPr>
           <p:spPr>
             <a:xfrm>
-              <a:off x="2843193" y="4309911"/>
-              <a:ext cx="277665" cy="806689"/>
+              <a:off x="2519626" y="4658953"/>
+              <a:ext cx="142218" cy="248166"/>
+            </a:xfrm>
+            <a:prstGeom prst="rect">
+              <a:avLst/>
+            </a:prstGeom>
+            <a:solidFill>
+              <a:srgbClr val="FCBBA1">
+                <a:alpha val="100000"/>
+              </a:srgbClr>
+            </a:solidFill>
+          </p:spPr>
+          <p:txBody>
+            <a:bodyPr/>
+            <a:lstStyle/>
+            <a:p/>
+          </p:txBody>
+        </p:sp>
+        <p:sp>
+          <p:nvSpPr>
+            <p:cNvPr id="24" name="rc24"/>
+            <p:cNvSpPr/>
+            <p:nvPr/>
+          </p:nvSpPr>
+          <p:spPr>
+            <a:xfrm>
+              <a:off x="2677647" y="4668144"/>
+              <a:ext cx="142218" cy="238975"/>
+            </a:xfrm>
+            <a:prstGeom prst="rect">
+              <a:avLst/>
+            </a:prstGeom>
+            <a:solidFill>
+              <a:srgbClr val="FC9272">
+                <a:alpha val="100000"/>
+              </a:srgbClr>
+            </a:solidFill>
+          </p:spPr>
+          <p:txBody>
+            <a:bodyPr/>
+            <a:lstStyle/>
+            <a:p/>
+          </p:txBody>
+        </p:sp>
+        <p:sp>
+          <p:nvSpPr>
+            <p:cNvPr id="25" name="rc25"/>
+            <p:cNvSpPr/>
+            <p:nvPr/>
+          </p:nvSpPr>
+          <p:spPr>
+            <a:xfrm>
+              <a:off x="2835668" y="4842780"/>
+              <a:ext cx="142218" cy="64339"/>
             </a:xfrm>
             <a:prstGeom prst="rect">
               <a:avLst/>
@@ -3935,14 +3987,40 @@
         </p:sp>
         <p:sp>
           <p:nvSpPr>
-            <p:cNvPr id="24" name="rc24"/>
-            <p:cNvSpPr/>
-            <p:nvPr/>
-          </p:nvSpPr>
-          <p:spPr>
-            <a:xfrm>
-              <a:off x="3151709" y="3951382"/>
-              <a:ext cx="277665" cy="1165218"/>
+            <p:cNvPr id="26" name="rc26"/>
+            <p:cNvSpPr/>
+            <p:nvPr/>
+          </p:nvSpPr>
+          <p:spPr>
+            <a:xfrm>
+              <a:off x="2993689" y="4677336"/>
+              <a:ext cx="142218" cy="229783"/>
+            </a:xfrm>
+            <a:prstGeom prst="rect">
+              <a:avLst/>
+            </a:prstGeom>
+            <a:solidFill>
+              <a:srgbClr val="EF3B2C">
+                <a:alpha val="100000"/>
+              </a:srgbClr>
+            </a:solidFill>
+          </p:spPr>
+          <p:txBody>
+            <a:bodyPr/>
+            <a:lstStyle/>
+            <a:p/>
+          </p:txBody>
+        </p:sp>
+        <p:sp>
+          <p:nvSpPr>
+            <p:cNvPr id="27" name="rc27"/>
+            <p:cNvSpPr/>
+            <p:nvPr/>
+          </p:nvSpPr>
+          <p:spPr>
+            <a:xfrm>
+              <a:off x="3151709" y="4851972"/>
+              <a:ext cx="142218" cy="55148"/>
             </a:xfrm>
             <a:prstGeom prst="rect">
               <a:avLst/>
@@ -3961,14 +4039,40 @@
         </p:sp>
         <p:sp>
           <p:nvSpPr>
-            <p:cNvPr id="25" name="rc25"/>
+            <p:cNvPr id="28" name="rc28"/>
+            <p:cNvSpPr/>
+            <p:nvPr/>
+          </p:nvSpPr>
+          <p:spPr>
+            <a:xfrm>
+              <a:off x="3309730" y="1956694"/>
+              <a:ext cx="142218" cy="2950425"/>
+            </a:xfrm>
+            <a:prstGeom prst="rect">
+              <a:avLst/>
+            </a:prstGeom>
+            <a:solidFill>
+              <a:srgbClr val="99000D">
+                <a:alpha val="100000"/>
+              </a:srgbClr>
+            </a:solidFill>
+          </p:spPr>
+          <p:txBody>
+            <a:bodyPr/>
+            <a:lstStyle/>
+            <a:p/>
+          </p:txBody>
+        </p:sp>
+        <p:sp>
+          <p:nvSpPr>
+            <p:cNvPr id="29" name="rc29"/>
             <p:cNvSpPr/>
             <p:nvPr/>
           </p:nvSpPr>
           <p:spPr>
             <a:xfrm>
               <a:off x="2179881" y="1809173"/>
-              <a:ext cx="1295770" cy="3464924"/>
+              <a:ext cx="1295770" cy="3245468"/>
             </a:xfrm>
             <a:prstGeom prst="rect">
               <a:avLst/>
@@ -3991,14 +4095,14 @@
         </p:sp>
         <p:sp>
           <p:nvSpPr>
-            <p:cNvPr id="26" name="rc26"/>
+            <p:cNvPr id="30" name="rc30"/>
             <p:cNvSpPr/>
             <p:nvPr/>
           </p:nvSpPr>
           <p:spPr>
             <a:xfrm>
               <a:off x="3545241" y="1809173"/>
-              <a:ext cx="1295770" cy="3464924"/>
+              <a:ext cx="1295770" cy="3245468"/>
             </a:xfrm>
             <a:prstGeom prst="rect">
               <a:avLst/>
@@ -4017,13 +4121,13 @@
         </p:sp>
         <p:sp>
           <p:nvSpPr>
-            <p:cNvPr id="27" name="pl27"/>
-            <p:cNvSpPr/>
-            <p:nvPr/>
-          </p:nvSpPr>
-          <p:spPr>
-            <a:xfrm>
-              <a:off x="3545241" y="4796485"/>
+            <p:cNvPr id="31" name="pl31"/>
+            <p:cNvSpPr/>
+            <p:nvPr/>
+          </p:nvSpPr>
+          <p:spPr>
+            <a:xfrm>
+              <a:off x="3545241" y="4447552"/>
               <a:ext cx="1295770" cy="0"/>
             </a:xfrm>
             <a:custGeom>
@@ -4060,13 +4164,13 @@
         </p:sp>
         <p:sp>
           <p:nvSpPr>
-            <p:cNvPr id="28" name="pl28"/>
-            <p:cNvSpPr/>
-            <p:nvPr/>
-          </p:nvSpPr>
-          <p:spPr>
-            <a:xfrm>
-              <a:off x="3545241" y="4156256"/>
+            <p:cNvPr id="32" name="pl32"/>
+            <p:cNvSpPr/>
+            <p:nvPr/>
+          </p:nvSpPr>
+          <p:spPr>
+            <a:xfrm>
+              <a:off x="3545241" y="3528416"/>
               <a:ext cx="1295770" cy="0"/>
             </a:xfrm>
             <a:custGeom>
@@ -4103,13 +4207,13 @@
         </p:sp>
         <p:sp>
           <p:nvSpPr>
-            <p:cNvPr id="29" name="pl29"/>
-            <p:cNvSpPr/>
-            <p:nvPr/>
-          </p:nvSpPr>
-          <p:spPr>
-            <a:xfrm>
-              <a:off x="3545241" y="3516026"/>
+            <p:cNvPr id="33" name="pl33"/>
+            <p:cNvSpPr/>
+            <p:nvPr/>
+          </p:nvSpPr>
+          <p:spPr>
+            <a:xfrm>
+              <a:off x="3545241" y="2609280"/>
               <a:ext cx="1295770" cy="0"/>
             </a:xfrm>
             <a:custGeom>
@@ -4146,13 +4250,13 @@
         </p:sp>
         <p:sp>
           <p:nvSpPr>
-            <p:cNvPr id="30" name="pl30"/>
-            <p:cNvSpPr/>
-            <p:nvPr/>
-          </p:nvSpPr>
-          <p:spPr>
-            <a:xfrm>
-              <a:off x="3545241" y="2875796"/>
+            <p:cNvPr id="34" name="pl34"/>
+            <p:cNvSpPr/>
+            <p:nvPr/>
+          </p:nvSpPr>
+          <p:spPr>
+            <a:xfrm>
+              <a:off x="3545241" y="4907120"/>
               <a:ext cx="1295770" cy="0"/>
             </a:xfrm>
             <a:custGeom>
@@ -4171,7 +4275,7 @@
                 </a:path>
               </a:pathLst>
             </a:custGeom>
-            <a:ln w="6775" cap="flat">
+            <a:ln w="13550" cap="flat">
               <a:solidFill>
                 <a:srgbClr val="EBEBEB">
                   <a:alpha val="100000"/>
@@ -4189,13 +4293,13 @@
         </p:sp>
         <p:sp>
           <p:nvSpPr>
-            <p:cNvPr id="31" name="pl31"/>
-            <p:cNvSpPr/>
-            <p:nvPr/>
-          </p:nvSpPr>
-          <p:spPr>
-            <a:xfrm>
-              <a:off x="3545241" y="2235566"/>
+            <p:cNvPr id="35" name="pl35"/>
+            <p:cNvSpPr/>
+            <p:nvPr/>
+          </p:nvSpPr>
+          <p:spPr>
+            <a:xfrm>
+              <a:off x="3545241" y="3987984"/>
               <a:ext cx="1295770" cy="0"/>
             </a:xfrm>
             <a:custGeom>
@@ -4214,7 +4318,7 @@
                 </a:path>
               </a:pathLst>
             </a:custGeom>
-            <a:ln w="6775" cap="flat">
+            <a:ln w="13550" cap="flat">
               <a:solidFill>
                 <a:srgbClr val="EBEBEB">
                   <a:alpha val="100000"/>
@@ -4232,13 +4336,13 @@
         </p:sp>
         <p:sp>
           <p:nvSpPr>
-            <p:cNvPr id="32" name="pl32"/>
-            <p:cNvSpPr/>
-            <p:nvPr/>
-          </p:nvSpPr>
-          <p:spPr>
-            <a:xfrm>
-              <a:off x="3545241" y="5116600"/>
+            <p:cNvPr id="36" name="pl36"/>
+            <p:cNvSpPr/>
+            <p:nvPr/>
+          </p:nvSpPr>
+          <p:spPr>
+            <a:xfrm>
+              <a:off x="3545241" y="3068848"/>
               <a:ext cx="1295770" cy="0"/>
             </a:xfrm>
             <a:custGeom>
@@ -4275,13 +4379,13 @@
         </p:sp>
         <p:sp>
           <p:nvSpPr>
-            <p:cNvPr id="33" name="pl33"/>
-            <p:cNvSpPr/>
-            <p:nvPr/>
-          </p:nvSpPr>
-          <p:spPr>
-            <a:xfrm>
-              <a:off x="3545241" y="4476370"/>
+            <p:cNvPr id="37" name="pl37"/>
+            <p:cNvSpPr/>
+            <p:nvPr/>
+          </p:nvSpPr>
+          <p:spPr>
+            <a:xfrm>
+              <a:off x="3545241" y="2149712"/>
               <a:ext cx="1295770" cy="0"/>
             </a:xfrm>
             <a:custGeom>
@@ -4318,27 +4422,27 @@
         </p:sp>
         <p:sp>
           <p:nvSpPr>
-            <p:cNvPr id="34" name="pl34"/>
-            <p:cNvSpPr/>
-            <p:nvPr/>
-          </p:nvSpPr>
-          <p:spPr>
-            <a:xfrm>
-              <a:off x="3545241" y="3836141"/>
-              <a:ext cx="1295770" cy="0"/>
-            </a:xfrm>
-            <a:custGeom>
-              <a:avLst/>
-              <a:pathLst>
-                <a:path w="1295770" h="0">
-                  <a:moveTo>
-                    <a:pt x="0" y="0"/>
-                  </a:moveTo>
-                  <a:lnTo>
-                    <a:pt x="1295770" y="0"/>
-                  </a:lnTo>
-                  <a:lnTo>
-                    <a:pt x="1295770" y="0"/>
+            <p:cNvPr id="38" name="pl38"/>
+            <p:cNvSpPr/>
+            <p:nvPr/>
+          </p:nvSpPr>
+          <p:spPr>
+            <a:xfrm>
+              <a:off x="3640054" y="1809173"/>
+              <a:ext cx="0" cy="3245468"/>
+            </a:xfrm>
+            <a:custGeom>
+              <a:avLst/>
+              <a:pathLst>
+                <a:path w="0" h="3245468">
+                  <a:moveTo>
+                    <a:pt x="0" y="3245468"/>
+                  </a:moveTo>
+                  <a:lnTo>
+                    <a:pt x="0" y="0"/>
+                  </a:lnTo>
+                  <a:lnTo>
+                    <a:pt x="0" y="0"/>
                   </a:lnTo>
                 </a:path>
               </a:pathLst>
@@ -4361,27 +4465,27 @@
         </p:sp>
         <p:sp>
           <p:nvSpPr>
-            <p:cNvPr id="35" name="pl35"/>
-            <p:cNvSpPr/>
-            <p:nvPr/>
-          </p:nvSpPr>
-          <p:spPr>
-            <a:xfrm>
-              <a:off x="3545241" y="3195911"/>
-              <a:ext cx="1295770" cy="0"/>
-            </a:xfrm>
-            <a:custGeom>
-              <a:avLst/>
-              <a:pathLst>
-                <a:path w="1295770" h="0">
-                  <a:moveTo>
-                    <a:pt x="0" y="0"/>
-                  </a:moveTo>
-                  <a:lnTo>
-                    <a:pt x="1295770" y="0"/>
-                  </a:lnTo>
-                  <a:lnTo>
-                    <a:pt x="1295770" y="0"/>
+            <p:cNvPr id="39" name="pl39"/>
+            <p:cNvSpPr/>
+            <p:nvPr/>
+          </p:nvSpPr>
+          <p:spPr>
+            <a:xfrm>
+              <a:off x="3798075" y="1809173"/>
+              <a:ext cx="0" cy="3245468"/>
+            </a:xfrm>
+            <a:custGeom>
+              <a:avLst/>
+              <a:pathLst>
+                <a:path w="0" h="3245468">
+                  <a:moveTo>
+                    <a:pt x="0" y="3245468"/>
+                  </a:moveTo>
+                  <a:lnTo>
+                    <a:pt x="0" y="0"/>
+                  </a:lnTo>
+                  <a:lnTo>
+                    <a:pt x="0" y="0"/>
                   </a:lnTo>
                 </a:path>
               </a:pathLst>
@@ -4404,27 +4508,27 @@
         </p:sp>
         <p:sp>
           <p:nvSpPr>
-            <p:cNvPr id="36" name="pl36"/>
-            <p:cNvSpPr/>
-            <p:nvPr/>
-          </p:nvSpPr>
-          <p:spPr>
-            <a:xfrm>
-              <a:off x="3545241" y="2555681"/>
-              <a:ext cx="1295770" cy="0"/>
-            </a:xfrm>
-            <a:custGeom>
-              <a:avLst/>
-              <a:pathLst>
-                <a:path w="1295770" h="0">
-                  <a:moveTo>
-                    <a:pt x="0" y="0"/>
-                  </a:moveTo>
-                  <a:lnTo>
-                    <a:pt x="1295770" y="0"/>
-                  </a:lnTo>
-                  <a:lnTo>
-                    <a:pt x="1295770" y="0"/>
+            <p:cNvPr id="40" name="pl40"/>
+            <p:cNvSpPr/>
+            <p:nvPr/>
+          </p:nvSpPr>
+          <p:spPr>
+            <a:xfrm>
+              <a:off x="3956095" y="1809173"/>
+              <a:ext cx="0" cy="3245468"/>
+            </a:xfrm>
+            <a:custGeom>
+              <a:avLst/>
+              <a:pathLst>
+                <a:path w="0" h="3245468">
+                  <a:moveTo>
+                    <a:pt x="0" y="3245468"/>
+                  </a:moveTo>
+                  <a:lnTo>
+                    <a:pt x="0" y="0"/>
+                  </a:lnTo>
+                  <a:lnTo>
+                    <a:pt x="0" y="0"/>
                   </a:lnTo>
                 </a:path>
               </a:pathLst>
@@ -4447,27 +4551,27 @@
         </p:sp>
         <p:sp>
           <p:nvSpPr>
-            <p:cNvPr id="37" name="pl37"/>
-            <p:cNvSpPr/>
-            <p:nvPr/>
-          </p:nvSpPr>
-          <p:spPr>
-            <a:xfrm>
-              <a:off x="3545241" y="1915451"/>
-              <a:ext cx="1295770" cy="0"/>
-            </a:xfrm>
-            <a:custGeom>
-              <a:avLst/>
-              <a:pathLst>
-                <a:path w="1295770" h="0">
-                  <a:moveTo>
-                    <a:pt x="0" y="0"/>
-                  </a:moveTo>
-                  <a:lnTo>
-                    <a:pt x="1295770" y="0"/>
-                  </a:lnTo>
-                  <a:lnTo>
-                    <a:pt x="1295770" y="0"/>
+            <p:cNvPr id="41" name="pl41"/>
+            <p:cNvSpPr/>
+            <p:nvPr/>
+          </p:nvSpPr>
+          <p:spPr>
+            <a:xfrm>
+              <a:off x="4114116" y="1809173"/>
+              <a:ext cx="0" cy="3245468"/>
+            </a:xfrm>
+            <a:custGeom>
+              <a:avLst/>
+              <a:pathLst>
+                <a:path w="0" h="3245468">
+                  <a:moveTo>
+                    <a:pt x="0" y="3245468"/>
+                  </a:moveTo>
+                  <a:lnTo>
+                    <a:pt x="0" y="0"/>
+                  </a:lnTo>
+                  <a:lnTo>
+                    <a:pt x="0" y="0"/>
                   </a:lnTo>
                 </a:path>
               </a:pathLst>
@@ -4490,21 +4594,21 @@
         </p:sp>
         <p:sp>
           <p:nvSpPr>
-            <p:cNvPr id="38" name="pl38"/>
-            <p:cNvSpPr/>
-            <p:nvPr/>
-          </p:nvSpPr>
-          <p:spPr>
-            <a:xfrm>
-              <a:off x="3730351" y="1809173"/>
-              <a:ext cx="0" cy="3464924"/>
-            </a:xfrm>
-            <a:custGeom>
-              <a:avLst/>
-              <a:pathLst>
-                <a:path w="0" h="3464924">
-                  <a:moveTo>
-                    <a:pt x="0" y="3464924"/>
+            <p:cNvPr id="42" name="pl42"/>
+            <p:cNvSpPr/>
+            <p:nvPr/>
+          </p:nvSpPr>
+          <p:spPr>
+            <a:xfrm>
+              <a:off x="4272137" y="1809173"/>
+              <a:ext cx="0" cy="3245468"/>
+            </a:xfrm>
+            <a:custGeom>
+              <a:avLst/>
+              <a:pathLst>
+                <a:path w="0" h="3245468">
+                  <a:moveTo>
+                    <a:pt x="0" y="3245468"/>
                   </a:moveTo>
                   <a:lnTo>
                     <a:pt x="0" y="0"/>
@@ -4533,21 +4637,21 @@
         </p:sp>
         <p:sp>
           <p:nvSpPr>
-            <p:cNvPr id="39" name="pl39"/>
-            <p:cNvSpPr/>
-            <p:nvPr/>
-          </p:nvSpPr>
-          <p:spPr>
-            <a:xfrm>
-              <a:off x="4038868" y="1809173"/>
-              <a:ext cx="0" cy="3464924"/>
-            </a:xfrm>
-            <a:custGeom>
-              <a:avLst/>
-              <a:pathLst>
-                <a:path w="0" h="3464924">
-                  <a:moveTo>
-                    <a:pt x="0" y="3464924"/>
+            <p:cNvPr id="43" name="pl43"/>
+            <p:cNvSpPr/>
+            <p:nvPr/>
+          </p:nvSpPr>
+          <p:spPr>
+            <a:xfrm>
+              <a:off x="4430158" y="1809173"/>
+              <a:ext cx="0" cy="3245468"/>
+            </a:xfrm>
+            <a:custGeom>
+              <a:avLst/>
+              <a:pathLst>
+                <a:path w="0" h="3245468">
+                  <a:moveTo>
+                    <a:pt x="0" y="3245468"/>
                   </a:moveTo>
                   <a:lnTo>
                     <a:pt x="0" y="0"/>
@@ -4576,21 +4680,21 @@
         </p:sp>
         <p:sp>
           <p:nvSpPr>
-            <p:cNvPr id="40" name="pl40"/>
-            <p:cNvSpPr/>
-            <p:nvPr/>
-          </p:nvSpPr>
-          <p:spPr>
-            <a:xfrm>
-              <a:off x="4347385" y="1809173"/>
-              <a:ext cx="0" cy="3464924"/>
-            </a:xfrm>
-            <a:custGeom>
-              <a:avLst/>
-              <a:pathLst>
-                <a:path w="0" h="3464924">
-                  <a:moveTo>
-                    <a:pt x="0" y="3464924"/>
+            <p:cNvPr id="44" name="pl44"/>
+            <p:cNvSpPr/>
+            <p:nvPr/>
+          </p:nvSpPr>
+          <p:spPr>
+            <a:xfrm>
+              <a:off x="4588179" y="1809173"/>
+              <a:ext cx="0" cy="3245468"/>
+            </a:xfrm>
+            <a:custGeom>
+              <a:avLst/>
+              <a:pathLst>
+                <a:path w="0" h="3245468">
+                  <a:moveTo>
+                    <a:pt x="0" y="3245468"/>
                   </a:moveTo>
                   <a:lnTo>
                     <a:pt x="0" y="0"/>
@@ -4619,21 +4723,21 @@
         </p:sp>
         <p:sp>
           <p:nvSpPr>
-            <p:cNvPr id="41" name="pl41"/>
-            <p:cNvSpPr/>
-            <p:nvPr/>
-          </p:nvSpPr>
-          <p:spPr>
-            <a:xfrm>
-              <a:off x="4655902" y="1809173"/>
-              <a:ext cx="0" cy="3464924"/>
-            </a:xfrm>
-            <a:custGeom>
-              <a:avLst/>
-              <a:pathLst>
-                <a:path w="0" h="3464924">
-                  <a:moveTo>
-                    <a:pt x="0" y="3464924"/>
+            <p:cNvPr id="45" name="pl45"/>
+            <p:cNvSpPr/>
+            <p:nvPr/>
+          </p:nvSpPr>
+          <p:spPr>
+            <a:xfrm>
+              <a:off x="4746200" y="1809173"/>
+              <a:ext cx="0" cy="3245468"/>
+            </a:xfrm>
+            <a:custGeom>
+              <a:avLst/>
+              <a:pathLst>
+                <a:path w="0" h="3245468">
+                  <a:moveTo>
+                    <a:pt x="0" y="3245468"/>
                   </a:moveTo>
                   <a:lnTo>
                     <a:pt x="0" y="0"/>
@@ -4662,20 +4766,20 @@
         </p:sp>
         <p:sp>
           <p:nvSpPr>
-            <p:cNvPr id="42" name="rc42"/>
-            <p:cNvSpPr/>
-            <p:nvPr/>
-          </p:nvSpPr>
-          <p:spPr>
-            <a:xfrm>
-              <a:off x="3591519" y="4860508"/>
-              <a:ext cx="277665" cy="256091"/>
+            <p:cNvPr id="46" name="rc46"/>
+            <p:cNvSpPr/>
+            <p:nvPr/>
+          </p:nvSpPr>
+          <p:spPr>
+            <a:xfrm>
+              <a:off x="3568944" y="4851972"/>
+              <a:ext cx="142218" cy="55148"/>
             </a:xfrm>
             <a:prstGeom prst="rect">
               <a:avLst/>
             </a:prstGeom>
             <a:solidFill>
-              <a:srgbClr val="FEE5D9">
+              <a:srgbClr val="FFF5F0">
                 <a:alpha val="100000"/>
               </a:srgbClr>
             </a:solidFill>
@@ -4688,20 +4792,20 @@
         </p:sp>
         <p:sp>
           <p:nvSpPr>
-            <p:cNvPr id="43" name="rc43"/>
-            <p:cNvSpPr/>
-            <p:nvPr/>
-          </p:nvSpPr>
-          <p:spPr>
-            <a:xfrm>
-              <a:off x="3900036" y="3464807"/>
-              <a:ext cx="277665" cy="1651793"/>
+            <p:cNvPr id="47" name="rc47"/>
+            <p:cNvSpPr/>
+            <p:nvPr/>
+          </p:nvSpPr>
+          <p:spPr>
+            <a:xfrm>
+              <a:off x="3726965" y="4842780"/>
+              <a:ext cx="142218" cy="64339"/>
             </a:xfrm>
             <a:prstGeom prst="rect">
               <a:avLst/>
             </a:prstGeom>
             <a:solidFill>
-              <a:srgbClr val="FCAE91">
+              <a:srgbClr val="FEE0D2">
                 <a:alpha val="100000"/>
               </a:srgbClr>
             </a:solidFill>
@@ -4714,14 +4818,66 @@
         </p:sp>
         <p:sp>
           <p:nvSpPr>
-            <p:cNvPr id="44" name="rc44"/>
-            <p:cNvSpPr/>
-            <p:nvPr/>
-          </p:nvSpPr>
-          <p:spPr>
-            <a:xfrm>
-              <a:off x="4208552" y="4450761"/>
-              <a:ext cx="277665" cy="665839"/>
+            <p:cNvPr id="48" name="rc48"/>
+            <p:cNvSpPr/>
+            <p:nvPr/>
+          </p:nvSpPr>
+          <p:spPr>
+            <a:xfrm>
+              <a:off x="3884986" y="4769249"/>
+              <a:ext cx="142218" cy="137870"/>
+            </a:xfrm>
+            <a:prstGeom prst="rect">
+              <a:avLst/>
+            </a:prstGeom>
+            <a:solidFill>
+              <a:srgbClr val="FCBBA1">
+                <a:alpha val="100000"/>
+              </a:srgbClr>
+            </a:solidFill>
+          </p:spPr>
+          <p:txBody>
+            <a:bodyPr/>
+            <a:lstStyle/>
+            <a:p/>
+          </p:txBody>
+        </p:sp>
+        <p:sp>
+          <p:nvSpPr>
+            <p:cNvPr id="49" name="rc49"/>
+            <p:cNvSpPr/>
+            <p:nvPr/>
+          </p:nvSpPr>
+          <p:spPr>
+            <a:xfrm>
+              <a:off x="4043007" y="4787632"/>
+              <a:ext cx="142218" cy="119487"/>
+            </a:xfrm>
+            <a:prstGeom prst="rect">
+              <a:avLst/>
+            </a:prstGeom>
+            <a:solidFill>
+              <a:srgbClr val="FC9272">
+                <a:alpha val="100000"/>
+              </a:srgbClr>
+            </a:solidFill>
+          </p:spPr>
+          <p:txBody>
+            <a:bodyPr/>
+            <a:lstStyle/>
+            <a:p/>
+          </p:txBody>
+        </p:sp>
+        <p:sp>
+          <p:nvSpPr>
+            <p:cNvPr id="50" name="rc50"/>
+            <p:cNvSpPr/>
+            <p:nvPr/>
+          </p:nvSpPr>
+          <p:spPr>
+            <a:xfrm>
+              <a:off x="4201028" y="4842780"/>
+              <a:ext cx="142218" cy="64339"/>
             </a:xfrm>
             <a:prstGeom prst="rect">
               <a:avLst/>
@@ -4740,14 +4896,40 @@
         </p:sp>
         <p:sp>
           <p:nvSpPr>
-            <p:cNvPr id="45" name="rc45"/>
-            <p:cNvSpPr/>
-            <p:nvPr/>
-          </p:nvSpPr>
-          <p:spPr>
-            <a:xfrm>
-              <a:off x="4517069" y="4373934"/>
-              <a:ext cx="277665" cy="742666"/>
+            <p:cNvPr id="51" name="rc51"/>
+            <p:cNvSpPr/>
+            <p:nvPr/>
+          </p:nvSpPr>
+          <p:spPr>
+            <a:xfrm>
+              <a:off x="4359049" y="4778441"/>
+              <a:ext cx="142218" cy="128679"/>
+            </a:xfrm>
+            <a:prstGeom prst="rect">
+              <a:avLst/>
+            </a:prstGeom>
+            <a:solidFill>
+              <a:srgbClr val="EF3B2C">
+                <a:alpha val="100000"/>
+              </a:srgbClr>
+            </a:solidFill>
+          </p:spPr>
+          <p:txBody>
+            <a:bodyPr/>
+            <a:lstStyle/>
+            <a:p/>
+          </p:txBody>
+        </p:sp>
+        <p:sp>
+          <p:nvSpPr>
+            <p:cNvPr id="52" name="rc52"/>
+            <p:cNvSpPr/>
+            <p:nvPr/>
+          </p:nvSpPr>
+          <p:spPr>
+            <a:xfrm>
+              <a:off x="4517069" y="4870354"/>
+              <a:ext cx="142218" cy="36765"/>
             </a:xfrm>
             <a:prstGeom prst="rect">
               <a:avLst/>
@@ -4766,14 +4948,40 @@
         </p:sp>
         <p:sp>
           <p:nvSpPr>
-            <p:cNvPr id="46" name="rc46"/>
+            <p:cNvPr id="53" name="rc53"/>
+            <p:cNvSpPr/>
+            <p:nvPr/>
+          </p:nvSpPr>
+          <p:spPr>
+            <a:xfrm>
+              <a:off x="4675090" y="3133188"/>
+              <a:ext cx="142218" cy="1773932"/>
+            </a:xfrm>
+            <a:prstGeom prst="rect">
+              <a:avLst/>
+            </a:prstGeom>
+            <a:solidFill>
+              <a:srgbClr val="99000D">
+                <a:alpha val="100000"/>
+              </a:srgbClr>
+            </a:solidFill>
+          </p:spPr>
+          <p:txBody>
+            <a:bodyPr/>
+            <a:lstStyle/>
+            <a:p/>
+          </p:txBody>
+        </p:sp>
+        <p:sp>
+          <p:nvSpPr>
+            <p:cNvPr id="54" name="rc54"/>
             <p:cNvSpPr/>
             <p:nvPr/>
           </p:nvSpPr>
           <p:spPr>
             <a:xfrm>
               <a:off x="3545241" y="1809173"/>
-              <a:ext cx="1295770" cy="3464924"/>
+              <a:ext cx="1295770" cy="3245468"/>
             </a:xfrm>
             <a:prstGeom prst="rect">
               <a:avLst/>
@@ -4796,14 +5004,14 @@
         </p:sp>
         <p:sp>
           <p:nvSpPr>
-            <p:cNvPr id="47" name="rc47"/>
+            <p:cNvPr id="55" name="rc55"/>
             <p:cNvSpPr/>
             <p:nvPr/>
           </p:nvSpPr>
           <p:spPr>
             <a:xfrm>
               <a:off x="4910601" y="1809173"/>
-              <a:ext cx="1295770" cy="3464924"/>
+              <a:ext cx="1295770" cy="3245468"/>
             </a:xfrm>
             <a:prstGeom prst="rect">
               <a:avLst/>
@@ -4822,13 +5030,13 @@
         </p:sp>
         <p:sp>
           <p:nvSpPr>
-            <p:cNvPr id="48" name="pl48"/>
-            <p:cNvSpPr/>
-            <p:nvPr/>
-          </p:nvSpPr>
-          <p:spPr>
-            <a:xfrm>
-              <a:off x="4910601" y="4796485"/>
+            <p:cNvPr id="56" name="pl56"/>
+            <p:cNvSpPr/>
+            <p:nvPr/>
+          </p:nvSpPr>
+          <p:spPr>
+            <a:xfrm>
+              <a:off x="4910601" y="4447552"/>
               <a:ext cx="1295770" cy="0"/>
             </a:xfrm>
             <a:custGeom>
@@ -4865,13 +5073,13 @@
         </p:sp>
         <p:sp>
           <p:nvSpPr>
-            <p:cNvPr id="49" name="pl49"/>
-            <p:cNvSpPr/>
-            <p:nvPr/>
-          </p:nvSpPr>
-          <p:spPr>
-            <a:xfrm>
-              <a:off x="4910601" y="4156256"/>
+            <p:cNvPr id="57" name="pl57"/>
+            <p:cNvSpPr/>
+            <p:nvPr/>
+          </p:nvSpPr>
+          <p:spPr>
+            <a:xfrm>
+              <a:off x="4910601" y="3528416"/>
               <a:ext cx="1295770" cy="0"/>
             </a:xfrm>
             <a:custGeom>
@@ -4908,13 +5116,13 @@
         </p:sp>
         <p:sp>
           <p:nvSpPr>
-            <p:cNvPr id="50" name="pl50"/>
-            <p:cNvSpPr/>
-            <p:nvPr/>
-          </p:nvSpPr>
-          <p:spPr>
-            <a:xfrm>
-              <a:off x="4910601" y="3516026"/>
+            <p:cNvPr id="58" name="pl58"/>
+            <p:cNvSpPr/>
+            <p:nvPr/>
+          </p:nvSpPr>
+          <p:spPr>
+            <a:xfrm>
+              <a:off x="4910601" y="2609280"/>
               <a:ext cx="1295770" cy="0"/>
             </a:xfrm>
             <a:custGeom>
@@ -4951,13 +5159,13 @@
         </p:sp>
         <p:sp>
           <p:nvSpPr>
-            <p:cNvPr id="51" name="pl51"/>
-            <p:cNvSpPr/>
-            <p:nvPr/>
-          </p:nvSpPr>
-          <p:spPr>
-            <a:xfrm>
-              <a:off x="4910601" y="2875796"/>
+            <p:cNvPr id="59" name="pl59"/>
+            <p:cNvSpPr/>
+            <p:nvPr/>
+          </p:nvSpPr>
+          <p:spPr>
+            <a:xfrm>
+              <a:off x="4910601" y="4907120"/>
               <a:ext cx="1295770" cy="0"/>
             </a:xfrm>
             <a:custGeom>
@@ -4976,7 +5184,7 @@
                 </a:path>
               </a:pathLst>
             </a:custGeom>
-            <a:ln w="6775" cap="flat">
+            <a:ln w="13550" cap="flat">
               <a:solidFill>
                 <a:srgbClr val="EBEBEB">
                   <a:alpha val="100000"/>
@@ -4994,13 +5202,13 @@
         </p:sp>
         <p:sp>
           <p:nvSpPr>
-            <p:cNvPr id="52" name="pl52"/>
-            <p:cNvSpPr/>
-            <p:nvPr/>
-          </p:nvSpPr>
-          <p:spPr>
-            <a:xfrm>
-              <a:off x="4910601" y="2235566"/>
+            <p:cNvPr id="60" name="pl60"/>
+            <p:cNvSpPr/>
+            <p:nvPr/>
+          </p:nvSpPr>
+          <p:spPr>
+            <a:xfrm>
+              <a:off x="4910601" y="3987984"/>
               <a:ext cx="1295770" cy="0"/>
             </a:xfrm>
             <a:custGeom>
@@ -5019,7 +5227,7 @@
                 </a:path>
               </a:pathLst>
             </a:custGeom>
-            <a:ln w="6775" cap="flat">
+            <a:ln w="13550" cap="flat">
               <a:solidFill>
                 <a:srgbClr val="EBEBEB">
                   <a:alpha val="100000"/>
@@ -5037,13 +5245,13 @@
         </p:sp>
         <p:sp>
           <p:nvSpPr>
-            <p:cNvPr id="53" name="pl53"/>
-            <p:cNvSpPr/>
-            <p:nvPr/>
-          </p:nvSpPr>
-          <p:spPr>
-            <a:xfrm>
-              <a:off x="4910601" y="5116600"/>
+            <p:cNvPr id="61" name="pl61"/>
+            <p:cNvSpPr/>
+            <p:nvPr/>
+          </p:nvSpPr>
+          <p:spPr>
+            <a:xfrm>
+              <a:off x="4910601" y="3068848"/>
               <a:ext cx="1295770" cy="0"/>
             </a:xfrm>
             <a:custGeom>
@@ -5080,13 +5288,13 @@
         </p:sp>
         <p:sp>
           <p:nvSpPr>
-            <p:cNvPr id="54" name="pl54"/>
-            <p:cNvSpPr/>
-            <p:nvPr/>
-          </p:nvSpPr>
-          <p:spPr>
-            <a:xfrm>
-              <a:off x="4910601" y="4476370"/>
+            <p:cNvPr id="62" name="pl62"/>
+            <p:cNvSpPr/>
+            <p:nvPr/>
+          </p:nvSpPr>
+          <p:spPr>
+            <a:xfrm>
+              <a:off x="4910601" y="2149712"/>
               <a:ext cx="1295770" cy="0"/>
             </a:xfrm>
             <a:custGeom>
@@ -5123,27 +5331,27 @@
         </p:sp>
         <p:sp>
           <p:nvSpPr>
-            <p:cNvPr id="55" name="pl55"/>
-            <p:cNvSpPr/>
-            <p:nvPr/>
-          </p:nvSpPr>
-          <p:spPr>
-            <a:xfrm>
-              <a:off x="4910601" y="3836141"/>
-              <a:ext cx="1295770" cy="0"/>
-            </a:xfrm>
-            <a:custGeom>
-              <a:avLst/>
-              <a:pathLst>
-                <a:path w="1295770" h="0">
-                  <a:moveTo>
-                    <a:pt x="0" y="0"/>
-                  </a:moveTo>
-                  <a:lnTo>
-                    <a:pt x="1295770" y="0"/>
-                  </a:lnTo>
-                  <a:lnTo>
-                    <a:pt x="1295770" y="0"/>
+            <p:cNvPr id="63" name="pl63"/>
+            <p:cNvSpPr/>
+            <p:nvPr/>
+          </p:nvSpPr>
+          <p:spPr>
+            <a:xfrm>
+              <a:off x="5005414" y="1809173"/>
+              <a:ext cx="0" cy="3245468"/>
+            </a:xfrm>
+            <a:custGeom>
+              <a:avLst/>
+              <a:pathLst>
+                <a:path w="0" h="3245468">
+                  <a:moveTo>
+                    <a:pt x="0" y="3245468"/>
+                  </a:moveTo>
+                  <a:lnTo>
+                    <a:pt x="0" y="0"/>
+                  </a:lnTo>
+                  <a:lnTo>
+                    <a:pt x="0" y="0"/>
                   </a:lnTo>
                 </a:path>
               </a:pathLst>
@@ -5166,27 +5374,27 @@
         </p:sp>
         <p:sp>
           <p:nvSpPr>
-            <p:cNvPr id="56" name="pl56"/>
-            <p:cNvSpPr/>
-            <p:nvPr/>
-          </p:nvSpPr>
-          <p:spPr>
-            <a:xfrm>
-              <a:off x="4910601" y="3195911"/>
-              <a:ext cx="1295770" cy="0"/>
-            </a:xfrm>
-            <a:custGeom>
-              <a:avLst/>
-              <a:pathLst>
-                <a:path w="1295770" h="0">
-                  <a:moveTo>
-                    <a:pt x="0" y="0"/>
-                  </a:moveTo>
-                  <a:lnTo>
-                    <a:pt x="1295770" y="0"/>
-                  </a:lnTo>
-                  <a:lnTo>
-                    <a:pt x="1295770" y="0"/>
+            <p:cNvPr id="64" name="pl64"/>
+            <p:cNvSpPr/>
+            <p:nvPr/>
+          </p:nvSpPr>
+          <p:spPr>
+            <a:xfrm>
+              <a:off x="5163434" y="1809173"/>
+              <a:ext cx="0" cy="3245468"/>
+            </a:xfrm>
+            <a:custGeom>
+              <a:avLst/>
+              <a:pathLst>
+                <a:path w="0" h="3245468">
+                  <a:moveTo>
+                    <a:pt x="0" y="3245468"/>
+                  </a:moveTo>
+                  <a:lnTo>
+                    <a:pt x="0" y="0"/>
+                  </a:lnTo>
+                  <a:lnTo>
+                    <a:pt x="0" y="0"/>
                   </a:lnTo>
                 </a:path>
               </a:pathLst>
@@ -5209,27 +5417,27 @@
         </p:sp>
         <p:sp>
           <p:nvSpPr>
-            <p:cNvPr id="57" name="pl57"/>
-            <p:cNvSpPr/>
-            <p:nvPr/>
-          </p:nvSpPr>
-          <p:spPr>
-            <a:xfrm>
-              <a:off x="4910601" y="2555681"/>
-              <a:ext cx="1295770" cy="0"/>
-            </a:xfrm>
-            <a:custGeom>
-              <a:avLst/>
-              <a:pathLst>
-                <a:path w="1295770" h="0">
-                  <a:moveTo>
-                    <a:pt x="0" y="0"/>
-                  </a:moveTo>
-                  <a:lnTo>
-                    <a:pt x="1295770" y="0"/>
-                  </a:lnTo>
-                  <a:lnTo>
-                    <a:pt x="1295770" y="0"/>
+            <p:cNvPr id="65" name="pl65"/>
+            <p:cNvSpPr/>
+            <p:nvPr/>
+          </p:nvSpPr>
+          <p:spPr>
+            <a:xfrm>
+              <a:off x="5321455" y="1809173"/>
+              <a:ext cx="0" cy="3245468"/>
+            </a:xfrm>
+            <a:custGeom>
+              <a:avLst/>
+              <a:pathLst>
+                <a:path w="0" h="3245468">
+                  <a:moveTo>
+                    <a:pt x="0" y="3245468"/>
+                  </a:moveTo>
+                  <a:lnTo>
+                    <a:pt x="0" y="0"/>
+                  </a:lnTo>
+                  <a:lnTo>
+                    <a:pt x="0" y="0"/>
                   </a:lnTo>
                 </a:path>
               </a:pathLst>
@@ -5252,27 +5460,27 @@
         </p:sp>
         <p:sp>
           <p:nvSpPr>
-            <p:cNvPr id="58" name="pl58"/>
-            <p:cNvSpPr/>
-            <p:nvPr/>
-          </p:nvSpPr>
-          <p:spPr>
-            <a:xfrm>
-              <a:off x="4910601" y="1915451"/>
-              <a:ext cx="1295770" cy="0"/>
-            </a:xfrm>
-            <a:custGeom>
-              <a:avLst/>
-              <a:pathLst>
-                <a:path w="1295770" h="0">
-                  <a:moveTo>
-                    <a:pt x="0" y="0"/>
-                  </a:moveTo>
-                  <a:lnTo>
-                    <a:pt x="1295770" y="0"/>
-                  </a:lnTo>
-                  <a:lnTo>
-                    <a:pt x="1295770" y="0"/>
+            <p:cNvPr id="66" name="pl66"/>
+            <p:cNvSpPr/>
+            <p:nvPr/>
+          </p:nvSpPr>
+          <p:spPr>
+            <a:xfrm>
+              <a:off x="5479476" y="1809173"/>
+              <a:ext cx="0" cy="3245468"/>
+            </a:xfrm>
+            <a:custGeom>
+              <a:avLst/>
+              <a:pathLst>
+                <a:path w="0" h="3245468">
+                  <a:moveTo>
+                    <a:pt x="0" y="3245468"/>
+                  </a:moveTo>
+                  <a:lnTo>
+                    <a:pt x="0" y="0"/>
+                  </a:lnTo>
+                  <a:lnTo>
+                    <a:pt x="0" y="0"/>
                   </a:lnTo>
                 </a:path>
               </a:pathLst>
@@ -5295,21 +5503,21 @@
         </p:sp>
         <p:sp>
           <p:nvSpPr>
-            <p:cNvPr id="59" name="pl59"/>
-            <p:cNvSpPr/>
-            <p:nvPr/>
-          </p:nvSpPr>
-          <p:spPr>
-            <a:xfrm>
-              <a:off x="5095711" y="1809173"/>
-              <a:ext cx="0" cy="3464924"/>
-            </a:xfrm>
-            <a:custGeom>
-              <a:avLst/>
-              <a:pathLst>
-                <a:path w="0" h="3464924">
-                  <a:moveTo>
-                    <a:pt x="0" y="3464924"/>
+            <p:cNvPr id="67" name="pl67"/>
+            <p:cNvSpPr/>
+            <p:nvPr/>
+          </p:nvSpPr>
+          <p:spPr>
+            <a:xfrm>
+              <a:off x="5637497" y="1809173"/>
+              <a:ext cx="0" cy="3245468"/>
+            </a:xfrm>
+            <a:custGeom>
+              <a:avLst/>
+              <a:pathLst>
+                <a:path w="0" h="3245468">
+                  <a:moveTo>
+                    <a:pt x="0" y="3245468"/>
                   </a:moveTo>
                   <a:lnTo>
                     <a:pt x="0" y="0"/>
@@ -5338,21 +5546,21 @@
         </p:sp>
         <p:sp>
           <p:nvSpPr>
-            <p:cNvPr id="60" name="pl60"/>
-            <p:cNvSpPr/>
-            <p:nvPr/>
-          </p:nvSpPr>
-          <p:spPr>
-            <a:xfrm>
-              <a:off x="5404228" y="1809173"/>
-              <a:ext cx="0" cy="3464924"/>
-            </a:xfrm>
-            <a:custGeom>
-              <a:avLst/>
-              <a:pathLst>
-                <a:path w="0" h="3464924">
-                  <a:moveTo>
-                    <a:pt x="0" y="3464924"/>
+            <p:cNvPr id="68" name="pl68"/>
+            <p:cNvSpPr/>
+            <p:nvPr/>
+          </p:nvSpPr>
+          <p:spPr>
+            <a:xfrm>
+              <a:off x="5795518" y="1809173"/>
+              <a:ext cx="0" cy="3245468"/>
+            </a:xfrm>
+            <a:custGeom>
+              <a:avLst/>
+              <a:pathLst>
+                <a:path w="0" h="3245468">
+                  <a:moveTo>
+                    <a:pt x="0" y="3245468"/>
                   </a:moveTo>
                   <a:lnTo>
                     <a:pt x="0" y="0"/>
@@ -5381,21 +5589,21 @@
         </p:sp>
         <p:sp>
           <p:nvSpPr>
-            <p:cNvPr id="61" name="pl61"/>
-            <p:cNvSpPr/>
-            <p:nvPr/>
-          </p:nvSpPr>
-          <p:spPr>
-            <a:xfrm>
-              <a:off x="5712745" y="1809173"/>
-              <a:ext cx="0" cy="3464924"/>
-            </a:xfrm>
-            <a:custGeom>
-              <a:avLst/>
-              <a:pathLst>
-                <a:path w="0" h="3464924">
-                  <a:moveTo>
-                    <a:pt x="0" y="3464924"/>
+            <p:cNvPr id="69" name="pl69"/>
+            <p:cNvSpPr/>
+            <p:nvPr/>
+          </p:nvSpPr>
+          <p:spPr>
+            <a:xfrm>
+              <a:off x="5953539" y="1809173"/>
+              <a:ext cx="0" cy="3245468"/>
+            </a:xfrm>
+            <a:custGeom>
+              <a:avLst/>
+              <a:pathLst>
+                <a:path w="0" h="3245468">
+                  <a:moveTo>
+                    <a:pt x="0" y="3245468"/>
                   </a:moveTo>
                   <a:lnTo>
                     <a:pt x="0" y="0"/>
@@ -5424,21 +5632,21 @@
         </p:sp>
         <p:sp>
           <p:nvSpPr>
-            <p:cNvPr id="62" name="pl62"/>
-            <p:cNvSpPr/>
-            <p:nvPr/>
-          </p:nvSpPr>
-          <p:spPr>
-            <a:xfrm>
-              <a:off x="6021262" y="1809173"/>
-              <a:ext cx="0" cy="3464924"/>
-            </a:xfrm>
-            <a:custGeom>
-              <a:avLst/>
-              <a:pathLst>
-                <a:path w="0" h="3464924">
-                  <a:moveTo>
-                    <a:pt x="0" y="3464924"/>
+            <p:cNvPr id="70" name="pl70"/>
+            <p:cNvSpPr/>
+            <p:nvPr/>
+          </p:nvSpPr>
+          <p:spPr>
+            <a:xfrm>
+              <a:off x="6111560" y="1809173"/>
+              <a:ext cx="0" cy="3245468"/>
+            </a:xfrm>
+            <a:custGeom>
+              <a:avLst/>
+              <a:pathLst>
+                <a:path w="0" h="3245468">
+                  <a:moveTo>
+                    <a:pt x="0" y="3245468"/>
                   </a:moveTo>
                   <a:lnTo>
                     <a:pt x="0" y="0"/>
@@ -5467,20 +5675,20 @@
         </p:sp>
         <p:sp>
           <p:nvSpPr>
-            <p:cNvPr id="63" name="rc63"/>
-            <p:cNvSpPr/>
-            <p:nvPr/>
-          </p:nvSpPr>
-          <p:spPr>
-            <a:xfrm>
-              <a:off x="4956879" y="5014164"/>
-              <a:ext cx="277665" cy="102436"/>
+            <p:cNvPr id="71" name="rc71"/>
+            <p:cNvSpPr/>
+            <p:nvPr/>
+          </p:nvSpPr>
+          <p:spPr>
+            <a:xfrm>
+              <a:off x="5092325" y="4879546"/>
+              <a:ext cx="142218" cy="27574"/>
             </a:xfrm>
             <a:prstGeom prst="rect">
               <a:avLst/>
             </a:prstGeom>
             <a:solidFill>
-              <a:srgbClr val="FEE5D9">
+              <a:srgbClr val="FEE0D2">
                 <a:alpha val="100000"/>
               </a:srgbClr>
             </a:solidFill>
@@ -5493,20 +5701,20 @@
         </p:sp>
         <p:sp>
           <p:nvSpPr>
-            <p:cNvPr id="64" name="rc64"/>
-            <p:cNvSpPr/>
-            <p:nvPr/>
-          </p:nvSpPr>
-          <p:spPr>
-            <a:xfrm>
-              <a:off x="5265396" y="4617221"/>
-              <a:ext cx="277665" cy="499379"/>
+            <p:cNvPr id="72" name="rc72"/>
+            <p:cNvSpPr/>
+            <p:nvPr/>
+          </p:nvSpPr>
+          <p:spPr>
+            <a:xfrm>
+              <a:off x="5250346" y="4897928"/>
+              <a:ext cx="142218" cy="9191"/>
             </a:xfrm>
             <a:prstGeom prst="rect">
               <a:avLst/>
             </a:prstGeom>
             <a:solidFill>
-              <a:srgbClr val="FCAE91">
+              <a:srgbClr val="FCBBA1">
                 <a:alpha val="100000"/>
               </a:srgbClr>
             </a:solidFill>
@@ -5519,14 +5727,40 @@
         </p:sp>
         <p:sp>
           <p:nvSpPr>
-            <p:cNvPr id="65" name="rc65"/>
-            <p:cNvSpPr/>
-            <p:nvPr/>
-          </p:nvSpPr>
-          <p:spPr>
-            <a:xfrm>
-              <a:off x="5573912" y="4898922"/>
-              <a:ext cx="277665" cy="217678"/>
+            <p:cNvPr id="73" name="rc73"/>
+            <p:cNvSpPr/>
+            <p:nvPr/>
+          </p:nvSpPr>
+          <p:spPr>
+            <a:xfrm>
+              <a:off x="5408367" y="4760058"/>
+              <a:ext cx="142218" cy="147061"/>
+            </a:xfrm>
+            <a:prstGeom prst="rect">
+              <a:avLst/>
+            </a:prstGeom>
+            <a:solidFill>
+              <a:srgbClr val="FC9272">
+                <a:alpha val="100000"/>
+              </a:srgbClr>
+            </a:solidFill>
+          </p:spPr>
+          <p:txBody>
+            <a:bodyPr/>
+            <a:lstStyle/>
+            <a:p/>
+          </p:txBody>
+        </p:sp>
+        <p:sp>
+          <p:nvSpPr>
+            <p:cNvPr id="74" name="rc74"/>
+            <p:cNvSpPr/>
+            <p:nvPr/>
+          </p:nvSpPr>
+          <p:spPr>
+            <a:xfrm>
+              <a:off x="5566388" y="4888737"/>
+              <a:ext cx="142218" cy="18382"/>
             </a:xfrm>
             <a:prstGeom prst="rect">
               <a:avLst/>
@@ -5545,14 +5779,40 @@
         </p:sp>
         <p:sp>
           <p:nvSpPr>
-            <p:cNvPr id="66" name="rc66"/>
-            <p:cNvSpPr/>
-            <p:nvPr/>
-          </p:nvSpPr>
-          <p:spPr>
-            <a:xfrm>
-              <a:off x="5882429" y="4834899"/>
-              <a:ext cx="277665" cy="281701"/>
+            <p:cNvPr id="75" name="rc75"/>
+            <p:cNvSpPr/>
+            <p:nvPr/>
+          </p:nvSpPr>
+          <p:spPr>
+            <a:xfrm>
+              <a:off x="5724408" y="4815206"/>
+              <a:ext cx="142218" cy="91913"/>
+            </a:xfrm>
+            <a:prstGeom prst="rect">
+              <a:avLst/>
+            </a:prstGeom>
+            <a:solidFill>
+              <a:srgbClr val="EF3B2C">
+                <a:alpha val="100000"/>
+              </a:srgbClr>
+            </a:solidFill>
+          </p:spPr>
+          <p:txBody>
+            <a:bodyPr/>
+            <a:lstStyle/>
+            <a:p/>
+          </p:txBody>
+        </p:sp>
+        <p:sp>
+          <p:nvSpPr>
+            <p:cNvPr id="76" name="rc76"/>
+            <p:cNvSpPr/>
+            <p:nvPr/>
+          </p:nvSpPr>
+          <p:spPr>
+            <a:xfrm>
+              <a:off x="5882429" y="4888737"/>
+              <a:ext cx="142218" cy="18382"/>
             </a:xfrm>
             <a:prstGeom prst="rect">
               <a:avLst/>
@@ -5571,14 +5831,40 @@
         </p:sp>
         <p:sp>
           <p:nvSpPr>
-            <p:cNvPr id="67" name="rc67"/>
+            <p:cNvPr id="77" name="rc77"/>
+            <p:cNvSpPr/>
+            <p:nvPr/>
+          </p:nvSpPr>
+          <p:spPr>
+            <a:xfrm>
+              <a:off x="6040450" y="4429169"/>
+              <a:ext cx="142218" cy="477950"/>
+            </a:xfrm>
+            <a:prstGeom prst="rect">
+              <a:avLst/>
+            </a:prstGeom>
+            <a:solidFill>
+              <a:srgbClr val="99000D">
+                <a:alpha val="100000"/>
+              </a:srgbClr>
+            </a:solidFill>
+          </p:spPr>
+          <p:txBody>
+            <a:bodyPr/>
+            <a:lstStyle/>
+            <a:p/>
+          </p:txBody>
+        </p:sp>
+        <p:sp>
+          <p:nvSpPr>
+            <p:cNvPr id="78" name="rc78"/>
             <p:cNvSpPr/>
             <p:nvPr/>
           </p:nvSpPr>
           <p:spPr>
             <a:xfrm>
               <a:off x="4910601" y="1809173"/>
-              <a:ext cx="1295770" cy="3464924"/>
+              <a:ext cx="1295770" cy="3245468"/>
             </a:xfrm>
             <a:prstGeom prst="rect">
               <a:avLst/>
@@ -5601,14 +5887,14 @@
         </p:sp>
         <p:sp>
           <p:nvSpPr>
-            <p:cNvPr id="68" name="rc68"/>
+            <p:cNvPr id="79" name="rc79"/>
             <p:cNvSpPr/>
             <p:nvPr/>
           </p:nvSpPr>
           <p:spPr>
             <a:xfrm>
               <a:off x="6275961" y="1809173"/>
-              <a:ext cx="1295770" cy="3464924"/>
+              <a:ext cx="1295770" cy="3245468"/>
             </a:xfrm>
             <a:prstGeom prst="rect">
               <a:avLst/>
@@ -5627,13 +5913,13 @@
         </p:sp>
         <p:sp>
           <p:nvSpPr>
-            <p:cNvPr id="69" name="pl69"/>
-            <p:cNvSpPr/>
-            <p:nvPr/>
-          </p:nvSpPr>
-          <p:spPr>
-            <a:xfrm>
-              <a:off x="6275961" y="4796485"/>
+            <p:cNvPr id="80" name="pl80"/>
+            <p:cNvSpPr/>
+            <p:nvPr/>
+          </p:nvSpPr>
+          <p:spPr>
+            <a:xfrm>
+              <a:off x="6275961" y="4447552"/>
               <a:ext cx="1295770" cy="0"/>
             </a:xfrm>
             <a:custGeom>
@@ -5670,13 +5956,13 @@
         </p:sp>
         <p:sp>
           <p:nvSpPr>
-            <p:cNvPr id="70" name="pl70"/>
-            <p:cNvSpPr/>
-            <p:nvPr/>
-          </p:nvSpPr>
-          <p:spPr>
-            <a:xfrm>
-              <a:off x="6275961" y="4156256"/>
+            <p:cNvPr id="81" name="pl81"/>
+            <p:cNvSpPr/>
+            <p:nvPr/>
+          </p:nvSpPr>
+          <p:spPr>
+            <a:xfrm>
+              <a:off x="6275961" y="3528416"/>
               <a:ext cx="1295770" cy="0"/>
             </a:xfrm>
             <a:custGeom>
@@ -5713,13 +5999,13 @@
         </p:sp>
         <p:sp>
           <p:nvSpPr>
-            <p:cNvPr id="71" name="pl71"/>
-            <p:cNvSpPr/>
-            <p:nvPr/>
-          </p:nvSpPr>
-          <p:spPr>
-            <a:xfrm>
-              <a:off x="6275961" y="3516026"/>
+            <p:cNvPr id="82" name="pl82"/>
+            <p:cNvSpPr/>
+            <p:nvPr/>
+          </p:nvSpPr>
+          <p:spPr>
+            <a:xfrm>
+              <a:off x="6275961" y="2609280"/>
               <a:ext cx="1295770" cy="0"/>
             </a:xfrm>
             <a:custGeom>
@@ -5756,13 +6042,13 @@
         </p:sp>
         <p:sp>
           <p:nvSpPr>
-            <p:cNvPr id="72" name="pl72"/>
-            <p:cNvSpPr/>
-            <p:nvPr/>
-          </p:nvSpPr>
-          <p:spPr>
-            <a:xfrm>
-              <a:off x="6275961" y="2875796"/>
+            <p:cNvPr id="83" name="pl83"/>
+            <p:cNvSpPr/>
+            <p:nvPr/>
+          </p:nvSpPr>
+          <p:spPr>
+            <a:xfrm>
+              <a:off x="6275961" y="4907120"/>
               <a:ext cx="1295770" cy="0"/>
             </a:xfrm>
             <a:custGeom>
@@ -5781,7 +6067,7 @@
                 </a:path>
               </a:pathLst>
             </a:custGeom>
-            <a:ln w="6775" cap="flat">
+            <a:ln w="13550" cap="flat">
               <a:solidFill>
                 <a:srgbClr val="EBEBEB">
                   <a:alpha val="100000"/>
@@ -5799,13 +6085,13 @@
         </p:sp>
         <p:sp>
           <p:nvSpPr>
-            <p:cNvPr id="73" name="pl73"/>
-            <p:cNvSpPr/>
-            <p:nvPr/>
-          </p:nvSpPr>
-          <p:spPr>
-            <a:xfrm>
-              <a:off x="6275961" y="2235566"/>
+            <p:cNvPr id="84" name="pl84"/>
+            <p:cNvSpPr/>
+            <p:nvPr/>
+          </p:nvSpPr>
+          <p:spPr>
+            <a:xfrm>
+              <a:off x="6275961" y="3987984"/>
               <a:ext cx="1295770" cy="0"/>
             </a:xfrm>
             <a:custGeom>
@@ -5824,7 +6110,7 @@
                 </a:path>
               </a:pathLst>
             </a:custGeom>
-            <a:ln w="6775" cap="flat">
+            <a:ln w="13550" cap="flat">
               <a:solidFill>
                 <a:srgbClr val="EBEBEB">
                   <a:alpha val="100000"/>
@@ -5842,13 +6128,13 @@
         </p:sp>
         <p:sp>
           <p:nvSpPr>
-            <p:cNvPr id="74" name="pl74"/>
-            <p:cNvSpPr/>
-            <p:nvPr/>
-          </p:nvSpPr>
-          <p:spPr>
-            <a:xfrm>
-              <a:off x="6275961" y="5116600"/>
+            <p:cNvPr id="85" name="pl85"/>
+            <p:cNvSpPr/>
+            <p:nvPr/>
+          </p:nvSpPr>
+          <p:spPr>
+            <a:xfrm>
+              <a:off x="6275961" y="3068848"/>
               <a:ext cx="1295770" cy="0"/>
             </a:xfrm>
             <a:custGeom>
@@ -5885,13 +6171,13 @@
         </p:sp>
         <p:sp>
           <p:nvSpPr>
-            <p:cNvPr id="75" name="pl75"/>
-            <p:cNvSpPr/>
-            <p:nvPr/>
-          </p:nvSpPr>
-          <p:spPr>
-            <a:xfrm>
-              <a:off x="6275961" y="4476370"/>
+            <p:cNvPr id="86" name="pl86"/>
+            <p:cNvSpPr/>
+            <p:nvPr/>
+          </p:nvSpPr>
+          <p:spPr>
+            <a:xfrm>
+              <a:off x="6275961" y="2149712"/>
               <a:ext cx="1295770" cy="0"/>
             </a:xfrm>
             <a:custGeom>
@@ -5928,27 +6214,27 @@
         </p:sp>
         <p:sp>
           <p:nvSpPr>
-            <p:cNvPr id="76" name="pl76"/>
-            <p:cNvSpPr/>
-            <p:nvPr/>
-          </p:nvSpPr>
-          <p:spPr>
-            <a:xfrm>
-              <a:off x="6275961" y="3836141"/>
-              <a:ext cx="1295770" cy="0"/>
-            </a:xfrm>
-            <a:custGeom>
-              <a:avLst/>
-              <a:pathLst>
-                <a:path w="1295770" h="0">
-                  <a:moveTo>
-                    <a:pt x="0" y="0"/>
-                  </a:moveTo>
-                  <a:lnTo>
-                    <a:pt x="1295770" y="0"/>
-                  </a:lnTo>
-                  <a:lnTo>
-                    <a:pt x="1295770" y="0"/>
+            <p:cNvPr id="87" name="pl87"/>
+            <p:cNvSpPr/>
+            <p:nvPr/>
+          </p:nvSpPr>
+          <p:spPr>
+            <a:xfrm>
+              <a:off x="6370774" y="1809173"/>
+              <a:ext cx="0" cy="3245468"/>
+            </a:xfrm>
+            <a:custGeom>
+              <a:avLst/>
+              <a:pathLst>
+                <a:path w="0" h="3245468">
+                  <a:moveTo>
+                    <a:pt x="0" y="3245468"/>
+                  </a:moveTo>
+                  <a:lnTo>
+                    <a:pt x="0" y="0"/>
+                  </a:lnTo>
+                  <a:lnTo>
+                    <a:pt x="0" y="0"/>
                   </a:lnTo>
                 </a:path>
               </a:pathLst>
@@ -5971,27 +6257,27 @@
         </p:sp>
         <p:sp>
           <p:nvSpPr>
-            <p:cNvPr id="77" name="pl77"/>
-            <p:cNvSpPr/>
-            <p:nvPr/>
-          </p:nvSpPr>
-          <p:spPr>
-            <a:xfrm>
-              <a:off x="6275961" y="3195911"/>
-              <a:ext cx="1295770" cy="0"/>
-            </a:xfrm>
-            <a:custGeom>
-              <a:avLst/>
-              <a:pathLst>
-                <a:path w="1295770" h="0">
-                  <a:moveTo>
-                    <a:pt x="0" y="0"/>
-                  </a:moveTo>
-                  <a:lnTo>
-                    <a:pt x="1295770" y="0"/>
-                  </a:lnTo>
-                  <a:lnTo>
-                    <a:pt x="1295770" y="0"/>
+            <p:cNvPr id="88" name="pl88"/>
+            <p:cNvSpPr/>
+            <p:nvPr/>
+          </p:nvSpPr>
+          <p:spPr>
+            <a:xfrm>
+              <a:off x="6528794" y="1809173"/>
+              <a:ext cx="0" cy="3245468"/>
+            </a:xfrm>
+            <a:custGeom>
+              <a:avLst/>
+              <a:pathLst>
+                <a:path w="0" h="3245468">
+                  <a:moveTo>
+                    <a:pt x="0" y="3245468"/>
+                  </a:moveTo>
+                  <a:lnTo>
+                    <a:pt x="0" y="0"/>
+                  </a:lnTo>
+                  <a:lnTo>
+                    <a:pt x="0" y="0"/>
                   </a:lnTo>
                 </a:path>
               </a:pathLst>
@@ -6014,27 +6300,27 @@
         </p:sp>
         <p:sp>
           <p:nvSpPr>
-            <p:cNvPr id="78" name="pl78"/>
-            <p:cNvSpPr/>
-            <p:nvPr/>
-          </p:nvSpPr>
-          <p:spPr>
-            <a:xfrm>
-              <a:off x="6275961" y="2555681"/>
-              <a:ext cx="1295770" cy="0"/>
-            </a:xfrm>
-            <a:custGeom>
-              <a:avLst/>
-              <a:pathLst>
-                <a:path w="1295770" h="0">
-                  <a:moveTo>
-                    <a:pt x="0" y="0"/>
-                  </a:moveTo>
-                  <a:lnTo>
-                    <a:pt x="1295770" y="0"/>
-                  </a:lnTo>
-                  <a:lnTo>
-                    <a:pt x="1295770" y="0"/>
+            <p:cNvPr id="89" name="pl89"/>
+            <p:cNvSpPr/>
+            <p:nvPr/>
+          </p:nvSpPr>
+          <p:spPr>
+            <a:xfrm>
+              <a:off x="6686815" y="1809173"/>
+              <a:ext cx="0" cy="3245468"/>
+            </a:xfrm>
+            <a:custGeom>
+              <a:avLst/>
+              <a:pathLst>
+                <a:path w="0" h="3245468">
+                  <a:moveTo>
+                    <a:pt x="0" y="3245468"/>
+                  </a:moveTo>
+                  <a:lnTo>
+                    <a:pt x="0" y="0"/>
+                  </a:lnTo>
+                  <a:lnTo>
+                    <a:pt x="0" y="0"/>
                   </a:lnTo>
                 </a:path>
               </a:pathLst>
@@ -6057,27 +6343,27 @@
         </p:sp>
         <p:sp>
           <p:nvSpPr>
-            <p:cNvPr id="79" name="pl79"/>
-            <p:cNvSpPr/>
-            <p:nvPr/>
-          </p:nvSpPr>
-          <p:spPr>
-            <a:xfrm>
-              <a:off x="6275961" y="1915451"/>
-              <a:ext cx="1295770" cy="0"/>
-            </a:xfrm>
-            <a:custGeom>
-              <a:avLst/>
-              <a:pathLst>
-                <a:path w="1295770" h="0">
-                  <a:moveTo>
-                    <a:pt x="0" y="0"/>
-                  </a:moveTo>
-                  <a:lnTo>
-                    <a:pt x="1295770" y="0"/>
-                  </a:lnTo>
-                  <a:lnTo>
-                    <a:pt x="1295770" y="0"/>
+            <p:cNvPr id="90" name="pl90"/>
+            <p:cNvSpPr/>
+            <p:nvPr/>
+          </p:nvSpPr>
+          <p:spPr>
+            <a:xfrm>
+              <a:off x="6844836" y="1809173"/>
+              <a:ext cx="0" cy="3245468"/>
+            </a:xfrm>
+            <a:custGeom>
+              <a:avLst/>
+              <a:pathLst>
+                <a:path w="0" h="3245468">
+                  <a:moveTo>
+                    <a:pt x="0" y="3245468"/>
+                  </a:moveTo>
+                  <a:lnTo>
+                    <a:pt x="0" y="0"/>
+                  </a:lnTo>
+                  <a:lnTo>
+                    <a:pt x="0" y="0"/>
                   </a:lnTo>
                 </a:path>
               </a:pathLst>
@@ -6100,21 +6386,21 @@
         </p:sp>
         <p:sp>
           <p:nvSpPr>
-            <p:cNvPr id="80" name="pl80"/>
-            <p:cNvSpPr/>
-            <p:nvPr/>
-          </p:nvSpPr>
-          <p:spPr>
-            <a:xfrm>
-              <a:off x="6461071" y="1809173"/>
-              <a:ext cx="0" cy="3464924"/>
-            </a:xfrm>
-            <a:custGeom>
-              <a:avLst/>
-              <a:pathLst>
-                <a:path w="0" h="3464924">
-                  <a:moveTo>
-                    <a:pt x="0" y="3464924"/>
+            <p:cNvPr id="91" name="pl91"/>
+            <p:cNvSpPr/>
+            <p:nvPr/>
+          </p:nvSpPr>
+          <p:spPr>
+            <a:xfrm>
+              <a:off x="7002857" y="1809173"/>
+              <a:ext cx="0" cy="3245468"/>
+            </a:xfrm>
+            <a:custGeom>
+              <a:avLst/>
+              <a:pathLst>
+                <a:path w="0" h="3245468">
+                  <a:moveTo>
+                    <a:pt x="0" y="3245468"/>
                   </a:moveTo>
                   <a:lnTo>
                     <a:pt x="0" y="0"/>
@@ -6143,21 +6429,21 @@
         </p:sp>
         <p:sp>
           <p:nvSpPr>
-            <p:cNvPr id="81" name="pl81"/>
-            <p:cNvSpPr/>
-            <p:nvPr/>
-          </p:nvSpPr>
-          <p:spPr>
-            <a:xfrm>
-              <a:off x="6769588" y="1809173"/>
-              <a:ext cx="0" cy="3464924"/>
-            </a:xfrm>
-            <a:custGeom>
-              <a:avLst/>
-              <a:pathLst>
-                <a:path w="0" h="3464924">
-                  <a:moveTo>
-                    <a:pt x="0" y="3464924"/>
+            <p:cNvPr id="92" name="pl92"/>
+            <p:cNvSpPr/>
+            <p:nvPr/>
+          </p:nvSpPr>
+          <p:spPr>
+            <a:xfrm>
+              <a:off x="7160878" y="1809173"/>
+              <a:ext cx="0" cy="3245468"/>
+            </a:xfrm>
+            <a:custGeom>
+              <a:avLst/>
+              <a:pathLst>
+                <a:path w="0" h="3245468">
+                  <a:moveTo>
+                    <a:pt x="0" y="3245468"/>
                   </a:moveTo>
                   <a:lnTo>
                     <a:pt x="0" y="0"/>
@@ -6186,21 +6472,21 @@
         </p:sp>
         <p:sp>
           <p:nvSpPr>
-            <p:cNvPr id="82" name="pl82"/>
-            <p:cNvSpPr/>
-            <p:nvPr/>
-          </p:nvSpPr>
-          <p:spPr>
-            <a:xfrm>
-              <a:off x="7078105" y="1809173"/>
-              <a:ext cx="0" cy="3464924"/>
-            </a:xfrm>
-            <a:custGeom>
-              <a:avLst/>
-              <a:pathLst>
-                <a:path w="0" h="3464924">
-                  <a:moveTo>
-                    <a:pt x="0" y="3464924"/>
+            <p:cNvPr id="93" name="pl93"/>
+            <p:cNvSpPr/>
+            <p:nvPr/>
+          </p:nvSpPr>
+          <p:spPr>
+            <a:xfrm>
+              <a:off x="7318899" y="1809173"/>
+              <a:ext cx="0" cy="3245468"/>
+            </a:xfrm>
+            <a:custGeom>
+              <a:avLst/>
+              <a:pathLst>
+                <a:path w="0" h="3245468">
+                  <a:moveTo>
+                    <a:pt x="0" y="3245468"/>
                   </a:moveTo>
                   <a:lnTo>
                     <a:pt x="0" y="0"/>
@@ -6229,21 +6515,21 @@
         </p:sp>
         <p:sp>
           <p:nvSpPr>
-            <p:cNvPr id="83" name="pl83"/>
-            <p:cNvSpPr/>
-            <p:nvPr/>
-          </p:nvSpPr>
-          <p:spPr>
-            <a:xfrm>
-              <a:off x="7386622" y="1809173"/>
-              <a:ext cx="0" cy="3464924"/>
-            </a:xfrm>
-            <a:custGeom>
-              <a:avLst/>
-              <a:pathLst>
-                <a:path w="0" h="3464924">
-                  <a:moveTo>
-                    <a:pt x="0" y="3464924"/>
+            <p:cNvPr id="94" name="pl94"/>
+            <p:cNvSpPr/>
+            <p:nvPr/>
+          </p:nvSpPr>
+          <p:spPr>
+            <a:xfrm>
+              <a:off x="7476919" y="1809173"/>
+              <a:ext cx="0" cy="3245468"/>
+            </a:xfrm>
+            <a:custGeom>
+              <a:avLst/>
+              <a:pathLst>
+                <a:path w="0" h="3245468">
+                  <a:moveTo>
+                    <a:pt x="0" y="3245468"/>
                   </a:moveTo>
                   <a:lnTo>
                     <a:pt x="0" y="0"/>
@@ -6272,20 +6558,20 @@
         </p:sp>
         <p:sp>
           <p:nvSpPr>
-            <p:cNvPr id="84" name="rc84"/>
-            <p:cNvSpPr/>
-            <p:nvPr/>
-          </p:nvSpPr>
-          <p:spPr>
-            <a:xfrm>
-              <a:off x="6322239" y="5001359"/>
-              <a:ext cx="277665" cy="115241"/>
+            <p:cNvPr id="95" name="rc95"/>
+            <p:cNvSpPr/>
+            <p:nvPr/>
+          </p:nvSpPr>
+          <p:spPr>
+            <a:xfrm>
+              <a:off x="6615706" y="4879546"/>
+              <a:ext cx="142218" cy="27574"/>
             </a:xfrm>
             <a:prstGeom prst="rect">
               <a:avLst/>
             </a:prstGeom>
             <a:solidFill>
-              <a:srgbClr val="FEE5D9">
+              <a:srgbClr val="FCBBA1">
                 <a:alpha val="100000"/>
               </a:srgbClr>
             </a:solidFill>
@@ -6298,20 +6584,20 @@
         </p:sp>
         <p:sp>
           <p:nvSpPr>
-            <p:cNvPr id="85" name="rc85"/>
-            <p:cNvSpPr/>
-            <p:nvPr/>
-          </p:nvSpPr>
-          <p:spPr>
-            <a:xfrm>
-              <a:off x="6630755" y="4578807"/>
-              <a:ext cx="277665" cy="537793"/>
+            <p:cNvPr id="96" name="rc96"/>
+            <p:cNvSpPr/>
+            <p:nvPr/>
+          </p:nvSpPr>
+          <p:spPr>
+            <a:xfrm>
+              <a:off x="6773727" y="4824397"/>
+              <a:ext cx="142218" cy="82722"/>
             </a:xfrm>
             <a:prstGeom prst="rect">
               <a:avLst/>
             </a:prstGeom>
             <a:solidFill>
-              <a:srgbClr val="FCAE91">
+              <a:srgbClr val="FC9272">
                 <a:alpha val="100000"/>
               </a:srgbClr>
             </a:solidFill>
@@ -6324,14 +6610,14 @@
         </p:sp>
         <p:sp>
           <p:nvSpPr>
-            <p:cNvPr id="86" name="rc86"/>
-            <p:cNvSpPr/>
-            <p:nvPr/>
-          </p:nvSpPr>
-          <p:spPr>
-            <a:xfrm>
-              <a:off x="6939272" y="4988554"/>
-              <a:ext cx="277665" cy="128045"/>
+            <p:cNvPr id="97" name="rc97"/>
+            <p:cNvSpPr/>
+            <p:nvPr/>
+          </p:nvSpPr>
+          <p:spPr>
+            <a:xfrm>
+              <a:off x="6931748" y="4888737"/>
+              <a:ext cx="142218" cy="18382"/>
             </a:xfrm>
             <a:prstGeom prst="rect">
               <a:avLst/>
@@ -6350,14 +6636,40 @@
         </p:sp>
         <p:sp>
           <p:nvSpPr>
-            <p:cNvPr id="87" name="rc87"/>
-            <p:cNvSpPr/>
-            <p:nvPr/>
-          </p:nvSpPr>
-          <p:spPr>
-            <a:xfrm>
-              <a:off x="7247789" y="5001359"/>
-              <a:ext cx="277665" cy="115241"/>
+            <p:cNvPr id="98" name="rc98"/>
+            <p:cNvSpPr/>
+            <p:nvPr/>
+          </p:nvSpPr>
+          <p:spPr>
+            <a:xfrm>
+              <a:off x="7089768" y="4842780"/>
+              <a:ext cx="142218" cy="64339"/>
+            </a:xfrm>
+            <a:prstGeom prst="rect">
+              <a:avLst/>
+            </a:prstGeom>
+            <a:solidFill>
+              <a:srgbClr val="EF3B2C">
+                <a:alpha val="100000"/>
+              </a:srgbClr>
+            </a:solidFill>
+          </p:spPr>
+          <p:txBody>
+            <a:bodyPr/>
+            <a:lstStyle/>
+            <a:p/>
+          </p:txBody>
+        </p:sp>
+        <p:sp>
+          <p:nvSpPr>
+            <p:cNvPr id="99" name="rc99"/>
+            <p:cNvSpPr/>
+            <p:nvPr/>
+          </p:nvSpPr>
+          <p:spPr>
+            <a:xfrm>
+              <a:off x="7247789" y="4888737"/>
+              <a:ext cx="142218" cy="18382"/>
             </a:xfrm>
             <a:prstGeom prst="rect">
               <a:avLst/>
@@ -6376,14 +6688,40 @@
         </p:sp>
         <p:sp>
           <p:nvSpPr>
-            <p:cNvPr id="88" name="rc88"/>
+            <p:cNvPr id="100" name="rc100"/>
+            <p:cNvSpPr/>
+            <p:nvPr/>
+          </p:nvSpPr>
+          <p:spPr>
+            <a:xfrm>
+              <a:off x="7405810" y="4475126"/>
+              <a:ext cx="142218" cy="431993"/>
+            </a:xfrm>
+            <a:prstGeom prst="rect">
+              <a:avLst/>
+            </a:prstGeom>
+            <a:solidFill>
+              <a:srgbClr val="99000D">
+                <a:alpha val="100000"/>
+              </a:srgbClr>
+            </a:solidFill>
+          </p:spPr>
+          <p:txBody>
+            <a:bodyPr/>
+            <a:lstStyle/>
+            <a:p/>
+          </p:txBody>
+        </p:sp>
+        <p:sp>
+          <p:nvSpPr>
+            <p:cNvPr id="101" name="rc101"/>
             <p:cNvSpPr/>
             <p:nvPr/>
           </p:nvSpPr>
           <p:spPr>
             <a:xfrm>
               <a:off x="6275961" y="1809173"/>
-              <a:ext cx="1295770" cy="3464924"/>
+              <a:ext cx="1295770" cy="3245468"/>
             </a:xfrm>
             <a:prstGeom prst="rect">
               <a:avLst/>
@@ -6406,14 +6744,14 @@
         </p:sp>
         <p:sp>
           <p:nvSpPr>
-            <p:cNvPr id="89" name="rc89"/>
+            <p:cNvPr id="102" name="rc102"/>
             <p:cNvSpPr/>
             <p:nvPr/>
           </p:nvSpPr>
           <p:spPr>
             <a:xfrm>
               <a:off x="7641321" y="1809173"/>
-              <a:ext cx="1295770" cy="3464924"/>
+              <a:ext cx="1295770" cy="3245468"/>
             </a:xfrm>
             <a:prstGeom prst="rect">
               <a:avLst/>
@@ -6432,13 +6770,13 @@
         </p:sp>
         <p:sp>
           <p:nvSpPr>
-            <p:cNvPr id="90" name="pl90"/>
-            <p:cNvSpPr/>
-            <p:nvPr/>
-          </p:nvSpPr>
-          <p:spPr>
-            <a:xfrm>
-              <a:off x="7641321" y="4796485"/>
+            <p:cNvPr id="103" name="pl103"/>
+            <p:cNvSpPr/>
+            <p:nvPr/>
+          </p:nvSpPr>
+          <p:spPr>
+            <a:xfrm>
+              <a:off x="7641321" y="4447552"/>
               <a:ext cx="1295770" cy="0"/>
             </a:xfrm>
             <a:custGeom>
@@ -6475,13 +6813,13 @@
         </p:sp>
         <p:sp>
           <p:nvSpPr>
-            <p:cNvPr id="91" name="pl91"/>
-            <p:cNvSpPr/>
-            <p:nvPr/>
-          </p:nvSpPr>
-          <p:spPr>
-            <a:xfrm>
-              <a:off x="7641321" y="4156256"/>
+            <p:cNvPr id="104" name="pl104"/>
+            <p:cNvSpPr/>
+            <p:nvPr/>
+          </p:nvSpPr>
+          <p:spPr>
+            <a:xfrm>
+              <a:off x="7641321" y="3528416"/>
               <a:ext cx="1295770" cy="0"/>
             </a:xfrm>
             <a:custGeom>
@@ -6518,13 +6856,13 @@
         </p:sp>
         <p:sp>
           <p:nvSpPr>
-            <p:cNvPr id="92" name="pl92"/>
-            <p:cNvSpPr/>
-            <p:nvPr/>
-          </p:nvSpPr>
-          <p:spPr>
-            <a:xfrm>
-              <a:off x="7641321" y="3516026"/>
+            <p:cNvPr id="105" name="pl105"/>
+            <p:cNvSpPr/>
+            <p:nvPr/>
+          </p:nvSpPr>
+          <p:spPr>
+            <a:xfrm>
+              <a:off x="7641321" y="2609280"/>
               <a:ext cx="1295770" cy="0"/>
             </a:xfrm>
             <a:custGeom>
@@ -6561,13 +6899,13 @@
         </p:sp>
         <p:sp>
           <p:nvSpPr>
-            <p:cNvPr id="93" name="pl93"/>
-            <p:cNvSpPr/>
-            <p:nvPr/>
-          </p:nvSpPr>
-          <p:spPr>
-            <a:xfrm>
-              <a:off x="7641321" y="2875796"/>
+            <p:cNvPr id="106" name="pl106"/>
+            <p:cNvSpPr/>
+            <p:nvPr/>
+          </p:nvSpPr>
+          <p:spPr>
+            <a:xfrm>
+              <a:off x="7641321" y="4907120"/>
               <a:ext cx="1295770" cy="0"/>
             </a:xfrm>
             <a:custGeom>
@@ -6586,7 +6924,7 @@
                 </a:path>
               </a:pathLst>
             </a:custGeom>
-            <a:ln w="6775" cap="flat">
+            <a:ln w="13550" cap="flat">
               <a:solidFill>
                 <a:srgbClr val="EBEBEB">
                   <a:alpha val="100000"/>
@@ -6604,13 +6942,13 @@
         </p:sp>
         <p:sp>
           <p:nvSpPr>
-            <p:cNvPr id="94" name="pl94"/>
-            <p:cNvSpPr/>
-            <p:nvPr/>
-          </p:nvSpPr>
-          <p:spPr>
-            <a:xfrm>
-              <a:off x="7641321" y="2235566"/>
+            <p:cNvPr id="107" name="pl107"/>
+            <p:cNvSpPr/>
+            <p:nvPr/>
+          </p:nvSpPr>
+          <p:spPr>
+            <a:xfrm>
+              <a:off x="7641321" y="3987984"/>
               <a:ext cx="1295770" cy="0"/>
             </a:xfrm>
             <a:custGeom>
@@ -6629,7 +6967,7 @@
                 </a:path>
               </a:pathLst>
             </a:custGeom>
-            <a:ln w="6775" cap="flat">
+            <a:ln w="13550" cap="flat">
               <a:solidFill>
                 <a:srgbClr val="EBEBEB">
                   <a:alpha val="100000"/>
@@ -6647,13 +6985,13 @@
         </p:sp>
         <p:sp>
           <p:nvSpPr>
-            <p:cNvPr id="95" name="pl95"/>
-            <p:cNvSpPr/>
-            <p:nvPr/>
-          </p:nvSpPr>
-          <p:spPr>
-            <a:xfrm>
-              <a:off x="7641321" y="5116600"/>
+            <p:cNvPr id="108" name="pl108"/>
+            <p:cNvSpPr/>
+            <p:nvPr/>
+          </p:nvSpPr>
+          <p:spPr>
+            <a:xfrm>
+              <a:off x="7641321" y="3068848"/>
               <a:ext cx="1295770" cy="0"/>
             </a:xfrm>
             <a:custGeom>
@@ -6690,13 +7028,13 @@
         </p:sp>
         <p:sp>
           <p:nvSpPr>
-            <p:cNvPr id="96" name="pl96"/>
-            <p:cNvSpPr/>
-            <p:nvPr/>
-          </p:nvSpPr>
-          <p:spPr>
-            <a:xfrm>
-              <a:off x="7641321" y="4476370"/>
+            <p:cNvPr id="109" name="pl109"/>
+            <p:cNvSpPr/>
+            <p:nvPr/>
+          </p:nvSpPr>
+          <p:spPr>
+            <a:xfrm>
+              <a:off x="7641321" y="2149712"/>
               <a:ext cx="1295770" cy="0"/>
             </a:xfrm>
             <a:custGeom>
@@ -6733,27 +7071,27 @@
         </p:sp>
         <p:sp>
           <p:nvSpPr>
-            <p:cNvPr id="97" name="pl97"/>
-            <p:cNvSpPr/>
-            <p:nvPr/>
-          </p:nvSpPr>
-          <p:spPr>
-            <a:xfrm>
-              <a:off x="7641321" y="3836141"/>
-              <a:ext cx="1295770" cy="0"/>
-            </a:xfrm>
-            <a:custGeom>
-              <a:avLst/>
-              <a:pathLst>
-                <a:path w="1295770" h="0">
-                  <a:moveTo>
-                    <a:pt x="0" y="0"/>
-                  </a:moveTo>
-                  <a:lnTo>
-                    <a:pt x="1295770" y="0"/>
-                  </a:lnTo>
-                  <a:lnTo>
-                    <a:pt x="1295770" y="0"/>
+            <p:cNvPr id="110" name="pl110"/>
+            <p:cNvSpPr/>
+            <p:nvPr/>
+          </p:nvSpPr>
+          <p:spPr>
+            <a:xfrm>
+              <a:off x="7736134" y="1809173"/>
+              <a:ext cx="0" cy="3245468"/>
+            </a:xfrm>
+            <a:custGeom>
+              <a:avLst/>
+              <a:pathLst>
+                <a:path w="0" h="3245468">
+                  <a:moveTo>
+                    <a:pt x="0" y="3245468"/>
+                  </a:moveTo>
+                  <a:lnTo>
+                    <a:pt x="0" y="0"/>
+                  </a:lnTo>
+                  <a:lnTo>
+                    <a:pt x="0" y="0"/>
                   </a:lnTo>
                 </a:path>
               </a:pathLst>
@@ -6776,27 +7114,27 @@
         </p:sp>
         <p:sp>
           <p:nvSpPr>
-            <p:cNvPr id="98" name="pl98"/>
-            <p:cNvSpPr/>
-            <p:nvPr/>
-          </p:nvSpPr>
-          <p:spPr>
-            <a:xfrm>
-              <a:off x="7641321" y="3195911"/>
-              <a:ext cx="1295770" cy="0"/>
-            </a:xfrm>
-            <a:custGeom>
-              <a:avLst/>
-              <a:pathLst>
-                <a:path w="1295770" h="0">
-                  <a:moveTo>
-                    <a:pt x="0" y="0"/>
-                  </a:moveTo>
-                  <a:lnTo>
-                    <a:pt x="1295770" y="0"/>
-                  </a:lnTo>
-                  <a:lnTo>
-                    <a:pt x="1295770" y="0"/>
+            <p:cNvPr id="111" name="pl111"/>
+            <p:cNvSpPr/>
+            <p:nvPr/>
+          </p:nvSpPr>
+          <p:spPr>
+            <a:xfrm>
+              <a:off x="7894154" y="1809173"/>
+              <a:ext cx="0" cy="3245468"/>
+            </a:xfrm>
+            <a:custGeom>
+              <a:avLst/>
+              <a:pathLst>
+                <a:path w="0" h="3245468">
+                  <a:moveTo>
+                    <a:pt x="0" y="3245468"/>
+                  </a:moveTo>
+                  <a:lnTo>
+                    <a:pt x="0" y="0"/>
+                  </a:lnTo>
+                  <a:lnTo>
+                    <a:pt x="0" y="0"/>
                   </a:lnTo>
                 </a:path>
               </a:pathLst>
@@ -6819,27 +7157,27 @@
         </p:sp>
         <p:sp>
           <p:nvSpPr>
-            <p:cNvPr id="99" name="pl99"/>
-            <p:cNvSpPr/>
-            <p:nvPr/>
-          </p:nvSpPr>
-          <p:spPr>
-            <a:xfrm>
-              <a:off x="7641321" y="2555681"/>
-              <a:ext cx="1295770" cy="0"/>
-            </a:xfrm>
-            <a:custGeom>
-              <a:avLst/>
-              <a:pathLst>
-                <a:path w="1295770" h="0">
-                  <a:moveTo>
-                    <a:pt x="0" y="0"/>
-                  </a:moveTo>
-                  <a:lnTo>
-                    <a:pt x="1295770" y="0"/>
-                  </a:lnTo>
-                  <a:lnTo>
-                    <a:pt x="1295770" y="0"/>
+            <p:cNvPr id="112" name="pl112"/>
+            <p:cNvSpPr/>
+            <p:nvPr/>
+          </p:nvSpPr>
+          <p:spPr>
+            <a:xfrm>
+              <a:off x="8052175" y="1809173"/>
+              <a:ext cx="0" cy="3245468"/>
+            </a:xfrm>
+            <a:custGeom>
+              <a:avLst/>
+              <a:pathLst>
+                <a:path w="0" h="3245468">
+                  <a:moveTo>
+                    <a:pt x="0" y="3245468"/>
+                  </a:moveTo>
+                  <a:lnTo>
+                    <a:pt x="0" y="0"/>
+                  </a:lnTo>
+                  <a:lnTo>
+                    <a:pt x="0" y="0"/>
                   </a:lnTo>
                 </a:path>
               </a:pathLst>
@@ -6862,27 +7200,27 @@
         </p:sp>
         <p:sp>
           <p:nvSpPr>
-            <p:cNvPr id="100" name="pl100"/>
-            <p:cNvSpPr/>
-            <p:nvPr/>
-          </p:nvSpPr>
-          <p:spPr>
-            <a:xfrm>
-              <a:off x="7641321" y="1915451"/>
-              <a:ext cx="1295770" cy="0"/>
-            </a:xfrm>
-            <a:custGeom>
-              <a:avLst/>
-              <a:pathLst>
-                <a:path w="1295770" h="0">
-                  <a:moveTo>
-                    <a:pt x="0" y="0"/>
-                  </a:moveTo>
-                  <a:lnTo>
-                    <a:pt x="1295770" y="0"/>
-                  </a:lnTo>
-                  <a:lnTo>
-                    <a:pt x="1295770" y="0"/>
+            <p:cNvPr id="113" name="pl113"/>
+            <p:cNvSpPr/>
+            <p:nvPr/>
+          </p:nvSpPr>
+          <p:spPr>
+            <a:xfrm>
+              <a:off x="8210196" y="1809173"/>
+              <a:ext cx="0" cy="3245468"/>
+            </a:xfrm>
+            <a:custGeom>
+              <a:avLst/>
+              <a:pathLst>
+                <a:path w="0" h="3245468">
+                  <a:moveTo>
+                    <a:pt x="0" y="3245468"/>
+                  </a:moveTo>
+                  <a:lnTo>
+                    <a:pt x="0" y="0"/>
+                  </a:lnTo>
+                  <a:lnTo>
+                    <a:pt x="0" y="0"/>
                   </a:lnTo>
                 </a:path>
               </a:pathLst>
@@ -6905,21 +7243,21 @@
         </p:sp>
         <p:sp>
           <p:nvSpPr>
-            <p:cNvPr id="101" name="pl101"/>
-            <p:cNvSpPr/>
-            <p:nvPr/>
-          </p:nvSpPr>
-          <p:spPr>
-            <a:xfrm>
-              <a:off x="7826431" y="1809173"/>
-              <a:ext cx="0" cy="3464924"/>
-            </a:xfrm>
-            <a:custGeom>
-              <a:avLst/>
-              <a:pathLst>
-                <a:path w="0" h="3464924">
-                  <a:moveTo>
-                    <a:pt x="0" y="3464924"/>
+            <p:cNvPr id="114" name="pl114"/>
+            <p:cNvSpPr/>
+            <p:nvPr/>
+          </p:nvSpPr>
+          <p:spPr>
+            <a:xfrm>
+              <a:off x="8368217" y="1809173"/>
+              <a:ext cx="0" cy="3245468"/>
+            </a:xfrm>
+            <a:custGeom>
+              <a:avLst/>
+              <a:pathLst>
+                <a:path w="0" h="3245468">
+                  <a:moveTo>
+                    <a:pt x="0" y="3245468"/>
                   </a:moveTo>
                   <a:lnTo>
                     <a:pt x="0" y="0"/>
@@ -6948,21 +7286,21 @@
         </p:sp>
         <p:sp>
           <p:nvSpPr>
-            <p:cNvPr id="102" name="pl102"/>
-            <p:cNvSpPr/>
-            <p:nvPr/>
-          </p:nvSpPr>
-          <p:spPr>
-            <a:xfrm>
-              <a:off x="8134948" y="1809173"/>
-              <a:ext cx="0" cy="3464924"/>
-            </a:xfrm>
-            <a:custGeom>
-              <a:avLst/>
-              <a:pathLst>
-                <a:path w="0" h="3464924">
-                  <a:moveTo>
-                    <a:pt x="0" y="3464924"/>
+            <p:cNvPr id="115" name="pl115"/>
+            <p:cNvSpPr/>
+            <p:nvPr/>
+          </p:nvSpPr>
+          <p:spPr>
+            <a:xfrm>
+              <a:off x="8526238" y="1809173"/>
+              <a:ext cx="0" cy="3245468"/>
+            </a:xfrm>
+            <a:custGeom>
+              <a:avLst/>
+              <a:pathLst>
+                <a:path w="0" h="3245468">
+                  <a:moveTo>
+                    <a:pt x="0" y="3245468"/>
                   </a:moveTo>
                   <a:lnTo>
                     <a:pt x="0" y="0"/>
@@ -6991,21 +7329,21 @@
         </p:sp>
         <p:sp>
           <p:nvSpPr>
-            <p:cNvPr id="103" name="pl103"/>
-            <p:cNvSpPr/>
-            <p:nvPr/>
-          </p:nvSpPr>
-          <p:spPr>
-            <a:xfrm>
-              <a:off x="8443465" y="1809173"/>
-              <a:ext cx="0" cy="3464924"/>
-            </a:xfrm>
-            <a:custGeom>
-              <a:avLst/>
-              <a:pathLst>
-                <a:path w="0" h="3464924">
-                  <a:moveTo>
-                    <a:pt x="0" y="3464924"/>
+            <p:cNvPr id="116" name="pl116"/>
+            <p:cNvSpPr/>
+            <p:nvPr/>
+          </p:nvSpPr>
+          <p:spPr>
+            <a:xfrm>
+              <a:off x="8684259" y="1809173"/>
+              <a:ext cx="0" cy="3245468"/>
+            </a:xfrm>
+            <a:custGeom>
+              <a:avLst/>
+              <a:pathLst>
+                <a:path w="0" h="3245468">
+                  <a:moveTo>
+                    <a:pt x="0" y="3245468"/>
                   </a:moveTo>
                   <a:lnTo>
                     <a:pt x="0" y="0"/>
@@ -7034,21 +7372,21 @@
         </p:sp>
         <p:sp>
           <p:nvSpPr>
-            <p:cNvPr id="104" name="pl104"/>
-            <p:cNvSpPr/>
-            <p:nvPr/>
-          </p:nvSpPr>
-          <p:spPr>
-            <a:xfrm>
-              <a:off x="8751982" y="1809173"/>
-              <a:ext cx="0" cy="3464924"/>
-            </a:xfrm>
-            <a:custGeom>
-              <a:avLst/>
-              <a:pathLst>
-                <a:path w="0" h="3464924">
-                  <a:moveTo>
-                    <a:pt x="0" y="3464924"/>
+            <p:cNvPr id="117" name="pl117"/>
+            <p:cNvSpPr/>
+            <p:nvPr/>
+          </p:nvSpPr>
+          <p:spPr>
+            <a:xfrm>
+              <a:off x="8842279" y="1809173"/>
+              <a:ext cx="0" cy="3245468"/>
+            </a:xfrm>
+            <a:custGeom>
+              <a:avLst/>
+              <a:pathLst>
+                <a:path w="0" h="3245468">
+                  <a:moveTo>
+                    <a:pt x="0" y="3245468"/>
                   </a:moveTo>
                   <a:lnTo>
                     <a:pt x="0" y="0"/>
@@ -7077,20 +7415,20 @@
         </p:sp>
         <p:sp>
           <p:nvSpPr>
-            <p:cNvPr id="105" name="rc105"/>
-            <p:cNvSpPr/>
-            <p:nvPr/>
-          </p:nvSpPr>
-          <p:spPr>
-            <a:xfrm>
-              <a:off x="7687599" y="5039773"/>
-              <a:ext cx="277665" cy="76827"/>
+            <p:cNvPr id="118" name="rc118"/>
+            <p:cNvSpPr/>
+            <p:nvPr/>
+          </p:nvSpPr>
+          <p:spPr>
+            <a:xfrm>
+              <a:off x="7665024" y="4861163"/>
+              <a:ext cx="142218" cy="45956"/>
             </a:xfrm>
             <a:prstGeom prst="rect">
               <a:avLst/>
             </a:prstGeom>
             <a:solidFill>
-              <a:srgbClr val="FEE5D9">
+              <a:srgbClr val="FFF5F0">
                 <a:alpha val="100000"/>
               </a:srgbClr>
             </a:solidFill>
@@ -7103,20 +7441,20 @@
         </p:sp>
         <p:sp>
           <p:nvSpPr>
-            <p:cNvPr id="106" name="rc106"/>
-            <p:cNvSpPr/>
-            <p:nvPr/>
-          </p:nvSpPr>
-          <p:spPr>
-            <a:xfrm>
-              <a:off x="7996115" y="4489175"/>
-              <a:ext cx="277665" cy="627425"/>
+            <p:cNvPr id="119" name="rc119"/>
+            <p:cNvSpPr/>
+            <p:nvPr/>
+          </p:nvSpPr>
+          <p:spPr>
+            <a:xfrm>
+              <a:off x="7823045" y="4897928"/>
+              <a:ext cx="142218" cy="9191"/>
             </a:xfrm>
             <a:prstGeom prst="rect">
               <a:avLst/>
             </a:prstGeom>
             <a:solidFill>
-              <a:srgbClr val="FCAE91">
+              <a:srgbClr val="FEE0D2">
                 <a:alpha val="100000"/>
               </a:srgbClr>
             </a:solidFill>
@@ -7129,20 +7467,20 @@
         </p:sp>
         <p:sp>
           <p:nvSpPr>
-            <p:cNvPr id="107" name="rc107"/>
-            <p:cNvSpPr/>
-            <p:nvPr/>
-          </p:nvSpPr>
-          <p:spPr>
-            <a:xfrm>
-              <a:off x="8304632" y="4860508"/>
-              <a:ext cx="277665" cy="256091"/>
+            <p:cNvPr id="120" name="rc120"/>
+            <p:cNvSpPr/>
+            <p:nvPr/>
+          </p:nvSpPr>
+          <p:spPr>
+            <a:xfrm>
+              <a:off x="7981066" y="4879546"/>
+              <a:ext cx="142218" cy="27574"/>
             </a:xfrm>
             <a:prstGeom prst="rect">
               <a:avLst/>
             </a:prstGeom>
             <a:solidFill>
-              <a:srgbClr val="FB6A4A">
+              <a:srgbClr val="FCBBA1">
                 <a:alpha val="100000"/>
               </a:srgbClr>
             </a:solidFill>
@@ -7155,14 +7493,66 @@
         </p:sp>
         <p:sp>
           <p:nvSpPr>
-            <p:cNvPr id="108" name="rc108"/>
-            <p:cNvSpPr/>
-            <p:nvPr/>
-          </p:nvSpPr>
-          <p:spPr>
-            <a:xfrm>
-              <a:off x="8613149" y="4822095"/>
-              <a:ext cx="277665" cy="294505"/>
+            <p:cNvPr id="121" name="rc121"/>
+            <p:cNvSpPr/>
+            <p:nvPr/>
+          </p:nvSpPr>
+          <p:spPr>
+            <a:xfrm>
+              <a:off x="8139087" y="4815206"/>
+              <a:ext cx="142218" cy="91913"/>
+            </a:xfrm>
+            <a:prstGeom prst="rect">
+              <a:avLst/>
+            </a:prstGeom>
+            <a:solidFill>
+              <a:srgbClr val="FC9272">
+                <a:alpha val="100000"/>
+              </a:srgbClr>
+            </a:solidFill>
+          </p:spPr>
+          <p:txBody>
+            <a:bodyPr/>
+            <a:lstStyle/>
+            <a:p/>
+          </p:txBody>
+        </p:sp>
+        <p:sp>
+          <p:nvSpPr>
+            <p:cNvPr id="122" name="rc122"/>
+            <p:cNvSpPr/>
+            <p:nvPr/>
+          </p:nvSpPr>
+          <p:spPr>
+            <a:xfrm>
+              <a:off x="8455128" y="4861163"/>
+              <a:ext cx="142218" cy="45956"/>
+            </a:xfrm>
+            <a:prstGeom prst="rect">
+              <a:avLst/>
+            </a:prstGeom>
+            <a:solidFill>
+              <a:srgbClr val="EF3B2C">
+                <a:alpha val="100000"/>
+              </a:srgbClr>
+            </a:solidFill>
+          </p:spPr>
+          <p:txBody>
+            <a:bodyPr/>
+            <a:lstStyle/>
+            <a:p/>
+          </p:txBody>
+        </p:sp>
+        <p:sp>
+          <p:nvSpPr>
+            <p:cNvPr id="123" name="rc123"/>
+            <p:cNvSpPr/>
+            <p:nvPr/>
+          </p:nvSpPr>
+          <p:spPr>
+            <a:xfrm>
+              <a:off x="8613149" y="4897928"/>
+              <a:ext cx="142218" cy="9191"/>
             </a:xfrm>
             <a:prstGeom prst="rect">
               <a:avLst/>
@@ -7181,14 +7571,40 @@
         </p:sp>
         <p:sp>
           <p:nvSpPr>
-            <p:cNvPr id="109" name="rc109"/>
+            <p:cNvPr id="124" name="rc124"/>
+            <p:cNvSpPr/>
+            <p:nvPr/>
+          </p:nvSpPr>
+          <p:spPr>
+            <a:xfrm>
+              <a:off x="8771170" y="4236151"/>
+              <a:ext cx="142218" cy="670969"/>
+            </a:xfrm>
+            <a:prstGeom prst="rect">
+              <a:avLst/>
+            </a:prstGeom>
+            <a:solidFill>
+              <a:srgbClr val="99000D">
+                <a:alpha val="100000"/>
+              </a:srgbClr>
+            </a:solidFill>
+          </p:spPr>
+          <p:txBody>
+            <a:bodyPr/>
+            <a:lstStyle/>
+            <a:p/>
+          </p:txBody>
+        </p:sp>
+        <p:sp>
+          <p:nvSpPr>
+            <p:cNvPr id="125" name="rc125"/>
             <p:cNvSpPr/>
             <p:nvPr/>
           </p:nvSpPr>
           <p:spPr>
             <a:xfrm>
               <a:off x="7641321" y="1809173"/>
-              <a:ext cx="1295770" cy="3464924"/>
+              <a:ext cx="1295770" cy="3245468"/>
             </a:xfrm>
             <a:prstGeom prst="rect">
               <a:avLst/>
@@ -7211,7 +7627,7 @@
         </p:sp>
         <p:sp>
           <p:nvSpPr>
-            <p:cNvPr id="110" name="rc110"/>
+            <p:cNvPr id="126" name="rc126"/>
             <p:cNvSpPr/>
             <p:nvPr/>
           </p:nvSpPr>
@@ -7246,7 +7662,7 @@
         </p:sp>
         <p:sp>
           <p:nvSpPr>
-            <p:cNvPr id="111" name="tx111"/>
+            <p:cNvPr id="127" name="tx127"/>
             <p:cNvSpPr/>
             <p:nvPr/>
           </p:nvSpPr>
@@ -7292,7 +7708,7 @@
         </p:sp>
         <p:sp>
           <p:nvSpPr>
-            <p:cNvPr id="112" name="rc112"/>
+            <p:cNvPr id="128" name="rc128"/>
             <p:cNvSpPr/>
             <p:nvPr/>
           </p:nvSpPr>
@@ -7327,7 +7743,7 @@
         </p:sp>
         <p:sp>
           <p:nvSpPr>
-            <p:cNvPr id="113" name="tx113"/>
+            <p:cNvPr id="129" name="tx129"/>
             <p:cNvSpPr/>
             <p:nvPr/>
           </p:nvSpPr>
@@ -7373,7 +7789,7 @@
         </p:sp>
         <p:sp>
           <p:nvSpPr>
-            <p:cNvPr id="114" name="rc114"/>
+            <p:cNvPr id="130" name="rc130"/>
             <p:cNvSpPr/>
             <p:nvPr/>
           </p:nvSpPr>
@@ -7408,7 +7824,7 @@
         </p:sp>
         <p:sp>
           <p:nvSpPr>
-            <p:cNvPr id="115" name="tx115"/>
+            <p:cNvPr id="131" name="tx131"/>
             <p:cNvSpPr/>
             <p:nvPr/>
           </p:nvSpPr>
@@ -7454,7 +7870,7 @@
         </p:sp>
         <p:sp>
           <p:nvSpPr>
-            <p:cNvPr id="116" name="rc116"/>
+            <p:cNvPr id="132" name="rc132"/>
             <p:cNvSpPr/>
             <p:nvPr/>
           </p:nvSpPr>
@@ -7489,7 +7905,7 @@
         </p:sp>
         <p:sp>
           <p:nvSpPr>
-            <p:cNvPr id="117" name="tx117"/>
+            <p:cNvPr id="133" name="tx133"/>
             <p:cNvSpPr/>
             <p:nvPr/>
           </p:nvSpPr>
@@ -7535,7 +7951,7 @@
         </p:sp>
         <p:sp>
           <p:nvSpPr>
-            <p:cNvPr id="118" name="rc118"/>
+            <p:cNvPr id="134" name="rc134"/>
             <p:cNvSpPr/>
             <p:nvPr/>
           </p:nvSpPr>
@@ -7570,7 +7986,7 @@
         </p:sp>
         <p:sp>
           <p:nvSpPr>
-            <p:cNvPr id="119" name="tx119"/>
+            <p:cNvPr id="135" name="tx135"/>
             <p:cNvSpPr/>
             <p:nvPr/>
           </p:nvSpPr>
@@ -7616,13 +8032,13 @@
         </p:sp>
         <p:sp>
           <p:nvSpPr>
-            <p:cNvPr id="120" name="pl120"/>
-            <p:cNvSpPr/>
-            <p:nvPr/>
-          </p:nvSpPr>
-          <p:spPr>
-            <a:xfrm>
-              <a:off x="2364991" y="5274097"/>
+            <p:cNvPr id="136" name="pl136"/>
+            <p:cNvSpPr/>
+            <p:nvPr/>
+          </p:nvSpPr>
+          <p:spPr>
+            <a:xfrm>
+              <a:off x="2274694" y="5054641"/>
               <a:ext cx="0" cy="34794"/>
             </a:xfrm>
             <a:custGeom>
@@ -7656,13 +8072,13 @@
         </p:sp>
         <p:sp>
           <p:nvSpPr>
-            <p:cNvPr id="121" name="pl121"/>
-            <p:cNvSpPr/>
-            <p:nvPr/>
-          </p:nvSpPr>
-          <p:spPr>
-            <a:xfrm>
-              <a:off x="2673508" y="5274097"/>
+            <p:cNvPr id="137" name="pl137"/>
+            <p:cNvSpPr/>
+            <p:nvPr/>
+          </p:nvSpPr>
+          <p:spPr>
+            <a:xfrm>
+              <a:off x="2432715" y="5054641"/>
               <a:ext cx="0" cy="34794"/>
             </a:xfrm>
             <a:custGeom>
@@ -7696,13 +8112,13 @@
         </p:sp>
         <p:sp>
           <p:nvSpPr>
-            <p:cNvPr id="122" name="pl122"/>
-            <p:cNvSpPr/>
-            <p:nvPr/>
-          </p:nvSpPr>
-          <p:spPr>
-            <a:xfrm>
-              <a:off x="2982025" y="5274097"/>
+            <p:cNvPr id="138" name="pl138"/>
+            <p:cNvSpPr/>
+            <p:nvPr/>
+          </p:nvSpPr>
+          <p:spPr>
+            <a:xfrm>
+              <a:off x="2590735" y="5054641"/>
               <a:ext cx="0" cy="34794"/>
             </a:xfrm>
             <a:custGeom>
@@ -7736,13 +8152,13 @@
         </p:sp>
         <p:sp>
           <p:nvSpPr>
-            <p:cNvPr id="123" name="pl123"/>
-            <p:cNvSpPr/>
-            <p:nvPr/>
-          </p:nvSpPr>
-          <p:spPr>
-            <a:xfrm>
-              <a:off x="3290542" y="5274097"/>
+            <p:cNvPr id="139" name="pl139"/>
+            <p:cNvSpPr/>
+            <p:nvPr/>
+          </p:nvSpPr>
+          <p:spPr>
+            <a:xfrm>
+              <a:off x="2748756" y="5054641"/>
               <a:ext cx="0" cy="34794"/>
             </a:xfrm>
             <a:custGeom>
@@ -7776,13 +8192,13 @@
         </p:sp>
         <p:sp>
           <p:nvSpPr>
-            <p:cNvPr id="124" name="pl124"/>
-            <p:cNvSpPr/>
-            <p:nvPr/>
-          </p:nvSpPr>
-          <p:spPr>
-            <a:xfrm>
-              <a:off x="3730351" y="5274097"/>
+            <p:cNvPr id="140" name="pl140"/>
+            <p:cNvSpPr/>
+            <p:nvPr/>
+          </p:nvSpPr>
+          <p:spPr>
+            <a:xfrm>
+              <a:off x="2906777" y="5054641"/>
               <a:ext cx="0" cy="34794"/>
             </a:xfrm>
             <a:custGeom>
@@ -7816,13 +8232,13 @@
         </p:sp>
         <p:sp>
           <p:nvSpPr>
-            <p:cNvPr id="125" name="pl125"/>
-            <p:cNvSpPr/>
-            <p:nvPr/>
-          </p:nvSpPr>
-          <p:spPr>
-            <a:xfrm>
-              <a:off x="4038868" y="5274097"/>
+            <p:cNvPr id="141" name="pl141"/>
+            <p:cNvSpPr/>
+            <p:nvPr/>
+          </p:nvSpPr>
+          <p:spPr>
+            <a:xfrm>
+              <a:off x="3064798" y="5054641"/>
               <a:ext cx="0" cy="34794"/>
             </a:xfrm>
             <a:custGeom>
@@ -7856,13 +8272,13 @@
         </p:sp>
         <p:sp>
           <p:nvSpPr>
-            <p:cNvPr id="126" name="pl126"/>
-            <p:cNvSpPr/>
-            <p:nvPr/>
-          </p:nvSpPr>
-          <p:spPr>
-            <a:xfrm>
-              <a:off x="4347385" y="5274097"/>
+            <p:cNvPr id="142" name="pl142"/>
+            <p:cNvSpPr/>
+            <p:nvPr/>
+          </p:nvSpPr>
+          <p:spPr>
+            <a:xfrm>
+              <a:off x="3222819" y="5054641"/>
               <a:ext cx="0" cy="34794"/>
             </a:xfrm>
             <a:custGeom>
@@ -7896,13 +8312,13 @@
         </p:sp>
         <p:sp>
           <p:nvSpPr>
-            <p:cNvPr id="127" name="pl127"/>
-            <p:cNvSpPr/>
-            <p:nvPr/>
-          </p:nvSpPr>
-          <p:spPr>
-            <a:xfrm>
-              <a:off x="4655902" y="5274097"/>
+            <p:cNvPr id="143" name="pl143"/>
+            <p:cNvSpPr/>
+            <p:nvPr/>
+          </p:nvSpPr>
+          <p:spPr>
+            <a:xfrm>
+              <a:off x="3380840" y="5054641"/>
               <a:ext cx="0" cy="34794"/>
             </a:xfrm>
             <a:custGeom>
@@ -7936,13 +8352,13 @@
         </p:sp>
         <p:sp>
           <p:nvSpPr>
-            <p:cNvPr id="128" name="pl128"/>
-            <p:cNvSpPr/>
-            <p:nvPr/>
-          </p:nvSpPr>
-          <p:spPr>
-            <a:xfrm>
-              <a:off x="5095711" y="5274097"/>
+            <p:cNvPr id="144" name="pl144"/>
+            <p:cNvSpPr/>
+            <p:nvPr/>
+          </p:nvSpPr>
+          <p:spPr>
+            <a:xfrm>
+              <a:off x="3640054" y="5054641"/>
               <a:ext cx="0" cy="34794"/>
             </a:xfrm>
             <a:custGeom>
@@ -7976,13 +8392,13 @@
         </p:sp>
         <p:sp>
           <p:nvSpPr>
-            <p:cNvPr id="129" name="pl129"/>
-            <p:cNvSpPr/>
-            <p:nvPr/>
-          </p:nvSpPr>
-          <p:spPr>
-            <a:xfrm>
-              <a:off x="5404228" y="5274097"/>
+            <p:cNvPr id="145" name="pl145"/>
+            <p:cNvSpPr/>
+            <p:nvPr/>
+          </p:nvSpPr>
+          <p:spPr>
+            <a:xfrm>
+              <a:off x="3798075" y="5054641"/>
               <a:ext cx="0" cy="34794"/>
             </a:xfrm>
             <a:custGeom>
@@ -8016,13 +8432,13 @@
         </p:sp>
         <p:sp>
           <p:nvSpPr>
-            <p:cNvPr id="130" name="pl130"/>
-            <p:cNvSpPr/>
-            <p:nvPr/>
-          </p:nvSpPr>
-          <p:spPr>
-            <a:xfrm>
-              <a:off x="5712745" y="5274097"/>
+            <p:cNvPr id="146" name="pl146"/>
+            <p:cNvSpPr/>
+            <p:nvPr/>
+          </p:nvSpPr>
+          <p:spPr>
+            <a:xfrm>
+              <a:off x="3956095" y="5054641"/>
               <a:ext cx="0" cy="34794"/>
             </a:xfrm>
             <a:custGeom>
@@ -8056,13 +8472,13 @@
         </p:sp>
         <p:sp>
           <p:nvSpPr>
-            <p:cNvPr id="131" name="pl131"/>
-            <p:cNvSpPr/>
-            <p:nvPr/>
-          </p:nvSpPr>
-          <p:spPr>
-            <a:xfrm>
-              <a:off x="6021262" y="5274097"/>
+            <p:cNvPr id="147" name="pl147"/>
+            <p:cNvSpPr/>
+            <p:nvPr/>
+          </p:nvSpPr>
+          <p:spPr>
+            <a:xfrm>
+              <a:off x="4114116" y="5054641"/>
               <a:ext cx="0" cy="34794"/>
             </a:xfrm>
             <a:custGeom>
@@ -8096,13 +8512,13 @@
         </p:sp>
         <p:sp>
           <p:nvSpPr>
-            <p:cNvPr id="132" name="pl132"/>
-            <p:cNvSpPr/>
-            <p:nvPr/>
-          </p:nvSpPr>
-          <p:spPr>
-            <a:xfrm>
-              <a:off x="6461071" y="5274097"/>
+            <p:cNvPr id="148" name="pl148"/>
+            <p:cNvSpPr/>
+            <p:nvPr/>
+          </p:nvSpPr>
+          <p:spPr>
+            <a:xfrm>
+              <a:off x="4272137" y="5054641"/>
               <a:ext cx="0" cy="34794"/>
             </a:xfrm>
             <a:custGeom>
@@ -8136,13 +8552,13 @@
         </p:sp>
         <p:sp>
           <p:nvSpPr>
-            <p:cNvPr id="133" name="pl133"/>
-            <p:cNvSpPr/>
-            <p:nvPr/>
-          </p:nvSpPr>
-          <p:spPr>
-            <a:xfrm>
-              <a:off x="6769588" y="5274097"/>
+            <p:cNvPr id="149" name="pl149"/>
+            <p:cNvSpPr/>
+            <p:nvPr/>
+          </p:nvSpPr>
+          <p:spPr>
+            <a:xfrm>
+              <a:off x="4430158" y="5054641"/>
               <a:ext cx="0" cy="34794"/>
             </a:xfrm>
             <a:custGeom>
@@ -8176,13 +8592,13 @@
         </p:sp>
         <p:sp>
           <p:nvSpPr>
-            <p:cNvPr id="134" name="pl134"/>
-            <p:cNvSpPr/>
-            <p:nvPr/>
-          </p:nvSpPr>
-          <p:spPr>
-            <a:xfrm>
-              <a:off x="7078105" y="5274097"/>
+            <p:cNvPr id="150" name="pl150"/>
+            <p:cNvSpPr/>
+            <p:nvPr/>
+          </p:nvSpPr>
+          <p:spPr>
+            <a:xfrm>
+              <a:off x="4588179" y="5054641"/>
               <a:ext cx="0" cy="34794"/>
             </a:xfrm>
             <a:custGeom>
@@ -8216,13 +8632,13 @@
         </p:sp>
         <p:sp>
           <p:nvSpPr>
-            <p:cNvPr id="135" name="pl135"/>
-            <p:cNvSpPr/>
-            <p:nvPr/>
-          </p:nvSpPr>
-          <p:spPr>
-            <a:xfrm>
-              <a:off x="7386622" y="5274097"/>
+            <p:cNvPr id="151" name="pl151"/>
+            <p:cNvSpPr/>
+            <p:nvPr/>
+          </p:nvSpPr>
+          <p:spPr>
+            <a:xfrm>
+              <a:off x="4746200" y="5054641"/>
               <a:ext cx="0" cy="34794"/>
             </a:xfrm>
             <a:custGeom>
@@ -8256,13 +8672,13 @@
         </p:sp>
         <p:sp>
           <p:nvSpPr>
-            <p:cNvPr id="136" name="pl136"/>
-            <p:cNvSpPr/>
-            <p:nvPr/>
-          </p:nvSpPr>
-          <p:spPr>
-            <a:xfrm>
-              <a:off x="7826431" y="5274097"/>
+            <p:cNvPr id="152" name="pl152"/>
+            <p:cNvSpPr/>
+            <p:nvPr/>
+          </p:nvSpPr>
+          <p:spPr>
+            <a:xfrm>
+              <a:off x="5005414" y="5054641"/>
               <a:ext cx="0" cy="34794"/>
             </a:xfrm>
             <a:custGeom>
@@ -8296,13 +8712,13 @@
         </p:sp>
         <p:sp>
           <p:nvSpPr>
-            <p:cNvPr id="137" name="pl137"/>
-            <p:cNvSpPr/>
-            <p:nvPr/>
-          </p:nvSpPr>
-          <p:spPr>
-            <a:xfrm>
-              <a:off x="8134948" y="5274097"/>
+            <p:cNvPr id="153" name="pl153"/>
+            <p:cNvSpPr/>
+            <p:nvPr/>
+          </p:nvSpPr>
+          <p:spPr>
+            <a:xfrm>
+              <a:off x="5163434" y="5054641"/>
               <a:ext cx="0" cy="34794"/>
             </a:xfrm>
             <a:custGeom>
@@ -8336,13 +8752,13 @@
         </p:sp>
         <p:sp>
           <p:nvSpPr>
-            <p:cNvPr id="138" name="pl138"/>
-            <p:cNvSpPr/>
-            <p:nvPr/>
-          </p:nvSpPr>
-          <p:spPr>
-            <a:xfrm>
-              <a:off x="8443465" y="5274097"/>
+            <p:cNvPr id="154" name="pl154"/>
+            <p:cNvSpPr/>
+            <p:nvPr/>
+          </p:nvSpPr>
+          <p:spPr>
+            <a:xfrm>
+              <a:off x="5321455" y="5054641"/>
               <a:ext cx="0" cy="34794"/>
             </a:xfrm>
             <a:custGeom>
@@ -8376,13 +8792,13 @@
         </p:sp>
         <p:sp>
           <p:nvSpPr>
-            <p:cNvPr id="139" name="pl139"/>
-            <p:cNvSpPr/>
-            <p:nvPr/>
-          </p:nvSpPr>
-          <p:spPr>
-            <a:xfrm>
-              <a:off x="8751982" y="5274097"/>
+            <p:cNvPr id="155" name="pl155"/>
+            <p:cNvSpPr/>
+            <p:nvPr/>
+          </p:nvSpPr>
+          <p:spPr>
+            <a:xfrm>
+              <a:off x="5479476" y="5054641"/>
               <a:ext cx="0" cy="34794"/>
             </a:xfrm>
             <a:custGeom>
@@ -8416,13 +8832,813 @@
         </p:sp>
         <p:sp>
           <p:nvSpPr>
-            <p:cNvPr id="140" name="tx140"/>
-            <p:cNvSpPr/>
-            <p:nvPr/>
-          </p:nvSpPr>
-          <p:spPr>
-            <a:xfrm>
-              <a:off x="2055095" y="5074909"/>
+            <p:cNvPr id="156" name="pl156"/>
+            <p:cNvSpPr/>
+            <p:nvPr/>
+          </p:nvSpPr>
+          <p:spPr>
+            <a:xfrm>
+              <a:off x="5637497" y="5054641"/>
+              <a:ext cx="0" cy="34794"/>
+            </a:xfrm>
+            <a:custGeom>
+              <a:avLst/>
+              <a:pathLst>
+                <a:path w="0" h="34794">
+                  <a:moveTo>
+                    <a:pt x="0" y="34794"/>
+                  </a:moveTo>
+                  <a:lnTo>
+                    <a:pt x="0" y="0"/>
+                  </a:lnTo>
+                </a:path>
+              </a:pathLst>
+            </a:custGeom>
+            <a:ln w="13550" cap="flat">
+              <a:solidFill>
+                <a:srgbClr val="333333">
+                  <a:alpha val="100000"/>
+                </a:srgbClr>
+              </a:solidFill>
+              <a:prstDash val="solid"/>
+              <a:round/>
+            </a:ln>
+          </p:spPr>
+          <p:txBody>
+            <a:bodyPr/>
+            <a:lstStyle/>
+            <a:p/>
+          </p:txBody>
+        </p:sp>
+        <p:sp>
+          <p:nvSpPr>
+            <p:cNvPr id="157" name="pl157"/>
+            <p:cNvSpPr/>
+            <p:nvPr/>
+          </p:nvSpPr>
+          <p:spPr>
+            <a:xfrm>
+              <a:off x="5795518" y="5054641"/>
+              <a:ext cx="0" cy="34794"/>
+            </a:xfrm>
+            <a:custGeom>
+              <a:avLst/>
+              <a:pathLst>
+                <a:path w="0" h="34794">
+                  <a:moveTo>
+                    <a:pt x="0" y="34794"/>
+                  </a:moveTo>
+                  <a:lnTo>
+                    <a:pt x="0" y="0"/>
+                  </a:lnTo>
+                </a:path>
+              </a:pathLst>
+            </a:custGeom>
+            <a:ln w="13550" cap="flat">
+              <a:solidFill>
+                <a:srgbClr val="333333">
+                  <a:alpha val="100000"/>
+                </a:srgbClr>
+              </a:solidFill>
+              <a:prstDash val="solid"/>
+              <a:round/>
+            </a:ln>
+          </p:spPr>
+          <p:txBody>
+            <a:bodyPr/>
+            <a:lstStyle/>
+            <a:p/>
+          </p:txBody>
+        </p:sp>
+        <p:sp>
+          <p:nvSpPr>
+            <p:cNvPr id="158" name="pl158"/>
+            <p:cNvSpPr/>
+            <p:nvPr/>
+          </p:nvSpPr>
+          <p:spPr>
+            <a:xfrm>
+              <a:off x="5953539" y="5054641"/>
+              <a:ext cx="0" cy="34794"/>
+            </a:xfrm>
+            <a:custGeom>
+              <a:avLst/>
+              <a:pathLst>
+                <a:path w="0" h="34794">
+                  <a:moveTo>
+                    <a:pt x="0" y="34794"/>
+                  </a:moveTo>
+                  <a:lnTo>
+                    <a:pt x="0" y="0"/>
+                  </a:lnTo>
+                </a:path>
+              </a:pathLst>
+            </a:custGeom>
+            <a:ln w="13550" cap="flat">
+              <a:solidFill>
+                <a:srgbClr val="333333">
+                  <a:alpha val="100000"/>
+                </a:srgbClr>
+              </a:solidFill>
+              <a:prstDash val="solid"/>
+              <a:round/>
+            </a:ln>
+          </p:spPr>
+          <p:txBody>
+            <a:bodyPr/>
+            <a:lstStyle/>
+            <a:p/>
+          </p:txBody>
+        </p:sp>
+        <p:sp>
+          <p:nvSpPr>
+            <p:cNvPr id="159" name="pl159"/>
+            <p:cNvSpPr/>
+            <p:nvPr/>
+          </p:nvSpPr>
+          <p:spPr>
+            <a:xfrm>
+              <a:off x="6111560" y="5054641"/>
+              <a:ext cx="0" cy="34794"/>
+            </a:xfrm>
+            <a:custGeom>
+              <a:avLst/>
+              <a:pathLst>
+                <a:path w="0" h="34794">
+                  <a:moveTo>
+                    <a:pt x="0" y="34794"/>
+                  </a:moveTo>
+                  <a:lnTo>
+                    <a:pt x="0" y="0"/>
+                  </a:lnTo>
+                </a:path>
+              </a:pathLst>
+            </a:custGeom>
+            <a:ln w="13550" cap="flat">
+              <a:solidFill>
+                <a:srgbClr val="333333">
+                  <a:alpha val="100000"/>
+                </a:srgbClr>
+              </a:solidFill>
+              <a:prstDash val="solid"/>
+              <a:round/>
+            </a:ln>
+          </p:spPr>
+          <p:txBody>
+            <a:bodyPr/>
+            <a:lstStyle/>
+            <a:p/>
+          </p:txBody>
+        </p:sp>
+        <p:sp>
+          <p:nvSpPr>
+            <p:cNvPr id="160" name="pl160"/>
+            <p:cNvSpPr/>
+            <p:nvPr/>
+          </p:nvSpPr>
+          <p:spPr>
+            <a:xfrm>
+              <a:off x="6370774" y="5054641"/>
+              <a:ext cx="0" cy="34794"/>
+            </a:xfrm>
+            <a:custGeom>
+              <a:avLst/>
+              <a:pathLst>
+                <a:path w="0" h="34794">
+                  <a:moveTo>
+                    <a:pt x="0" y="34794"/>
+                  </a:moveTo>
+                  <a:lnTo>
+                    <a:pt x="0" y="0"/>
+                  </a:lnTo>
+                </a:path>
+              </a:pathLst>
+            </a:custGeom>
+            <a:ln w="13550" cap="flat">
+              <a:solidFill>
+                <a:srgbClr val="333333">
+                  <a:alpha val="100000"/>
+                </a:srgbClr>
+              </a:solidFill>
+              <a:prstDash val="solid"/>
+              <a:round/>
+            </a:ln>
+          </p:spPr>
+          <p:txBody>
+            <a:bodyPr/>
+            <a:lstStyle/>
+            <a:p/>
+          </p:txBody>
+        </p:sp>
+        <p:sp>
+          <p:nvSpPr>
+            <p:cNvPr id="161" name="pl161"/>
+            <p:cNvSpPr/>
+            <p:nvPr/>
+          </p:nvSpPr>
+          <p:spPr>
+            <a:xfrm>
+              <a:off x="6528794" y="5054641"/>
+              <a:ext cx="0" cy="34794"/>
+            </a:xfrm>
+            <a:custGeom>
+              <a:avLst/>
+              <a:pathLst>
+                <a:path w="0" h="34794">
+                  <a:moveTo>
+                    <a:pt x="0" y="34794"/>
+                  </a:moveTo>
+                  <a:lnTo>
+                    <a:pt x="0" y="0"/>
+                  </a:lnTo>
+                </a:path>
+              </a:pathLst>
+            </a:custGeom>
+            <a:ln w="13550" cap="flat">
+              <a:solidFill>
+                <a:srgbClr val="333333">
+                  <a:alpha val="100000"/>
+                </a:srgbClr>
+              </a:solidFill>
+              <a:prstDash val="solid"/>
+              <a:round/>
+            </a:ln>
+          </p:spPr>
+          <p:txBody>
+            <a:bodyPr/>
+            <a:lstStyle/>
+            <a:p/>
+          </p:txBody>
+        </p:sp>
+        <p:sp>
+          <p:nvSpPr>
+            <p:cNvPr id="162" name="pl162"/>
+            <p:cNvSpPr/>
+            <p:nvPr/>
+          </p:nvSpPr>
+          <p:spPr>
+            <a:xfrm>
+              <a:off x="6686815" y="5054641"/>
+              <a:ext cx="0" cy="34794"/>
+            </a:xfrm>
+            <a:custGeom>
+              <a:avLst/>
+              <a:pathLst>
+                <a:path w="0" h="34794">
+                  <a:moveTo>
+                    <a:pt x="0" y="34794"/>
+                  </a:moveTo>
+                  <a:lnTo>
+                    <a:pt x="0" y="0"/>
+                  </a:lnTo>
+                </a:path>
+              </a:pathLst>
+            </a:custGeom>
+            <a:ln w="13550" cap="flat">
+              <a:solidFill>
+                <a:srgbClr val="333333">
+                  <a:alpha val="100000"/>
+                </a:srgbClr>
+              </a:solidFill>
+              <a:prstDash val="solid"/>
+              <a:round/>
+            </a:ln>
+          </p:spPr>
+          <p:txBody>
+            <a:bodyPr/>
+            <a:lstStyle/>
+            <a:p/>
+          </p:txBody>
+        </p:sp>
+        <p:sp>
+          <p:nvSpPr>
+            <p:cNvPr id="163" name="pl163"/>
+            <p:cNvSpPr/>
+            <p:nvPr/>
+          </p:nvSpPr>
+          <p:spPr>
+            <a:xfrm>
+              <a:off x="6844836" y="5054641"/>
+              <a:ext cx="0" cy="34794"/>
+            </a:xfrm>
+            <a:custGeom>
+              <a:avLst/>
+              <a:pathLst>
+                <a:path w="0" h="34794">
+                  <a:moveTo>
+                    <a:pt x="0" y="34794"/>
+                  </a:moveTo>
+                  <a:lnTo>
+                    <a:pt x="0" y="0"/>
+                  </a:lnTo>
+                </a:path>
+              </a:pathLst>
+            </a:custGeom>
+            <a:ln w="13550" cap="flat">
+              <a:solidFill>
+                <a:srgbClr val="333333">
+                  <a:alpha val="100000"/>
+                </a:srgbClr>
+              </a:solidFill>
+              <a:prstDash val="solid"/>
+              <a:round/>
+            </a:ln>
+          </p:spPr>
+          <p:txBody>
+            <a:bodyPr/>
+            <a:lstStyle/>
+            <a:p/>
+          </p:txBody>
+        </p:sp>
+        <p:sp>
+          <p:nvSpPr>
+            <p:cNvPr id="164" name="pl164"/>
+            <p:cNvSpPr/>
+            <p:nvPr/>
+          </p:nvSpPr>
+          <p:spPr>
+            <a:xfrm>
+              <a:off x="7002857" y="5054641"/>
+              <a:ext cx="0" cy="34794"/>
+            </a:xfrm>
+            <a:custGeom>
+              <a:avLst/>
+              <a:pathLst>
+                <a:path w="0" h="34794">
+                  <a:moveTo>
+                    <a:pt x="0" y="34794"/>
+                  </a:moveTo>
+                  <a:lnTo>
+                    <a:pt x="0" y="0"/>
+                  </a:lnTo>
+                </a:path>
+              </a:pathLst>
+            </a:custGeom>
+            <a:ln w="13550" cap="flat">
+              <a:solidFill>
+                <a:srgbClr val="333333">
+                  <a:alpha val="100000"/>
+                </a:srgbClr>
+              </a:solidFill>
+              <a:prstDash val="solid"/>
+              <a:round/>
+            </a:ln>
+          </p:spPr>
+          <p:txBody>
+            <a:bodyPr/>
+            <a:lstStyle/>
+            <a:p/>
+          </p:txBody>
+        </p:sp>
+        <p:sp>
+          <p:nvSpPr>
+            <p:cNvPr id="165" name="pl165"/>
+            <p:cNvSpPr/>
+            <p:nvPr/>
+          </p:nvSpPr>
+          <p:spPr>
+            <a:xfrm>
+              <a:off x="7160878" y="5054641"/>
+              <a:ext cx="0" cy="34794"/>
+            </a:xfrm>
+            <a:custGeom>
+              <a:avLst/>
+              <a:pathLst>
+                <a:path w="0" h="34794">
+                  <a:moveTo>
+                    <a:pt x="0" y="34794"/>
+                  </a:moveTo>
+                  <a:lnTo>
+                    <a:pt x="0" y="0"/>
+                  </a:lnTo>
+                </a:path>
+              </a:pathLst>
+            </a:custGeom>
+            <a:ln w="13550" cap="flat">
+              <a:solidFill>
+                <a:srgbClr val="333333">
+                  <a:alpha val="100000"/>
+                </a:srgbClr>
+              </a:solidFill>
+              <a:prstDash val="solid"/>
+              <a:round/>
+            </a:ln>
+          </p:spPr>
+          <p:txBody>
+            <a:bodyPr/>
+            <a:lstStyle/>
+            <a:p/>
+          </p:txBody>
+        </p:sp>
+        <p:sp>
+          <p:nvSpPr>
+            <p:cNvPr id="166" name="pl166"/>
+            <p:cNvSpPr/>
+            <p:nvPr/>
+          </p:nvSpPr>
+          <p:spPr>
+            <a:xfrm>
+              <a:off x="7318899" y="5054641"/>
+              <a:ext cx="0" cy="34794"/>
+            </a:xfrm>
+            <a:custGeom>
+              <a:avLst/>
+              <a:pathLst>
+                <a:path w="0" h="34794">
+                  <a:moveTo>
+                    <a:pt x="0" y="34794"/>
+                  </a:moveTo>
+                  <a:lnTo>
+                    <a:pt x="0" y="0"/>
+                  </a:lnTo>
+                </a:path>
+              </a:pathLst>
+            </a:custGeom>
+            <a:ln w="13550" cap="flat">
+              <a:solidFill>
+                <a:srgbClr val="333333">
+                  <a:alpha val="100000"/>
+                </a:srgbClr>
+              </a:solidFill>
+              <a:prstDash val="solid"/>
+              <a:round/>
+            </a:ln>
+          </p:spPr>
+          <p:txBody>
+            <a:bodyPr/>
+            <a:lstStyle/>
+            <a:p/>
+          </p:txBody>
+        </p:sp>
+        <p:sp>
+          <p:nvSpPr>
+            <p:cNvPr id="167" name="pl167"/>
+            <p:cNvSpPr/>
+            <p:nvPr/>
+          </p:nvSpPr>
+          <p:spPr>
+            <a:xfrm>
+              <a:off x="7476919" y="5054641"/>
+              <a:ext cx="0" cy="34794"/>
+            </a:xfrm>
+            <a:custGeom>
+              <a:avLst/>
+              <a:pathLst>
+                <a:path w="0" h="34794">
+                  <a:moveTo>
+                    <a:pt x="0" y="34794"/>
+                  </a:moveTo>
+                  <a:lnTo>
+                    <a:pt x="0" y="0"/>
+                  </a:lnTo>
+                </a:path>
+              </a:pathLst>
+            </a:custGeom>
+            <a:ln w="13550" cap="flat">
+              <a:solidFill>
+                <a:srgbClr val="333333">
+                  <a:alpha val="100000"/>
+                </a:srgbClr>
+              </a:solidFill>
+              <a:prstDash val="solid"/>
+              <a:round/>
+            </a:ln>
+          </p:spPr>
+          <p:txBody>
+            <a:bodyPr/>
+            <a:lstStyle/>
+            <a:p/>
+          </p:txBody>
+        </p:sp>
+        <p:sp>
+          <p:nvSpPr>
+            <p:cNvPr id="168" name="pl168"/>
+            <p:cNvSpPr/>
+            <p:nvPr/>
+          </p:nvSpPr>
+          <p:spPr>
+            <a:xfrm>
+              <a:off x="7736134" y="5054641"/>
+              <a:ext cx="0" cy="34794"/>
+            </a:xfrm>
+            <a:custGeom>
+              <a:avLst/>
+              <a:pathLst>
+                <a:path w="0" h="34794">
+                  <a:moveTo>
+                    <a:pt x="0" y="34794"/>
+                  </a:moveTo>
+                  <a:lnTo>
+                    <a:pt x="0" y="0"/>
+                  </a:lnTo>
+                </a:path>
+              </a:pathLst>
+            </a:custGeom>
+            <a:ln w="13550" cap="flat">
+              <a:solidFill>
+                <a:srgbClr val="333333">
+                  <a:alpha val="100000"/>
+                </a:srgbClr>
+              </a:solidFill>
+              <a:prstDash val="solid"/>
+              <a:round/>
+            </a:ln>
+          </p:spPr>
+          <p:txBody>
+            <a:bodyPr/>
+            <a:lstStyle/>
+            <a:p/>
+          </p:txBody>
+        </p:sp>
+        <p:sp>
+          <p:nvSpPr>
+            <p:cNvPr id="169" name="pl169"/>
+            <p:cNvSpPr/>
+            <p:nvPr/>
+          </p:nvSpPr>
+          <p:spPr>
+            <a:xfrm>
+              <a:off x="7894154" y="5054641"/>
+              <a:ext cx="0" cy="34794"/>
+            </a:xfrm>
+            <a:custGeom>
+              <a:avLst/>
+              <a:pathLst>
+                <a:path w="0" h="34794">
+                  <a:moveTo>
+                    <a:pt x="0" y="34794"/>
+                  </a:moveTo>
+                  <a:lnTo>
+                    <a:pt x="0" y="0"/>
+                  </a:lnTo>
+                </a:path>
+              </a:pathLst>
+            </a:custGeom>
+            <a:ln w="13550" cap="flat">
+              <a:solidFill>
+                <a:srgbClr val="333333">
+                  <a:alpha val="100000"/>
+                </a:srgbClr>
+              </a:solidFill>
+              <a:prstDash val="solid"/>
+              <a:round/>
+            </a:ln>
+          </p:spPr>
+          <p:txBody>
+            <a:bodyPr/>
+            <a:lstStyle/>
+            <a:p/>
+          </p:txBody>
+        </p:sp>
+        <p:sp>
+          <p:nvSpPr>
+            <p:cNvPr id="170" name="pl170"/>
+            <p:cNvSpPr/>
+            <p:nvPr/>
+          </p:nvSpPr>
+          <p:spPr>
+            <a:xfrm>
+              <a:off x="8052175" y="5054641"/>
+              <a:ext cx="0" cy="34794"/>
+            </a:xfrm>
+            <a:custGeom>
+              <a:avLst/>
+              <a:pathLst>
+                <a:path w="0" h="34794">
+                  <a:moveTo>
+                    <a:pt x="0" y="34794"/>
+                  </a:moveTo>
+                  <a:lnTo>
+                    <a:pt x="0" y="0"/>
+                  </a:lnTo>
+                </a:path>
+              </a:pathLst>
+            </a:custGeom>
+            <a:ln w="13550" cap="flat">
+              <a:solidFill>
+                <a:srgbClr val="333333">
+                  <a:alpha val="100000"/>
+                </a:srgbClr>
+              </a:solidFill>
+              <a:prstDash val="solid"/>
+              <a:round/>
+            </a:ln>
+          </p:spPr>
+          <p:txBody>
+            <a:bodyPr/>
+            <a:lstStyle/>
+            <a:p/>
+          </p:txBody>
+        </p:sp>
+        <p:sp>
+          <p:nvSpPr>
+            <p:cNvPr id="171" name="pl171"/>
+            <p:cNvSpPr/>
+            <p:nvPr/>
+          </p:nvSpPr>
+          <p:spPr>
+            <a:xfrm>
+              <a:off x="8210196" y="5054641"/>
+              <a:ext cx="0" cy="34794"/>
+            </a:xfrm>
+            <a:custGeom>
+              <a:avLst/>
+              <a:pathLst>
+                <a:path w="0" h="34794">
+                  <a:moveTo>
+                    <a:pt x="0" y="34794"/>
+                  </a:moveTo>
+                  <a:lnTo>
+                    <a:pt x="0" y="0"/>
+                  </a:lnTo>
+                </a:path>
+              </a:pathLst>
+            </a:custGeom>
+            <a:ln w="13550" cap="flat">
+              <a:solidFill>
+                <a:srgbClr val="333333">
+                  <a:alpha val="100000"/>
+                </a:srgbClr>
+              </a:solidFill>
+              <a:prstDash val="solid"/>
+              <a:round/>
+            </a:ln>
+          </p:spPr>
+          <p:txBody>
+            <a:bodyPr/>
+            <a:lstStyle/>
+            <a:p/>
+          </p:txBody>
+        </p:sp>
+        <p:sp>
+          <p:nvSpPr>
+            <p:cNvPr id="172" name="pl172"/>
+            <p:cNvSpPr/>
+            <p:nvPr/>
+          </p:nvSpPr>
+          <p:spPr>
+            <a:xfrm>
+              <a:off x="8368217" y="5054641"/>
+              <a:ext cx="0" cy="34794"/>
+            </a:xfrm>
+            <a:custGeom>
+              <a:avLst/>
+              <a:pathLst>
+                <a:path w="0" h="34794">
+                  <a:moveTo>
+                    <a:pt x="0" y="34794"/>
+                  </a:moveTo>
+                  <a:lnTo>
+                    <a:pt x="0" y="0"/>
+                  </a:lnTo>
+                </a:path>
+              </a:pathLst>
+            </a:custGeom>
+            <a:ln w="13550" cap="flat">
+              <a:solidFill>
+                <a:srgbClr val="333333">
+                  <a:alpha val="100000"/>
+                </a:srgbClr>
+              </a:solidFill>
+              <a:prstDash val="solid"/>
+              <a:round/>
+            </a:ln>
+          </p:spPr>
+          <p:txBody>
+            <a:bodyPr/>
+            <a:lstStyle/>
+            <a:p/>
+          </p:txBody>
+        </p:sp>
+        <p:sp>
+          <p:nvSpPr>
+            <p:cNvPr id="173" name="pl173"/>
+            <p:cNvSpPr/>
+            <p:nvPr/>
+          </p:nvSpPr>
+          <p:spPr>
+            <a:xfrm>
+              <a:off x="8526238" y="5054641"/>
+              <a:ext cx="0" cy="34794"/>
+            </a:xfrm>
+            <a:custGeom>
+              <a:avLst/>
+              <a:pathLst>
+                <a:path w="0" h="34794">
+                  <a:moveTo>
+                    <a:pt x="0" y="34794"/>
+                  </a:moveTo>
+                  <a:lnTo>
+                    <a:pt x="0" y="0"/>
+                  </a:lnTo>
+                </a:path>
+              </a:pathLst>
+            </a:custGeom>
+            <a:ln w="13550" cap="flat">
+              <a:solidFill>
+                <a:srgbClr val="333333">
+                  <a:alpha val="100000"/>
+                </a:srgbClr>
+              </a:solidFill>
+              <a:prstDash val="solid"/>
+              <a:round/>
+            </a:ln>
+          </p:spPr>
+          <p:txBody>
+            <a:bodyPr/>
+            <a:lstStyle/>
+            <a:p/>
+          </p:txBody>
+        </p:sp>
+        <p:sp>
+          <p:nvSpPr>
+            <p:cNvPr id="174" name="pl174"/>
+            <p:cNvSpPr/>
+            <p:nvPr/>
+          </p:nvSpPr>
+          <p:spPr>
+            <a:xfrm>
+              <a:off x="8684259" y="5054641"/>
+              <a:ext cx="0" cy="34794"/>
+            </a:xfrm>
+            <a:custGeom>
+              <a:avLst/>
+              <a:pathLst>
+                <a:path w="0" h="34794">
+                  <a:moveTo>
+                    <a:pt x="0" y="34794"/>
+                  </a:moveTo>
+                  <a:lnTo>
+                    <a:pt x="0" y="0"/>
+                  </a:lnTo>
+                </a:path>
+              </a:pathLst>
+            </a:custGeom>
+            <a:ln w="13550" cap="flat">
+              <a:solidFill>
+                <a:srgbClr val="333333">
+                  <a:alpha val="100000"/>
+                </a:srgbClr>
+              </a:solidFill>
+              <a:prstDash val="solid"/>
+              <a:round/>
+            </a:ln>
+          </p:spPr>
+          <p:txBody>
+            <a:bodyPr/>
+            <a:lstStyle/>
+            <a:p/>
+          </p:txBody>
+        </p:sp>
+        <p:sp>
+          <p:nvSpPr>
+            <p:cNvPr id="175" name="pl175"/>
+            <p:cNvSpPr/>
+            <p:nvPr/>
+          </p:nvSpPr>
+          <p:spPr>
+            <a:xfrm>
+              <a:off x="8842279" y="5054641"/>
+              <a:ext cx="0" cy="34794"/>
+            </a:xfrm>
+            <a:custGeom>
+              <a:avLst/>
+              <a:pathLst>
+                <a:path w="0" h="34794">
+                  <a:moveTo>
+                    <a:pt x="0" y="34794"/>
+                  </a:moveTo>
+                  <a:lnTo>
+                    <a:pt x="0" y="0"/>
+                  </a:lnTo>
+                </a:path>
+              </a:pathLst>
+            </a:custGeom>
+            <a:ln w="13550" cap="flat">
+              <a:solidFill>
+                <a:srgbClr val="333333">
+                  <a:alpha val="100000"/>
+                </a:srgbClr>
+              </a:solidFill>
+              <a:prstDash val="solid"/>
+              <a:round/>
+            </a:ln>
+          </p:spPr>
+          <p:txBody>
+            <a:bodyPr/>
+            <a:lstStyle/>
+            <a:p/>
+          </p:txBody>
+        </p:sp>
+        <p:sp>
+          <p:nvSpPr>
+            <p:cNvPr id="176" name="tx176"/>
+            <p:cNvSpPr/>
+            <p:nvPr/>
+          </p:nvSpPr>
+          <p:spPr>
+            <a:xfrm>
+              <a:off x="2055095" y="4865428"/>
               <a:ext cx="62155" cy="81691"/>
             </a:xfrm>
             <a:prstGeom prst="rect">
@@ -8462,59 +9678,13 @@
         </p:sp>
         <p:sp>
           <p:nvSpPr>
-            <p:cNvPr id="141" name="tx141"/>
-            <p:cNvSpPr/>
-            <p:nvPr/>
-          </p:nvSpPr>
-          <p:spPr>
-            <a:xfrm>
-              <a:off x="1992940" y="4434679"/>
-              <a:ext cx="124311" cy="81691"/>
-            </a:xfrm>
-            <a:prstGeom prst="rect">
-              <a:avLst/>
-            </a:prstGeom>
-            <a:noFill/>
-          </p:spPr>
-          <p:txBody>
-            <a:bodyPr lIns="0" rIns="0" tIns="0" bIns="0" anchorCtr="1" anchor="ctr" wrap="none"/>
-            <a:lstStyle/>
-            <a:p>
-              <a:pPr algn="l" marL="0" marR="0" indent="0">
-                <a:lnSpc>
-                  <a:spcPts val="880"/>
-                </a:lnSpc>
-                <a:spcBef>
-                  <a:spcPts val="0"/>
-                </a:spcBef>
-                <a:spcAft>
-                  <a:spcPts val="0"/>
-                </a:spcAft>
-              </a:pPr>
-              <a:r>
-                <a:rPr sz="880">
-                  <a:solidFill>
-                    <a:srgbClr val="4D4D4D">
-                      <a:alpha val="100000"/>
-                    </a:srgbClr>
-                  </a:solidFill>
-                  <a:latin typeface="Arial"/>
-                  <a:cs typeface="Arial"/>
-                </a:rPr>
-                <a:t>50</a:t>
-              </a:r>
-            </a:p>
-          </p:txBody>
-        </p:sp>
-        <p:sp>
-          <p:nvSpPr>
-            <p:cNvPr id="142" name="tx142"/>
-            <p:cNvSpPr/>
-            <p:nvPr/>
-          </p:nvSpPr>
-          <p:spPr>
-            <a:xfrm>
-              <a:off x="1930784" y="3794449"/>
+            <p:cNvPr id="177" name="tx177"/>
+            <p:cNvSpPr/>
+            <p:nvPr/>
+          </p:nvSpPr>
+          <p:spPr>
+            <a:xfrm>
+              <a:off x="1930784" y="3946292"/>
               <a:ext cx="186466" cy="81691"/>
             </a:xfrm>
             <a:prstGeom prst="rect">
@@ -8554,59 +9724,13 @@
         </p:sp>
         <p:sp>
           <p:nvSpPr>
-            <p:cNvPr id="143" name="tx143"/>
-            <p:cNvSpPr/>
-            <p:nvPr/>
-          </p:nvSpPr>
-          <p:spPr>
-            <a:xfrm>
-              <a:off x="1930784" y="3154219"/>
-              <a:ext cx="186466" cy="81691"/>
-            </a:xfrm>
-            <a:prstGeom prst="rect">
-              <a:avLst/>
-            </a:prstGeom>
-            <a:noFill/>
-          </p:spPr>
-          <p:txBody>
-            <a:bodyPr lIns="0" rIns="0" tIns="0" bIns="0" anchorCtr="1" anchor="ctr" wrap="none"/>
-            <a:lstStyle/>
-            <a:p>
-              <a:pPr algn="l" marL="0" marR="0" indent="0">
-                <a:lnSpc>
-                  <a:spcPts val="880"/>
-                </a:lnSpc>
-                <a:spcBef>
-                  <a:spcPts val="0"/>
-                </a:spcBef>
-                <a:spcAft>
-                  <a:spcPts val="0"/>
-                </a:spcAft>
-              </a:pPr>
-              <a:r>
-                <a:rPr sz="880">
-                  <a:solidFill>
-                    <a:srgbClr val="4D4D4D">
-                      <a:alpha val="100000"/>
-                    </a:srgbClr>
-                  </a:solidFill>
-                  <a:latin typeface="Arial"/>
-                  <a:cs typeface="Arial"/>
-                </a:rPr>
-                <a:t>150</a:t>
-              </a:r>
-            </a:p>
-          </p:txBody>
-        </p:sp>
-        <p:sp>
-          <p:nvSpPr>
-            <p:cNvPr id="144" name="tx144"/>
-            <p:cNvSpPr/>
-            <p:nvPr/>
-          </p:nvSpPr>
-          <p:spPr>
-            <a:xfrm>
-              <a:off x="1930784" y="2513989"/>
+            <p:cNvPr id="178" name="tx178"/>
+            <p:cNvSpPr/>
+            <p:nvPr/>
+          </p:nvSpPr>
+          <p:spPr>
+            <a:xfrm>
+              <a:off x="1930784" y="3027156"/>
               <a:ext cx="186466" cy="81691"/>
             </a:xfrm>
             <a:prstGeom prst="rect">
@@ -8646,14 +9770,14 @@
         </p:sp>
         <p:sp>
           <p:nvSpPr>
-            <p:cNvPr id="145" name="tx145"/>
-            <p:cNvSpPr/>
-            <p:nvPr/>
-          </p:nvSpPr>
-          <p:spPr>
-            <a:xfrm>
-              <a:off x="1930784" y="1873759"/>
-              <a:ext cx="186466" cy="81691"/>
+            <p:cNvPr id="179" name="tx179"/>
+            <p:cNvSpPr/>
+            <p:nvPr/>
+          </p:nvSpPr>
+          <p:spPr>
+            <a:xfrm>
+              <a:off x="1930784" y="2107966"/>
+              <a:ext cx="186466" cy="81746"/>
             </a:xfrm>
             <a:prstGeom prst="rect">
               <a:avLst/>
@@ -8685,20 +9809,20 @@
                   <a:latin typeface="Arial"/>
                   <a:cs typeface="Arial"/>
                 </a:rPr>
-                <a:t>250</a:t>
+                <a:t>300</a:t>
               </a:r>
             </a:p>
           </p:txBody>
         </p:sp>
         <p:sp>
           <p:nvSpPr>
-            <p:cNvPr id="146" name="pl146"/>
-            <p:cNvSpPr/>
-            <p:nvPr/>
-          </p:nvSpPr>
-          <p:spPr>
-            <a:xfrm>
-              <a:off x="2145087" y="5116600"/>
+            <p:cNvPr id="180" name="pl180"/>
+            <p:cNvSpPr/>
+            <p:nvPr/>
+          </p:nvSpPr>
+          <p:spPr>
+            <a:xfrm>
+              <a:off x="2145087" y="4907120"/>
               <a:ext cx="34794" cy="0"/>
             </a:xfrm>
             <a:custGeom>
@@ -8732,13 +9856,13 @@
         </p:sp>
         <p:sp>
           <p:nvSpPr>
-            <p:cNvPr id="147" name="pl147"/>
-            <p:cNvSpPr/>
-            <p:nvPr/>
-          </p:nvSpPr>
-          <p:spPr>
-            <a:xfrm>
-              <a:off x="2145087" y="4476370"/>
+            <p:cNvPr id="181" name="pl181"/>
+            <p:cNvSpPr/>
+            <p:nvPr/>
+          </p:nvSpPr>
+          <p:spPr>
+            <a:xfrm>
+              <a:off x="2145087" y="3987984"/>
               <a:ext cx="34794" cy="0"/>
             </a:xfrm>
             <a:custGeom>
@@ -8772,13 +9896,13 @@
         </p:sp>
         <p:sp>
           <p:nvSpPr>
-            <p:cNvPr id="148" name="pl148"/>
-            <p:cNvSpPr/>
-            <p:nvPr/>
-          </p:nvSpPr>
-          <p:spPr>
-            <a:xfrm>
-              <a:off x="2145087" y="3836141"/>
+            <p:cNvPr id="182" name="pl182"/>
+            <p:cNvSpPr/>
+            <p:nvPr/>
+          </p:nvSpPr>
+          <p:spPr>
+            <a:xfrm>
+              <a:off x="2145087" y="3068848"/>
               <a:ext cx="34794" cy="0"/>
             </a:xfrm>
             <a:custGeom>
@@ -8812,13 +9936,13 @@
         </p:sp>
         <p:sp>
           <p:nvSpPr>
-            <p:cNvPr id="149" name="pl149"/>
-            <p:cNvSpPr/>
-            <p:nvPr/>
-          </p:nvSpPr>
-          <p:spPr>
-            <a:xfrm>
-              <a:off x="2145087" y="3195911"/>
+            <p:cNvPr id="183" name="pl183"/>
+            <p:cNvSpPr/>
+            <p:nvPr/>
+          </p:nvSpPr>
+          <p:spPr>
+            <a:xfrm>
+              <a:off x="2145087" y="2149712"/>
               <a:ext cx="34794" cy="0"/>
             </a:xfrm>
             <a:custGeom>
@@ -8852,94 +9976,14 @@
         </p:sp>
         <p:sp>
           <p:nvSpPr>
-            <p:cNvPr id="150" name="pl150"/>
-            <p:cNvSpPr/>
-            <p:nvPr/>
-          </p:nvSpPr>
-          <p:spPr>
-            <a:xfrm>
-              <a:off x="2145087" y="2555681"/>
-              <a:ext cx="34794" cy="0"/>
-            </a:xfrm>
-            <a:custGeom>
-              <a:avLst/>
-              <a:pathLst>
-                <a:path w="34794" h="0">
-                  <a:moveTo>
-                    <a:pt x="0" y="0"/>
-                  </a:moveTo>
-                  <a:lnTo>
-                    <a:pt x="34794" y="0"/>
-                  </a:lnTo>
-                </a:path>
-              </a:pathLst>
-            </a:custGeom>
-            <a:ln w="13550" cap="flat">
-              <a:solidFill>
-                <a:srgbClr val="333333">
-                  <a:alpha val="100000"/>
-                </a:srgbClr>
-              </a:solidFill>
-              <a:prstDash val="solid"/>
-              <a:round/>
-            </a:ln>
-          </p:spPr>
-          <p:txBody>
-            <a:bodyPr/>
-            <a:lstStyle/>
-            <a:p/>
-          </p:txBody>
-        </p:sp>
-        <p:sp>
-          <p:nvSpPr>
-            <p:cNvPr id="151" name="pl151"/>
-            <p:cNvSpPr/>
-            <p:nvPr/>
-          </p:nvSpPr>
-          <p:spPr>
-            <a:xfrm>
-              <a:off x="2145087" y="1915451"/>
-              <a:ext cx="34794" cy="0"/>
-            </a:xfrm>
-            <a:custGeom>
-              <a:avLst/>
-              <a:pathLst>
-                <a:path w="34794" h="0">
-                  <a:moveTo>
-                    <a:pt x="0" y="0"/>
-                  </a:moveTo>
-                  <a:lnTo>
-                    <a:pt x="34794" y="0"/>
-                  </a:lnTo>
-                </a:path>
-              </a:pathLst>
-            </a:custGeom>
-            <a:ln w="13550" cap="flat">
-              <a:solidFill>
-                <a:srgbClr val="333333">
-                  <a:alpha val="100000"/>
-                </a:srgbClr>
-              </a:solidFill>
-              <a:prstDash val="solid"/>
-              <a:round/>
-            </a:ln>
-          </p:spPr>
-          <p:txBody>
-            <a:bodyPr/>
-            <a:lstStyle/>
-            <a:p/>
-          </p:txBody>
-        </p:sp>
-        <p:sp>
-          <p:nvSpPr>
-            <p:cNvPr id="152" name="rc152"/>
-            <p:cNvSpPr/>
-            <p:nvPr/>
-          </p:nvSpPr>
-          <p:spPr>
-            <a:xfrm>
-              <a:off x="4115433" y="5613598"/>
-              <a:ext cx="2886107" cy="358634"/>
+            <p:cNvPr id="184" name="rc184"/>
+            <p:cNvSpPr/>
+            <p:nvPr/>
+          </p:nvSpPr>
+          <p:spPr>
+            <a:xfrm>
+              <a:off x="2863677" y="5394142"/>
+              <a:ext cx="5389619" cy="578090"/>
             </a:xfrm>
             <a:prstGeom prst="rect">
               <a:avLst/>
@@ -8958,13 +10002,13 @@
         </p:sp>
         <p:sp>
           <p:nvSpPr>
-            <p:cNvPr id="153" name="rc153"/>
-            <p:cNvSpPr/>
-            <p:nvPr/>
-          </p:nvSpPr>
-          <p:spPr>
-            <a:xfrm>
-              <a:off x="4254611" y="5683187"/>
+            <p:cNvPr id="185" name="rc185"/>
+            <p:cNvSpPr/>
+            <p:nvPr/>
+          </p:nvSpPr>
+          <p:spPr>
+            <a:xfrm>
+              <a:off x="3002855" y="5463731"/>
               <a:ext cx="219456" cy="219455"/>
             </a:xfrm>
             <a:prstGeom prst="rect">
@@ -8984,20 +10028,20 @@
         </p:sp>
         <p:sp>
           <p:nvSpPr>
-            <p:cNvPr id="154" name="rc154"/>
-            <p:cNvSpPr/>
-            <p:nvPr/>
-          </p:nvSpPr>
-          <p:spPr>
-            <a:xfrm>
-              <a:off x="4263611" y="5692187"/>
-              <a:ext cx="201455" cy="201456"/>
+            <p:cNvPr id="186" name="rc186"/>
+            <p:cNvSpPr/>
+            <p:nvPr/>
+          </p:nvSpPr>
+          <p:spPr>
+            <a:xfrm>
+              <a:off x="3011855" y="5472731"/>
+              <a:ext cx="201456" cy="201456"/>
             </a:xfrm>
             <a:prstGeom prst="rect">
               <a:avLst/>
             </a:prstGeom>
             <a:solidFill>
-              <a:srgbClr val="FEE5D9">
+              <a:srgbClr val="FFF5F0">
                 <a:alpha val="100000"/>
               </a:srgbClr>
             </a:solidFill>
@@ -9010,14 +10054,14 @@
         </p:sp>
         <p:sp>
           <p:nvSpPr>
-            <p:cNvPr id="155" name="rc155"/>
-            <p:cNvSpPr/>
-            <p:nvPr/>
-          </p:nvSpPr>
-          <p:spPr>
-            <a:xfrm>
-              <a:off x="4994550" y="5683187"/>
-              <a:ext cx="219455" cy="219455"/>
+            <p:cNvPr id="187" name="rc187"/>
+            <p:cNvSpPr/>
+            <p:nvPr/>
+          </p:nvSpPr>
+          <p:spPr>
+            <a:xfrm>
+              <a:off x="3002855" y="5683187"/>
+              <a:ext cx="219456" cy="219455"/>
             </a:xfrm>
             <a:prstGeom prst="rect">
               <a:avLst/>
@@ -9036,20 +10080,20 @@
         </p:sp>
         <p:sp>
           <p:nvSpPr>
-            <p:cNvPr id="156" name="rc156"/>
-            <p:cNvSpPr/>
-            <p:nvPr/>
-          </p:nvSpPr>
-          <p:spPr>
-            <a:xfrm>
-              <a:off x="5003550" y="5692187"/>
+            <p:cNvPr id="188" name="rc188"/>
+            <p:cNvSpPr/>
+            <p:nvPr/>
+          </p:nvSpPr>
+          <p:spPr>
+            <a:xfrm>
+              <a:off x="3011855" y="5692187"/>
               <a:ext cx="201456" cy="201456"/>
             </a:xfrm>
             <a:prstGeom prst="rect">
               <a:avLst/>
             </a:prstGeom>
             <a:solidFill>
-              <a:srgbClr val="FCAE91">
+              <a:srgbClr val="FEE0D2">
                 <a:alpha val="100000"/>
               </a:srgbClr>
             </a:solidFill>
@@ -9062,14 +10106,14 @@
         </p:sp>
         <p:sp>
           <p:nvSpPr>
-            <p:cNvPr id="157" name="rc157"/>
-            <p:cNvSpPr/>
-            <p:nvPr/>
-          </p:nvSpPr>
-          <p:spPr>
-            <a:xfrm>
-              <a:off x="5642363" y="5683187"/>
-              <a:ext cx="219455" cy="219455"/>
+            <p:cNvPr id="189" name="rc189"/>
+            <p:cNvSpPr/>
+            <p:nvPr/>
+          </p:nvSpPr>
+          <p:spPr>
+            <a:xfrm>
+              <a:off x="3777769" y="5463731"/>
+              <a:ext cx="219456" cy="219455"/>
             </a:xfrm>
             <a:prstGeom prst="rect">
               <a:avLst/>
@@ -9088,14 +10132,118 @@
         </p:sp>
         <p:sp>
           <p:nvSpPr>
-            <p:cNvPr id="158" name="rc158"/>
-            <p:cNvSpPr/>
-            <p:nvPr/>
-          </p:nvSpPr>
-          <p:spPr>
-            <a:xfrm>
-              <a:off x="5651363" y="5692187"/>
+            <p:cNvPr id="190" name="rc190"/>
+            <p:cNvSpPr/>
+            <p:nvPr/>
+          </p:nvSpPr>
+          <p:spPr>
+            <a:xfrm>
+              <a:off x="3786769" y="5472731"/>
               <a:ext cx="201456" cy="201456"/>
+            </a:xfrm>
+            <a:prstGeom prst="rect">
+              <a:avLst/>
+            </a:prstGeom>
+            <a:solidFill>
+              <a:srgbClr val="FCBBA1">
+                <a:alpha val="100000"/>
+              </a:srgbClr>
+            </a:solidFill>
+          </p:spPr>
+          <p:txBody>
+            <a:bodyPr/>
+            <a:lstStyle/>
+            <a:p/>
+          </p:txBody>
+        </p:sp>
+        <p:sp>
+          <p:nvSpPr>
+            <p:cNvPr id="191" name="rc191"/>
+            <p:cNvSpPr/>
+            <p:nvPr/>
+          </p:nvSpPr>
+          <p:spPr>
+            <a:xfrm>
+              <a:off x="3777769" y="5683187"/>
+              <a:ext cx="219456" cy="219455"/>
+            </a:xfrm>
+            <a:prstGeom prst="rect">
+              <a:avLst/>
+            </a:prstGeom>
+            <a:solidFill>
+              <a:srgbClr val="FFFFFF">
+                <a:alpha val="100000"/>
+              </a:srgbClr>
+            </a:solidFill>
+          </p:spPr>
+          <p:txBody>
+            <a:bodyPr/>
+            <a:lstStyle/>
+            <a:p/>
+          </p:txBody>
+        </p:sp>
+        <p:sp>
+          <p:nvSpPr>
+            <p:cNvPr id="192" name="rc192"/>
+            <p:cNvSpPr/>
+            <p:nvPr/>
+          </p:nvSpPr>
+          <p:spPr>
+            <a:xfrm>
+              <a:off x="3786769" y="5692187"/>
+              <a:ext cx="201456" cy="201456"/>
+            </a:xfrm>
+            <a:prstGeom prst="rect">
+              <a:avLst/>
+            </a:prstGeom>
+            <a:solidFill>
+              <a:srgbClr val="FC9272">
+                <a:alpha val="100000"/>
+              </a:srgbClr>
+            </a:solidFill>
+          </p:spPr>
+          <p:txBody>
+            <a:bodyPr/>
+            <a:lstStyle/>
+            <a:p/>
+          </p:txBody>
+        </p:sp>
+        <p:sp>
+          <p:nvSpPr>
+            <p:cNvPr id="193" name="rc193"/>
+            <p:cNvSpPr/>
+            <p:nvPr/>
+          </p:nvSpPr>
+          <p:spPr>
+            <a:xfrm>
+              <a:off x="4679786" y="5463731"/>
+              <a:ext cx="219456" cy="219455"/>
+            </a:xfrm>
+            <a:prstGeom prst="rect">
+              <a:avLst/>
+            </a:prstGeom>
+            <a:solidFill>
+              <a:srgbClr val="FFFFFF">
+                <a:alpha val="100000"/>
+              </a:srgbClr>
+            </a:solidFill>
+          </p:spPr>
+          <p:txBody>
+            <a:bodyPr/>
+            <a:lstStyle/>
+            <a:p/>
+          </p:txBody>
+        </p:sp>
+        <p:sp>
+          <p:nvSpPr>
+            <p:cNvPr id="194" name="rc194"/>
+            <p:cNvSpPr/>
+            <p:nvPr/>
+          </p:nvSpPr>
+          <p:spPr>
+            <a:xfrm>
+              <a:off x="4688786" y="5472731"/>
+              <a:ext cx="201455" cy="201456"/>
             </a:xfrm>
             <a:prstGeom prst="rect">
               <a:avLst/>
@@ -9114,14 +10262,14 @@
         </p:sp>
         <p:sp>
           <p:nvSpPr>
-            <p:cNvPr id="159" name="rc159"/>
-            <p:cNvSpPr/>
-            <p:nvPr/>
-          </p:nvSpPr>
-          <p:spPr>
-            <a:xfrm>
-              <a:off x="6353727" y="5683187"/>
-              <a:ext cx="219455" cy="219455"/>
+            <p:cNvPr id="195" name="rc195"/>
+            <p:cNvSpPr/>
+            <p:nvPr/>
+          </p:nvSpPr>
+          <p:spPr>
+            <a:xfrm>
+              <a:off x="4679786" y="5683187"/>
+              <a:ext cx="219456" cy="219455"/>
             </a:xfrm>
             <a:prstGeom prst="rect">
               <a:avLst/>
@@ -9140,13 +10288,65 @@
         </p:sp>
         <p:sp>
           <p:nvSpPr>
-            <p:cNvPr id="160" name="rc160"/>
-            <p:cNvSpPr/>
-            <p:nvPr/>
-          </p:nvSpPr>
-          <p:spPr>
-            <a:xfrm>
-              <a:off x="6362727" y="5692187"/>
+            <p:cNvPr id="196" name="rc196"/>
+            <p:cNvSpPr/>
+            <p:nvPr/>
+          </p:nvSpPr>
+          <p:spPr>
+            <a:xfrm>
+              <a:off x="4688786" y="5692187"/>
+              <a:ext cx="201455" cy="201456"/>
+            </a:xfrm>
+            <a:prstGeom prst="rect">
+              <a:avLst/>
+            </a:prstGeom>
+            <a:solidFill>
+              <a:srgbClr val="EF3B2C">
+                <a:alpha val="100000"/>
+              </a:srgbClr>
+            </a:solidFill>
+          </p:spPr>
+          <p:txBody>
+            <a:bodyPr/>
+            <a:lstStyle/>
+            <a:p/>
+          </p:txBody>
+        </p:sp>
+        <p:sp>
+          <p:nvSpPr>
+            <p:cNvPr id="197" name="rc197"/>
+            <p:cNvSpPr/>
+            <p:nvPr/>
+          </p:nvSpPr>
+          <p:spPr>
+            <a:xfrm>
+              <a:off x="5581802" y="5463731"/>
+              <a:ext cx="219455" cy="219455"/>
+            </a:xfrm>
+            <a:prstGeom prst="rect">
+              <a:avLst/>
+            </a:prstGeom>
+            <a:solidFill>
+              <a:srgbClr val="FFFFFF">
+                <a:alpha val="100000"/>
+              </a:srgbClr>
+            </a:solidFill>
+          </p:spPr>
+          <p:txBody>
+            <a:bodyPr/>
+            <a:lstStyle/>
+            <a:p/>
+          </p:txBody>
+        </p:sp>
+        <p:sp>
+          <p:nvSpPr>
+            <p:cNvPr id="198" name="rc198"/>
+            <p:cNvSpPr/>
+            <p:nvPr/>
+          </p:nvSpPr>
+          <p:spPr>
+            <a:xfrm>
+              <a:off x="5590802" y="5472731"/>
               <a:ext cx="201456" cy="201456"/>
             </a:xfrm>
             <a:prstGeom prst="rect">
@@ -9166,14 +10366,66 @@
         </p:sp>
         <p:sp>
           <p:nvSpPr>
-            <p:cNvPr id="161" name="tx161"/>
-            <p:cNvSpPr/>
-            <p:nvPr/>
-          </p:nvSpPr>
-          <p:spPr>
-            <a:xfrm>
-              <a:off x="4543656" y="5763065"/>
-              <a:ext cx="335280" cy="69850"/>
+            <p:cNvPr id="199" name="rc199"/>
+            <p:cNvSpPr/>
+            <p:nvPr/>
+          </p:nvSpPr>
+          <p:spPr>
+            <a:xfrm>
+              <a:off x="5581802" y="5683187"/>
+              <a:ext cx="219455" cy="219455"/>
+            </a:xfrm>
+            <a:prstGeom prst="rect">
+              <a:avLst/>
+            </a:prstGeom>
+            <a:solidFill>
+              <a:srgbClr val="FFFFFF">
+                <a:alpha val="100000"/>
+              </a:srgbClr>
+            </a:solidFill>
+          </p:spPr>
+          <p:txBody>
+            <a:bodyPr/>
+            <a:lstStyle/>
+            <a:p/>
+          </p:txBody>
+        </p:sp>
+        <p:sp>
+          <p:nvSpPr>
+            <p:cNvPr id="200" name="rc200"/>
+            <p:cNvSpPr/>
+            <p:nvPr/>
+          </p:nvSpPr>
+          <p:spPr>
+            <a:xfrm>
+              <a:off x="5590802" y="5692187"/>
+              <a:ext cx="201456" cy="201456"/>
+            </a:xfrm>
+            <a:prstGeom prst="rect">
+              <a:avLst/>
+            </a:prstGeom>
+            <a:solidFill>
+              <a:srgbClr val="99000D">
+                <a:alpha val="100000"/>
+              </a:srgbClr>
+            </a:solidFill>
+          </p:spPr>
+          <p:txBody>
+            <a:bodyPr/>
+            <a:lstStyle/>
+            <a:p/>
+          </p:txBody>
+        </p:sp>
+        <p:sp>
+          <p:nvSpPr>
+            <p:cNvPr id="201" name="tx201"/>
+            <p:cNvSpPr/>
+            <p:nvPr/>
+          </p:nvSpPr>
+          <p:spPr>
+            <a:xfrm>
+              <a:off x="3291900" y="5531767"/>
+              <a:ext cx="269468" cy="81691"/>
             </a:xfrm>
             <a:prstGeom prst="rect">
               <a:avLst/>
@@ -9205,21 +10457,21 @@
                   <a:latin typeface="Arial"/>
                   <a:cs typeface="Arial"/>
                 </a:rPr>
-                <a:t>单一菌株</a:t>
+                <a:t>≤10亿</a:t>
               </a:r>
             </a:p>
           </p:txBody>
         </p:sp>
         <p:sp>
           <p:nvSpPr>
-            <p:cNvPr id="162" name="tx162"/>
-            <p:cNvSpPr/>
-            <p:nvPr/>
-          </p:nvSpPr>
-          <p:spPr>
-            <a:xfrm>
-              <a:off x="5283595" y="5751223"/>
-              <a:ext cx="245348" cy="81691"/>
+            <p:cNvPr id="202" name="tx202"/>
+            <p:cNvSpPr/>
+            <p:nvPr/>
+          </p:nvSpPr>
+          <p:spPr>
+            <a:xfrm>
+              <a:off x="3291900" y="5751223"/>
+              <a:ext cx="393779" cy="81691"/>
             </a:xfrm>
             <a:prstGeom prst="rect">
               <a:avLst/>
@@ -9251,21 +10503,21 @@
                   <a:latin typeface="Arial"/>
                   <a:cs typeface="Arial"/>
                 </a:rPr>
-                <a:t>2-5个</a:t>
+                <a:t>≥1000亿</a:t>
               </a:r>
             </a:p>
           </p:txBody>
         </p:sp>
         <p:sp>
           <p:nvSpPr>
-            <p:cNvPr id="163" name="tx163"/>
-            <p:cNvSpPr/>
-            <p:nvPr/>
-          </p:nvSpPr>
-          <p:spPr>
-            <a:xfrm>
-              <a:off x="5931408" y="5751223"/>
-              <a:ext cx="307503" cy="81691"/>
+            <p:cNvPr id="203" name="tx203"/>
+            <p:cNvSpPr/>
+            <p:nvPr/>
+          </p:nvSpPr>
+          <p:spPr>
+            <a:xfrm>
+              <a:off x="4066814" y="5531767"/>
+              <a:ext cx="369659" cy="81691"/>
             </a:xfrm>
             <a:prstGeom prst="rect">
               <a:avLst/>
@@ -9297,21 +10549,21 @@
                   <a:latin typeface="Arial"/>
                   <a:cs typeface="Arial"/>
                 </a:rPr>
-                <a:t>6-10个</a:t>
+                <a:t>10-50亿</a:t>
               </a:r>
             </a:p>
           </p:txBody>
         </p:sp>
         <p:sp>
           <p:nvSpPr>
-            <p:cNvPr id="164" name="tx164"/>
-            <p:cNvSpPr/>
-            <p:nvPr/>
-          </p:nvSpPr>
-          <p:spPr>
-            <a:xfrm>
-              <a:off x="6642772" y="5751223"/>
-              <a:ext cx="269468" cy="81691"/>
+            <p:cNvPr id="204" name="tx204"/>
+            <p:cNvSpPr/>
+            <p:nvPr/>
+          </p:nvSpPr>
+          <p:spPr>
+            <a:xfrm>
+              <a:off x="4066814" y="5751169"/>
+              <a:ext cx="493970" cy="81746"/>
             </a:xfrm>
             <a:prstGeom prst="rect">
               <a:avLst/>
@@ -9343,7 +10595,191 @@
                   <a:latin typeface="Arial"/>
                   <a:cs typeface="Arial"/>
                 </a:rPr>
-                <a:t>≥10个</a:t>
+                <a:t>100-300亿</a:t>
+              </a:r>
+            </a:p>
+          </p:txBody>
+        </p:sp>
+        <p:sp>
+          <p:nvSpPr>
+            <p:cNvPr id="205" name="tx205"/>
+            <p:cNvSpPr/>
+            <p:nvPr/>
+          </p:nvSpPr>
+          <p:spPr>
+            <a:xfrm>
+              <a:off x="4968831" y="5531713"/>
+              <a:ext cx="493970" cy="81746"/>
+            </a:xfrm>
+            <a:prstGeom prst="rect">
+              <a:avLst/>
+            </a:prstGeom>
+            <a:noFill/>
+          </p:spPr>
+          <p:txBody>
+            <a:bodyPr lIns="0" rIns="0" tIns="0" bIns="0" anchorCtr="1" anchor="ctr" wrap="none"/>
+            <a:lstStyle/>
+            <a:p>
+              <a:pPr algn="l" marL="0" marR="0" indent="0">
+                <a:lnSpc>
+                  <a:spcPts val="880"/>
+                </a:lnSpc>
+                <a:spcBef>
+                  <a:spcPts val="0"/>
+                </a:spcBef>
+                <a:spcAft>
+                  <a:spcPts val="0"/>
+                </a:spcAft>
+              </a:pPr>
+              <a:r>
+                <a:rPr sz="880">
+                  <a:solidFill>
+                    <a:srgbClr val="000000">
+                      <a:alpha val="100000"/>
+                    </a:srgbClr>
+                  </a:solidFill>
+                  <a:latin typeface="Arial"/>
+                  <a:cs typeface="Arial"/>
+                </a:rPr>
+                <a:t>300-500亿</a:t>
+              </a:r>
+            </a:p>
+          </p:txBody>
+        </p:sp>
+        <p:sp>
+          <p:nvSpPr>
+            <p:cNvPr id="206" name="tx206"/>
+            <p:cNvSpPr/>
+            <p:nvPr/>
+          </p:nvSpPr>
+          <p:spPr>
+            <a:xfrm>
+              <a:off x="4968831" y="5751223"/>
+              <a:ext cx="431814" cy="81691"/>
+            </a:xfrm>
+            <a:prstGeom prst="rect">
+              <a:avLst/>
+            </a:prstGeom>
+            <a:noFill/>
+          </p:spPr>
+          <p:txBody>
+            <a:bodyPr lIns="0" rIns="0" tIns="0" bIns="0" anchorCtr="1" anchor="ctr" wrap="none"/>
+            <a:lstStyle/>
+            <a:p>
+              <a:pPr algn="l" marL="0" marR="0" indent="0">
+                <a:lnSpc>
+                  <a:spcPts val="880"/>
+                </a:lnSpc>
+                <a:spcBef>
+                  <a:spcPts val="0"/>
+                </a:spcBef>
+                <a:spcAft>
+                  <a:spcPts val="0"/>
+                </a:spcAft>
+              </a:pPr>
+              <a:r>
+                <a:rPr sz="880">
+                  <a:solidFill>
+                    <a:srgbClr val="000000">
+                      <a:alpha val="100000"/>
+                    </a:srgbClr>
+                  </a:solidFill>
+                  <a:latin typeface="Arial"/>
+                  <a:cs typeface="Arial"/>
+                </a:rPr>
+                <a:t>50-100亿</a:t>
+              </a:r>
+            </a:p>
+          </p:txBody>
+        </p:sp>
+        <p:sp>
+          <p:nvSpPr>
+            <p:cNvPr id="207" name="tx207"/>
+            <p:cNvSpPr/>
+            <p:nvPr/>
+          </p:nvSpPr>
+          <p:spPr>
+            <a:xfrm>
+              <a:off x="5870847" y="5531767"/>
+              <a:ext cx="556126" cy="81691"/>
+            </a:xfrm>
+            <a:prstGeom prst="rect">
+              <a:avLst/>
+            </a:prstGeom>
+            <a:noFill/>
+          </p:spPr>
+          <p:txBody>
+            <a:bodyPr lIns="0" rIns="0" tIns="0" bIns="0" anchorCtr="1" anchor="ctr" wrap="none"/>
+            <a:lstStyle/>
+            <a:p>
+              <a:pPr algn="l" marL="0" marR="0" indent="0">
+                <a:lnSpc>
+                  <a:spcPts val="880"/>
+                </a:lnSpc>
+                <a:spcBef>
+                  <a:spcPts val="0"/>
+                </a:spcBef>
+                <a:spcAft>
+                  <a:spcPts val="0"/>
+                </a:spcAft>
+              </a:pPr>
+              <a:r>
+                <a:rPr sz="880">
+                  <a:solidFill>
+                    <a:srgbClr val="000000">
+                      <a:alpha val="100000"/>
+                    </a:srgbClr>
+                  </a:solidFill>
+                  <a:latin typeface="Arial"/>
+                  <a:cs typeface="Arial"/>
+                </a:rPr>
+                <a:t>500-1000亿</a:t>
+              </a:r>
+            </a:p>
+          </p:txBody>
+        </p:sp>
+        <p:sp>
+          <p:nvSpPr>
+            <p:cNvPr id="208" name="tx208"/>
+            <p:cNvSpPr/>
+            <p:nvPr/>
+          </p:nvSpPr>
+          <p:spPr>
+            <a:xfrm>
+              <a:off x="5870847" y="5750187"/>
+              <a:ext cx="2157546" cy="82728"/>
+            </a:xfrm>
+            <a:prstGeom prst="rect">
+              <a:avLst/>
+            </a:prstGeom>
+            <a:noFill/>
+          </p:spPr>
+          <p:txBody>
+            <a:bodyPr lIns="0" rIns="0" tIns="0" bIns="0" anchorCtr="1" anchor="ctr" wrap="none"/>
+            <a:lstStyle/>
+            <a:p>
+              <a:pPr algn="l" marL="0" marR="0" indent="0">
+                <a:lnSpc>
+                  <a:spcPts val="880"/>
+                </a:lnSpc>
+                <a:spcBef>
+                  <a:spcPts val="0"/>
+                </a:spcBef>
+                <a:spcAft>
+                  <a:spcPts val="0"/>
+                </a:spcAft>
+              </a:pPr>
+              <a:r>
+                <a:rPr sz="880">
+                  <a:solidFill>
+                    <a:srgbClr val="000000">
+                      <a:alpha val="100000"/>
+                    </a:srgbClr>
+                  </a:solidFill>
+                  <a:latin typeface="Arial"/>
+                  <a:cs typeface="Arial"/>
+                </a:rPr>
+                <a:t>基于人体临床随机对照试验（RCT）实际起效的菌数而定</a:t>
               </a:r>
             </a:p>
           </p:txBody>
